--- a/course slides/week_02.pptx
+++ b/course slides/week_02.pptx
@@ -5,14 +5,17 @@
     <p:sldMasterId id="2147483648" r:id="rId1"/>
   </p:sldMasterIdLst>
   <p:notesMasterIdLst>
-    <p:notesMasterId r:id="rId7"/>
+    <p:notesMasterId r:id="rId10"/>
   </p:notesMasterIdLst>
   <p:sldIdLst>
     <p:sldId id="256" r:id="rId2"/>
     <p:sldId id="272" r:id="rId3"/>
     <p:sldId id="265" r:id="rId4"/>
-    <p:sldId id="271" r:id="rId5"/>
-    <p:sldId id="270" r:id="rId6"/>
+    <p:sldId id="273" r:id="rId5"/>
+    <p:sldId id="274" r:id="rId6"/>
+    <p:sldId id="276" r:id="rId7"/>
+    <p:sldId id="277" r:id="rId8"/>
+    <p:sldId id="270" r:id="rId9"/>
   </p:sldIdLst>
   <p:sldSz cx="12192000" cy="6858000"/>
   <p:notesSz cx="6858000" cy="9144000"/>
@@ -685,24 +688,17 @@
           <a:p>
             <a:r>
               <a:rPr lang="en-US" dirty="0"/>
-              <a:t>Model card:  model details/ intended use/ factors/ metrics/evaluation data/ training data/ </a:t>
+              <a:t>It’s a crude constraint. The rate for both population should be the same.  Doesn’t specify how many are granted. It’s a two-sided parity – prevents discrimination against circles.</a:t>
             </a:r>
-            <a:r>
-              <a:rPr lang="en-US" dirty="0" err="1"/>
-              <a:t>quantitave</a:t>
-            </a:r>
-            <a:r>
-              <a:rPr lang="en-US" dirty="0"/>
-              <a:t> analysis/ ethical </a:t>
-            </a:r>
-            <a:r>
-              <a:rPr lang="en-US" dirty="0" err="1"/>
-              <a:t>consideratations</a:t>
-            </a:r>
-            <a:r>
-              <a:rPr lang="en-US" dirty="0"/>
-              <a:t>/ caveats &amp; recs</a:t>
-            </a:r>
+          </a:p>
+          <a:p>
+            <a:endParaRPr lang="en-US" dirty="0"/>
+          </a:p>
+          <a:p>
+            <a:endParaRPr lang="en-US" dirty="0"/>
+          </a:p>
+          <a:p>
+            <a:endParaRPr lang="en-US" dirty="0"/>
           </a:p>
           <a:p>
             <a:endParaRPr lang="en-US" dirty="0"/>
@@ -735,7 +731,504 @@
     </p:spTree>
     <p:extLst>
       <p:ext uri="{BB962C8B-B14F-4D97-AF65-F5344CB8AC3E}">
-        <p14:creationId xmlns:p14="http://schemas.microsoft.com/office/powerpoint/2010/main" val="3341417039"/>
+        <p14:creationId xmlns:p14="http://schemas.microsoft.com/office/powerpoint/2010/main" val="3205990145"/>
+      </p:ext>
+    </p:extLst>
+  </p:cSld>
+  <p:clrMapOvr>
+    <a:masterClrMapping/>
+  </p:clrMapOvr>
+</p:notes>
+</file>
+
+<file path=ppt/notesSlides/notesSlide4.xml><?xml version="1.0" encoding="utf-8"?>
+<p:notes xmlns:a="http://schemas.openxmlformats.org/drawingml/2006/main" xmlns:r="http://schemas.openxmlformats.org/officeDocument/2006/relationships" xmlns:p="http://schemas.openxmlformats.org/presentationml/2006/main">
+  <p:cSld>
+    <p:spTree>
+      <p:nvGrpSpPr>
+        <p:cNvPr id="1" name=""/>
+        <p:cNvGrpSpPr/>
+        <p:nvPr/>
+      </p:nvGrpSpPr>
+      <p:grpSpPr>
+        <a:xfrm>
+          <a:off x="0" y="0"/>
+          <a:ext cx="0" cy="0"/>
+          <a:chOff x="0" y="0"/>
+          <a:chExt cx="0" cy="0"/>
+        </a:xfrm>
+      </p:grpSpPr>
+      <p:sp>
+        <p:nvSpPr>
+          <p:cNvPr id="2" name="Slide Image Placeholder 1"/>
+          <p:cNvSpPr>
+            <a:spLocks noGrp="1" noRot="1" noChangeAspect="1"/>
+          </p:cNvSpPr>
+          <p:nvPr>
+            <p:ph type="sldImg"/>
+          </p:nvPr>
+        </p:nvSpPr>
+        <p:spPr/>
+      </p:sp>
+      <p:sp>
+        <p:nvSpPr>
+          <p:cNvPr id="3" name="Notes Placeholder 2"/>
+          <p:cNvSpPr>
+            <a:spLocks noGrp="1"/>
+          </p:cNvSpPr>
+          <p:nvPr>
+            <p:ph type="body" idx="1"/>
+          </p:nvPr>
+        </p:nvSpPr>
+        <p:spPr/>
+        <p:txBody>
+          <a:bodyPr/>
+          <a:lstStyle/>
+          <a:p>
+            <a:r>
+              <a:rPr lang="en-US" dirty="0"/>
+              <a:t>Think about supervised learning – here there is no mention of X </a:t>
+            </a:r>
+          </a:p>
+          <a:p>
+            <a:r>
+              <a:rPr lang="en-US" dirty="0"/>
+              <a:t>So you can randomly give admission to circles and squares -&gt; what about merit-based? We can </a:t>
+            </a:r>
+            <a:r>
+              <a:rPr lang="en-US" dirty="0" err="1"/>
+              <a:t>accomodate</a:t>
+            </a:r>
+            <a:r>
+              <a:rPr lang="en-US" dirty="0"/>
+              <a:t>. The fact that this is a bad </a:t>
+            </a:r>
+            <a:r>
+              <a:rPr lang="en-US" dirty="0" err="1"/>
+              <a:t>algo</a:t>
+            </a:r>
+            <a:r>
+              <a:rPr lang="en-US" dirty="0"/>
+              <a:t>, doesn’t mean there can be a good one that satisfies X and fairness</a:t>
+            </a:r>
+          </a:p>
+          <a:p>
+            <a:r>
+              <a:rPr lang="en-US" dirty="0"/>
+              <a:t>This is good if you want to start fresh with no prior data</a:t>
+            </a:r>
+          </a:p>
+          <a:p>
+            <a:endParaRPr lang="en-US" dirty="0"/>
+          </a:p>
+        </p:txBody>
+      </p:sp>
+      <p:sp>
+        <p:nvSpPr>
+          <p:cNvPr id="4" name="Slide Number Placeholder 3"/>
+          <p:cNvSpPr>
+            <a:spLocks noGrp="1"/>
+          </p:cNvSpPr>
+          <p:nvPr>
+            <p:ph type="sldNum" sz="quarter" idx="5"/>
+          </p:nvPr>
+        </p:nvSpPr>
+        <p:spPr/>
+        <p:txBody>
+          <a:bodyPr/>
+          <a:lstStyle/>
+          <a:p>
+            <a:fld id="{80E982A1-5A81-7746-934C-61A23258E6B4}" type="slidenum">
+              <a:rPr lang="en-US" smtClean="0"/>
+              <a:t>5</a:t>
+            </a:fld>
+            <a:endParaRPr lang="en-US"/>
+          </a:p>
+        </p:txBody>
+      </p:sp>
+    </p:spTree>
+    <p:extLst>
+      <p:ext uri="{BB962C8B-B14F-4D97-AF65-F5344CB8AC3E}">
+        <p14:creationId xmlns:p14="http://schemas.microsoft.com/office/powerpoint/2010/main" val="3243558130"/>
+      </p:ext>
+    </p:extLst>
+  </p:cSld>
+  <p:clrMapOvr>
+    <a:masterClrMapping/>
+  </p:clrMapOvr>
+</p:notes>
+</file>
+
+<file path=ppt/notesSlides/notesSlide5.xml><?xml version="1.0" encoding="utf-8"?>
+<p:notes xmlns:a="http://schemas.openxmlformats.org/drawingml/2006/main" xmlns:r="http://schemas.openxmlformats.org/officeDocument/2006/relationships" xmlns:p="http://schemas.openxmlformats.org/presentationml/2006/main">
+  <p:cSld>
+    <p:spTree>
+      <p:nvGrpSpPr>
+        <p:cNvPr id="1" name=""/>
+        <p:cNvGrpSpPr/>
+        <p:nvPr/>
+      </p:nvGrpSpPr>
+      <p:grpSpPr>
+        <a:xfrm>
+          <a:off x="0" y="0"/>
+          <a:ext cx="0" cy="0"/>
+          <a:chOff x="0" y="0"/>
+          <a:chExt cx="0" cy="0"/>
+        </a:xfrm>
+      </p:grpSpPr>
+      <p:sp>
+        <p:nvSpPr>
+          <p:cNvPr id="2" name="Slide Image Placeholder 1"/>
+          <p:cNvSpPr>
+            <a:spLocks noGrp="1" noRot="1" noChangeAspect="1"/>
+          </p:cNvSpPr>
+          <p:nvPr>
+            <p:ph type="sldImg"/>
+          </p:nvPr>
+        </p:nvSpPr>
+        <p:spPr/>
+      </p:sp>
+      <p:sp>
+        <p:nvSpPr>
+          <p:cNvPr id="3" name="Notes Placeholder 2"/>
+          <p:cNvSpPr>
+            <a:spLocks noGrp="1"/>
+          </p:cNvSpPr>
+          <p:nvPr>
+            <p:ph type="body" idx="1"/>
+          </p:nvPr>
+        </p:nvSpPr>
+        <p:spPr/>
+        <p:txBody>
+          <a:bodyPr/>
+          <a:lstStyle/>
+          <a:p>
+            <a:r>
+              <a:rPr lang="en-US" dirty="0"/>
+              <a:t>There is no mention of Y -&gt; did they default/graduated or not. What if 30% of circles repay, but only 15% of squares</a:t>
+            </a:r>
+          </a:p>
+          <a:p>
+            <a:endParaRPr lang="en-US" dirty="0"/>
+          </a:p>
+          <a:p>
+            <a:endParaRPr lang="en-US" dirty="0"/>
+          </a:p>
+          <a:p>
+            <a:r>
+              <a:rPr lang="en-US" dirty="0"/>
+              <a:t>With a perfect predictor, We can pay to 15% of both squares and circles that are paying back -&gt; but what about the 15% circles who didn’t get it? Is it unfair?</a:t>
+            </a:r>
+          </a:p>
+          <a:p>
+            <a:r>
+              <a:rPr lang="en-US" dirty="0"/>
+              <a:t>Give to 30% of both -&gt; what about the lender? It is loosing money on 15% of squares</a:t>
+            </a:r>
+          </a:p>
+          <a:p>
+            <a:endParaRPr lang="en-US" dirty="0"/>
+          </a:p>
+          <a:p>
+            <a:r>
+              <a:rPr lang="en-US" dirty="0"/>
+              <a:t>It is at odds with optimal decision making -&gt; accuracy</a:t>
+            </a:r>
+          </a:p>
+          <a:p>
+            <a:r>
+              <a:rPr lang="en-US" dirty="0"/>
+              <a:t>------</a:t>
+            </a:r>
+          </a:p>
+          <a:p>
+            <a:r>
+              <a:rPr lang="en-US" dirty="0"/>
+              <a:t>One approach is to evenly distribute the mistakes –e make, rather than evenly distributing the loans we give -&gt; rate of false rejections can be the same in both races.</a:t>
+            </a:r>
+          </a:p>
+          <a:p>
+            <a:r>
+              <a:rPr lang="en-US" dirty="0"/>
+              <a:t>In other word, if not being granted while worthy, is defined as being harmed – a random worthy circle has the same probability of being harmed as a random worth square (false rejection) – so your race is not affecting you in a negative way and if we can improve accuracy of our model, that would be fair – equality of false negative</a:t>
+            </a:r>
+          </a:p>
+          <a:p>
+            <a:endParaRPr lang="en-US" dirty="0"/>
+          </a:p>
+          <a:p>
+            <a:endParaRPr lang="en-US" dirty="0"/>
+          </a:p>
+          <a:p>
+            <a:r>
+              <a:rPr lang="en-US" dirty="0"/>
+              <a:t>-----</a:t>
+            </a:r>
+          </a:p>
+          <a:p>
+            <a:endParaRPr lang="en-US" dirty="0"/>
+          </a:p>
+          <a:p>
+            <a:r>
+              <a:rPr lang="en-US" dirty="0"/>
+              <a:t>So lets say our model falsely reject 20% of squares, is it fair as long as it also falsely rejects 20% of circles?</a:t>
+            </a:r>
+          </a:p>
+          <a:p>
+            <a:endParaRPr lang="en-US" dirty="0"/>
+          </a:p>
+          <a:p>
+            <a:r>
+              <a:rPr lang="en-US" dirty="0"/>
+              <a:t>Individually, if you were worthy and didn’t get it, it doesn’t make you feel better to realize another worthy applicant also didn’t get it</a:t>
+            </a:r>
+          </a:p>
+          <a:p>
+            <a:endParaRPr lang="en-US" dirty="0"/>
+          </a:p>
+          <a:p>
+            <a:r>
+              <a:rPr lang="en-US" dirty="0"/>
+              <a:t>Both statistical parity and equality of false negatives offer fairness for groups, but not individuals in those groups.</a:t>
+            </a:r>
+          </a:p>
+          <a:p>
+            <a:endParaRPr lang="en-US" dirty="0"/>
+          </a:p>
+          <a:p>
+            <a:endParaRPr lang="en-US" dirty="0"/>
+          </a:p>
+          <a:p>
+            <a:endParaRPr lang="en-US" dirty="0"/>
+          </a:p>
+          <a:p>
+            <a:r>
+              <a:rPr lang="en-US" dirty="0"/>
+              <a:t>Lets take a step back, we don’t have perfect data, we don’t have perfect models, and we don’t have perfect fairness definition.</a:t>
+            </a:r>
+          </a:p>
+        </p:txBody>
+      </p:sp>
+      <p:sp>
+        <p:nvSpPr>
+          <p:cNvPr id="4" name="Slide Number Placeholder 3"/>
+          <p:cNvSpPr>
+            <a:spLocks noGrp="1"/>
+          </p:cNvSpPr>
+          <p:nvPr>
+            <p:ph type="sldNum" sz="quarter" idx="5"/>
+          </p:nvPr>
+        </p:nvSpPr>
+        <p:spPr/>
+        <p:txBody>
+          <a:bodyPr/>
+          <a:lstStyle/>
+          <a:p>
+            <a:fld id="{80E982A1-5A81-7746-934C-61A23258E6B4}" type="slidenum">
+              <a:rPr lang="en-US" smtClean="0"/>
+              <a:t>6</a:t>
+            </a:fld>
+            <a:endParaRPr lang="en-US"/>
+          </a:p>
+        </p:txBody>
+      </p:sp>
+    </p:spTree>
+    <p:extLst>
+      <p:ext uri="{BB962C8B-B14F-4D97-AF65-F5344CB8AC3E}">
+        <p14:creationId xmlns:p14="http://schemas.microsoft.com/office/powerpoint/2010/main" val="462006273"/>
+      </p:ext>
+    </p:extLst>
+  </p:cSld>
+  <p:clrMapOvr>
+    <a:masterClrMapping/>
+  </p:clrMapOvr>
+</p:notes>
+</file>
+
+<file path=ppt/notesSlides/notesSlide6.xml><?xml version="1.0" encoding="utf-8"?>
+<p:notes xmlns:a="http://schemas.openxmlformats.org/drawingml/2006/main" xmlns:r="http://schemas.openxmlformats.org/officeDocument/2006/relationships" xmlns:p="http://schemas.openxmlformats.org/presentationml/2006/main">
+  <p:cSld>
+    <p:spTree>
+      <p:nvGrpSpPr>
+        <p:cNvPr id="1" name=""/>
+        <p:cNvGrpSpPr/>
+        <p:nvPr/>
+      </p:nvGrpSpPr>
+      <p:grpSpPr>
+        <a:xfrm>
+          <a:off x="0" y="0"/>
+          <a:ext cx="0" cy="0"/>
+          <a:chOff x="0" y="0"/>
+          <a:chExt cx="0" cy="0"/>
+        </a:xfrm>
+      </p:grpSpPr>
+      <p:sp>
+        <p:nvSpPr>
+          <p:cNvPr id="2" name="Slide Image Placeholder 1"/>
+          <p:cNvSpPr>
+            <a:spLocks noGrp="1" noRot="1" noChangeAspect="1"/>
+          </p:cNvSpPr>
+          <p:nvPr>
+            <p:ph type="sldImg"/>
+          </p:nvPr>
+        </p:nvSpPr>
+        <p:spPr/>
+      </p:sp>
+      <p:sp>
+        <p:nvSpPr>
+          <p:cNvPr id="3" name="Notes Placeholder 2"/>
+          <p:cNvSpPr>
+            <a:spLocks noGrp="1"/>
+          </p:cNvSpPr>
+          <p:nvPr>
+            <p:ph type="body" idx="1"/>
+          </p:nvPr>
+        </p:nvSpPr>
+        <p:spPr/>
+        <p:txBody>
+          <a:bodyPr/>
+          <a:lstStyle/>
+          <a:p>
+            <a:r>
+              <a:rPr lang="en-US" dirty="0"/>
+              <a:t>Majority applicants are circle</a:t>
+            </a:r>
+          </a:p>
+          <a:p>
+            <a:endParaRPr lang="en-US" dirty="0"/>
+          </a:p>
+          <a:p>
+            <a:r>
+              <a:rPr lang="en-US" dirty="0"/>
+              <a:t>SAT as a proxy </a:t>
+            </a:r>
+          </a:p>
+          <a:p>
+            <a:r>
+              <a:rPr lang="en-US" dirty="0"/>
+              <a:t>Circles are wealthier -&gt; better prep, retakes</a:t>
+            </a:r>
+          </a:p>
+          <a:p>
+            <a:endParaRPr lang="en-US" dirty="0"/>
+          </a:p>
+          <a:p>
+            <a:r>
+              <a:rPr lang="en-US" dirty="0"/>
+              <a:t>both populations are equally well prepared for success -&gt; % circles who graduate is equal to % of square who graduate if admitted</a:t>
+            </a:r>
+          </a:p>
+          <a:p>
+            <a:endParaRPr lang="en-US" dirty="0"/>
+          </a:p>
+          <a:p>
+            <a:r>
+              <a:rPr lang="en-US" dirty="0"/>
+              <a:t>Let’s say the simple rule of SAT cutoff for admission -&gt; Circles have inflated scores</a:t>
+            </a:r>
+          </a:p>
+          <a:p>
+            <a:r>
+              <a:rPr lang="en-US" dirty="0"/>
+              <a:t>Even choosing the most accurate model violates the fairness</a:t>
+            </a:r>
+          </a:p>
+          <a:p>
+            <a:endParaRPr lang="en-US" dirty="0"/>
+          </a:p>
+          <a:p>
+            <a:r>
+              <a:rPr lang="en-US" dirty="0"/>
+              <a:t>If it is complicated for a simple example, how are we handling this for more complex </a:t>
+            </a:r>
+            <a:r>
+              <a:rPr lang="en-US" dirty="0" err="1"/>
+              <a:t>algos</a:t>
+            </a:r>
+            <a:r>
+              <a:rPr lang="en-US" dirty="0"/>
+              <a:t>?</a:t>
+            </a:r>
+          </a:p>
+          <a:p>
+            <a:endParaRPr lang="en-US" dirty="0"/>
+          </a:p>
+          <a:p>
+            <a:r>
+              <a:rPr lang="en-US" dirty="0"/>
+              <a:t>Model doesn’t account for superficial difference in SAT scores -&gt; build separate model for each group? Then we need to explicitly use race as an input for our model</a:t>
+            </a:r>
+          </a:p>
+          <a:p>
+            <a:endParaRPr lang="en-US" dirty="0"/>
+          </a:p>
+          <a:p>
+            <a:r>
+              <a:rPr lang="en-US" dirty="0"/>
+              <a:t>Assumption -&gt; SAT score is equally predictive for graduation for both groups</a:t>
+            </a:r>
+          </a:p>
+          <a:p>
+            <a:endParaRPr lang="en-US" dirty="0"/>
+          </a:p>
+          <a:p>
+            <a:endParaRPr lang="en-US" dirty="0"/>
+          </a:p>
+          <a:p>
+            <a:pPr marL="0" marR="0" lvl="0" indent="0" algn="l" defTabSz="914400" rtl="0" eaLnBrk="1" fontAlgn="auto" latinLnBrk="0" hangingPunct="1">
+              <a:lnSpc>
+                <a:spcPct val="100000"/>
+              </a:lnSpc>
+              <a:spcBef>
+                <a:spcPts val="0"/>
+              </a:spcBef>
+              <a:spcAft>
+                <a:spcPts val="0"/>
+              </a:spcAft>
+              <a:buClrTx/>
+              <a:buSzTx/>
+              <a:buFontTx/>
+              <a:buNone/>
+              <a:tabLst/>
+              <a:defRPr/>
+            </a:pPr>
+            <a:r>
+              <a:rPr lang="en-US" dirty="0"/>
+              <a:t>Model card:  model details/ intended use/ factors/ metrics/evaluation data/ training data/ quantitative analysis/ ethical considerations/ caveats &amp; recs</a:t>
+            </a:r>
+          </a:p>
+          <a:p>
+            <a:endParaRPr lang="en-US" dirty="0"/>
+          </a:p>
+        </p:txBody>
+      </p:sp>
+      <p:sp>
+        <p:nvSpPr>
+          <p:cNvPr id="4" name="Slide Number Placeholder 3"/>
+          <p:cNvSpPr>
+            <a:spLocks noGrp="1"/>
+          </p:cNvSpPr>
+          <p:nvPr>
+            <p:ph type="sldNum" sz="quarter" idx="5"/>
+          </p:nvPr>
+        </p:nvSpPr>
+        <p:spPr/>
+        <p:txBody>
+          <a:bodyPr/>
+          <a:lstStyle/>
+          <a:p>
+            <a:fld id="{80E982A1-5A81-7746-934C-61A23258E6B4}" type="slidenum">
+              <a:rPr lang="en-US" smtClean="0"/>
+              <a:t>7</a:t>
+            </a:fld>
+            <a:endParaRPr lang="en-US"/>
+          </a:p>
+        </p:txBody>
+      </p:sp>
+    </p:spTree>
+    <p:extLst>
+      <p:ext uri="{BB962C8B-B14F-4D97-AF65-F5344CB8AC3E}">
+        <p14:creationId xmlns:p14="http://schemas.microsoft.com/office/powerpoint/2010/main" val="554120976"/>
       </p:ext>
     </p:extLst>
   </p:cSld>
@@ -4193,6 +4686,35 @@
           </a:p>
         </p:txBody>
       </p:sp>
+      <p:pic>
+        <p:nvPicPr>
+          <p:cNvPr id="6" name="Picture 5">
+            <a:extLst>
+              <a:ext uri="{FF2B5EF4-FFF2-40B4-BE49-F238E27FC236}">
+                <a16:creationId xmlns:a16="http://schemas.microsoft.com/office/drawing/2014/main" id="{D5D72C66-434B-8849-B88B-6BC4A74BFBA3}"/>
+              </a:ext>
+            </a:extLst>
+          </p:cNvPr>
+          <p:cNvPicPr>
+            <a:picLocks noChangeAspect="1"/>
+          </p:cNvPicPr>
+          <p:nvPr/>
+        </p:nvPicPr>
+        <p:blipFill>
+          <a:blip r:embed="rId3"/>
+          <a:srcRect/>
+          <a:stretch/>
+        </p:blipFill>
+        <p:spPr>
+          <a:xfrm>
+            <a:off x="2259340" y="3429000"/>
+            <a:ext cx="8005781" cy="2493229"/>
+          </a:xfrm>
+          <a:prstGeom prst="rect">
+            <a:avLst/>
+          </a:prstGeom>
+        </p:spPr>
+      </p:pic>
     </p:spTree>
     <p:extLst>
       <p:ext uri="{BB962C8B-B14F-4D97-AF65-F5344CB8AC3E}">
@@ -4295,70 +4817,53 @@
         <p:spPr/>
         <p:txBody>
           <a:bodyPr>
-            <a:normAutofit lnSpcReduction="10000"/>
+            <a:normAutofit/>
           </a:bodyPr>
           <a:lstStyle/>
           <a:p>
+            <a:pPr marL="0" indent="0">
+              <a:buNone/>
+            </a:pPr>
             <a:r>
               <a:rPr lang="en-US" dirty="0"/>
-              <a:t>1. the data: how it's collected, formatted, labeled, the sample selection </a:t>
+              <a:t>1. the data: how it's collected, formatted, labeled, sample selection </a:t>
             </a:r>
           </a:p>
           <a:p>
+            <a:pPr marL="0" indent="0">
+              <a:buNone/>
+            </a:pPr>
             <a:r>
               <a:rPr lang="en-US" dirty="0"/>
-              <a:t>2. the features, how they are designed</a:t>
+              <a:t>2. the features: how they are designed</a:t>
             </a:r>
           </a:p>
           <a:p>
+            <a:pPr marL="0" indent="0">
+              <a:buNone/>
+            </a:pPr>
             <a:r>
               <a:rPr lang="en-US" dirty="0"/>
               <a:t>3. the architecture of the model</a:t>
             </a:r>
           </a:p>
           <a:p>
+            <a:pPr marL="0" indent="0">
+              <a:buNone/>
+            </a:pPr>
             <a:r>
               <a:rPr lang="en-US" dirty="0"/>
               <a:t>4. the objective function</a:t>
             </a:r>
           </a:p>
           <a:p>
-            <a:r>
-              <a:rPr lang="en-US" dirty="0"/>
-              <a:t>5. how it's </a:t>
-            </a:r>
-            <a:r>
-              <a:rPr lang="en-US" dirty="0" err="1"/>
-              <a:t>deploye</a:t>
-            </a:r>
-            <a:endParaRPr lang="en-US" dirty="0"/>
-          </a:p>
-          <a:p>
-            <a:endParaRPr lang="en-US" dirty="0"/>
-          </a:p>
-          <a:p>
-            <a:endParaRPr lang="en-US" dirty="0"/>
-          </a:p>
-          <a:p>
-            <a:endParaRPr lang="en-US" dirty="0"/>
-          </a:p>
-          <a:p>
             <a:pPr marL="0" indent="0">
               <a:buNone/>
             </a:pPr>
             <a:r>
-              <a:rPr lang="en-US" dirty="0">
-                <a:hlinkClick r:id="rId3"/>
-              </a:rPr>
-              <a:t>https://arxiv.org/pdf/1912.11078.pdf</a:t>
+              <a:rPr lang="en-US" dirty="0"/>
+              <a:t>5. how it's deploy</a:t>
             </a:r>
-            <a:endParaRPr lang="en-US" dirty="0"/>
-          </a:p>
-          <a:p>
-            <a:pPr marL="0" indent="0">
-              <a:buNone/>
-            </a:pPr>
-            <a:endParaRPr lang="en-US" dirty="0"/>
           </a:p>
         </p:txBody>
       </p:sp>
@@ -4397,7 +4902,7 @@
           <p:cNvPr id="2" name="Title 1">
             <a:extLst>
               <a:ext uri="{FF2B5EF4-FFF2-40B4-BE49-F238E27FC236}">
-                <a16:creationId xmlns:a16="http://schemas.microsoft.com/office/drawing/2014/main" id="{276DBA1D-9512-8C4C-80D2-68AC59788E56}"/>
+                <a16:creationId xmlns:a16="http://schemas.microsoft.com/office/drawing/2014/main" id="{9D1C8D72-0F16-5C40-9AE9-DC295292A2A9}"/>
               </a:ext>
             </a:extLst>
           </p:cNvPr>
@@ -4415,17 +4920,104 @@
           <a:p>
             <a:r>
               <a:rPr lang="en-US" dirty="0"/>
-              <a:t>Bias – Different Types of Disparities</a:t>
+              <a:t>Fairness - Statistical Parity</a:t>
             </a:r>
           </a:p>
         </p:txBody>
       </p:sp>
       <p:sp>
         <p:nvSpPr>
+          <p:cNvPr id="3" name="Content Placeholder 2">
+            <a:extLst>
+              <a:ext uri="{FF2B5EF4-FFF2-40B4-BE49-F238E27FC236}">
+                <a16:creationId xmlns:a16="http://schemas.microsoft.com/office/drawing/2014/main" id="{72561643-91DE-FA4E-90EF-6E29140C2E69}"/>
+              </a:ext>
+            </a:extLst>
+          </p:cNvPr>
+          <p:cNvSpPr>
+            <a:spLocks noGrp="1"/>
+          </p:cNvSpPr>
+          <p:nvPr>
+            <p:ph idx="1"/>
+          </p:nvPr>
+        </p:nvSpPr>
+        <p:spPr/>
+        <p:txBody>
+          <a:bodyPr>
+            <a:normAutofit/>
+          </a:bodyPr>
+          <a:lstStyle/>
+          <a:p>
+            <a:pPr marL="0" indent="0">
+              <a:buNone/>
+            </a:pPr>
+            <a:r>
+              <a:rPr lang="en-US" dirty="0"/>
+              <a:t>Group activity</a:t>
+            </a:r>
+          </a:p>
+          <a:p>
+            <a:r>
+              <a:rPr lang="en-US" dirty="0"/>
+              <a:t>Imagine a planet just like Earth except that there are only  two races of people: </a:t>
+            </a:r>
+            <a:r>
+              <a:rPr lang="en-US" b="1" dirty="0"/>
+              <a:t>Circles</a:t>
+            </a:r>
+            <a:r>
+              <a:rPr lang="en-US" dirty="0"/>
+              <a:t> and </a:t>
+            </a:r>
+            <a:r>
+              <a:rPr lang="en-US" b="1" dirty="0"/>
+              <a:t>Squares</a:t>
+            </a:r>
+          </a:p>
+          <a:p>
+            <a:r>
+              <a:rPr lang="en-US" dirty="0"/>
+              <a:t>Suppose for some reason we are concerned about discrimination against </a:t>
+            </a:r>
+            <a:r>
+              <a:rPr lang="en-US" b="1" dirty="0"/>
+              <a:t>Squares</a:t>
+            </a:r>
+          </a:p>
+          <a:p>
+            <a:r>
+              <a:rPr lang="en-US" b="1" dirty="0"/>
+              <a:t>Statistical Parity: </a:t>
+            </a:r>
+            <a:r>
+              <a:rPr lang="en-US" dirty="0"/>
+              <a:t>the fraction of </a:t>
+            </a:r>
+            <a:r>
+              <a:rPr lang="en-US" b="1" dirty="0"/>
+              <a:t>Square</a:t>
+            </a:r>
+            <a:r>
+              <a:rPr lang="en-US" dirty="0"/>
+              <a:t> that are selected be approximately the same as the fraction of selected </a:t>
+            </a:r>
+            <a:r>
+              <a:rPr lang="en-US" b="1" dirty="0"/>
+              <a:t>Circle</a:t>
+            </a:r>
+            <a:r>
+              <a:rPr lang="en-US" dirty="0"/>
+              <a:t> applicants.</a:t>
+            </a:r>
+          </a:p>
+        </p:txBody>
+      </p:sp>
+      <p:sp>
+        <p:nvSpPr>
           <p:cNvPr id="4" name="Footer Placeholder 3">
             <a:extLst>
               <a:ext uri="{FF2B5EF4-FFF2-40B4-BE49-F238E27FC236}">
-                <a16:creationId xmlns:a16="http://schemas.microsoft.com/office/drawing/2014/main" id="{9ED614B8-8BD7-A645-AE3D-336F45354D07}"/>
+                <a16:creationId xmlns:a16="http://schemas.microsoft.com/office/drawing/2014/main" id="{14B89400-6E34-6147-9087-D9872884E482}"/>
               </a:ext>
             </a:extLst>
           </p:cNvPr>
@@ -4445,67 +5037,10 @@
           </a:p>
         </p:txBody>
       </p:sp>
-      <p:sp>
-        <p:nvSpPr>
-          <p:cNvPr id="5" name="Content Placeholder 4">
-            <a:extLst>
-              <a:ext uri="{FF2B5EF4-FFF2-40B4-BE49-F238E27FC236}">
-                <a16:creationId xmlns:a16="http://schemas.microsoft.com/office/drawing/2014/main" id="{64302087-FA73-3547-8E6D-7AA7329C2B9D}"/>
-              </a:ext>
-            </a:extLst>
-          </p:cNvPr>
-          <p:cNvSpPr>
-            <a:spLocks noGrp="1"/>
-          </p:cNvSpPr>
-          <p:nvPr>
-            <p:ph idx="1"/>
-          </p:nvPr>
-        </p:nvSpPr>
-        <p:spPr/>
-        <p:txBody>
-          <a:bodyPr/>
-          <a:lstStyle/>
-          <a:p>
-            <a:r>
-              <a:rPr lang="en-US" dirty="0"/>
-              <a:t>Predictive disparity</a:t>
-            </a:r>
-          </a:p>
-          <a:p>
-            <a:r>
-              <a:rPr lang="en-US" dirty="0"/>
-              <a:t>Outcome disparity</a:t>
-            </a:r>
-          </a:p>
-          <a:p>
-            <a:r>
-              <a:rPr lang="en-US" dirty="0"/>
-              <a:t>Error disparity</a:t>
-            </a:r>
-          </a:p>
-          <a:p>
-            <a:endParaRPr lang="en-US" dirty="0"/>
-          </a:p>
-          <a:p>
-            <a:r>
-              <a:rPr lang="en-US" dirty="0"/>
-              <a:t>https://</a:t>
-            </a:r>
-            <a:r>
-              <a:rPr lang="en-US" dirty="0" err="1"/>
-              <a:t>arxiv.org</a:t>
-            </a:r>
-            <a:r>
-              <a:rPr lang="en-US" dirty="0"/>
-              <a:t>/pdf/1912.11078.pdf</a:t>
-            </a:r>
-          </a:p>
-        </p:txBody>
-      </p:sp>
     </p:spTree>
     <p:extLst>
       <p:ext uri="{BB962C8B-B14F-4D97-AF65-F5344CB8AC3E}">
-        <p14:creationId xmlns:p14="http://schemas.microsoft.com/office/powerpoint/2010/main" val="2964182115"/>
+        <p14:creationId xmlns:p14="http://schemas.microsoft.com/office/powerpoint/2010/main" val="275537033"/>
       </p:ext>
     </p:extLst>
   </p:cSld>
@@ -4516,6 +5051,8757 @@
 </file>
 
 <file path=ppt/slides/slide5.xml><?xml version="1.0" encoding="utf-8"?>
+<p:sld xmlns:a="http://schemas.openxmlformats.org/drawingml/2006/main" xmlns:r="http://schemas.openxmlformats.org/officeDocument/2006/relationships" xmlns:p="http://schemas.openxmlformats.org/presentationml/2006/main">
+  <p:cSld>
+    <p:spTree>
+      <p:nvGrpSpPr>
+        <p:cNvPr id="1" name=""/>
+        <p:cNvGrpSpPr/>
+        <p:nvPr/>
+      </p:nvGrpSpPr>
+      <p:grpSpPr>
+        <a:xfrm>
+          <a:off x="0" y="0"/>
+          <a:ext cx="0" cy="0"/>
+          <a:chOff x="0" y="0"/>
+          <a:chExt cx="0" cy="0"/>
+        </a:xfrm>
+      </p:grpSpPr>
+      <p:sp>
+        <p:nvSpPr>
+          <p:cNvPr id="4" name="Footer Placeholder 3">
+            <a:extLst>
+              <a:ext uri="{FF2B5EF4-FFF2-40B4-BE49-F238E27FC236}">
+                <a16:creationId xmlns:a16="http://schemas.microsoft.com/office/drawing/2014/main" id="{23F79836-748B-9B46-B254-A5DBAA28185C}"/>
+              </a:ext>
+            </a:extLst>
+          </p:cNvPr>
+          <p:cNvSpPr>
+            <a:spLocks noGrp="1"/>
+          </p:cNvSpPr>
+          <p:nvPr>
+            <p:ph type="ftr" sz="quarter" idx="11"/>
+          </p:nvPr>
+        </p:nvSpPr>
+        <p:spPr/>
+        <p:txBody>
+          <a:bodyPr/>
+          <a:lstStyle/>
+          <a:p>
+            <a:endParaRPr lang="en-US"/>
+          </a:p>
+        </p:txBody>
+      </p:sp>
+      <p:sp>
+        <p:nvSpPr>
+          <p:cNvPr id="6" name="Oval 5">
+            <a:extLst>
+              <a:ext uri="{FF2B5EF4-FFF2-40B4-BE49-F238E27FC236}">
+                <a16:creationId xmlns:a16="http://schemas.microsoft.com/office/drawing/2014/main" id="{90CD96CB-F149-8048-BAB9-9B965486FB56}"/>
+              </a:ext>
+            </a:extLst>
+          </p:cNvPr>
+          <p:cNvSpPr/>
+          <p:nvPr/>
+        </p:nvSpPr>
+        <p:spPr>
+          <a:xfrm>
+            <a:off x="4557598" y="1920505"/>
+            <a:ext cx="2623278" cy="2623278"/>
+          </a:xfrm>
+          <a:prstGeom prst="ellipse">
+            <a:avLst/>
+          </a:prstGeom>
+          <a:noFill/>
+          <a:ln>
+            <a:solidFill>
+              <a:schemeClr val="accent6">
+                <a:lumMod val="75000"/>
+              </a:schemeClr>
+            </a:solidFill>
+          </a:ln>
+        </p:spPr>
+        <p:style>
+          <a:lnRef idx="2">
+            <a:schemeClr val="accent6"/>
+          </a:lnRef>
+          <a:fillRef idx="1">
+            <a:schemeClr val="lt1"/>
+          </a:fillRef>
+          <a:effectRef idx="0">
+            <a:schemeClr val="accent6"/>
+          </a:effectRef>
+          <a:fontRef idx="minor">
+            <a:schemeClr val="dk1"/>
+          </a:fontRef>
+        </p:style>
+        <p:txBody>
+          <a:bodyPr rtlCol="0" anchor="ctr"/>
+          <a:lstStyle/>
+          <a:p>
+            <a:pPr algn="ctr"/>
+            <a:endParaRPr lang="en-US" dirty="0">
+              <a:ln>
+                <a:solidFill>
+                  <a:schemeClr val="accent6">
+                    <a:lumMod val="75000"/>
+                  </a:schemeClr>
+                </a:solidFill>
+              </a:ln>
+              <a:solidFill>
+                <a:sysClr val="windowText" lastClr="000000"/>
+              </a:solidFill>
+            </a:endParaRPr>
+          </a:p>
+        </p:txBody>
+      </p:sp>
+      <p:cxnSp>
+        <p:nvCxnSpPr>
+          <p:cNvPr id="8" name="Straight Connector 7">
+            <a:extLst>
+              <a:ext uri="{FF2B5EF4-FFF2-40B4-BE49-F238E27FC236}">
+                <a16:creationId xmlns:a16="http://schemas.microsoft.com/office/drawing/2014/main" id="{8373E964-F66F-9C46-9C98-5EAC3987DDFF}"/>
+              </a:ext>
+            </a:extLst>
+          </p:cNvPr>
+          <p:cNvCxnSpPr>
+            <a:stCxn id="6" idx="0"/>
+          </p:cNvCxnSpPr>
+          <p:nvPr/>
+        </p:nvCxnSpPr>
+        <p:spPr>
+          <a:xfrm flipH="1">
+            <a:off x="5861742" y="1920505"/>
+            <a:ext cx="7495" cy="2623278"/>
+          </a:xfrm>
+          <a:prstGeom prst="line">
+            <a:avLst/>
+          </a:prstGeom>
+          <a:ln>
+            <a:solidFill>
+              <a:schemeClr val="accent6">
+                <a:lumMod val="75000"/>
+              </a:schemeClr>
+            </a:solidFill>
+          </a:ln>
+        </p:spPr>
+        <p:style>
+          <a:lnRef idx="1">
+            <a:schemeClr val="accent3"/>
+          </a:lnRef>
+          <a:fillRef idx="0">
+            <a:schemeClr val="accent3"/>
+          </a:fillRef>
+          <a:effectRef idx="0">
+            <a:schemeClr val="accent3"/>
+          </a:effectRef>
+          <a:fontRef idx="minor">
+            <a:schemeClr val="tx1"/>
+          </a:fontRef>
+        </p:style>
+      </p:cxnSp>
+      <p:sp>
+        <p:nvSpPr>
+          <p:cNvPr id="10" name="Oval 9">
+            <a:extLst>
+              <a:ext uri="{FF2B5EF4-FFF2-40B4-BE49-F238E27FC236}">
+                <a16:creationId xmlns:a16="http://schemas.microsoft.com/office/drawing/2014/main" id="{EF9E34BB-292B-F146-8641-2F8AA3E0D5E7}"/>
+              </a:ext>
+            </a:extLst>
+          </p:cNvPr>
+          <p:cNvSpPr/>
+          <p:nvPr/>
+        </p:nvSpPr>
+        <p:spPr>
+          <a:xfrm>
+            <a:off x="5145741" y="2850870"/>
+            <a:ext cx="89647" cy="89647"/>
+          </a:xfrm>
+          <a:prstGeom prst="ellipse">
+            <a:avLst/>
+          </a:prstGeom>
+        </p:spPr>
+        <p:style>
+          <a:lnRef idx="2">
+            <a:schemeClr val="accent1">
+              <a:shade val="50000"/>
+            </a:schemeClr>
+          </a:lnRef>
+          <a:fillRef idx="1">
+            <a:schemeClr val="accent1"/>
+          </a:fillRef>
+          <a:effectRef idx="0">
+            <a:schemeClr val="accent1"/>
+          </a:effectRef>
+          <a:fontRef idx="minor">
+            <a:schemeClr val="lt1"/>
+          </a:fontRef>
+        </p:style>
+        <p:txBody>
+          <a:bodyPr rtlCol="0" anchor="ctr"/>
+          <a:lstStyle/>
+          <a:p>
+            <a:pPr algn="ctr"/>
+            <a:endParaRPr lang="en-US"/>
+          </a:p>
+        </p:txBody>
+      </p:sp>
+      <p:sp>
+        <p:nvSpPr>
+          <p:cNvPr id="11" name="Oval 10">
+            <a:extLst>
+              <a:ext uri="{FF2B5EF4-FFF2-40B4-BE49-F238E27FC236}">
+                <a16:creationId xmlns:a16="http://schemas.microsoft.com/office/drawing/2014/main" id="{C80C36D5-EC6E-A74E-BC7A-DDAA3357D75F}"/>
+              </a:ext>
+            </a:extLst>
+          </p:cNvPr>
+          <p:cNvSpPr/>
+          <p:nvPr/>
+        </p:nvSpPr>
+        <p:spPr>
+          <a:xfrm>
+            <a:off x="5298141" y="3003270"/>
+            <a:ext cx="89647" cy="89647"/>
+          </a:xfrm>
+          <a:prstGeom prst="ellipse">
+            <a:avLst/>
+          </a:prstGeom>
+        </p:spPr>
+        <p:style>
+          <a:lnRef idx="2">
+            <a:schemeClr val="accent1">
+              <a:shade val="50000"/>
+            </a:schemeClr>
+          </a:lnRef>
+          <a:fillRef idx="1">
+            <a:schemeClr val="accent1"/>
+          </a:fillRef>
+          <a:effectRef idx="0">
+            <a:schemeClr val="accent1"/>
+          </a:effectRef>
+          <a:fontRef idx="minor">
+            <a:schemeClr val="lt1"/>
+          </a:fontRef>
+        </p:style>
+        <p:txBody>
+          <a:bodyPr rtlCol="0" anchor="ctr"/>
+          <a:lstStyle/>
+          <a:p>
+            <a:pPr algn="ctr"/>
+            <a:endParaRPr lang="en-US"/>
+          </a:p>
+        </p:txBody>
+      </p:sp>
+      <p:sp>
+        <p:nvSpPr>
+          <p:cNvPr id="12" name="Oval 11">
+            <a:extLst>
+              <a:ext uri="{FF2B5EF4-FFF2-40B4-BE49-F238E27FC236}">
+                <a16:creationId xmlns:a16="http://schemas.microsoft.com/office/drawing/2014/main" id="{AF138445-435A-D647-904E-F2DAA86C067D}"/>
+              </a:ext>
+            </a:extLst>
+          </p:cNvPr>
+          <p:cNvSpPr/>
+          <p:nvPr/>
+        </p:nvSpPr>
+        <p:spPr>
+          <a:xfrm>
+            <a:off x="5056094" y="3210017"/>
+            <a:ext cx="89647" cy="89647"/>
+          </a:xfrm>
+          <a:prstGeom prst="ellipse">
+            <a:avLst/>
+          </a:prstGeom>
+        </p:spPr>
+        <p:style>
+          <a:lnRef idx="2">
+            <a:schemeClr val="accent1">
+              <a:shade val="50000"/>
+            </a:schemeClr>
+          </a:lnRef>
+          <a:fillRef idx="1">
+            <a:schemeClr val="accent1"/>
+          </a:fillRef>
+          <a:effectRef idx="0">
+            <a:schemeClr val="accent1"/>
+          </a:effectRef>
+          <a:fontRef idx="minor">
+            <a:schemeClr val="lt1"/>
+          </a:fontRef>
+        </p:style>
+        <p:txBody>
+          <a:bodyPr rtlCol="0" anchor="ctr"/>
+          <a:lstStyle/>
+          <a:p>
+            <a:pPr algn="ctr"/>
+            <a:endParaRPr lang="en-US"/>
+          </a:p>
+        </p:txBody>
+      </p:sp>
+      <p:sp>
+        <p:nvSpPr>
+          <p:cNvPr id="13" name="Oval 12">
+            <a:extLst>
+              <a:ext uri="{FF2B5EF4-FFF2-40B4-BE49-F238E27FC236}">
+                <a16:creationId xmlns:a16="http://schemas.microsoft.com/office/drawing/2014/main" id="{373E4BD5-23C5-644B-A035-0F36A32AB3FE}"/>
+              </a:ext>
+            </a:extLst>
+          </p:cNvPr>
+          <p:cNvSpPr/>
+          <p:nvPr/>
+        </p:nvSpPr>
+        <p:spPr>
+          <a:xfrm>
+            <a:off x="5360893" y="3299664"/>
+            <a:ext cx="89647" cy="89647"/>
+          </a:xfrm>
+          <a:prstGeom prst="ellipse">
+            <a:avLst/>
+          </a:prstGeom>
+        </p:spPr>
+        <p:style>
+          <a:lnRef idx="2">
+            <a:schemeClr val="accent1">
+              <a:shade val="50000"/>
+            </a:schemeClr>
+          </a:lnRef>
+          <a:fillRef idx="1">
+            <a:schemeClr val="accent1"/>
+          </a:fillRef>
+          <a:effectRef idx="0">
+            <a:schemeClr val="accent1"/>
+          </a:effectRef>
+          <a:fontRef idx="minor">
+            <a:schemeClr val="lt1"/>
+          </a:fontRef>
+        </p:style>
+        <p:txBody>
+          <a:bodyPr rtlCol="0" anchor="ctr"/>
+          <a:lstStyle/>
+          <a:p>
+            <a:pPr algn="ctr"/>
+            <a:endParaRPr lang="en-US"/>
+          </a:p>
+        </p:txBody>
+      </p:sp>
+      <p:sp>
+        <p:nvSpPr>
+          <p:cNvPr id="14" name="Oval 13">
+            <a:extLst>
+              <a:ext uri="{FF2B5EF4-FFF2-40B4-BE49-F238E27FC236}">
+                <a16:creationId xmlns:a16="http://schemas.microsoft.com/office/drawing/2014/main" id="{3A1E3C75-9B29-4048-9004-5BD3A6DDCAB7}"/>
+              </a:ext>
+            </a:extLst>
+          </p:cNvPr>
+          <p:cNvSpPr/>
+          <p:nvPr/>
+        </p:nvSpPr>
+        <p:spPr>
+          <a:xfrm>
+            <a:off x="5271246" y="3577953"/>
+            <a:ext cx="89647" cy="89647"/>
+          </a:xfrm>
+          <a:prstGeom prst="ellipse">
+            <a:avLst/>
+          </a:prstGeom>
+        </p:spPr>
+        <p:style>
+          <a:lnRef idx="2">
+            <a:schemeClr val="accent1">
+              <a:shade val="50000"/>
+            </a:schemeClr>
+          </a:lnRef>
+          <a:fillRef idx="1">
+            <a:schemeClr val="accent1"/>
+          </a:fillRef>
+          <a:effectRef idx="0">
+            <a:schemeClr val="accent1"/>
+          </a:effectRef>
+          <a:fontRef idx="minor">
+            <a:schemeClr val="lt1"/>
+          </a:fontRef>
+        </p:style>
+        <p:txBody>
+          <a:bodyPr rtlCol="0" anchor="ctr"/>
+          <a:lstStyle/>
+          <a:p>
+            <a:pPr algn="ctr"/>
+            <a:endParaRPr lang="en-US"/>
+          </a:p>
+        </p:txBody>
+      </p:sp>
+      <p:sp>
+        <p:nvSpPr>
+          <p:cNvPr id="16" name="Oval 15">
+            <a:extLst>
+              <a:ext uri="{FF2B5EF4-FFF2-40B4-BE49-F238E27FC236}">
+                <a16:creationId xmlns:a16="http://schemas.microsoft.com/office/drawing/2014/main" id="{90A127D7-6035-1C41-9D69-7394FBBDD282}"/>
+              </a:ext>
+            </a:extLst>
+          </p:cNvPr>
+          <p:cNvSpPr/>
+          <p:nvPr/>
+        </p:nvSpPr>
+        <p:spPr>
+          <a:xfrm>
+            <a:off x="5558117" y="3568045"/>
+            <a:ext cx="89647" cy="89647"/>
+          </a:xfrm>
+          <a:prstGeom prst="ellipse">
+            <a:avLst/>
+          </a:prstGeom>
+        </p:spPr>
+        <p:style>
+          <a:lnRef idx="2">
+            <a:schemeClr val="accent1">
+              <a:shade val="50000"/>
+            </a:schemeClr>
+          </a:lnRef>
+          <a:fillRef idx="1">
+            <a:schemeClr val="accent1"/>
+          </a:fillRef>
+          <a:effectRef idx="0">
+            <a:schemeClr val="accent1"/>
+          </a:effectRef>
+          <a:fontRef idx="minor">
+            <a:schemeClr val="lt1"/>
+          </a:fontRef>
+        </p:style>
+        <p:txBody>
+          <a:bodyPr rtlCol="0" anchor="ctr"/>
+          <a:lstStyle/>
+          <a:p>
+            <a:pPr algn="ctr"/>
+            <a:endParaRPr lang="en-US"/>
+          </a:p>
+        </p:txBody>
+      </p:sp>
+      <p:sp>
+        <p:nvSpPr>
+          <p:cNvPr id="17" name="Oval 16">
+            <a:extLst>
+              <a:ext uri="{FF2B5EF4-FFF2-40B4-BE49-F238E27FC236}">
+                <a16:creationId xmlns:a16="http://schemas.microsoft.com/office/drawing/2014/main" id="{3C657A1A-7D6D-2444-8251-D8697BD264D0}"/>
+              </a:ext>
+            </a:extLst>
+          </p:cNvPr>
+          <p:cNvSpPr/>
+          <p:nvPr/>
+        </p:nvSpPr>
+        <p:spPr>
+          <a:xfrm>
+            <a:off x="5316070" y="3774792"/>
+            <a:ext cx="89647" cy="89647"/>
+          </a:xfrm>
+          <a:prstGeom prst="ellipse">
+            <a:avLst/>
+          </a:prstGeom>
+        </p:spPr>
+        <p:style>
+          <a:lnRef idx="2">
+            <a:schemeClr val="accent1">
+              <a:shade val="50000"/>
+            </a:schemeClr>
+          </a:lnRef>
+          <a:fillRef idx="1">
+            <a:schemeClr val="accent1"/>
+          </a:fillRef>
+          <a:effectRef idx="0">
+            <a:schemeClr val="accent1"/>
+          </a:effectRef>
+          <a:fontRef idx="minor">
+            <a:schemeClr val="lt1"/>
+          </a:fontRef>
+        </p:style>
+        <p:txBody>
+          <a:bodyPr rtlCol="0" anchor="ctr"/>
+          <a:lstStyle/>
+          <a:p>
+            <a:pPr algn="ctr"/>
+            <a:endParaRPr lang="en-US"/>
+          </a:p>
+        </p:txBody>
+      </p:sp>
+      <p:sp>
+        <p:nvSpPr>
+          <p:cNvPr id="18" name="Oval 17">
+            <a:extLst>
+              <a:ext uri="{FF2B5EF4-FFF2-40B4-BE49-F238E27FC236}">
+                <a16:creationId xmlns:a16="http://schemas.microsoft.com/office/drawing/2014/main" id="{9E7E3223-A33A-E646-9C7A-C0D89B8B4C83}"/>
+              </a:ext>
+            </a:extLst>
+          </p:cNvPr>
+          <p:cNvSpPr/>
+          <p:nvPr/>
+        </p:nvSpPr>
+        <p:spPr>
+          <a:xfrm>
+            <a:off x="5620869" y="3864439"/>
+            <a:ext cx="89647" cy="89647"/>
+          </a:xfrm>
+          <a:prstGeom prst="ellipse">
+            <a:avLst/>
+          </a:prstGeom>
+        </p:spPr>
+        <p:style>
+          <a:lnRef idx="2">
+            <a:schemeClr val="accent1">
+              <a:shade val="50000"/>
+            </a:schemeClr>
+          </a:lnRef>
+          <a:fillRef idx="1">
+            <a:schemeClr val="accent1"/>
+          </a:fillRef>
+          <a:effectRef idx="0">
+            <a:schemeClr val="accent1"/>
+          </a:effectRef>
+          <a:fontRef idx="minor">
+            <a:schemeClr val="lt1"/>
+          </a:fontRef>
+        </p:style>
+        <p:txBody>
+          <a:bodyPr rtlCol="0" anchor="ctr"/>
+          <a:lstStyle/>
+          <a:p>
+            <a:pPr algn="ctr"/>
+            <a:endParaRPr lang="en-US"/>
+          </a:p>
+        </p:txBody>
+      </p:sp>
+      <p:sp>
+        <p:nvSpPr>
+          <p:cNvPr id="19" name="Oval 18">
+            <a:extLst>
+              <a:ext uri="{FF2B5EF4-FFF2-40B4-BE49-F238E27FC236}">
+                <a16:creationId xmlns:a16="http://schemas.microsoft.com/office/drawing/2014/main" id="{D42A25C2-201D-9E44-85F7-97318CDF7DBB}"/>
+              </a:ext>
+            </a:extLst>
+          </p:cNvPr>
+          <p:cNvSpPr/>
+          <p:nvPr/>
+        </p:nvSpPr>
+        <p:spPr>
+          <a:xfrm>
+            <a:off x="5531222" y="4142728"/>
+            <a:ext cx="89647" cy="89647"/>
+          </a:xfrm>
+          <a:prstGeom prst="ellipse">
+            <a:avLst/>
+          </a:prstGeom>
+        </p:spPr>
+        <p:style>
+          <a:lnRef idx="2">
+            <a:schemeClr val="accent1">
+              <a:shade val="50000"/>
+            </a:schemeClr>
+          </a:lnRef>
+          <a:fillRef idx="1">
+            <a:schemeClr val="accent1"/>
+          </a:fillRef>
+          <a:effectRef idx="0">
+            <a:schemeClr val="accent1"/>
+          </a:effectRef>
+          <a:fontRef idx="minor">
+            <a:schemeClr val="lt1"/>
+          </a:fontRef>
+        </p:style>
+        <p:txBody>
+          <a:bodyPr rtlCol="0" anchor="ctr"/>
+          <a:lstStyle/>
+          <a:p>
+            <a:pPr algn="ctr"/>
+            <a:endParaRPr lang="en-US"/>
+          </a:p>
+        </p:txBody>
+      </p:sp>
+      <p:sp>
+        <p:nvSpPr>
+          <p:cNvPr id="20" name="Oval 19">
+            <a:extLst>
+              <a:ext uri="{FF2B5EF4-FFF2-40B4-BE49-F238E27FC236}">
+                <a16:creationId xmlns:a16="http://schemas.microsoft.com/office/drawing/2014/main" id="{4A5D4F01-8691-0F43-9F39-1BF43B45DFB6}"/>
+              </a:ext>
+            </a:extLst>
+          </p:cNvPr>
+          <p:cNvSpPr/>
+          <p:nvPr/>
+        </p:nvSpPr>
+        <p:spPr>
+          <a:xfrm>
+            <a:off x="4948521" y="3137741"/>
+            <a:ext cx="89647" cy="89647"/>
+          </a:xfrm>
+          <a:prstGeom prst="ellipse">
+            <a:avLst/>
+          </a:prstGeom>
+        </p:spPr>
+        <p:style>
+          <a:lnRef idx="2">
+            <a:schemeClr val="accent1">
+              <a:shade val="50000"/>
+            </a:schemeClr>
+          </a:lnRef>
+          <a:fillRef idx="1">
+            <a:schemeClr val="accent1"/>
+          </a:fillRef>
+          <a:effectRef idx="0">
+            <a:schemeClr val="accent1"/>
+          </a:effectRef>
+          <a:fontRef idx="minor">
+            <a:schemeClr val="lt1"/>
+          </a:fontRef>
+        </p:style>
+        <p:txBody>
+          <a:bodyPr rtlCol="0" anchor="ctr"/>
+          <a:lstStyle/>
+          <a:p>
+            <a:pPr algn="ctr"/>
+            <a:endParaRPr lang="en-US"/>
+          </a:p>
+        </p:txBody>
+      </p:sp>
+      <p:sp>
+        <p:nvSpPr>
+          <p:cNvPr id="21" name="Oval 20">
+            <a:extLst>
+              <a:ext uri="{FF2B5EF4-FFF2-40B4-BE49-F238E27FC236}">
+                <a16:creationId xmlns:a16="http://schemas.microsoft.com/office/drawing/2014/main" id="{312B52B9-A430-5344-B402-CED30C7CBDA8}"/>
+              </a:ext>
+            </a:extLst>
+          </p:cNvPr>
+          <p:cNvSpPr/>
+          <p:nvPr/>
+        </p:nvSpPr>
+        <p:spPr>
+          <a:xfrm>
+            <a:off x="4706474" y="3344488"/>
+            <a:ext cx="89647" cy="89647"/>
+          </a:xfrm>
+          <a:prstGeom prst="ellipse">
+            <a:avLst/>
+          </a:prstGeom>
+        </p:spPr>
+        <p:style>
+          <a:lnRef idx="2">
+            <a:schemeClr val="accent1">
+              <a:shade val="50000"/>
+            </a:schemeClr>
+          </a:lnRef>
+          <a:fillRef idx="1">
+            <a:schemeClr val="accent1"/>
+          </a:fillRef>
+          <a:effectRef idx="0">
+            <a:schemeClr val="accent1"/>
+          </a:effectRef>
+          <a:fontRef idx="minor">
+            <a:schemeClr val="lt1"/>
+          </a:fontRef>
+        </p:style>
+        <p:txBody>
+          <a:bodyPr rtlCol="0" anchor="ctr"/>
+          <a:lstStyle/>
+          <a:p>
+            <a:pPr algn="ctr"/>
+            <a:endParaRPr lang="en-US"/>
+          </a:p>
+        </p:txBody>
+      </p:sp>
+      <p:sp>
+        <p:nvSpPr>
+          <p:cNvPr id="22" name="Oval 21">
+            <a:extLst>
+              <a:ext uri="{FF2B5EF4-FFF2-40B4-BE49-F238E27FC236}">
+                <a16:creationId xmlns:a16="http://schemas.microsoft.com/office/drawing/2014/main" id="{17550942-2AFA-F24A-A12C-46EC8199BB5F}"/>
+              </a:ext>
+            </a:extLst>
+          </p:cNvPr>
+          <p:cNvSpPr/>
+          <p:nvPr/>
+        </p:nvSpPr>
+        <p:spPr>
+          <a:xfrm>
+            <a:off x="5011273" y="3434135"/>
+            <a:ext cx="89647" cy="89647"/>
+          </a:xfrm>
+          <a:prstGeom prst="ellipse">
+            <a:avLst/>
+          </a:prstGeom>
+        </p:spPr>
+        <p:style>
+          <a:lnRef idx="2">
+            <a:schemeClr val="accent1">
+              <a:shade val="50000"/>
+            </a:schemeClr>
+          </a:lnRef>
+          <a:fillRef idx="1">
+            <a:schemeClr val="accent1"/>
+          </a:fillRef>
+          <a:effectRef idx="0">
+            <a:schemeClr val="accent1"/>
+          </a:effectRef>
+          <a:fontRef idx="minor">
+            <a:schemeClr val="lt1"/>
+          </a:fontRef>
+        </p:style>
+        <p:txBody>
+          <a:bodyPr rtlCol="0" anchor="ctr"/>
+          <a:lstStyle/>
+          <a:p>
+            <a:pPr algn="ctr"/>
+            <a:endParaRPr lang="en-US"/>
+          </a:p>
+        </p:txBody>
+      </p:sp>
+      <p:sp>
+        <p:nvSpPr>
+          <p:cNvPr id="23" name="Oval 22">
+            <a:extLst>
+              <a:ext uri="{FF2B5EF4-FFF2-40B4-BE49-F238E27FC236}">
+                <a16:creationId xmlns:a16="http://schemas.microsoft.com/office/drawing/2014/main" id="{4BED7349-6804-1F4A-A824-85865EBA4CA5}"/>
+              </a:ext>
+            </a:extLst>
+          </p:cNvPr>
+          <p:cNvSpPr/>
+          <p:nvPr/>
+        </p:nvSpPr>
+        <p:spPr>
+          <a:xfrm>
+            <a:off x="4921626" y="3712424"/>
+            <a:ext cx="89647" cy="89647"/>
+          </a:xfrm>
+          <a:prstGeom prst="ellipse">
+            <a:avLst/>
+          </a:prstGeom>
+        </p:spPr>
+        <p:style>
+          <a:lnRef idx="2">
+            <a:schemeClr val="accent1">
+              <a:shade val="50000"/>
+            </a:schemeClr>
+          </a:lnRef>
+          <a:fillRef idx="1">
+            <a:schemeClr val="accent1"/>
+          </a:fillRef>
+          <a:effectRef idx="0">
+            <a:schemeClr val="accent1"/>
+          </a:effectRef>
+          <a:fontRef idx="minor">
+            <a:schemeClr val="lt1"/>
+          </a:fontRef>
+        </p:style>
+        <p:txBody>
+          <a:bodyPr rtlCol="0" anchor="ctr"/>
+          <a:lstStyle/>
+          <a:p>
+            <a:pPr algn="ctr"/>
+            <a:endParaRPr lang="en-US"/>
+          </a:p>
+        </p:txBody>
+      </p:sp>
+      <p:sp>
+        <p:nvSpPr>
+          <p:cNvPr id="24" name="Oval 23">
+            <a:extLst>
+              <a:ext uri="{FF2B5EF4-FFF2-40B4-BE49-F238E27FC236}">
+                <a16:creationId xmlns:a16="http://schemas.microsoft.com/office/drawing/2014/main" id="{022CADC9-9279-4645-8E82-696CFA002F16}"/>
+              </a:ext>
+            </a:extLst>
+          </p:cNvPr>
+          <p:cNvSpPr/>
+          <p:nvPr/>
+        </p:nvSpPr>
+        <p:spPr>
+          <a:xfrm>
+            <a:off x="5593973" y="2492281"/>
+            <a:ext cx="89647" cy="89647"/>
+          </a:xfrm>
+          <a:prstGeom prst="ellipse">
+            <a:avLst/>
+          </a:prstGeom>
+        </p:spPr>
+        <p:style>
+          <a:lnRef idx="2">
+            <a:schemeClr val="accent1">
+              <a:shade val="50000"/>
+            </a:schemeClr>
+          </a:lnRef>
+          <a:fillRef idx="1">
+            <a:schemeClr val="accent1"/>
+          </a:fillRef>
+          <a:effectRef idx="0">
+            <a:schemeClr val="accent1"/>
+          </a:effectRef>
+          <a:fontRef idx="minor">
+            <a:schemeClr val="lt1"/>
+          </a:fontRef>
+        </p:style>
+        <p:txBody>
+          <a:bodyPr rtlCol="0" anchor="ctr"/>
+          <a:lstStyle/>
+          <a:p>
+            <a:pPr algn="ctr"/>
+            <a:endParaRPr lang="en-US"/>
+          </a:p>
+        </p:txBody>
+      </p:sp>
+      <p:sp>
+        <p:nvSpPr>
+          <p:cNvPr id="25" name="Oval 24">
+            <a:extLst>
+              <a:ext uri="{FF2B5EF4-FFF2-40B4-BE49-F238E27FC236}">
+                <a16:creationId xmlns:a16="http://schemas.microsoft.com/office/drawing/2014/main" id="{9641FB2D-81BA-6A4E-BFFF-963C2E3F5932}"/>
+              </a:ext>
+            </a:extLst>
+          </p:cNvPr>
+          <p:cNvSpPr/>
+          <p:nvPr/>
+        </p:nvSpPr>
+        <p:spPr>
+          <a:xfrm>
+            <a:off x="5351926" y="2699028"/>
+            <a:ext cx="89647" cy="89647"/>
+          </a:xfrm>
+          <a:prstGeom prst="ellipse">
+            <a:avLst/>
+          </a:prstGeom>
+        </p:spPr>
+        <p:style>
+          <a:lnRef idx="2">
+            <a:schemeClr val="accent1">
+              <a:shade val="50000"/>
+            </a:schemeClr>
+          </a:lnRef>
+          <a:fillRef idx="1">
+            <a:schemeClr val="accent1"/>
+          </a:fillRef>
+          <a:effectRef idx="0">
+            <a:schemeClr val="accent1"/>
+          </a:effectRef>
+          <a:fontRef idx="minor">
+            <a:schemeClr val="lt1"/>
+          </a:fontRef>
+        </p:style>
+        <p:txBody>
+          <a:bodyPr rtlCol="0" anchor="ctr"/>
+          <a:lstStyle/>
+          <a:p>
+            <a:pPr algn="ctr"/>
+            <a:endParaRPr lang="en-US"/>
+          </a:p>
+        </p:txBody>
+      </p:sp>
+      <p:sp>
+        <p:nvSpPr>
+          <p:cNvPr id="26" name="Oval 25">
+            <a:extLst>
+              <a:ext uri="{FF2B5EF4-FFF2-40B4-BE49-F238E27FC236}">
+                <a16:creationId xmlns:a16="http://schemas.microsoft.com/office/drawing/2014/main" id="{5A49AFCD-71F1-9744-9CBA-3CFAB1E797E7}"/>
+              </a:ext>
+            </a:extLst>
+          </p:cNvPr>
+          <p:cNvSpPr/>
+          <p:nvPr/>
+        </p:nvSpPr>
+        <p:spPr>
+          <a:xfrm>
+            <a:off x="5656725" y="2788675"/>
+            <a:ext cx="89647" cy="89647"/>
+          </a:xfrm>
+          <a:prstGeom prst="ellipse">
+            <a:avLst/>
+          </a:prstGeom>
+        </p:spPr>
+        <p:style>
+          <a:lnRef idx="2">
+            <a:schemeClr val="accent1">
+              <a:shade val="50000"/>
+            </a:schemeClr>
+          </a:lnRef>
+          <a:fillRef idx="1">
+            <a:schemeClr val="accent1"/>
+          </a:fillRef>
+          <a:effectRef idx="0">
+            <a:schemeClr val="accent1"/>
+          </a:effectRef>
+          <a:fontRef idx="minor">
+            <a:schemeClr val="lt1"/>
+          </a:fontRef>
+        </p:style>
+        <p:txBody>
+          <a:bodyPr rtlCol="0" anchor="ctr"/>
+          <a:lstStyle/>
+          <a:p>
+            <a:pPr algn="ctr"/>
+            <a:endParaRPr lang="en-US"/>
+          </a:p>
+        </p:txBody>
+      </p:sp>
+      <p:sp>
+        <p:nvSpPr>
+          <p:cNvPr id="27" name="Oval 26">
+            <a:extLst>
+              <a:ext uri="{FF2B5EF4-FFF2-40B4-BE49-F238E27FC236}">
+                <a16:creationId xmlns:a16="http://schemas.microsoft.com/office/drawing/2014/main" id="{647D4375-289E-6447-B9A3-3A71A515E162}"/>
+              </a:ext>
+            </a:extLst>
+          </p:cNvPr>
+          <p:cNvSpPr/>
+          <p:nvPr/>
+        </p:nvSpPr>
+        <p:spPr>
+          <a:xfrm>
+            <a:off x="5567078" y="3066964"/>
+            <a:ext cx="89647" cy="89647"/>
+          </a:xfrm>
+          <a:prstGeom prst="ellipse">
+            <a:avLst/>
+          </a:prstGeom>
+        </p:spPr>
+        <p:style>
+          <a:lnRef idx="2">
+            <a:schemeClr val="accent1">
+              <a:shade val="50000"/>
+            </a:schemeClr>
+          </a:lnRef>
+          <a:fillRef idx="1">
+            <a:schemeClr val="accent1"/>
+          </a:fillRef>
+          <a:effectRef idx="0">
+            <a:schemeClr val="accent1"/>
+          </a:effectRef>
+          <a:fontRef idx="minor">
+            <a:schemeClr val="lt1"/>
+          </a:fontRef>
+        </p:style>
+        <p:txBody>
+          <a:bodyPr rtlCol="0" anchor="ctr"/>
+          <a:lstStyle/>
+          <a:p>
+            <a:pPr algn="ctr"/>
+            <a:endParaRPr lang="en-US"/>
+          </a:p>
+        </p:txBody>
+      </p:sp>
+      <p:sp>
+        <p:nvSpPr>
+          <p:cNvPr id="28" name="Oval 27">
+            <a:extLst>
+              <a:ext uri="{FF2B5EF4-FFF2-40B4-BE49-F238E27FC236}">
+                <a16:creationId xmlns:a16="http://schemas.microsoft.com/office/drawing/2014/main" id="{FF8D3DC8-1E2F-DD4E-A502-E1738B545265}"/>
+              </a:ext>
+            </a:extLst>
+          </p:cNvPr>
+          <p:cNvSpPr/>
+          <p:nvPr/>
+        </p:nvSpPr>
+        <p:spPr>
+          <a:xfrm>
+            <a:off x="5056100" y="2420564"/>
+            <a:ext cx="89647" cy="89647"/>
+          </a:xfrm>
+          <a:prstGeom prst="ellipse">
+            <a:avLst/>
+          </a:prstGeom>
+        </p:spPr>
+        <p:style>
+          <a:lnRef idx="2">
+            <a:schemeClr val="accent1">
+              <a:shade val="50000"/>
+            </a:schemeClr>
+          </a:lnRef>
+          <a:fillRef idx="1">
+            <a:schemeClr val="accent1"/>
+          </a:fillRef>
+          <a:effectRef idx="0">
+            <a:schemeClr val="accent1"/>
+          </a:effectRef>
+          <a:fontRef idx="minor">
+            <a:schemeClr val="lt1"/>
+          </a:fontRef>
+        </p:style>
+        <p:txBody>
+          <a:bodyPr rtlCol="0" anchor="ctr"/>
+          <a:lstStyle/>
+          <a:p>
+            <a:pPr algn="ctr"/>
+            <a:endParaRPr lang="en-US"/>
+          </a:p>
+        </p:txBody>
+      </p:sp>
+      <p:sp>
+        <p:nvSpPr>
+          <p:cNvPr id="29" name="Oval 28">
+            <a:extLst>
+              <a:ext uri="{FF2B5EF4-FFF2-40B4-BE49-F238E27FC236}">
+                <a16:creationId xmlns:a16="http://schemas.microsoft.com/office/drawing/2014/main" id="{EE7899E7-8403-664F-B100-365822D7E203}"/>
+              </a:ext>
+            </a:extLst>
+          </p:cNvPr>
+          <p:cNvSpPr/>
+          <p:nvPr/>
+        </p:nvSpPr>
+        <p:spPr>
+          <a:xfrm>
+            <a:off x="4814053" y="2627311"/>
+            <a:ext cx="89647" cy="89647"/>
+          </a:xfrm>
+          <a:prstGeom prst="ellipse">
+            <a:avLst/>
+          </a:prstGeom>
+        </p:spPr>
+        <p:style>
+          <a:lnRef idx="2">
+            <a:schemeClr val="accent1">
+              <a:shade val="50000"/>
+            </a:schemeClr>
+          </a:lnRef>
+          <a:fillRef idx="1">
+            <a:schemeClr val="accent1"/>
+          </a:fillRef>
+          <a:effectRef idx="0">
+            <a:schemeClr val="accent1"/>
+          </a:effectRef>
+          <a:fontRef idx="minor">
+            <a:schemeClr val="lt1"/>
+          </a:fontRef>
+        </p:style>
+        <p:txBody>
+          <a:bodyPr rtlCol="0" anchor="ctr"/>
+          <a:lstStyle/>
+          <a:p>
+            <a:pPr algn="ctr"/>
+            <a:endParaRPr lang="en-US"/>
+          </a:p>
+        </p:txBody>
+      </p:sp>
+      <p:sp>
+        <p:nvSpPr>
+          <p:cNvPr id="30" name="Oval 29">
+            <a:extLst>
+              <a:ext uri="{FF2B5EF4-FFF2-40B4-BE49-F238E27FC236}">
+                <a16:creationId xmlns:a16="http://schemas.microsoft.com/office/drawing/2014/main" id="{8F2CF7E6-0624-9343-A7FF-6D9E8240BE44}"/>
+              </a:ext>
+            </a:extLst>
+          </p:cNvPr>
+          <p:cNvSpPr/>
+          <p:nvPr/>
+        </p:nvSpPr>
+        <p:spPr>
+          <a:xfrm>
+            <a:off x="5118852" y="2716958"/>
+            <a:ext cx="89647" cy="89647"/>
+          </a:xfrm>
+          <a:prstGeom prst="ellipse">
+            <a:avLst/>
+          </a:prstGeom>
+        </p:spPr>
+        <p:style>
+          <a:lnRef idx="2">
+            <a:schemeClr val="accent1">
+              <a:shade val="50000"/>
+            </a:schemeClr>
+          </a:lnRef>
+          <a:fillRef idx="1">
+            <a:schemeClr val="accent1"/>
+          </a:fillRef>
+          <a:effectRef idx="0">
+            <a:schemeClr val="accent1"/>
+          </a:effectRef>
+          <a:fontRef idx="minor">
+            <a:schemeClr val="lt1"/>
+          </a:fontRef>
+        </p:style>
+        <p:txBody>
+          <a:bodyPr rtlCol="0" anchor="ctr"/>
+          <a:lstStyle/>
+          <a:p>
+            <a:pPr algn="ctr"/>
+            <a:endParaRPr lang="en-US"/>
+          </a:p>
+        </p:txBody>
+      </p:sp>
+      <p:sp>
+        <p:nvSpPr>
+          <p:cNvPr id="31" name="Oval 30">
+            <a:extLst>
+              <a:ext uri="{FF2B5EF4-FFF2-40B4-BE49-F238E27FC236}">
+                <a16:creationId xmlns:a16="http://schemas.microsoft.com/office/drawing/2014/main" id="{68F7EFDA-56DB-BF44-9D4E-349057B84153}"/>
+              </a:ext>
+            </a:extLst>
+          </p:cNvPr>
+          <p:cNvSpPr/>
+          <p:nvPr/>
+        </p:nvSpPr>
+        <p:spPr>
+          <a:xfrm>
+            <a:off x="5029205" y="2995247"/>
+            <a:ext cx="89647" cy="89647"/>
+          </a:xfrm>
+          <a:prstGeom prst="ellipse">
+            <a:avLst/>
+          </a:prstGeom>
+        </p:spPr>
+        <p:style>
+          <a:lnRef idx="2">
+            <a:schemeClr val="accent1">
+              <a:shade val="50000"/>
+            </a:schemeClr>
+          </a:lnRef>
+          <a:fillRef idx="1">
+            <a:schemeClr val="accent1"/>
+          </a:fillRef>
+          <a:effectRef idx="0">
+            <a:schemeClr val="accent1"/>
+          </a:effectRef>
+          <a:fontRef idx="minor">
+            <a:schemeClr val="lt1"/>
+          </a:fontRef>
+        </p:style>
+        <p:txBody>
+          <a:bodyPr rtlCol="0" anchor="ctr"/>
+          <a:lstStyle/>
+          <a:p>
+            <a:pPr algn="ctr"/>
+            <a:endParaRPr lang="en-US"/>
+          </a:p>
+        </p:txBody>
+      </p:sp>
+      <p:sp>
+        <p:nvSpPr>
+          <p:cNvPr id="32" name="Oval 31">
+            <a:extLst>
+              <a:ext uri="{FF2B5EF4-FFF2-40B4-BE49-F238E27FC236}">
+                <a16:creationId xmlns:a16="http://schemas.microsoft.com/office/drawing/2014/main" id="{7DA72522-A0F0-1A4C-A95B-920F8A68E623}"/>
+              </a:ext>
+            </a:extLst>
+          </p:cNvPr>
+          <p:cNvSpPr/>
+          <p:nvPr/>
+        </p:nvSpPr>
+        <p:spPr>
+          <a:xfrm>
+            <a:off x="5593973" y="2079910"/>
+            <a:ext cx="89647" cy="89647"/>
+          </a:xfrm>
+          <a:prstGeom prst="ellipse">
+            <a:avLst/>
+          </a:prstGeom>
+        </p:spPr>
+        <p:style>
+          <a:lnRef idx="2">
+            <a:schemeClr val="accent1">
+              <a:shade val="50000"/>
+            </a:schemeClr>
+          </a:lnRef>
+          <a:fillRef idx="1">
+            <a:schemeClr val="accent1"/>
+          </a:fillRef>
+          <a:effectRef idx="0">
+            <a:schemeClr val="accent1"/>
+          </a:effectRef>
+          <a:fontRef idx="minor">
+            <a:schemeClr val="lt1"/>
+          </a:fontRef>
+        </p:style>
+        <p:txBody>
+          <a:bodyPr rtlCol="0" anchor="ctr"/>
+          <a:lstStyle/>
+          <a:p>
+            <a:pPr algn="ctr"/>
+            <a:endParaRPr lang="en-US"/>
+          </a:p>
+        </p:txBody>
+      </p:sp>
+      <p:sp>
+        <p:nvSpPr>
+          <p:cNvPr id="33" name="Oval 32">
+            <a:extLst>
+              <a:ext uri="{FF2B5EF4-FFF2-40B4-BE49-F238E27FC236}">
+                <a16:creationId xmlns:a16="http://schemas.microsoft.com/office/drawing/2014/main" id="{83D76510-E850-194F-9BA9-3684961BC1CB}"/>
+              </a:ext>
+            </a:extLst>
+          </p:cNvPr>
+          <p:cNvSpPr/>
+          <p:nvPr/>
+        </p:nvSpPr>
+        <p:spPr>
+          <a:xfrm>
+            <a:off x="5351926" y="2286657"/>
+            <a:ext cx="89647" cy="89647"/>
+          </a:xfrm>
+          <a:prstGeom prst="ellipse">
+            <a:avLst/>
+          </a:prstGeom>
+        </p:spPr>
+        <p:style>
+          <a:lnRef idx="2">
+            <a:schemeClr val="accent1">
+              <a:shade val="50000"/>
+            </a:schemeClr>
+          </a:lnRef>
+          <a:fillRef idx="1">
+            <a:schemeClr val="accent1"/>
+          </a:fillRef>
+          <a:effectRef idx="0">
+            <a:schemeClr val="accent1"/>
+          </a:effectRef>
+          <a:fontRef idx="minor">
+            <a:schemeClr val="lt1"/>
+          </a:fontRef>
+        </p:style>
+        <p:txBody>
+          <a:bodyPr rtlCol="0" anchor="ctr"/>
+          <a:lstStyle/>
+          <a:p>
+            <a:pPr algn="ctr"/>
+            <a:endParaRPr lang="en-US"/>
+          </a:p>
+        </p:txBody>
+      </p:sp>
+      <p:sp>
+        <p:nvSpPr>
+          <p:cNvPr id="34" name="Oval 33">
+            <a:extLst>
+              <a:ext uri="{FF2B5EF4-FFF2-40B4-BE49-F238E27FC236}">
+                <a16:creationId xmlns:a16="http://schemas.microsoft.com/office/drawing/2014/main" id="{BACFB913-2974-A040-92F7-00D0F31A7040}"/>
+              </a:ext>
+            </a:extLst>
+          </p:cNvPr>
+          <p:cNvSpPr/>
+          <p:nvPr/>
+        </p:nvSpPr>
+        <p:spPr>
+          <a:xfrm>
+            <a:off x="5656725" y="2376304"/>
+            <a:ext cx="89647" cy="89647"/>
+          </a:xfrm>
+          <a:prstGeom prst="ellipse">
+            <a:avLst/>
+          </a:prstGeom>
+        </p:spPr>
+        <p:style>
+          <a:lnRef idx="2">
+            <a:schemeClr val="accent1">
+              <a:shade val="50000"/>
+            </a:schemeClr>
+          </a:lnRef>
+          <a:fillRef idx="1">
+            <a:schemeClr val="accent1"/>
+          </a:fillRef>
+          <a:effectRef idx="0">
+            <a:schemeClr val="accent1"/>
+          </a:effectRef>
+          <a:fontRef idx="minor">
+            <a:schemeClr val="lt1"/>
+          </a:fontRef>
+        </p:style>
+        <p:txBody>
+          <a:bodyPr rtlCol="0" anchor="ctr"/>
+          <a:lstStyle/>
+          <a:p>
+            <a:pPr algn="ctr"/>
+            <a:endParaRPr lang="en-US"/>
+          </a:p>
+        </p:txBody>
+      </p:sp>
+      <p:sp>
+        <p:nvSpPr>
+          <p:cNvPr id="35" name="Oval 34">
+            <a:extLst>
+              <a:ext uri="{FF2B5EF4-FFF2-40B4-BE49-F238E27FC236}">
+                <a16:creationId xmlns:a16="http://schemas.microsoft.com/office/drawing/2014/main" id="{E09BC626-1754-634F-A70C-4E5E3DD2DE3C}"/>
+              </a:ext>
+            </a:extLst>
+          </p:cNvPr>
+          <p:cNvSpPr/>
+          <p:nvPr/>
+        </p:nvSpPr>
+        <p:spPr>
+          <a:xfrm>
+            <a:off x="5567078" y="2654593"/>
+            <a:ext cx="89647" cy="89647"/>
+          </a:xfrm>
+          <a:prstGeom prst="ellipse">
+            <a:avLst/>
+          </a:prstGeom>
+        </p:spPr>
+        <p:style>
+          <a:lnRef idx="2">
+            <a:schemeClr val="accent1">
+              <a:shade val="50000"/>
+            </a:schemeClr>
+          </a:lnRef>
+          <a:fillRef idx="1">
+            <a:schemeClr val="accent1"/>
+          </a:fillRef>
+          <a:effectRef idx="0">
+            <a:schemeClr val="accent1"/>
+          </a:effectRef>
+          <a:fontRef idx="minor">
+            <a:schemeClr val="lt1"/>
+          </a:fontRef>
+        </p:style>
+        <p:txBody>
+          <a:bodyPr rtlCol="0" anchor="ctr"/>
+          <a:lstStyle/>
+          <a:p>
+            <a:pPr algn="ctr"/>
+            <a:endParaRPr lang="en-US"/>
+          </a:p>
+        </p:txBody>
+      </p:sp>
+      <p:sp>
+        <p:nvSpPr>
+          <p:cNvPr id="37" name="Rectangle 36">
+            <a:extLst>
+              <a:ext uri="{FF2B5EF4-FFF2-40B4-BE49-F238E27FC236}">
+                <a16:creationId xmlns:a16="http://schemas.microsoft.com/office/drawing/2014/main" id="{4F351C0C-1789-A74A-9332-C6903AC14371}"/>
+              </a:ext>
+            </a:extLst>
+          </p:cNvPr>
+          <p:cNvSpPr/>
+          <p:nvPr/>
+        </p:nvSpPr>
+        <p:spPr>
+          <a:xfrm>
+            <a:off x="6239435" y="2465387"/>
+            <a:ext cx="116541" cy="116541"/>
+          </a:xfrm>
+          <a:prstGeom prst="rect">
+            <a:avLst/>
+          </a:prstGeom>
+          <a:solidFill>
+            <a:schemeClr val="accent4">
+              <a:lumMod val="60000"/>
+              <a:lumOff val="40000"/>
+            </a:schemeClr>
+          </a:solidFill>
+          <a:ln>
+            <a:solidFill>
+              <a:schemeClr val="accent4"/>
+            </a:solidFill>
+          </a:ln>
+        </p:spPr>
+        <p:style>
+          <a:lnRef idx="2">
+            <a:schemeClr val="accent1">
+              <a:shade val="50000"/>
+            </a:schemeClr>
+          </a:lnRef>
+          <a:fillRef idx="1">
+            <a:schemeClr val="accent1"/>
+          </a:fillRef>
+          <a:effectRef idx="0">
+            <a:schemeClr val="accent1"/>
+          </a:effectRef>
+          <a:fontRef idx="minor">
+            <a:schemeClr val="lt1"/>
+          </a:fontRef>
+        </p:style>
+        <p:txBody>
+          <a:bodyPr rtlCol="0" anchor="ctr"/>
+          <a:lstStyle/>
+          <a:p>
+            <a:pPr algn="ctr"/>
+            <a:endParaRPr lang="en-US"/>
+          </a:p>
+        </p:txBody>
+      </p:sp>
+      <p:sp>
+        <p:nvSpPr>
+          <p:cNvPr id="41" name="Rectangle 40">
+            <a:extLst>
+              <a:ext uri="{FF2B5EF4-FFF2-40B4-BE49-F238E27FC236}">
+                <a16:creationId xmlns:a16="http://schemas.microsoft.com/office/drawing/2014/main" id="{0DAEF6EF-101E-114D-8063-ED2BBB646BDB}"/>
+              </a:ext>
+            </a:extLst>
+          </p:cNvPr>
+          <p:cNvSpPr/>
+          <p:nvPr/>
+        </p:nvSpPr>
+        <p:spPr>
+          <a:xfrm>
+            <a:off x="6391835" y="2617787"/>
+            <a:ext cx="116541" cy="116541"/>
+          </a:xfrm>
+          <a:prstGeom prst="rect">
+            <a:avLst/>
+          </a:prstGeom>
+          <a:solidFill>
+            <a:schemeClr val="accent4">
+              <a:lumMod val="60000"/>
+              <a:lumOff val="40000"/>
+            </a:schemeClr>
+          </a:solidFill>
+          <a:ln>
+            <a:solidFill>
+              <a:schemeClr val="accent4"/>
+            </a:solidFill>
+          </a:ln>
+        </p:spPr>
+        <p:style>
+          <a:lnRef idx="2">
+            <a:schemeClr val="accent1">
+              <a:shade val="50000"/>
+            </a:schemeClr>
+          </a:lnRef>
+          <a:fillRef idx="1">
+            <a:schemeClr val="accent1"/>
+          </a:fillRef>
+          <a:effectRef idx="0">
+            <a:schemeClr val="accent1"/>
+          </a:effectRef>
+          <a:fontRef idx="minor">
+            <a:schemeClr val="lt1"/>
+          </a:fontRef>
+        </p:style>
+        <p:txBody>
+          <a:bodyPr rtlCol="0" anchor="ctr"/>
+          <a:lstStyle/>
+          <a:p>
+            <a:pPr algn="ctr"/>
+            <a:endParaRPr lang="en-US"/>
+          </a:p>
+        </p:txBody>
+      </p:sp>
+      <p:sp>
+        <p:nvSpPr>
+          <p:cNvPr id="42" name="Rectangle 41">
+            <a:extLst>
+              <a:ext uri="{FF2B5EF4-FFF2-40B4-BE49-F238E27FC236}">
+                <a16:creationId xmlns:a16="http://schemas.microsoft.com/office/drawing/2014/main" id="{61DEEF38-B529-C14C-87BA-744A8F84CB49}"/>
+              </a:ext>
+            </a:extLst>
+          </p:cNvPr>
+          <p:cNvSpPr/>
+          <p:nvPr/>
+        </p:nvSpPr>
+        <p:spPr>
+          <a:xfrm>
+            <a:off x="6544235" y="2770187"/>
+            <a:ext cx="116541" cy="116541"/>
+          </a:xfrm>
+          <a:prstGeom prst="rect">
+            <a:avLst/>
+          </a:prstGeom>
+          <a:solidFill>
+            <a:schemeClr val="accent4">
+              <a:lumMod val="60000"/>
+              <a:lumOff val="40000"/>
+            </a:schemeClr>
+          </a:solidFill>
+          <a:ln>
+            <a:solidFill>
+              <a:schemeClr val="accent4"/>
+            </a:solidFill>
+          </a:ln>
+        </p:spPr>
+        <p:style>
+          <a:lnRef idx="2">
+            <a:schemeClr val="accent1">
+              <a:shade val="50000"/>
+            </a:schemeClr>
+          </a:lnRef>
+          <a:fillRef idx="1">
+            <a:schemeClr val="accent1"/>
+          </a:fillRef>
+          <a:effectRef idx="0">
+            <a:schemeClr val="accent1"/>
+          </a:effectRef>
+          <a:fontRef idx="minor">
+            <a:schemeClr val="lt1"/>
+          </a:fontRef>
+        </p:style>
+        <p:txBody>
+          <a:bodyPr rtlCol="0" anchor="ctr"/>
+          <a:lstStyle/>
+          <a:p>
+            <a:pPr algn="ctr"/>
+            <a:endParaRPr lang="en-US"/>
+          </a:p>
+        </p:txBody>
+      </p:sp>
+      <p:sp>
+        <p:nvSpPr>
+          <p:cNvPr id="43" name="Rectangle 42">
+            <a:extLst>
+              <a:ext uri="{FF2B5EF4-FFF2-40B4-BE49-F238E27FC236}">
+                <a16:creationId xmlns:a16="http://schemas.microsoft.com/office/drawing/2014/main" id="{C6DFEDF6-732D-F844-A49A-A75DE1CA34CE}"/>
+              </a:ext>
+            </a:extLst>
+          </p:cNvPr>
+          <p:cNvSpPr/>
+          <p:nvPr/>
+        </p:nvSpPr>
+        <p:spPr>
+          <a:xfrm>
+            <a:off x="6787228" y="2743014"/>
+            <a:ext cx="116541" cy="116541"/>
+          </a:xfrm>
+          <a:prstGeom prst="rect">
+            <a:avLst/>
+          </a:prstGeom>
+          <a:solidFill>
+            <a:schemeClr val="accent4">
+              <a:lumMod val="60000"/>
+              <a:lumOff val="40000"/>
+            </a:schemeClr>
+          </a:solidFill>
+          <a:ln>
+            <a:solidFill>
+              <a:schemeClr val="accent4"/>
+            </a:solidFill>
+          </a:ln>
+        </p:spPr>
+        <p:style>
+          <a:lnRef idx="2">
+            <a:schemeClr val="accent1">
+              <a:shade val="50000"/>
+            </a:schemeClr>
+          </a:lnRef>
+          <a:fillRef idx="1">
+            <a:schemeClr val="accent1"/>
+          </a:fillRef>
+          <a:effectRef idx="0">
+            <a:schemeClr val="accent1"/>
+          </a:effectRef>
+          <a:fontRef idx="minor">
+            <a:schemeClr val="lt1"/>
+          </a:fontRef>
+        </p:style>
+        <p:txBody>
+          <a:bodyPr rtlCol="0" anchor="ctr"/>
+          <a:lstStyle/>
+          <a:p>
+            <a:pPr algn="ctr"/>
+            <a:endParaRPr lang="en-US"/>
+          </a:p>
+        </p:txBody>
+      </p:sp>
+      <p:sp>
+        <p:nvSpPr>
+          <p:cNvPr id="44" name="Rectangle 43">
+            <a:extLst>
+              <a:ext uri="{FF2B5EF4-FFF2-40B4-BE49-F238E27FC236}">
+                <a16:creationId xmlns:a16="http://schemas.microsoft.com/office/drawing/2014/main" id="{E18AF31F-7B3F-5145-BACB-96465156022C}"/>
+              </a:ext>
+            </a:extLst>
+          </p:cNvPr>
+          <p:cNvSpPr/>
+          <p:nvPr/>
+        </p:nvSpPr>
+        <p:spPr>
+          <a:xfrm>
+            <a:off x="6296745" y="2950423"/>
+            <a:ext cx="116541" cy="116541"/>
+          </a:xfrm>
+          <a:prstGeom prst="rect">
+            <a:avLst/>
+          </a:prstGeom>
+          <a:solidFill>
+            <a:schemeClr val="accent4">
+              <a:lumMod val="60000"/>
+              <a:lumOff val="40000"/>
+            </a:schemeClr>
+          </a:solidFill>
+          <a:ln>
+            <a:solidFill>
+              <a:schemeClr val="accent4"/>
+            </a:solidFill>
+          </a:ln>
+        </p:spPr>
+        <p:style>
+          <a:lnRef idx="2">
+            <a:schemeClr val="accent1">
+              <a:shade val="50000"/>
+            </a:schemeClr>
+          </a:lnRef>
+          <a:fillRef idx="1">
+            <a:schemeClr val="accent1"/>
+          </a:fillRef>
+          <a:effectRef idx="0">
+            <a:schemeClr val="accent1"/>
+          </a:effectRef>
+          <a:fontRef idx="minor">
+            <a:schemeClr val="lt1"/>
+          </a:fontRef>
+        </p:style>
+        <p:txBody>
+          <a:bodyPr rtlCol="0" anchor="ctr"/>
+          <a:lstStyle/>
+          <a:p>
+            <a:pPr algn="ctr"/>
+            <a:endParaRPr lang="en-US"/>
+          </a:p>
+        </p:txBody>
+      </p:sp>
+      <p:sp>
+        <p:nvSpPr>
+          <p:cNvPr id="45" name="Rectangle 44">
+            <a:extLst>
+              <a:ext uri="{FF2B5EF4-FFF2-40B4-BE49-F238E27FC236}">
+                <a16:creationId xmlns:a16="http://schemas.microsoft.com/office/drawing/2014/main" id="{0B397D56-C51C-1C4C-AEBA-CB9BE00CC6EA}"/>
+              </a:ext>
+            </a:extLst>
+          </p:cNvPr>
+          <p:cNvSpPr/>
+          <p:nvPr/>
+        </p:nvSpPr>
+        <p:spPr>
+          <a:xfrm>
+            <a:off x="6589714" y="2367427"/>
+            <a:ext cx="116541" cy="116541"/>
+          </a:xfrm>
+          <a:prstGeom prst="rect">
+            <a:avLst/>
+          </a:prstGeom>
+          <a:solidFill>
+            <a:schemeClr val="accent4">
+              <a:lumMod val="60000"/>
+              <a:lumOff val="40000"/>
+            </a:schemeClr>
+          </a:solidFill>
+          <a:ln>
+            <a:solidFill>
+              <a:schemeClr val="accent4"/>
+            </a:solidFill>
+          </a:ln>
+        </p:spPr>
+        <p:style>
+          <a:lnRef idx="2">
+            <a:schemeClr val="accent1">
+              <a:shade val="50000"/>
+            </a:schemeClr>
+          </a:lnRef>
+          <a:fillRef idx="1">
+            <a:schemeClr val="accent1"/>
+          </a:fillRef>
+          <a:effectRef idx="0">
+            <a:schemeClr val="accent1"/>
+          </a:effectRef>
+          <a:fontRef idx="minor">
+            <a:schemeClr val="lt1"/>
+          </a:fontRef>
+        </p:style>
+        <p:txBody>
+          <a:bodyPr rtlCol="0" anchor="ctr"/>
+          <a:lstStyle/>
+          <a:p>
+            <a:pPr algn="ctr"/>
+            <a:endParaRPr lang="en-US"/>
+          </a:p>
+        </p:txBody>
+      </p:sp>
+      <p:sp>
+        <p:nvSpPr>
+          <p:cNvPr id="46" name="Rectangle 45">
+            <a:extLst>
+              <a:ext uri="{FF2B5EF4-FFF2-40B4-BE49-F238E27FC236}">
+                <a16:creationId xmlns:a16="http://schemas.microsoft.com/office/drawing/2014/main" id="{9DBEDB98-DCEA-3546-AD0D-8C3B13BB3EC9}"/>
+              </a:ext>
+            </a:extLst>
+          </p:cNvPr>
+          <p:cNvSpPr/>
+          <p:nvPr/>
+        </p:nvSpPr>
+        <p:spPr>
+          <a:xfrm>
+            <a:off x="5961529" y="2868796"/>
+            <a:ext cx="116541" cy="116541"/>
+          </a:xfrm>
+          <a:prstGeom prst="rect">
+            <a:avLst/>
+          </a:prstGeom>
+          <a:solidFill>
+            <a:schemeClr val="accent4">
+              <a:lumMod val="60000"/>
+              <a:lumOff val="40000"/>
+            </a:schemeClr>
+          </a:solidFill>
+          <a:ln>
+            <a:solidFill>
+              <a:schemeClr val="accent4"/>
+            </a:solidFill>
+          </a:ln>
+        </p:spPr>
+        <p:style>
+          <a:lnRef idx="2">
+            <a:schemeClr val="accent1">
+              <a:shade val="50000"/>
+            </a:schemeClr>
+          </a:lnRef>
+          <a:fillRef idx="1">
+            <a:schemeClr val="accent1"/>
+          </a:fillRef>
+          <a:effectRef idx="0">
+            <a:schemeClr val="accent1"/>
+          </a:effectRef>
+          <a:fontRef idx="minor">
+            <a:schemeClr val="lt1"/>
+          </a:fontRef>
+        </p:style>
+        <p:txBody>
+          <a:bodyPr rtlCol="0" anchor="ctr"/>
+          <a:lstStyle/>
+          <a:p>
+            <a:pPr algn="ctr"/>
+            <a:endParaRPr lang="en-US"/>
+          </a:p>
+        </p:txBody>
+      </p:sp>
+      <p:sp>
+        <p:nvSpPr>
+          <p:cNvPr id="47" name="Rectangle 46">
+            <a:extLst>
+              <a:ext uri="{FF2B5EF4-FFF2-40B4-BE49-F238E27FC236}">
+                <a16:creationId xmlns:a16="http://schemas.microsoft.com/office/drawing/2014/main" id="{9153B1E0-BFAC-284D-890F-A05DC7C0F36F}"/>
+              </a:ext>
+            </a:extLst>
+          </p:cNvPr>
+          <p:cNvSpPr/>
+          <p:nvPr/>
+        </p:nvSpPr>
+        <p:spPr>
+          <a:xfrm>
+            <a:off x="6113929" y="3021196"/>
+            <a:ext cx="116541" cy="116541"/>
+          </a:xfrm>
+          <a:prstGeom prst="rect">
+            <a:avLst/>
+          </a:prstGeom>
+          <a:solidFill>
+            <a:schemeClr val="accent4">
+              <a:lumMod val="60000"/>
+              <a:lumOff val="40000"/>
+            </a:schemeClr>
+          </a:solidFill>
+          <a:ln>
+            <a:solidFill>
+              <a:schemeClr val="accent4"/>
+            </a:solidFill>
+          </a:ln>
+        </p:spPr>
+        <p:style>
+          <a:lnRef idx="2">
+            <a:schemeClr val="accent1">
+              <a:shade val="50000"/>
+            </a:schemeClr>
+          </a:lnRef>
+          <a:fillRef idx="1">
+            <a:schemeClr val="accent1"/>
+          </a:fillRef>
+          <a:effectRef idx="0">
+            <a:schemeClr val="accent1"/>
+          </a:effectRef>
+          <a:fontRef idx="minor">
+            <a:schemeClr val="lt1"/>
+          </a:fontRef>
+        </p:style>
+        <p:txBody>
+          <a:bodyPr rtlCol="0" anchor="ctr"/>
+          <a:lstStyle/>
+          <a:p>
+            <a:pPr algn="ctr"/>
+            <a:endParaRPr lang="en-US"/>
+          </a:p>
+        </p:txBody>
+      </p:sp>
+      <p:sp>
+        <p:nvSpPr>
+          <p:cNvPr id="48" name="Rectangle 47">
+            <a:extLst>
+              <a:ext uri="{FF2B5EF4-FFF2-40B4-BE49-F238E27FC236}">
+                <a16:creationId xmlns:a16="http://schemas.microsoft.com/office/drawing/2014/main" id="{198FA2E2-3C45-4945-93CF-39D537F209B2}"/>
+              </a:ext>
+            </a:extLst>
+          </p:cNvPr>
+          <p:cNvSpPr/>
+          <p:nvPr/>
+        </p:nvSpPr>
+        <p:spPr>
+          <a:xfrm>
+            <a:off x="6266329" y="3173596"/>
+            <a:ext cx="116541" cy="116541"/>
+          </a:xfrm>
+          <a:prstGeom prst="rect">
+            <a:avLst/>
+          </a:prstGeom>
+          <a:solidFill>
+            <a:schemeClr val="accent4">
+              <a:lumMod val="60000"/>
+              <a:lumOff val="40000"/>
+            </a:schemeClr>
+          </a:solidFill>
+          <a:ln>
+            <a:solidFill>
+              <a:schemeClr val="accent4"/>
+            </a:solidFill>
+          </a:ln>
+        </p:spPr>
+        <p:style>
+          <a:lnRef idx="2">
+            <a:schemeClr val="accent1">
+              <a:shade val="50000"/>
+            </a:schemeClr>
+          </a:lnRef>
+          <a:fillRef idx="1">
+            <a:schemeClr val="accent1"/>
+          </a:fillRef>
+          <a:effectRef idx="0">
+            <a:schemeClr val="accent1"/>
+          </a:effectRef>
+          <a:fontRef idx="minor">
+            <a:schemeClr val="lt1"/>
+          </a:fontRef>
+        </p:style>
+        <p:txBody>
+          <a:bodyPr rtlCol="0" anchor="ctr"/>
+          <a:lstStyle/>
+          <a:p>
+            <a:pPr algn="ctr"/>
+            <a:endParaRPr lang="en-US"/>
+          </a:p>
+        </p:txBody>
+      </p:sp>
+      <p:sp>
+        <p:nvSpPr>
+          <p:cNvPr id="49" name="Rectangle 48">
+            <a:extLst>
+              <a:ext uri="{FF2B5EF4-FFF2-40B4-BE49-F238E27FC236}">
+                <a16:creationId xmlns:a16="http://schemas.microsoft.com/office/drawing/2014/main" id="{DF800A1E-CE4D-2E44-A66F-685CB0087FCA}"/>
+              </a:ext>
+            </a:extLst>
+          </p:cNvPr>
+          <p:cNvSpPr/>
+          <p:nvPr/>
+        </p:nvSpPr>
+        <p:spPr>
+          <a:xfrm>
+            <a:off x="6509322" y="3146423"/>
+            <a:ext cx="116541" cy="116541"/>
+          </a:xfrm>
+          <a:prstGeom prst="rect">
+            <a:avLst/>
+          </a:prstGeom>
+          <a:solidFill>
+            <a:schemeClr val="accent4">
+              <a:lumMod val="60000"/>
+              <a:lumOff val="40000"/>
+            </a:schemeClr>
+          </a:solidFill>
+          <a:ln>
+            <a:solidFill>
+              <a:schemeClr val="accent4"/>
+            </a:solidFill>
+          </a:ln>
+        </p:spPr>
+        <p:style>
+          <a:lnRef idx="2">
+            <a:schemeClr val="accent1">
+              <a:shade val="50000"/>
+            </a:schemeClr>
+          </a:lnRef>
+          <a:fillRef idx="1">
+            <a:schemeClr val="accent1"/>
+          </a:fillRef>
+          <a:effectRef idx="0">
+            <a:schemeClr val="accent1"/>
+          </a:effectRef>
+          <a:fontRef idx="minor">
+            <a:schemeClr val="lt1"/>
+          </a:fontRef>
+        </p:style>
+        <p:txBody>
+          <a:bodyPr rtlCol="0" anchor="ctr"/>
+          <a:lstStyle/>
+          <a:p>
+            <a:pPr algn="ctr"/>
+            <a:endParaRPr lang="en-US"/>
+          </a:p>
+        </p:txBody>
+      </p:sp>
+      <p:sp>
+        <p:nvSpPr>
+          <p:cNvPr id="50" name="Rectangle 49">
+            <a:extLst>
+              <a:ext uri="{FF2B5EF4-FFF2-40B4-BE49-F238E27FC236}">
+                <a16:creationId xmlns:a16="http://schemas.microsoft.com/office/drawing/2014/main" id="{D092E01E-1E59-FE42-86C9-8782BBCC45B0}"/>
+              </a:ext>
+            </a:extLst>
+          </p:cNvPr>
+          <p:cNvSpPr/>
+          <p:nvPr/>
+        </p:nvSpPr>
+        <p:spPr>
+          <a:xfrm>
+            <a:off x="6018839" y="3353832"/>
+            <a:ext cx="116541" cy="116541"/>
+          </a:xfrm>
+          <a:prstGeom prst="rect">
+            <a:avLst/>
+          </a:prstGeom>
+          <a:solidFill>
+            <a:schemeClr val="accent4">
+              <a:lumMod val="60000"/>
+              <a:lumOff val="40000"/>
+            </a:schemeClr>
+          </a:solidFill>
+          <a:ln>
+            <a:solidFill>
+              <a:schemeClr val="accent4"/>
+            </a:solidFill>
+          </a:ln>
+        </p:spPr>
+        <p:style>
+          <a:lnRef idx="2">
+            <a:schemeClr val="accent1">
+              <a:shade val="50000"/>
+            </a:schemeClr>
+          </a:lnRef>
+          <a:fillRef idx="1">
+            <a:schemeClr val="accent1"/>
+          </a:fillRef>
+          <a:effectRef idx="0">
+            <a:schemeClr val="accent1"/>
+          </a:effectRef>
+          <a:fontRef idx="minor">
+            <a:schemeClr val="lt1"/>
+          </a:fontRef>
+        </p:style>
+        <p:txBody>
+          <a:bodyPr rtlCol="0" anchor="ctr"/>
+          <a:lstStyle/>
+          <a:p>
+            <a:pPr algn="ctr"/>
+            <a:endParaRPr lang="en-US"/>
+          </a:p>
+        </p:txBody>
+      </p:sp>
+      <p:sp>
+        <p:nvSpPr>
+          <p:cNvPr id="51" name="Rectangle 50">
+            <a:extLst>
+              <a:ext uri="{FF2B5EF4-FFF2-40B4-BE49-F238E27FC236}">
+                <a16:creationId xmlns:a16="http://schemas.microsoft.com/office/drawing/2014/main" id="{A381E49F-73AE-BD4B-9321-89D3575BF04A}"/>
+              </a:ext>
+            </a:extLst>
+          </p:cNvPr>
+          <p:cNvSpPr/>
+          <p:nvPr/>
+        </p:nvSpPr>
+        <p:spPr>
+          <a:xfrm>
+            <a:off x="5979460" y="3693546"/>
+            <a:ext cx="116541" cy="116541"/>
+          </a:xfrm>
+          <a:prstGeom prst="rect">
+            <a:avLst/>
+          </a:prstGeom>
+          <a:solidFill>
+            <a:schemeClr val="accent4">
+              <a:lumMod val="60000"/>
+              <a:lumOff val="40000"/>
+            </a:schemeClr>
+          </a:solidFill>
+          <a:ln>
+            <a:solidFill>
+              <a:schemeClr val="accent4"/>
+            </a:solidFill>
+          </a:ln>
+        </p:spPr>
+        <p:style>
+          <a:lnRef idx="2">
+            <a:schemeClr val="accent1">
+              <a:shade val="50000"/>
+            </a:schemeClr>
+          </a:lnRef>
+          <a:fillRef idx="1">
+            <a:schemeClr val="accent1"/>
+          </a:fillRef>
+          <a:effectRef idx="0">
+            <a:schemeClr val="accent1"/>
+          </a:effectRef>
+          <a:fontRef idx="minor">
+            <a:schemeClr val="lt1"/>
+          </a:fontRef>
+        </p:style>
+        <p:txBody>
+          <a:bodyPr rtlCol="0" anchor="ctr"/>
+          <a:lstStyle/>
+          <a:p>
+            <a:pPr algn="ctr"/>
+            <a:endParaRPr lang="en-US"/>
+          </a:p>
+        </p:txBody>
+      </p:sp>
+      <p:sp>
+        <p:nvSpPr>
+          <p:cNvPr id="52" name="Rectangle 51">
+            <a:extLst>
+              <a:ext uri="{FF2B5EF4-FFF2-40B4-BE49-F238E27FC236}">
+                <a16:creationId xmlns:a16="http://schemas.microsoft.com/office/drawing/2014/main" id="{F721D8DC-48F6-9348-AEAC-2EAA00B4206A}"/>
+              </a:ext>
+            </a:extLst>
+          </p:cNvPr>
+          <p:cNvSpPr/>
+          <p:nvPr/>
+        </p:nvSpPr>
+        <p:spPr>
+          <a:xfrm>
+            <a:off x="6131860" y="3845946"/>
+            <a:ext cx="116541" cy="116541"/>
+          </a:xfrm>
+          <a:prstGeom prst="rect">
+            <a:avLst/>
+          </a:prstGeom>
+          <a:solidFill>
+            <a:schemeClr val="accent4">
+              <a:lumMod val="60000"/>
+              <a:lumOff val="40000"/>
+            </a:schemeClr>
+          </a:solidFill>
+          <a:ln>
+            <a:solidFill>
+              <a:schemeClr val="accent4"/>
+            </a:solidFill>
+          </a:ln>
+        </p:spPr>
+        <p:style>
+          <a:lnRef idx="2">
+            <a:schemeClr val="accent1">
+              <a:shade val="50000"/>
+            </a:schemeClr>
+          </a:lnRef>
+          <a:fillRef idx="1">
+            <a:schemeClr val="accent1"/>
+          </a:fillRef>
+          <a:effectRef idx="0">
+            <a:schemeClr val="accent1"/>
+          </a:effectRef>
+          <a:fontRef idx="minor">
+            <a:schemeClr val="lt1"/>
+          </a:fontRef>
+        </p:style>
+        <p:txBody>
+          <a:bodyPr rtlCol="0" anchor="ctr"/>
+          <a:lstStyle/>
+          <a:p>
+            <a:pPr algn="ctr"/>
+            <a:endParaRPr lang="en-US"/>
+          </a:p>
+        </p:txBody>
+      </p:sp>
+      <p:sp>
+        <p:nvSpPr>
+          <p:cNvPr id="53" name="Rectangle 52">
+            <a:extLst>
+              <a:ext uri="{FF2B5EF4-FFF2-40B4-BE49-F238E27FC236}">
+                <a16:creationId xmlns:a16="http://schemas.microsoft.com/office/drawing/2014/main" id="{0A837F8E-B2D9-BB43-82E9-95E428D4F98A}"/>
+              </a:ext>
+            </a:extLst>
+          </p:cNvPr>
+          <p:cNvSpPr/>
+          <p:nvPr/>
+        </p:nvSpPr>
+        <p:spPr>
+          <a:xfrm>
+            <a:off x="6284260" y="3998346"/>
+            <a:ext cx="116541" cy="116541"/>
+          </a:xfrm>
+          <a:prstGeom prst="rect">
+            <a:avLst/>
+          </a:prstGeom>
+          <a:solidFill>
+            <a:schemeClr val="accent4">
+              <a:lumMod val="60000"/>
+              <a:lumOff val="40000"/>
+            </a:schemeClr>
+          </a:solidFill>
+          <a:ln>
+            <a:solidFill>
+              <a:schemeClr val="accent4"/>
+            </a:solidFill>
+          </a:ln>
+        </p:spPr>
+        <p:style>
+          <a:lnRef idx="2">
+            <a:schemeClr val="accent1">
+              <a:shade val="50000"/>
+            </a:schemeClr>
+          </a:lnRef>
+          <a:fillRef idx="1">
+            <a:schemeClr val="accent1"/>
+          </a:fillRef>
+          <a:effectRef idx="0">
+            <a:schemeClr val="accent1"/>
+          </a:effectRef>
+          <a:fontRef idx="minor">
+            <a:schemeClr val="lt1"/>
+          </a:fontRef>
+        </p:style>
+        <p:txBody>
+          <a:bodyPr rtlCol="0" anchor="ctr"/>
+          <a:lstStyle/>
+          <a:p>
+            <a:pPr algn="ctr"/>
+            <a:endParaRPr lang="en-US"/>
+          </a:p>
+        </p:txBody>
+      </p:sp>
+      <p:sp>
+        <p:nvSpPr>
+          <p:cNvPr id="54" name="Rectangle 53">
+            <a:extLst>
+              <a:ext uri="{FF2B5EF4-FFF2-40B4-BE49-F238E27FC236}">
+                <a16:creationId xmlns:a16="http://schemas.microsoft.com/office/drawing/2014/main" id="{0EB40AE0-D766-E045-AC16-BB59344F6B91}"/>
+              </a:ext>
+            </a:extLst>
+          </p:cNvPr>
+          <p:cNvSpPr/>
+          <p:nvPr/>
+        </p:nvSpPr>
+        <p:spPr>
+          <a:xfrm>
+            <a:off x="6527253" y="3971173"/>
+            <a:ext cx="116541" cy="116541"/>
+          </a:xfrm>
+          <a:prstGeom prst="rect">
+            <a:avLst/>
+          </a:prstGeom>
+          <a:solidFill>
+            <a:schemeClr val="accent4">
+              <a:lumMod val="60000"/>
+              <a:lumOff val="40000"/>
+            </a:schemeClr>
+          </a:solidFill>
+          <a:ln>
+            <a:solidFill>
+              <a:schemeClr val="accent4"/>
+            </a:solidFill>
+          </a:ln>
+        </p:spPr>
+        <p:style>
+          <a:lnRef idx="2">
+            <a:schemeClr val="accent1">
+              <a:shade val="50000"/>
+            </a:schemeClr>
+          </a:lnRef>
+          <a:fillRef idx="1">
+            <a:schemeClr val="accent1"/>
+          </a:fillRef>
+          <a:effectRef idx="0">
+            <a:schemeClr val="accent1"/>
+          </a:effectRef>
+          <a:fontRef idx="minor">
+            <a:schemeClr val="lt1"/>
+          </a:fontRef>
+        </p:style>
+        <p:txBody>
+          <a:bodyPr rtlCol="0" anchor="ctr"/>
+          <a:lstStyle/>
+          <a:p>
+            <a:pPr algn="ctr"/>
+            <a:endParaRPr lang="en-US"/>
+          </a:p>
+        </p:txBody>
+      </p:sp>
+      <p:sp>
+        <p:nvSpPr>
+          <p:cNvPr id="55" name="Rectangle 54">
+            <a:extLst>
+              <a:ext uri="{FF2B5EF4-FFF2-40B4-BE49-F238E27FC236}">
+                <a16:creationId xmlns:a16="http://schemas.microsoft.com/office/drawing/2014/main" id="{0E0320A3-7DA8-6044-89A9-12F7F5C7B3B2}"/>
+              </a:ext>
+            </a:extLst>
+          </p:cNvPr>
+          <p:cNvSpPr/>
+          <p:nvPr/>
+        </p:nvSpPr>
+        <p:spPr>
+          <a:xfrm>
+            <a:off x="6036770" y="4178582"/>
+            <a:ext cx="116541" cy="116541"/>
+          </a:xfrm>
+          <a:prstGeom prst="rect">
+            <a:avLst/>
+          </a:prstGeom>
+          <a:solidFill>
+            <a:schemeClr val="accent4">
+              <a:lumMod val="60000"/>
+              <a:lumOff val="40000"/>
+            </a:schemeClr>
+          </a:solidFill>
+          <a:ln>
+            <a:solidFill>
+              <a:schemeClr val="accent4"/>
+            </a:solidFill>
+          </a:ln>
+        </p:spPr>
+        <p:style>
+          <a:lnRef idx="2">
+            <a:schemeClr val="accent1">
+              <a:shade val="50000"/>
+            </a:schemeClr>
+          </a:lnRef>
+          <a:fillRef idx="1">
+            <a:schemeClr val="accent1"/>
+          </a:fillRef>
+          <a:effectRef idx="0">
+            <a:schemeClr val="accent1"/>
+          </a:effectRef>
+          <a:fontRef idx="minor">
+            <a:schemeClr val="lt1"/>
+          </a:fontRef>
+        </p:style>
+        <p:txBody>
+          <a:bodyPr rtlCol="0" anchor="ctr"/>
+          <a:lstStyle/>
+          <a:p>
+            <a:pPr algn="ctr"/>
+            <a:endParaRPr lang="en-US"/>
+          </a:p>
+        </p:txBody>
+      </p:sp>
+      <p:sp>
+        <p:nvSpPr>
+          <p:cNvPr id="56" name="Rectangle 55">
+            <a:extLst>
+              <a:ext uri="{FF2B5EF4-FFF2-40B4-BE49-F238E27FC236}">
+                <a16:creationId xmlns:a16="http://schemas.microsoft.com/office/drawing/2014/main" id="{C884AEC8-117B-4B4A-BA27-5F750B0A3B80}"/>
+              </a:ext>
+            </a:extLst>
+          </p:cNvPr>
+          <p:cNvSpPr/>
+          <p:nvPr/>
+        </p:nvSpPr>
+        <p:spPr>
+          <a:xfrm>
+            <a:off x="6373906" y="3263245"/>
+            <a:ext cx="116541" cy="116541"/>
+          </a:xfrm>
+          <a:prstGeom prst="rect">
+            <a:avLst/>
+          </a:prstGeom>
+          <a:solidFill>
+            <a:schemeClr val="accent4">
+              <a:lumMod val="60000"/>
+              <a:lumOff val="40000"/>
+            </a:schemeClr>
+          </a:solidFill>
+          <a:ln>
+            <a:solidFill>
+              <a:schemeClr val="accent4"/>
+            </a:solidFill>
+          </a:ln>
+        </p:spPr>
+        <p:style>
+          <a:lnRef idx="2">
+            <a:schemeClr val="accent1">
+              <a:shade val="50000"/>
+            </a:schemeClr>
+          </a:lnRef>
+          <a:fillRef idx="1">
+            <a:schemeClr val="accent1"/>
+          </a:fillRef>
+          <a:effectRef idx="0">
+            <a:schemeClr val="accent1"/>
+          </a:effectRef>
+          <a:fontRef idx="minor">
+            <a:schemeClr val="lt1"/>
+          </a:fontRef>
+        </p:style>
+        <p:txBody>
+          <a:bodyPr rtlCol="0" anchor="ctr"/>
+          <a:lstStyle/>
+          <a:p>
+            <a:pPr algn="ctr"/>
+            <a:endParaRPr lang="en-US"/>
+          </a:p>
+        </p:txBody>
+      </p:sp>
+      <p:sp>
+        <p:nvSpPr>
+          <p:cNvPr id="57" name="Rectangle 56">
+            <a:extLst>
+              <a:ext uri="{FF2B5EF4-FFF2-40B4-BE49-F238E27FC236}">
+                <a16:creationId xmlns:a16="http://schemas.microsoft.com/office/drawing/2014/main" id="{ECC33526-2F96-0A42-84B8-5FC59EBA6EBC}"/>
+              </a:ext>
+            </a:extLst>
+          </p:cNvPr>
+          <p:cNvSpPr/>
+          <p:nvPr/>
+        </p:nvSpPr>
+        <p:spPr>
+          <a:xfrm>
+            <a:off x="6526306" y="3415645"/>
+            <a:ext cx="116541" cy="116541"/>
+          </a:xfrm>
+          <a:prstGeom prst="rect">
+            <a:avLst/>
+          </a:prstGeom>
+          <a:solidFill>
+            <a:schemeClr val="accent4">
+              <a:lumMod val="60000"/>
+              <a:lumOff val="40000"/>
+            </a:schemeClr>
+          </a:solidFill>
+          <a:ln>
+            <a:solidFill>
+              <a:schemeClr val="accent4"/>
+            </a:solidFill>
+          </a:ln>
+        </p:spPr>
+        <p:style>
+          <a:lnRef idx="2">
+            <a:schemeClr val="accent1">
+              <a:shade val="50000"/>
+            </a:schemeClr>
+          </a:lnRef>
+          <a:fillRef idx="1">
+            <a:schemeClr val="accent1"/>
+          </a:fillRef>
+          <a:effectRef idx="0">
+            <a:schemeClr val="accent1"/>
+          </a:effectRef>
+          <a:fontRef idx="minor">
+            <a:schemeClr val="lt1"/>
+          </a:fontRef>
+        </p:style>
+        <p:txBody>
+          <a:bodyPr rtlCol="0" anchor="ctr"/>
+          <a:lstStyle/>
+          <a:p>
+            <a:pPr algn="ctr"/>
+            <a:endParaRPr lang="en-US"/>
+          </a:p>
+        </p:txBody>
+      </p:sp>
+      <p:sp>
+        <p:nvSpPr>
+          <p:cNvPr id="58" name="Rectangle 57">
+            <a:extLst>
+              <a:ext uri="{FF2B5EF4-FFF2-40B4-BE49-F238E27FC236}">
+                <a16:creationId xmlns:a16="http://schemas.microsoft.com/office/drawing/2014/main" id="{2826E78B-331C-F042-A4B7-901FC44891F7}"/>
+              </a:ext>
+            </a:extLst>
+          </p:cNvPr>
+          <p:cNvSpPr/>
+          <p:nvPr/>
+        </p:nvSpPr>
+        <p:spPr>
+          <a:xfrm>
+            <a:off x="6678706" y="3568045"/>
+            <a:ext cx="116541" cy="116541"/>
+          </a:xfrm>
+          <a:prstGeom prst="rect">
+            <a:avLst/>
+          </a:prstGeom>
+          <a:solidFill>
+            <a:schemeClr val="accent4">
+              <a:lumMod val="60000"/>
+              <a:lumOff val="40000"/>
+            </a:schemeClr>
+          </a:solidFill>
+          <a:ln>
+            <a:solidFill>
+              <a:schemeClr val="accent4"/>
+            </a:solidFill>
+          </a:ln>
+        </p:spPr>
+        <p:style>
+          <a:lnRef idx="2">
+            <a:schemeClr val="accent1">
+              <a:shade val="50000"/>
+            </a:schemeClr>
+          </a:lnRef>
+          <a:fillRef idx="1">
+            <a:schemeClr val="accent1"/>
+          </a:fillRef>
+          <a:effectRef idx="0">
+            <a:schemeClr val="accent1"/>
+          </a:effectRef>
+          <a:fontRef idx="minor">
+            <a:schemeClr val="lt1"/>
+          </a:fontRef>
+        </p:style>
+        <p:txBody>
+          <a:bodyPr rtlCol="0" anchor="ctr"/>
+          <a:lstStyle/>
+          <a:p>
+            <a:pPr algn="ctr"/>
+            <a:endParaRPr lang="en-US"/>
+          </a:p>
+        </p:txBody>
+      </p:sp>
+      <p:sp>
+        <p:nvSpPr>
+          <p:cNvPr id="59" name="Rectangle 58">
+            <a:extLst>
+              <a:ext uri="{FF2B5EF4-FFF2-40B4-BE49-F238E27FC236}">
+                <a16:creationId xmlns:a16="http://schemas.microsoft.com/office/drawing/2014/main" id="{DCD28C4B-115C-804D-8784-8926177ADAB0}"/>
+              </a:ext>
+            </a:extLst>
+          </p:cNvPr>
+          <p:cNvSpPr/>
+          <p:nvPr/>
+        </p:nvSpPr>
+        <p:spPr>
+          <a:xfrm>
+            <a:off x="6921699" y="3540872"/>
+            <a:ext cx="116541" cy="116541"/>
+          </a:xfrm>
+          <a:prstGeom prst="rect">
+            <a:avLst/>
+          </a:prstGeom>
+          <a:solidFill>
+            <a:schemeClr val="accent4">
+              <a:lumMod val="60000"/>
+              <a:lumOff val="40000"/>
+            </a:schemeClr>
+          </a:solidFill>
+          <a:ln>
+            <a:solidFill>
+              <a:schemeClr val="accent4"/>
+            </a:solidFill>
+          </a:ln>
+        </p:spPr>
+        <p:style>
+          <a:lnRef idx="2">
+            <a:schemeClr val="accent1">
+              <a:shade val="50000"/>
+            </a:schemeClr>
+          </a:lnRef>
+          <a:fillRef idx="1">
+            <a:schemeClr val="accent1"/>
+          </a:fillRef>
+          <a:effectRef idx="0">
+            <a:schemeClr val="accent1"/>
+          </a:effectRef>
+          <a:fontRef idx="minor">
+            <a:schemeClr val="lt1"/>
+          </a:fontRef>
+        </p:style>
+        <p:txBody>
+          <a:bodyPr rtlCol="0" anchor="ctr"/>
+          <a:lstStyle/>
+          <a:p>
+            <a:pPr algn="ctr"/>
+            <a:endParaRPr lang="en-US"/>
+          </a:p>
+        </p:txBody>
+      </p:sp>
+      <p:sp>
+        <p:nvSpPr>
+          <p:cNvPr id="60" name="Rectangle 59">
+            <a:extLst>
+              <a:ext uri="{FF2B5EF4-FFF2-40B4-BE49-F238E27FC236}">
+                <a16:creationId xmlns:a16="http://schemas.microsoft.com/office/drawing/2014/main" id="{4C00BF01-8B5D-C446-BDD4-FD875701116F}"/>
+              </a:ext>
+            </a:extLst>
+          </p:cNvPr>
+          <p:cNvSpPr/>
+          <p:nvPr/>
+        </p:nvSpPr>
+        <p:spPr>
+          <a:xfrm>
+            <a:off x="6431216" y="3748281"/>
+            <a:ext cx="116541" cy="116541"/>
+          </a:xfrm>
+          <a:prstGeom prst="rect">
+            <a:avLst/>
+          </a:prstGeom>
+          <a:solidFill>
+            <a:schemeClr val="accent4">
+              <a:lumMod val="60000"/>
+              <a:lumOff val="40000"/>
+            </a:schemeClr>
+          </a:solidFill>
+          <a:ln>
+            <a:solidFill>
+              <a:schemeClr val="accent4"/>
+            </a:solidFill>
+          </a:ln>
+        </p:spPr>
+        <p:style>
+          <a:lnRef idx="2">
+            <a:schemeClr val="accent1">
+              <a:shade val="50000"/>
+            </a:schemeClr>
+          </a:lnRef>
+          <a:fillRef idx="1">
+            <a:schemeClr val="accent1"/>
+          </a:fillRef>
+          <a:effectRef idx="0">
+            <a:schemeClr val="accent1"/>
+          </a:effectRef>
+          <a:fontRef idx="minor">
+            <a:schemeClr val="lt1"/>
+          </a:fontRef>
+        </p:style>
+        <p:txBody>
+          <a:bodyPr rtlCol="0" anchor="ctr"/>
+          <a:lstStyle/>
+          <a:p>
+            <a:pPr algn="ctr"/>
+            <a:endParaRPr lang="en-US"/>
+          </a:p>
+        </p:txBody>
+      </p:sp>
+      <p:sp>
+        <p:nvSpPr>
+          <p:cNvPr id="61" name="Rectangle 60">
+            <a:extLst>
+              <a:ext uri="{FF2B5EF4-FFF2-40B4-BE49-F238E27FC236}">
+                <a16:creationId xmlns:a16="http://schemas.microsoft.com/office/drawing/2014/main" id="{51007772-B5B1-3D44-A554-71F9CC253706}"/>
+              </a:ext>
+            </a:extLst>
+          </p:cNvPr>
+          <p:cNvSpPr/>
+          <p:nvPr/>
+        </p:nvSpPr>
+        <p:spPr>
+          <a:xfrm>
+            <a:off x="5943603" y="2061979"/>
+            <a:ext cx="116541" cy="116541"/>
+          </a:xfrm>
+          <a:prstGeom prst="rect">
+            <a:avLst/>
+          </a:prstGeom>
+          <a:solidFill>
+            <a:schemeClr val="accent4">
+              <a:lumMod val="60000"/>
+              <a:lumOff val="40000"/>
+            </a:schemeClr>
+          </a:solidFill>
+          <a:ln>
+            <a:solidFill>
+              <a:schemeClr val="accent4"/>
+            </a:solidFill>
+          </a:ln>
+        </p:spPr>
+        <p:style>
+          <a:lnRef idx="2">
+            <a:schemeClr val="accent1">
+              <a:shade val="50000"/>
+            </a:schemeClr>
+          </a:lnRef>
+          <a:fillRef idx="1">
+            <a:schemeClr val="accent1"/>
+          </a:fillRef>
+          <a:effectRef idx="0">
+            <a:schemeClr val="accent1"/>
+          </a:effectRef>
+          <a:fontRef idx="minor">
+            <a:schemeClr val="lt1"/>
+          </a:fontRef>
+        </p:style>
+        <p:txBody>
+          <a:bodyPr rtlCol="0" anchor="ctr"/>
+          <a:lstStyle/>
+          <a:p>
+            <a:pPr algn="ctr"/>
+            <a:endParaRPr lang="en-US"/>
+          </a:p>
+        </p:txBody>
+      </p:sp>
+      <p:sp>
+        <p:nvSpPr>
+          <p:cNvPr id="62" name="Rectangle 61">
+            <a:extLst>
+              <a:ext uri="{FF2B5EF4-FFF2-40B4-BE49-F238E27FC236}">
+                <a16:creationId xmlns:a16="http://schemas.microsoft.com/office/drawing/2014/main" id="{E6C65626-1E3D-8B46-82AF-03D75859058C}"/>
+              </a:ext>
+            </a:extLst>
+          </p:cNvPr>
+          <p:cNvSpPr/>
+          <p:nvPr/>
+        </p:nvSpPr>
+        <p:spPr>
+          <a:xfrm>
+            <a:off x="6096003" y="2214379"/>
+            <a:ext cx="116541" cy="116541"/>
+          </a:xfrm>
+          <a:prstGeom prst="rect">
+            <a:avLst/>
+          </a:prstGeom>
+          <a:solidFill>
+            <a:schemeClr val="accent4">
+              <a:lumMod val="60000"/>
+              <a:lumOff val="40000"/>
+            </a:schemeClr>
+          </a:solidFill>
+          <a:ln>
+            <a:solidFill>
+              <a:schemeClr val="accent4"/>
+            </a:solidFill>
+          </a:ln>
+        </p:spPr>
+        <p:style>
+          <a:lnRef idx="2">
+            <a:schemeClr val="accent1">
+              <a:shade val="50000"/>
+            </a:schemeClr>
+          </a:lnRef>
+          <a:fillRef idx="1">
+            <a:schemeClr val="accent1"/>
+          </a:fillRef>
+          <a:effectRef idx="0">
+            <a:schemeClr val="accent1"/>
+          </a:effectRef>
+          <a:fontRef idx="minor">
+            <a:schemeClr val="lt1"/>
+          </a:fontRef>
+        </p:style>
+        <p:txBody>
+          <a:bodyPr rtlCol="0" anchor="ctr"/>
+          <a:lstStyle/>
+          <a:p>
+            <a:pPr algn="ctr"/>
+            <a:endParaRPr lang="en-US"/>
+          </a:p>
+        </p:txBody>
+      </p:sp>
+      <p:sp>
+        <p:nvSpPr>
+          <p:cNvPr id="63" name="Rectangle 62">
+            <a:extLst>
+              <a:ext uri="{FF2B5EF4-FFF2-40B4-BE49-F238E27FC236}">
+                <a16:creationId xmlns:a16="http://schemas.microsoft.com/office/drawing/2014/main" id="{F26CF888-64D6-964C-9289-ADEB7A8B5112}"/>
+              </a:ext>
+            </a:extLst>
+          </p:cNvPr>
+          <p:cNvSpPr/>
+          <p:nvPr/>
+        </p:nvSpPr>
+        <p:spPr>
+          <a:xfrm>
+            <a:off x="6248403" y="2366779"/>
+            <a:ext cx="116541" cy="116541"/>
+          </a:xfrm>
+          <a:prstGeom prst="rect">
+            <a:avLst/>
+          </a:prstGeom>
+          <a:solidFill>
+            <a:schemeClr val="accent4">
+              <a:lumMod val="60000"/>
+              <a:lumOff val="40000"/>
+            </a:schemeClr>
+          </a:solidFill>
+          <a:ln>
+            <a:solidFill>
+              <a:schemeClr val="accent4"/>
+            </a:solidFill>
+          </a:ln>
+        </p:spPr>
+        <p:style>
+          <a:lnRef idx="2">
+            <a:schemeClr val="accent1">
+              <a:shade val="50000"/>
+            </a:schemeClr>
+          </a:lnRef>
+          <a:fillRef idx="1">
+            <a:schemeClr val="accent1"/>
+          </a:fillRef>
+          <a:effectRef idx="0">
+            <a:schemeClr val="accent1"/>
+          </a:effectRef>
+          <a:fontRef idx="minor">
+            <a:schemeClr val="lt1"/>
+          </a:fontRef>
+        </p:style>
+        <p:txBody>
+          <a:bodyPr rtlCol="0" anchor="ctr"/>
+          <a:lstStyle/>
+          <a:p>
+            <a:pPr algn="ctr"/>
+            <a:endParaRPr lang="en-US"/>
+          </a:p>
+        </p:txBody>
+      </p:sp>
+      <p:sp>
+        <p:nvSpPr>
+          <p:cNvPr id="64" name="Rectangle 63">
+            <a:extLst>
+              <a:ext uri="{FF2B5EF4-FFF2-40B4-BE49-F238E27FC236}">
+                <a16:creationId xmlns:a16="http://schemas.microsoft.com/office/drawing/2014/main" id="{F0D5ABA4-D47C-1641-B69C-067B529B7DD7}"/>
+              </a:ext>
+            </a:extLst>
+          </p:cNvPr>
+          <p:cNvSpPr/>
+          <p:nvPr/>
+        </p:nvSpPr>
+        <p:spPr>
+          <a:xfrm>
+            <a:off x="6491396" y="2339606"/>
+            <a:ext cx="116541" cy="116541"/>
+          </a:xfrm>
+          <a:prstGeom prst="rect">
+            <a:avLst/>
+          </a:prstGeom>
+          <a:solidFill>
+            <a:schemeClr val="accent4">
+              <a:lumMod val="60000"/>
+              <a:lumOff val="40000"/>
+            </a:schemeClr>
+          </a:solidFill>
+          <a:ln>
+            <a:solidFill>
+              <a:schemeClr val="accent4"/>
+            </a:solidFill>
+          </a:ln>
+        </p:spPr>
+        <p:style>
+          <a:lnRef idx="2">
+            <a:schemeClr val="accent1">
+              <a:shade val="50000"/>
+            </a:schemeClr>
+          </a:lnRef>
+          <a:fillRef idx="1">
+            <a:schemeClr val="accent1"/>
+          </a:fillRef>
+          <a:effectRef idx="0">
+            <a:schemeClr val="accent1"/>
+          </a:effectRef>
+          <a:fontRef idx="minor">
+            <a:schemeClr val="lt1"/>
+          </a:fontRef>
+        </p:style>
+        <p:txBody>
+          <a:bodyPr rtlCol="0" anchor="ctr"/>
+          <a:lstStyle/>
+          <a:p>
+            <a:pPr algn="ctr"/>
+            <a:endParaRPr lang="en-US"/>
+          </a:p>
+        </p:txBody>
+      </p:sp>
+      <p:sp>
+        <p:nvSpPr>
+          <p:cNvPr id="65" name="Rectangle 64">
+            <a:extLst>
+              <a:ext uri="{FF2B5EF4-FFF2-40B4-BE49-F238E27FC236}">
+                <a16:creationId xmlns:a16="http://schemas.microsoft.com/office/drawing/2014/main" id="{7B349DC4-7C98-7E46-AD0D-7DD99FB9C444}"/>
+              </a:ext>
+            </a:extLst>
+          </p:cNvPr>
+          <p:cNvSpPr/>
+          <p:nvPr/>
+        </p:nvSpPr>
+        <p:spPr>
+          <a:xfrm>
+            <a:off x="6000913" y="2547015"/>
+            <a:ext cx="116541" cy="116541"/>
+          </a:xfrm>
+          <a:prstGeom prst="rect">
+            <a:avLst/>
+          </a:prstGeom>
+          <a:solidFill>
+            <a:schemeClr val="accent4">
+              <a:lumMod val="60000"/>
+              <a:lumOff val="40000"/>
+            </a:schemeClr>
+          </a:solidFill>
+          <a:ln>
+            <a:solidFill>
+              <a:schemeClr val="accent4"/>
+            </a:solidFill>
+          </a:ln>
+        </p:spPr>
+        <p:style>
+          <a:lnRef idx="2">
+            <a:schemeClr val="accent1">
+              <a:shade val="50000"/>
+            </a:schemeClr>
+          </a:lnRef>
+          <a:fillRef idx="1">
+            <a:schemeClr val="accent1"/>
+          </a:fillRef>
+          <a:effectRef idx="0">
+            <a:schemeClr val="accent1"/>
+          </a:effectRef>
+          <a:fontRef idx="minor">
+            <a:schemeClr val="lt1"/>
+          </a:fontRef>
+        </p:style>
+        <p:txBody>
+          <a:bodyPr rtlCol="0" anchor="ctr"/>
+          <a:lstStyle/>
+          <a:p>
+            <a:pPr algn="ctr"/>
+            <a:endParaRPr lang="en-US"/>
+          </a:p>
+        </p:txBody>
+      </p:sp>
+      <p:sp>
+        <p:nvSpPr>
+          <p:cNvPr id="70" name="TextBox 69">
+            <a:extLst>
+              <a:ext uri="{FF2B5EF4-FFF2-40B4-BE49-F238E27FC236}">
+                <a16:creationId xmlns:a16="http://schemas.microsoft.com/office/drawing/2014/main" id="{CF0E41A2-EE25-AE44-9CFE-F259A83E4D88}"/>
+              </a:ext>
+            </a:extLst>
+          </p:cNvPr>
+          <p:cNvSpPr txBox="1"/>
+          <p:nvPr/>
+        </p:nvSpPr>
+        <p:spPr>
+          <a:xfrm>
+            <a:off x="5078978" y="4466309"/>
+            <a:ext cx="362600" cy="369332"/>
+          </a:xfrm>
+          <a:prstGeom prst="rect">
+            <a:avLst/>
+          </a:prstGeom>
+          <a:noFill/>
+        </p:spPr>
+        <p:txBody>
+          <a:bodyPr wrap="none" rtlCol="0">
+            <a:spAutoFit/>
+          </a:bodyPr>
+          <a:lstStyle/>
+          <a:p>
+            <a:r>
+              <a:rPr lang="en-US" dirty="0"/>
+              <a:t>m</a:t>
+            </a:r>
+          </a:p>
+        </p:txBody>
+      </p:sp>
+      <p:sp>
+        <p:nvSpPr>
+          <p:cNvPr id="71" name="TextBox 70">
+            <a:extLst>
+              <a:ext uri="{FF2B5EF4-FFF2-40B4-BE49-F238E27FC236}">
+                <a16:creationId xmlns:a16="http://schemas.microsoft.com/office/drawing/2014/main" id="{82D016C9-2EC8-1047-9F9C-706B12445A74}"/>
+              </a:ext>
+            </a:extLst>
+          </p:cNvPr>
+          <p:cNvSpPr txBox="1"/>
+          <p:nvPr/>
+        </p:nvSpPr>
+        <p:spPr>
+          <a:xfrm>
+            <a:off x="6163706" y="4494547"/>
+            <a:ext cx="301686" cy="369332"/>
+          </a:xfrm>
+          <a:prstGeom prst="rect">
+            <a:avLst/>
+          </a:prstGeom>
+          <a:noFill/>
+        </p:spPr>
+        <p:txBody>
+          <a:bodyPr wrap="none" rtlCol="0">
+            <a:spAutoFit/>
+          </a:bodyPr>
+          <a:lstStyle/>
+          <a:p>
+            <a:r>
+              <a:rPr lang="en-US" dirty="0"/>
+              <a:t>n</a:t>
+            </a:r>
+          </a:p>
+        </p:txBody>
+      </p:sp>
+      <p:sp>
+        <p:nvSpPr>
+          <p:cNvPr id="72" name="Title 1">
+            <a:extLst>
+              <a:ext uri="{FF2B5EF4-FFF2-40B4-BE49-F238E27FC236}">
+                <a16:creationId xmlns:a16="http://schemas.microsoft.com/office/drawing/2014/main" id="{2AB89928-C14C-EC4F-8FB9-CB25AAF68B06}"/>
+              </a:ext>
+            </a:extLst>
+          </p:cNvPr>
+          <p:cNvSpPr>
+            <a:spLocks noGrp="1"/>
+          </p:cNvSpPr>
+          <p:nvPr>
+            <p:ph type="title"/>
+          </p:nvPr>
+        </p:nvSpPr>
+        <p:spPr>
+          <a:xfrm>
+            <a:off x="838200" y="365125"/>
+            <a:ext cx="10515600" cy="1325563"/>
+          </a:xfrm>
+        </p:spPr>
+        <p:txBody>
+          <a:bodyPr/>
+          <a:lstStyle/>
+          <a:p>
+            <a:r>
+              <a:rPr lang="en-US" dirty="0"/>
+              <a:t>St. Fairness College Admission</a:t>
+            </a:r>
+          </a:p>
+        </p:txBody>
+      </p:sp>
+      <p:sp>
+        <p:nvSpPr>
+          <p:cNvPr id="73" name="TextBox 72">
+            <a:extLst>
+              <a:ext uri="{FF2B5EF4-FFF2-40B4-BE49-F238E27FC236}">
+                <a16:creationId xmlns:a16="http://schemas.microsoft.com/office/drawing/2014/main" id="{3C80BF2A-1F0F-3B4E-B6BB-1FFAD2B6CD29}"/>
+              </a:ext>
+            </a:extLst>
+          </p:cNvPr>
+          <p:cNvSpPr txBox="1"/>
+          <p:nvPr/>
+        </p:nvSpPr>
+        <p:spPr>
+          <a:xfrm>
+            <a:off x="5115367" y="5149796"/>
+            <a:ext cx="1692323" cy="369332"/>
+          </a:xfrm>
+          <a:prstGeom prst="rect">
+            <a:avLst/>
+          </a:prstGeom>
+          <a:noFill/>
+        </p:spPr>
+        <p:txBody>
+          <a:bodyPr wrap="none" rtlCol="0">
+            <a:spAutoFit/>
+          </a:bodyPr>
+          <a:lstStyle/>
+          <a:p>
+            <a:r>
+              <a:rPr lang="en-US" dirty="0"/>
+              <a:t>Application Pool</a:t>
+            </a:r>
+          </a:p>
+        </p:txBody>
+      </p:sp>
+    </p:spTree>
+    <p:extLst>
+      <p:ext uri="{BB962C8B-B14F-4D97-AF65-F5344CB8AC3E}">
+        <p14:creationId xmlns:p14="http://schemas.microsoft.com/office/powerpoint/2010/main" val="2469399898"/>
+      </p:ext>
+    </p:extLst>
+  </p:cSld>
+  <p:clrMapOvr>
+    <a:masterClrMapping/>
+  </p:clrMapOvr>
+</p:sld>
+</file>
+
+<file path=ppt/slides/slide6.xml><?xml version="1.0" encoding="utf-8"?>
+<p:sld xmlns:a="http://schemas.openxmlformats.org/drawingml/2006/main" xmlns:r="http://schemas.openxmlformats.org/officeDocument/2006/relationships" xmlns:p="http://schemas.openxmlformats.org/presentationml/2006/main">
+  <p:cSld>
+    <p:spTree>
+      <p:nvGrpSpPr>
+        <p:cNvPr id="1" name=""/>
+        <p:cNvGrpSpPr/>
+        <p:nvPr/>
+      </p:nvGrpSpPr>
+      <p:grpSpPr>
+        <a:xfrm>
+          <a:off x="0" y="0"/>
+          <a:ext cx="0" cy="0"/>
+          <a:chOff x="0" y="0"/>
+          <a:chExt cx="0" cy="0"/>
+        </a:xfrm>
+      </p:grpSpPr>
+      <p:sp>
+        <p:nvSpPr>
+          <p:cNvPr id="4" name="Footer Placeholder 3">
+            <a:extLst>
+              <a:ext uri="{FF2B5EF4-FFF2-40B4-BE49-F238E27FC236}">
+                <a16:creationId xmlns:a16="http://schemas.microsoft.com/office/drawing/2014/main" id="{23F79836-748B-9B46-B254-A5DBAA28185C}"/>
+              </a:ext>
+            </a:extLst>
+          </p:cNvPr>
+          <p:cNvSpPr>
+            <a:spLocks noGrp="1"/>
+          </p:cNvSpPr>
+          <p:nvPr>
+            <p:ph type="ftr" sz="quarter" idx="11"/>
+          </p:nvPr>
+        </p:nvSpPr>
+        <p:spPr/>
+        <p:txBody>
+          <a:bodyPr/>
+          <a:lstStyle/>
+          <a:p>
+            <a:endParaRPr lang="en-US"/>
+          </a:p>
+        </p:txBody>
+      </p:sp>
+      <p:sp>
+        <p:nvSpPr>
+          <p:cNvPr id="6" name="Oval 5">
+            <a:extLst>
+              <a:ext uri="{FF2B5EF4-FFF2-40B4-BE49-F238E27FC236}">
+                <a16:creationId xmlns:a16="http://schemas.microsoft.com/office/drawing/2014/main" id="{90CD96CB-F149-8048-BAB9-9B965486FB56}"/>
+              </a:ext>
+            </a:extLst>
+          </p:cNvPr>
+          <p:cNvSpPr/>
+          <p:nvPr/>
+        </p:nvSpPr>
+        <p:spPr>
+          <a:xfrm>
+            <a:off x="4557598" y="1920505"/>
+            <a:ext cx="2623278" cy="2623278"/>
+          </a:xfrm>
+          <a:prstGeom prst="ellipse">
+            <a:avLst/>
+          </a:prstGeom>
+          <a:noFill/>
+          <a:ln>
+            <a:solidFill>
+              <a:schemeClr val="accent6">
+                <a:lumMod val="75000"/>
+              </a:schemeClr>
+            </a:solidFill>
+          </a:ln>
+        </p:spPr>
+        <p:style>
+          <a:lnRef idx="2">
+            <a:schemeClr val="accent6"/>
+          </a:lnRef>
+          <a:fillRef idx="1">
+            <a:schemeClr val="lt1"/>
+          </a:fillRef>
+          <a:effectRef idx="0">
+            <a:schemeClr val="accent6"/>
+          </a:effectRef>
+          <a:fontRef idx="minor">
+            <a:schemeClr val="dk1"/>
+          </a:fontRef>
+        </p:style>
+        <p:txBody>
+          <a:bodyPr rtlCol="0" anchor="ctr"/>
+          <a:lstStyle/>
+          <a:p>
+            <a:pPr algn="ctr"/>
+            <a:endParaRPr lang="en-US" dirty="0">
+              <a:ln>
+                <a:solidFill>
+                  <a:schemeClr val="accent6">
+                    <a:lumMod val="75000"/>
+                  </a:schemeClr>
+                </a:solidFill>
+              </a:ln>
+              <a:solidFill>
+                <a:sysClr val="windowText" lastClr="000000"/>
+              </a:solidFill>
+            </a:endParaRPr>
+          </a:p>
+        </p:txBody>
+      </p:sp>
+      <p:cxnSp>
+        <p:nvCxnSpPr>
+          <p:cNvPr id="8" name="Straight Connector 7">
+            <a:extLst>
+              <a:ext uri="{FF2B5EF4-FFF2-40B4-BE49-F238E27FC236}">
+                <a16:creationId xmlns:a16="http://schemas.microsoft.com/office/drawing/2014/main" id="{8373E964-F66F-9C46-9C98-5EAC3987DDFF}"/>
+              </a:ext>
+            </a:extLst>
+          </p:cNvPr>
+          <p:cNvCxnSpPr>
+            <a:stCxn id="6" idx="0"/>
+          </p:cNvCxnSpPr>
+          <p:nvPr/>
+        </p:nvCxnSpPr>
+        <p:spPr>
+          <a:xfrm flipH="1">
+            <a:off x="5861742" y="1920505"/>
+            <a:ext cx="7495" cy="2623278"/>
+          </a:xfrm>
+          <a:prstGeom prst="line">
+            <a:avLst/>
+          </a:prstGeom>
+          <a:ln>
+            <a:solidFill>
+              <a:schemeClr val="accent6">
+                <a:lumMod val="75000"/>
+              </a:schemeClr>
+            </a:solidFill>
+          </a:ln>
+        </p:spPr>
+        <p:style>
+          <a:lnRef idx="1">
+            <a:schemeClr val="accent3"/>
+          </a:lnRef>
+          <a:fillRef idx="0">
+            <a:schemeClr val="accent3"/>
+          </a:fillRef>
+          <a:effectRef idx="0">
+            <a:schemeClr val="accent3"/>
+          </a:effectRef>
+          <a:fontRef idx="minor">
+            <a:schemeClr val="tx1"/>
+          </a:fontRef>
+        </p:style>
+      </p:cxnSp>
+      <p:sp>
+        <p:nvSpPr>
+          <p:cNvPr id="10" name="Oval 9">
+            <a:extLst>
+              <a:ext uri="{FF2B5EF4-FFF2-40B4-BE49-F238E27FC236}">
+                <a16:creationId xmlns:a16="http://schemas.microsoft.com/office/drawing/2014/main" id="{EF9E34BB-292B-F146-8641-2F8AA3E0D5E7}"/>
+              </a:ext>
+            </a:extLst>
+          </p:cNvPr>
+          <p:cNvSpPr/>
+          <p:nvPr/>
+        </p:nvSpPr>
+        <p:spPr>
+          <a:xfrm>
+            <a:off x="5145741" y="2850870"/>
+            <a:ext cx="89647" cy="89647"/>
+          </a:xfrm>
+          <a:prstGeom prst="ellipse">
+            <a:avLst/>
+          </a:prstGeom>
+        </p:spPr>
+        <p:style>
+          <a:lnRef idx="2">
+            <a:schemeClr val="accent1">
+              <a:shade val="50000"/>
+            </a:schemeClr>
+          </a:lnRef>
+          <a:fillRef idx="1">
+            <a:schemeClr val="accent1"/>
+          </a:fillRef>
+          <a:effectRef idx="0">
+            <a:schemeClr val="accent1"/>
+          </a:effectRef>
+          <a:fontRef idx="minor">
+            <a:schemeClr val="lt1"/>
+          </a:fontRef>
+        </p:style>
+        <p:txBody>
+          <a:bodyPr rtlCol="0" anchor="ctr"/>
+          <a:lstStyle/>
+          <a:p>
+            <a:pPr algn="ctr"/>
+            <a:endParaRPr lang="en-US"/>
+          </a:p>
+        </p:txBody>
+      </p:sp>
+      <p:sp>
+        <p:nvSpPr>
+          <p:cNvPr id="11" name="Oval 10">
+            <a:extLst>
+              <a:ext uri="{FF2B5EF4-FFF2-40B4-BE49-F238E27FC236}">
+                <a16:creationId xmlns:a16="http://schemas.microsoft.com/office/drawing/2014/main" id="{C80C36D5-EC6E-A74E-BC7A-DDAA3357D75F}"/>
+              </a:ext>
+            </a:extLst>
+          </p:cNvPr>
+          <p:cNvSpPr/>
+          <p:nvPr/>
+        </p:nvSpPr>
+        <p:spPr>
+          <a:xfrm>
+            <a:off x="5298141" y="3003270"/>
+            <a:ext cx="89647" cy="89647"/>
+          </a:xfrm>
+          <a:prstGeom prst="ellipse">
+            <a:avLst/>
+          </a:prstGeom>
+        </p:spPr>
+        <p:style>
+          <a:lnRef idx="2">
+            <a:schemeClr val="accent1">
+              <a:shade val="50000"/>
+            </a:schemeClr>
+          </a:lnRef>
+          <a:fillRef idx="1">
+            <a:schemeClr val="accent1"/>
+          </a:fillRef>
+          <a:effectRef idx="0">
+            <a:schemeClr val="accent1"/>
+          </a:effectRef>
+          <a:fontRef idx="minor">
+            <a:schemeClr val="lt1"/>
+          </a:fontRef>
+        </p:style>
+        <p:txBody>
+          <a:bodyPr rtlCol="0" anchor="ctr"/>
+          <a:lstStyle/>
+          <a:p>
+            <a:pPr algn="ctr"/>
+            <a:endParaRPr lang="en-US"/>
+          </a:p>
+        </p:txBody>
+      </p:sp>
+      <p:sp>
+        <p:nvSpPr>
+          <p:cNvPr id="12" name="Oval 11">
+            <a:extLst>
+              <a:ext uri="{FF2B5EF4-FFF2-40B4-BE49-F238E27FC236}">
+                <a16:creationId xmlns:a16="http://schemas.microsoft.com/office/drawing/2014/main" id="{AF138445-435A-D647-904E-F2DAA86C067D}"/>
+              </a:ext>
+            </a:extLst>
+          </p:cNvPr>
+          <p:cNvSpPr/>
+          <p:nvPr/>
+        </p:nvSpPr>
+        <p:spPr>
+          <a:xfrm>
+            <a:off x="5056094" y="3210017"/>
+            <a:ext cx="89647" cy="89647"/>
+          </a:xfrm>
+          <a:prstGeom prst="ellipse">
+            <a:avLst/>
+          </a:prstGeom>
+        </p:spPr>
+        <p:style>
+          <a:lnRef idx="2">
+            <a:schemeClr val="accent1">
+              <a:shade val="50000"/>
+            </a:schemeClr>
+          </a:lnRef>
+          <a:fillRef idx="1">
+            <a:schemeClr val="accent1"/>
+          </a:fillRef>
+          <a:effectRef idx="0">
+            <a:schemeClr val="accent1"/>
+          </a:effectRef>
+          <a:fontRef idx="minor">
+            <a:schemeClr val="lt1"/>
+          </a:fontRef>
+        </p:style>
+        <p:txBody>
+          <a:bodyPr rtlCol="0" anchor="ctr"/>
+          <a:lstStyle/>
+          <a:p>
+            <a:pPr algn="ctr"/>
+            <a:endParaRPr lang="en-US"/>
+          </a:p>
+        </p:txBody>
+      </p:sp>
+      <p:sp>
+        <p:nvSpPr>
+          <p:cNvPr id="13" name="Oval 12">
+            <a:extLst>
+              <a:ext uri="{FF2B5EF4-FFF2-40B4-BE49-F238E27FC236}">
+                <a16:creationId xmlns:a16="http://schemas.microsoft.com/office/drawing/2014/main" id="{373E4BD5-23C5-644B-A035-0F36A32AB3FE}"/>
+              </a:ext>
+            </a:extLst>
+          </p:cNvPr>
+          <p:cNvSpPr/>
+          <p:nvPr/>
+        </p:nvSpPr>
+        <p:spPr>
+          <a:xfrm>
+            <a:off x="5360893" y="3299664"/>
+            <a:ext cx="89647" cy="89647"/>
+          </a:xfrm>
+          <a:prstGeom prst="ellipse">
+            <a:avLst/>
+          </a:prstGeom>
+        </p:spPr>
+        <p:style>
+          <a:lnRef idx="2">
+            <a:schemeClr val="accent1">
+              <a:shade val="50000"/>
+            </a:schemeClr>
+          </a:lnRef>
+          <a:fillRef idx="1">
+            <a:schemeClr val="accent1"/>
+          </a:fillRef>
+          <a:effectRef idx="0">
+            <a:schemeClr val="accent1"/>
+          </a:effectRef>
+          <a:fontRef idx="minor">
+            <a:schemeClr val="lt1"/>
+          </a:fontRef>
+        </p:style>
+        <p:txBody>
+          <a:bodyPr rtlCol="0" anchor="ctr"/>
+          <a:lstStyle/>
+          <a:p>
+            <a:pPr algn="ctr"/>
+            <a:endParaRPr lang="en-US"/>
+          </a:p>
+        </p:txBody>
+      </p:sp>
+      <p:sp>
+        <p:nvSpPr>
+          <p:cNvPr id="14" name="Oval 13">
+            <a:extLst>
+              <a:ext uri="{FF2B5EF4-FFF2-40B4-BE49-F238E27FC236}">
+                <a16:creationId xmlns:a16="http://schemas.microsoft.com/office/drawing/2014/main" id="{3A1E3C75-9B29-4048-9004-5BD3A6DDCAB7}"/>
+              </a:ext>
+            </a:extLst>
+          </p:cNvPr>
+          <p:cNvSpPr/>
+          <p:nvPr/>
+        </p:nvSpPr>
+        <p:spPr>
+          <a:xfrm>
+            <a:off x="5271246" y="3577953"/>
+            <a:ext cx="89647" cy="89647"/>
+          </a:xfrm>
+          <a:prstGeom prst="ellipse">
+            <a:avLst/>
+          </a:prstGeom>
+        </p:spPr>
+        <p:style>
+          <a:lnRef idx="2">
+            <a:schemeClr val="accent1">
+              <a:shade val="50000"/>
+            </a:schemeClr>
+          </a:lnRef>
+          <a:fillRef idx="1">
+            <a:schemeClr val="accent1"/>
+          </a:fillRef>
+          <a:effectRef idx="0">
+            <a:schemeClr val="accent1"/>
+          </a:effectRef>
+          <a:fontRef idx="minor">
+            <a:schemeClr val="lt1"/>
+          </a:fontRef>
+        </p:style>
+        <p:txBody>
+          <a:bodyPr rtlCol="0" anchor="ctr"/>
+          <a:lstStyle/>
+          <a:p>
+            <a:pPr algn="ctr"/>
+            <a:endParaRPr lang="en-US"/>
+          </a:p>
+        </p:txBody>
+      </p:sp>
+      <p:sp>
+        <p:nvSpPr>
+          <p:cNvPr id="16" name="Oval 15">
+            <a:extLst>
+              <a:ext uri="{FF2B5EF4-FFF2-40B4-BE49-F238E27FC236}">
+                <a16:creationId xmlns:a16="http://schemas.microsoft.com/office/drawing/2014/main" id="{90A127D7-6035-1C41-9D69-7394FBBDD282}"/>
+              </a:ext>
+            </a:extLst>
+          </p:cNvPr>
+          <p:cNvSpPr/>
+          <p:nvPr/>
+        </p:nvSpPr>
+        <p:spPr>
+          <a:xfrm>
+            <a:off x="5558117" y="3568045"/>
+            <a:ext cx="89647" cy="89647"/>
+          </a:xfrm>
+          <a:prstGeom prst="ellipse">
+            <a:avLst/>
+          </a:prstGeom>
+        </p:spPr>
+        <p:style>
+          <a:lnRef idx="2">
+            <a:schemeClr val="accent1">
+              <a:shade val="50000"/>
+            </a:schemeClr>
+          </a:lnRef>
+          <a:fillRef idx="1">
+            <a:schemeClr val="accent1"/>
+          </a:fillRef>
+          <a:effectRef idx="0">
+            <a:schemeClr val="accent1"/>
+          </a:effectRef>
+          <a:fontRef idx="minor">
+            <a:schemeClr val="lt1"/>
+          </a:fontRef>
+        </p:style>
+        <p:txBody>
+          <a:bodyPr rtlCol="0" anchor="ctr"/>
+          <a:lstStyle/>
+          <a:p>
+            <a:pPr algn="ctr"/>
+            <a:endParaRPr lang="en-US"/>
+          </a:p>
+        </p:txBody>
+      </p:sp>
+      <p:sp>
+        <p:nvSpPr>
+          <p:cNvPr id="17" name="Oval 16">
+            <a:extLst>
+              <a:ext uri="{FF2B5EF4-FFF2-40B4-BE49-F238E27FC236}">
+                <a16:creationId xmlns:a16="http://schemas.microsoft.com/office/drawing/2014/main" id="{3C657A1A-7D6D-2444-8251-D8697BD264D0}"/>
+              </a:ext>
+            </a:extLst>
+          </p:cNvPr>
+          <p:cNvSpPr/>
+          <p:nvPr/>
+        </p:nvSpPr>
+        <p:spPr>
+          <a:xfrm>
+            <a:off x="5316070" y="3774792"/>
+            <a:ext cx="89647" cy="89647"/>
+          </a:xfrm>
+          <a:prstGeom prst="ellipse">
+            <a:avLst/>
+          </a:prstGeom>
+        </p:spPr>
+        <p:style>
+          <a:lnRef idx="2">
+            <a:schemeClr val="accent1">
+              <a:shade val="50000"/>
+            </a:schemeClr>
+          </a:lnRef>
+          <a:fillRef idx="1">
+            <a:schemeClr val="accent1"/>
+          </a:fillRef>
+          <a:effectRef idx="0">
+            <a:schemeClr val="accent1"/>
+          </a:effectRef>
+          <a:fontRef idx="minor">
+            <a:schemeClr val="lt1"/>
+          </a:fontRef>
+        </p:style>
+        <p:txBody>
+          <a:bodyPr rtlCol="0" anchor="ctr"/>
+          <a:lstStyle/>
+          <a:p>
+            <a:pPr algn="ctr"/>
+            <a:endParaRPr lang="en-US"/>
+          </a:p>
+        </p:txBody>
+      </p:sp>
+      <p:sp>
+        <p:nvSpPr>
+          <p:cNvPr id="18" name="Oval 17">
+            <a:extLst>
+              <a:ext uri="{FF2B5EF4-FFF2-40B4-BE49-F238E27FC236}">
+                <a16:creationId xmlns:a16="http://schemas.microsoft.com/office/drawing/2014/main" id="{9E7E3223-A33A-E646-9C7A-C0D89B8B4C83}"/>
+              </a:ext>
+            </a:extLst>
+          </p:cNvPr>
+          <p:cNvSpPr/>
+          <p:nvPr/>
+        </p:nvSpPr>
+        <p:spPr>
+          <a:xfrm>
+            <a:off x="5620869" y="3864439"/>
+            <a:ext cx="89647" cy="89647"/>
+          </a:xfrm>
+          <a:prstGeom prst="ellipse">
+            <a:avLst/>
+          </a:prstGeom>
+        </p:spPr>
+        <p:style>
+          <a:lnRef idx="2">
+            <a:schemeClr val="accent1">
+              <a:shade val="50000"/>
+            </a:schemeClr>
+          </a:lnRef>
+          <a:fillRef idx="1">
+            <a:schemeClr val="accent1"/>
+          </a:fillRef>
+          <a:effectRef idx="0">
+            <a:schemeClr val="accent1"/>
+          </a:effectRef>
+          <a:fontRef idx="minor">
+            <a:schemeClr val="lt1"/>
+          </a:fontRef>
+        </p:style>
+        <p:txBody>
+          <a:bodyPr rtlCol="0" anchor="ctr"/>
+          <a:lstStyle/>
+          <a:p>
+            <a:pPr algn="ctr"/>
+            <a:endParaRPr lang="en-US"/>
+          </a:p>
+        </p:txBody>
+      </p:sp>
+      <p:sp>
+        <p:nvSpPr>
+          <p:cNvPr id="19" name="Oval 18">
+            <a:extLst>
+              <a:ext uri="{FF2B5EF4-FFF2-40B4-BE49-F238E27FC236}">
+                <a16:creationId xmlns:a16="http://schemas.microsoft.com/office/drawing/2014/main" id="{D42A25C2-201D-9E44-85F7-97318CDF7DBB}"/>
+              </a:ext>
+            </a:extLst>
+          </p:cNvPr>
+          <p:cNvSpPr/>
+          <p:nvPr/>
+        </p:nvSpPr>
+        <p:spPr>
+          <a:xfrm>
+            <a:off x="5531222" y="4142728"/>
+            <a:ext cx="89647" cy="89647"/>
+          </a:xfrm>
+          <a:prstGeom prst="ellipse">
+            <a:avLst/>
+          </a:prstGeom>
+        </p:spPr>
+        <p:style>
+          <a:lnRef idx="2">
+            <a:schemeClr val="accent1">
+              <a:shade val="50000"/>
+            </a:schemeClr>
+          </a:lnRef>
+          <a:fillRef idx="1">
+            <a:schemeClr val="accent1"/>
+          </a:fillRef>
+          <a:effectRef idx="0">
+            <a:schemeClr val="accent1"/>
+          </a:effectRef>
+          <a:fontRef idx="minor">
+            <a:schemeClr val="lt1"/>
+          </a:fontRef>
+        </p:style>
+        <p:txBody>
+          <a:bodyPr rtlCol="0" anchor="ctr"/>
+          <a:lstStyle/>
+          <a:p>
+            <a:pPr algn="ctr"/>
+            <a:endParaRPr lang="en-US"/>
+          </a:p>
+        </p:txBody>
+      </p:sp>
+      <p:sp>
+        <p:nvSpPr>
+          <p:cNvPr id="20" name="Oval 19">
+            <a:extLst>
+              <a:ext uri="{FF2B5EF4-FFF2-40B4-BE49-F238E27FC236}">
+                <a16:creationId xmlns:a16="http://schemas.microsoft.com/office/drawing/2014/main" id="{4A5D4F01-8691-0F43-9F39-1BF43B45DFB6}"/>
+              </a:ext>
+            </a:extLst>
+          </p:cNvPr>
+          <p:cNvSpPr/>
+          <p:nvPr/>
+        </p:nvSpPr>
+        <p:spPr>
+          <a:xfrm>
+            <a:off x="4948521" y="3137741"/>
+            <a:ext cx="89647" cy="89647"/>
+          </a:xfrm>
+          <a:prstGeom prst="ellipse">
+            <a:avLst/>
+          </a:prstGeom>
+        </p:spPr>
+        <p:style>
+          <a:lnRef idx="2">
+            <a:schemeClr val="accent1">
+              <a:shade val="50000"/>
+            </a:schemeClr>
+          </a:lnRef>
+          <a:fillRef idx="1">
+            <a:schemeClr val="accent1"/>
+          </a:fillRef>
+          <a:effectRef idx="0">
+            <a:schemeClr val="accent1"/>
+          </a:effectRef>
+          <a:fontRef idx="minor">
+            <a:schemeClr val="lt1"/>
+          </a:fontRef>
+        </p:style>
+        <p:txBody>
+          <a:bodyPr rtlCol="0" anchor="ctr"/>
+          <a:lstStyle/>
+          <a:p>
+            <a:pPr algn="ctr"/>
+            <a:endParaRPr lang="en-US"/>
+          </a:p>
+        </p:txBody>
+      </p:sp>
+      <p:sp>
+        <p:nvSpPr>
+          <p:cNvPr id="21" name="Oval 20">
+            <a:extLst>
+              <a:ext uri="{FF2B5EF4-FFF2-40B4-BE49-F238E27FC236}">
+                <a16:creationId xmlns:a16="http://schemas.microsoft.com/office/drawing/2014/main" id="{312B52B9-A430-5344-B402-CED30C7CBDA8}"/>
+              </a:ext>
+            </a:extLst>
+          </p:cNvPr>
+          <p:cNvSpPr/>
+          <p:nvPr/>
+        </p:nvSpPr>
+        <p:spPr>
+          <a:xfrm>
+            <a:off x="4706474" y="3344488"/>
+            <a:ext cx="89647" cy="89647"/>
+          </a:xfrm>
+          <a:prstGeom prst="ellipse">
+            <a:avLst/>
+          </a:prstGeom>
+        </p:spPr>
+        <p:style>
+          <a:lnRef idx="2">
+            <a:schemeClr val="accent1">
+              <a:shade val="50000"/>
+            </a:schemeClr>
+          </a:lnRef>
+          <a:fillRef idx="1">
+            <a:schemeClr val="accent1"/>
+          </a:fillRef>
+          <a:effectRef idx="0">
+            <a:schemeClr val="accent1"/>
+          </a:effectRef>
+          <a:fontRef idx="minor">
+            <a:schemeClr val="lt1"/>
+          </a:fontRef>
+        </p:style>
+        <p:txBody>
+          <a:bodyPr rtlCol="0" anchor="ctr"/>
+          <a:lstStyle/>
+          <a:p>
+            <a:pPr algn="ctr"/>
+            <a:endParaRPr lang="en-US"/>
+          </a:p>
+        </p:txBody>
+      </p:sp>
+      <p:sp>
+        <p:nvSpPr>
+          <p:cNvPr id="22" name="Oval 21">
+            <a:extLst>
+              <a:ext uri="{FF2B5EF4-FFF2-40B4-BE49-F238E27FC236}">
+                <a16:creationId xmlns:a16="http://schemas.microsoft.com/office/drawing/2014/main" id="{17550942-2AFA-F24A-A12C-46EC8199BB5F}"/>
+              </a:ext>
+            </a:extLst>
+          </p:cNvPr>
+          <p:cNvSpPr/>
+          <p:nvPr/>
+        </p:nvSpPr>
+        <p:spPr>
+          <a:xfrm>
+            <a:off x="5011273" y="3434135"/>
+            <a:ext cx="89647" cy="89647"/>
+          </a:xfrm>
+          <a:prstGeom prst="ellipse">
+            <a:avLst/>
+          </a:prstGeom>
+        </p:spPr>
+        <p:style>
+          <a:lnRef idx="2">
+            <a:schemeClr val="accent1">
+              <a:shade val="50000"/>
+            </a:schemeClr>
+          </a:lnRef>
+          <a:fillRef idx="1">
+            <a:schemeClr val="accent1"/>
+          </a:fillRef>
+          <a:effectRef idx="0">
+            <a:schemeClr val="accent1"/>
+          </a:effectRef>
+          <a:fontRef idx="minor">
+            <a:schemeClr val="lt1"/>
+          </a:fontRef>
+        </p:style>
+        <p:txBody>
+          <a:bodyPr rtlCol="0" anchor="ctr"/>
+          <a:lstStyle/>
+          <a:p>
+            <a:pPr algn="ctr"/>
+            <a:endParaRPr lang="en-US"/>
+          </a:p>
+        </p:txBody>
+      </p:sp>
+      <p:sp>
+        <p:nvSpPr>
+          <p:cNvPr id="23" name="Oval 22">
+            <a:extLst>
+              <a:ext uri="{FF2B5EF4-FFF2-40B4-BE49-F238E27FC236}">
+                <a16:creationId xmlns:a16="http://schemas.microsoft.com/office/drawing/2014/main" id="{4BED7349-6804-1F4A-A824-85865EBA4CA5}"/>
+              </a:ext>
+            </a:extLst>
+          </p:cNvPr>
+          <p:cNvSpPr/>
+          <p:nvPr/>
+        </p:nvSpPr>
+        <p:spPr>
+          <a:xfrm>
+            <a:off x="4921626" y="3712424"/>
+            <a:ext cx="89647" cy="89647"/>
+          </a:xfrm>
+          <a:prstGeom prst="ellipse">
+            <a:avLst/>
+          </a:prstGeom>
+        </p:spPr>
+        <p:style>
+          <a:lnRef idx="2">
+            <a:schemeClr val="accent1">
+              <a:shade val="50000"/>
+            </a:schemeClr>
+          </a:lnRef>
+          <a:fillRef idx="1">
+            <a:schemeClr val="accent1"/>
+          </a:fillRef>
+          <a:effectRef idx="0">
+            <a:schemeClr val="accent1"/>
+          </a:effectRef>
+          <a:fontRef idx="minor">
+            <a:schemeClr val="lt1"/>
+          </a:fontRef>
+        </p:style>
+        <p:txBody>
+          <a:bodyPr rtlCol="0" anchor="ctr"/>
+          <a:lstStyle/>
+          <a:p>
+            <a:pPr algn="ctr"/>
+            <a:endParaRPr lang="en-US"/>
+          </a:p>
+        </p:txBody>
+      </p:sp>
+      <p:sp>
+        <p:nvSpPr>
+          <p:cNvPr id="24" name="Oval 23">
+            <a:extLst>
+              <a:ext uri="{FF2B5EF4-FFF2-40B4-BE49-F238E27FC236}">
+                <a16:creationId xmlns:a16="http://schemas.microsoft.com/office/drawing/2014/main" id="{022CADC9-9279-4645-8E82-696CFA002F16}"/>
+              </a:ext>
+            </a:extLst>
+          </p:cNvPr>
+          <p:cNvSpPr/>
+          <p:nvPr/>
+        </p:nvSpPr>
+        <p:spPr>
+          <a:xfrm>
+            <a:off x="5593973" y="2492281"/>
+            <a:ext cx="89647" cy="89647"/>
+          </a:xfrm>
+          <a:prstGeom prst="ellipse">
+            <a:avLst/>
+          </a:prstGeom>
+        </p:spPr>
+        <p:style>
+          <a:lnRef idx="2">
+            <a:schemeClr val="accent1">
+              <a:shade val="50000"/>
+            </a:schemeClr>
+          </a:lnRef>
+          <a:fillRef idx="1">
+            <a:schemeClr val="accent1"/>
+          </a:fillRef>
+          <a:effectRef idx="0">
+            <a:schemeClr val="accent1"/>
+          </a:effectRef>
+          <a:fontRef idx="minor">
+            <a:schemeClr val="lt1"/>
+          </a:fontRef>
+        </p:style>
+        <p:txBody>
+          <a:bodyPr rtlCol="0" anchor="ctr"/>
+          <a:lstStyle/>
+          <a:p>
+            <a:pPr algn="ctr"/>
+            <a:endParaRPr lang="en-US"/>
+          </a:p>
+        </p:txBody>
+      </p:sp>
+      <p:sp>
+        <p:nvSpPr>
+          <p:cNvPr id="25" name="Oval 24">
+            <a:extLst>
+              <a:ext uri="{FF2B5EF4-FFF2-40B4-BE49-F238E27FC236}">
+                <a16:creationId xmlns:a16="http://schemas.microsoft.com/office/drawing/2014/main" id="{9641FB2D-81BA-6A4E-BFFF-963C2E3F5932}"/>
+              </a:ext>
+            </a:extLst>
+          </p:cNvPr>
+          <p:cNvSpPr/>
+          <p:nvPr/>
+        </p:nvSpPr>
+        <p:spPr>
+          <a:xfrm>
+            <a:off x="5351926" y="2699028"/>
+            <a:ext cx="89647" cy="89647"/>
+          </a:xfrm>
+          <a:prstGeom prst="ellipse">
+            <a:avLst/>
+          </a:prstGeom>
+        </p:spPr>
+        <p:style>
+          <a:lnRef idx="2">
+            <a:schemeClr val="accent1">
+              <a:shade val="50000"/>
+            </a:schemeClr>
+          </a:lnRef>
+          <a:fillRef idx="1">
+            <a:schemeClr val="accent1"/>
+          </a:fillRef>
+          <a:effectRef idx="0">
+            <a:schemeClr val="accent1"/>
+          </a:effectRef>
+          <a:fontRef idx="minor">
+            <a:schemeClr val="lt1"/>
+          </a:fontRef>
+        </p:style>
+        <p:txBody>
+          <a:bodyPr rtlCol="0" anchor="ctr"/>
+          <a:lstStyle/>
+          <a:p>
+            <a:pPr algn="ctr"/>
+            <a:endParaRPr lang="en-US"/>
+          </a:p>
+        </p:txBody>
+      </p:sp>
+      <p:sp>
+        <p:nvSpPr>
+          <p:cNvPr id="26" name="Oval 25">
+            <a:extLst>
+              <a:ext uri="{FF2B5EF4-FFF2-40B4-BE49-F238E27FC236}">
+                <a16:creationId xmlns:a16="http://schemas.microsoft.com/office/drawing/2014/main" id="{5A49AFCD-71F1-9744-9CBA-3CFAB1E797E7}"/>
+              </a:ext>
+            </a:extLst>
+          </p:cNvPr>
+          <p:cNvSpPr/>
+          <p:nvPr/>
+        </p:nvSpPr>
+        <p:spPr>
+          <a:xfrm>
+            <a:off x="5656725" y="2788675"/>
+            <a:ext cx="89647" cy="89647"/>
+          </a:xfrm>
+          <a:prstGeom prst="ellipse">
+            <a:avLst/>
+          </a:prstGeom>
+        </p:spPr>
+        <p:style>
+          <a:lnRef idx="2">
+            <a:schemeClr val="accent1">
+              <a:shade val="50000"/>
+            </a:schemeClr>
+          </a:lnRef>
+          <a:fillRef idx="1">
+            <a:schemeClr val="accent1"/>
+          </a:fillRef>
+          <a:effectRef idx="0">
+            <a:schemeClr val="accent1"/>
+          </a:effectRef>
+          <a:fontRef idx="minor">
+            <a:schemeClr val="lt1"/>
+          </a:fontRef>
+        </p:style>
+        <p:txBody>
+          <a:bodyPr rtlCol="0" anchor="ctr"/>
+          <a:lstStyle/>
+          <a:p>
+            <a:pPr algn="ctr"/>
+            <a:endParaRPr lang="en-US"/>
+          </a:p>
+        </p:txBody>
+      </p:sp>
+      <p:sp>
+        <p:nvSpPr>
+          <p:cNvPr id="27" name="Oval 26">
+            <a:extLst>
+              <a:ext uri="{FF2B5EF4-FFF2-40B4-BE49-F238E27FC236}">
+                <a16:creationId xmlns:a16="http://schemas.microsoft.com/office/drawing/2014/main" id="{647D4375-289E-6447-B9A3-3A71A515E162}"/>
+              </a:ext>
+            </a:extLst>
+          </p:cNvPr>
+          <p:cNvSpPr/>
+          <p:nvPr/>
+        </p:nvSpPr>
+        <p:spPr>
+          <a:xfrm>
+            <a:off x="5567078" y="3066964"/>
+            <a:ext cx="89647" cy="89647"/>
+          </a:xfrm>
+          <a:prstGeom prst="ellipse">
+            <a:avLst/>
+          </a:prstGeom>
+        </p:spPr>
+        <p:style>
+          <a:lnRef idx="2">
+            <a:schemeClr val="accent1">
+              <a:shade val="50000"/>
+            </a:schemeClr>
+          </a:lnRef>
+          <a:fillRef idx="1">
+            <a:schemeClr val="accent1"/>
+          </a:fillRef>
+          <a:effectRef idx="0">
+            <a:schemeClr val="accent1"/>
+          </a:effectRef>
+          <a:fontRef idx="minor">
+            <a:schemeClr val="lt1"/>
+          </a:fontRef>
+        </p:style>
+        <p:txBody>
+          <a:bodyPr rtlCol="0" anchor="ctr"/>
+          <a:lstStyle/>
+          <a:p>
+            <a:pPr algn="ctr"/>
+            <a:endParaRPr lang="en-US"/>
+          </a:p>
+        </p:txBody>
+      </p:sp>
+      <p:sp>
+        <p:nvSpPr>
+          <p:cNvPr id="28" name="Oval 27">
+            <a:extLst>
+              <a:ext uri="{FF2B5EF4-FFF2-40B4-BE49-F238E27FC236}">
+                <a16:creationId xmlns:a16="http://schemas.microsoft.com/office/drawing/2014/main" id="{FF8D3DC8-1E2F-DD4E-A502-E1738B545265}"/>
+              </a:ext>
+            </a:extLst>
+          </p:cNvPr>
+          <p:cNvSpPr/>
+          <p:nvPr/>
+        </p:nvSpPr>
+        <p:spPr>
+          <a:xfrm>
+            <a:off x="5056100" y="2420564"/>
+            <a:ext cx="89647" cy="89647"/>
+          </a:xfrm>
+          <a:prstGeom prst="ellipse">
+            <a:avLst/>
+          </a:prstGeom>
+        </p:spPr>
+        <p:style>
+          <a:lnRef idx="2">
+            <a:schemeClr val="accent1">
+              <a:shade val="50000"/>
+            </a:schemeClr>
+          </a:lnRef>
+          <a:fillRef idx="1">
+            <a:schemeClr val="accent1"/>
+          </a:fillRef>
+          <a:effectRef idx="0">
+            <a:schemeClr val="accent1"/>
+          </a:effectRef>
+          <a:fontRef idx="minor">
+            <a:schemeClr val="lt1"/>
+          </a:fontRef>
+        </p:style>
+        <p:txBody>
+          <a:bodyPr rtlCol="0" anchor="ctr"/>
+          <a:lstStyle/>
+          <a:p>
+            <a:pPr algn="ctr"/>
+            <a:endParaRPr lang="en-US"/>
+          </a:p>
+        </p:txBody>
+      </p:sp>
+      <p:sp>
+        <p:nvSpPr>
+          <p:cNvPr id="29" name="Oval 28">
+            <a:extLst>
+              <a:ext uri="{FF2B5EF4-FFF2-40B4-BE49-F238E27FC236}">
+                <a16:creationId xmlns:a16="http://schemas.microsoft.com/office/drawing/2014/main" id="{EE7899E7-8403-664F-B100-365822D7E203}"/>
+              </a:ext>
+            </a:extLst>
+          </p:cNvPr>
+          <p:cNvSpPr/>
+          <p:nvPr/>
+        </p:nvSpPr>
+        <p:spPr>
+          <a:xfrm>
+            <a:off x="4814053" y="2627311"/>
+            <a:ext cx="89647" cy="89647"/>
+          </a:xfrm>
+          <a:prstGeom prst="ellipse">
+            <a:avLst/>
+          </a:prstGeom>
+        </p:spPr>
+        <p:style>
+          <a:lnRef idx="2">
+            <a:schemeClr val="accent1">
+              <a:shade val="50000"/>
+            </a:schemeClr>
+          </a:lnRef>
+          <a:fillRef idx="1">
+            <a:schemeClr val="accent1"/>
+          </a:fillRef>
+          <a:effectRef idx="0">
+            <a:schemeClr val="accent1"/>
+          </a:effectRef>
+          <a:fontRef idx="minor">
+            <a:schemeClr val="lt1"/>
+          </a:fontRef>
+        </p:style>
+        <p:txBody>
+          <a:bodyPr rtlCol="0" anchor="ctr"/>
+          <a:lstStyle/>
+          <a:p>
+            <a:pPr algn="ctr"/>
+            <a:endParaRPr lang="en-US"/>
+          </a:p>
+        </p:txBody>
+      </p:sp>
+      <p:sp>
+        <p:nvSpPr>
+          <p:cNvPr id="30" name="Oval 29">
+            <a:extLst>
+              <a:ext uri="{FF2B5EF4-FFF2-40B4-BE49-F238E27FC236}">
+                <a16:creationId xmlns:a16="http://schemas.microsoft.com/office/drawing/2014/main" id="{8F2CF7E6-0624-9343-A7FF-6D9E8240BE44}"/>
+              </a:ext>
+            </a:extLst>
+          </p:cNvPr>
+          <p:cNvSpPr/>
+          <p:nvPr/>
+        </p:nvSpPr>
+        <p:spPr>
+          <a:xfrm>
+            <a:off x="5118852" y="2716958"/>
+            <a:ext cx="89647" cy="89647"/>
+          </a:xfrm>
+          <a:prstGeom prst="ellipse">
+            <a:avLst/>
+          </a:prstGeom>
+        </p:spPr>
+        <p:style>
+          <a:lnRef idx="2">
+            <a:schemeClr val="accent1">
+              <a:shade val="50000"/>
+            </a:schemeClr>
+          </a:lnRef>
+          <a:fillRef idx="1">
+            <a:schemeClr val="accent1"/>
+          </a:fillRef>
+          <a:effectRef idx="0">
+            <a:schemeClr val="accent1"/>
+          </a:effectRef>
+          <a:fontRef idx="minor">
+            <a:schemeClr val="lt1"/>
+          </a:fontRef>
+        </p:style>
+        <p:txBody>
+          <a:bodyPr rtlCol="0" anchor="ctr"/>
+          <a:lstStyle/>
+          <a:p>
+            <a:pPr algn="ctr"/>
+            <a:endParaRPr lang="en-US"/>
+          </a:p>
+        </p:txBody>
+      </p:sp>
+      <p:sp>
+        <p:nvSpPr>
+          <p:cNvPr id="31" name="Oval 30">
+            <a:extLst>
+              <a:ext uri="{FF2B5EF4-FFF2-40B4-BE49-F238E27FC236}">
+                <a16:creationId xmlns:a16="http://schemas.microsoft.com/office/drawing/2014/main" id="{68F7EFDA-56DB-BF44-9D4E-349057B84153}"/>
+              </a:ext>
+            </a:extLst>
+          </p:cNvPr>
+          <p:cNvSpPr/>
+          <p:nvPr/>
+        </p:nvSpPr>
+        <p:spPr>
+          <a:xfrm>
+            <a:off x="5029205" y="2995247"/>
+            <a:ext cx="89647" cy="89647"/>
+          </a:xfrm>
+          <a:prstGeom prst="ellipse">
+            <a:avLst/>
+          </a:prstGeom>
+        </p:spPr>
+        <p:style>
+          <a:lnRef idx="2">
+            <a:schemeClr val="accent1">
+              <a:shade val="50000"/>
+            </a:schemeClr>
+          </a:lnRef>
+          <a:fillRef idx="1">
+            <a:schemeClr val="accent1"/>
+          </a:fillRef>
+          <a:effectRef idx="0">
+            <a:schemeClr val="accent1"/>
+          </a:effectRef>
+          <a:fontRef idx="minor">
+            <a:schemeClr val="lt1"/>
+          </a:fontRef>
+        </p:style>
+        <p:txBody>
+          <a:bodyPr rtlCol="0" anchor="ctr"/>
+          <a:lstStyle/>
+          <a:p>
+            <a:pPr algn="ctr"/>
+            <a:endParaRPr lang="en-US"/>
+          </a:p>
+        </p:txBody>
+      </p:sp>
+      <p:sp>
+        <p:nvSpPr>
+          <p:cNvPr id="32" name="Oval 31">
+            <a:extLst>
+              <a:ext uri="{FF2B5EF4-FFF2-40B4-BE49-F238E27FC236}">
+                <a16:creationId xmlns:a16="http://schemas.microsoft.com/office/drawing/2014/main" id="{7DA72522-A0F0-1A4C-A95B-920F8A68E623}"/>
+              </a:ext>
+            </a:extLst>
+          </p:cNvPr>
+          <p:cNvSpPr/>
+          <p:nvPr/>
+        </p:nvSpPr>
+        <p:spPr>
+          <a:xfrm>
+            <a:off x="5593973" y="2079910"/>
+            <a:ext cx="89647" cy="89647"/>
+          </a:xfrm>
+          <a:prstGeom prst="ellipse">
+            <a:avLst/>
+          </a:prstGeom>
+        </p:spPr>
+        <p:style>
+          <a:lnRef idx="2">
+            <a:schemeClr val="accent1">
+              <a:shade val="50000"/>
+            </a:schemeClr>
+          </a:lnRef>
+          <a:fillRef idx="1">
+            <a:schemeClr val="accent1"/>
+          </a:fillRef>
+          <a:effectRef idx="0">
+            <a:schemeClr val="accent1"/>
+          </a:effectRef>
+          <a:fontRef idx="minor">
+            <a:schemeClr val="lt1"/>
+          </a:fontRef>
+        </p:style>
+        <p:txBody>
+          <a:bodyPr rtlCol="0" anchor="ctr"/>
+          <a:lstStyle/>
+          <a:p>
+            <a:pPr algn="ctr"/>
+            <a:endParaRPr lang="en-US"/>
+          </a:p>
+        </p:txBody>
+      </p:sp>
+      <p:sp>
+        <p:nvSpPr>
+          <p:cNvPr id="33" name="Oval 32">
+            <a:extLst>
+              <a:ext uri="{FF2B5EF4-FFF2-40B4-BE49-F238E27FC236}">
+                <a16:creationId xmlns:a16="http://schemas.microsoft.com/office/drawing/2014/main" id="{83D76510-E850-194F-9BA9-3684961BC1CB}"/>
+              </a:ext>
+            </a:extLst>
+          </p:cNvPr>
+          <p:cNvSpPr/>
+          <p:nvPr/>
+        </p:nvSpPr>
+        <p:spPr>
+          <a:xfrm>
+            <a:off x="5351926" y="2286657"/>
+            <a:ext cx="89647" cy="89647"/>
+          </a:xfrm>
+          <a:prstGeom prst="ellipse">
+            <a:avLst/>
+          </a:prstGeom>
+        </p:spPr>
+        <p:style>
+          <a:lnRef idx="2">
+            <a:schemeClr val="accent1">
+              <a:shade val="50000"/>
+            </a:schemeClr>
+          </a:lnRef>
+          <a:fillRef idx="1">
+            <a:schemeClr val="accent1"/>
+          </a:fillRef>
+          <a:effectRef idx="0">
+            <a:schemeClr val="accent1"/>
+          </a:effectRef>
+          <a:fontRef idx="minor">
+            <a:schemeClr val="lt1"/>
+          </a:fontRef>
+        </p:style>
+        <p:txBody>
+          <a:bodyPr rtlCol="0" anchor="ctr"/>
+          <a:lstStyle/>
+          <a:p>
+            <a:pPr algn="ctr"/>
+            <a:endParaRPr lang="en-US"/>
+          </a:p>
+        </p:txBody>
+      </p:sp>
+      <p:sp>
+        <p:nvSpPr>
+          <p:cNvPr id="34" name="Oval 33">
+            <a:extLst>
+              <a:ext uri="{FF2B5EF4-FFF2-40B4-BE49-F238E27FC236}">
+                <a16:creationId xmlns:a16="http://schemas.microsoft.com/office/drawing/2014/main" id="{BACFB913-2974-A040-92F7-00D0F31A7040}"/>
+              </a:ext>
+            </a:extLst>
+          </p:cNvPr>
+          <p:cNvSpPr/>
+          <p:nvPr/>
+        </p:nvSpPr>
+        <p:spPr>
+          <a:xfrm>
+            <a:off x="5656725" y="2376304"/>
+            <a:ext cx="89647" cy="89647"/>
+          </a:xfrm>
+          <a:prstGeom prst="ellipse">
+            <a:avLst/>
+          </a:prstGeom>
+        </p:spPr>
+        <p:style>
+          <a:lnRef idx="2">
+            <a:schemeClr val="accent1">
+              <a:shade val="50000"/>
+            </a:schemeClr>
+          </a:lnRef>
+          <a:fillRef idx="1">
+            <a:schemeClr val="accent1"/>
+          </a:fillRef>
+          <a:effectRef idx="0">
+            <a:schemeClr val="accent1"/>
+          </a:effectRef>
+          <a:fontRef idx="minor">
+            <a:schemeClr val="lt1"/>
+          </a:fontRef>
+        </p:style>
+        <p:txBody>
+          <a:bodyPr rtlCol="0" anchor="ctr"/>
+          <a:lstStyle/>
+          <a:p>
+            <a:pPr algn="ctr"/>
+            <a:endParaRPr lang="en-US"/>
+          </a:p>
+        </p:txBody>
+      </p:sp>
+      <p:sp>
+        <p:nvSpPr>
+          <p:cNvPr id="35" name="Oval 34">
+            <a:extLst>
+              <a:ext uri="{FF2B5EF4-FFF2-40B4-BE49-F238E27FC236}">
+                <a16:creationId xmlns:a16="http://schemas.microsoft.com/office/drawing/2014/main" id="{E09BC626-1754-634F-A70C-4E5E3DD2DE3C}"/>
+              </a:ext>
+            </a:extLst>
+          </p:cNvPr>
+          <p:cNvSpPr/>
+          <p:nvPr/>
+        </p:nvSpPr>
+        <p:spPr>
+          <a:xfrm>
+            <a:off x="5567078" y="2654593"/>
+            <a:ext cx="89647" cy="89647"/>
+          </a:xfrm>
+          <a:prstGeom prst="ellipse">
+            <a:avLst/>
+          </a:prstGeom>
+        </p:spPr>
+        <p:style>
+          <a:lnRef idx="2">
+            <a:schemeClr val="accent1">
+              <a:shade val="50000"/>
+            </a:schemeClr>
+          </a:lnRef>
+          <a:fillRef idx="1">
+            <a:schemeClr val="accent1"/>
+          </a:fillRef>
+          <a:effectRef idx="0">
+            <a:schemeClr val="accent1"/>
+          </a:effectRef>
+          <a:fontRef idx="minor">
+            <a:schemeClr val="lt1"/>
+          </a:fontRef>
+        </p:style>
+        <p:txBody>
+          <a:bodyPr rtlCol="0" anchor="ctr"/>
+          <a:lstStyle/>
+          <a:p>
+            <a:pPr algn="ctr"/>
+            <a:endParaRPr lang="en-US"/>
+          </a:p>
+        </p:txBody>
+      </p:sp>
+      <p:sp>
+        <p:nvSpPr>
+          <p:cNvPr id="37" name="Rectangle 36">
+            <a:extLst>
+              <a:ext uri="{FF2B5EF4-FFF2-40B4-BE49-F238E27FC236}">
+                <a16:creationId xmlns:a16="http://schemas.microsoft.com/office/drawing/2014/main" id="{4F351C0C-1789-A74A-9332-C6903AC14371}"/>
+              </a:ext>
+            </a:extLst>
+          </p:cNvPr>
+          <p:cNvSpPr/>
+          <p:nvPr/>
+        </p:nvSpPr>
+        <p:spPr>
+          <a:xfrm>
+            <a:off x="6239435" y="2465387"/>
+            <a:ext cx="116541" cy="116541"/>
+          </a:xfrm>
+          <a:prstGeom prst="rect">
+            <a:avLst/>
+          </a:prstGeom>
+          <a:solidFill>
+            <a:schemeClr val="accent4">
+              <a:lumMod val="60000"/>
+              <a:lumOff val="40000"/>
+            </a:schemeClr>
+          </a:solidFill>
+          <a:ln>
+            <a:solidFill>
+              <a:schemeClr val="accent4"/>
+            </a:solidFill>
+          </a:ln>
+        </p:spPr>
+        <p:style>
+          <a:lnRef idx="2">
+            <a:schemeClr val="accent1">
+              <a:shade val="50000"/>
+            </a:schemeClr>
+          </a:lnRef>
+          <a:fillRef idx="1">
+            <a:schemeClr val="accent1"/>
+          </a:fillRef>
+          <a:effectRef idx="0">
+            <a:schemeClr val="accent1"/>
+          </a:effectRef>
+          <a:fontRef idx="minor">
+            <a:schemeClr val="lt1"/>
+          </a:fontRef>
+        </p:style>
+        <p:txBody>
+          <a:bodyPr rtlCol="0" anchor="ctr"/>
+          <a:lstStyle/>
+          <a:p>
+            <a:pPr algn="ctr"/>
+            <a:endParaRPr lang="en-US"/>
+          </a:p>
+        </p:txBody>
+      </p:sp>
+      <p:sp>
+        <p:nvSpPr>
+          <p:cNvPr id="41" name="Rectangle 40">
+            <a:extLst>
+              <a:ext uri="{FF2B5EF4-FFF2-40B4-BE49-F238E27FC236}">
+                <a16:creationId xmlns:a16="http://schemas.microsoft.com/office/drawing/2014/main" id="{0DAEF6EF-101E-114D-8063-ED2BBB646BDB}"/>
+              </a:ext>
+            </a:extLst>
+          </p:cNvPr>
+          <p:cNvSpPr/>
+          <p:nvPr/>
+        </p:nvSpPr>
+        <p:spPr>
+          <a:xfrm>
+            <a:off x="6391835" y="2617787"/>
+            <a:ext cx="116541" cy="116541"/>
+          </a:xfrm>
+          <a:prstGeom prst="rect">
+            <a:avLst/>
+          </a:prstGeom>
+          <a:solidFill>
+            <a:schemeClr val="accent4">
+              <a:lumMod val="60000"/>
+              <a:lumOff val="40000"/>
+            </a:schemeClr>
+          </a:solidFill>
+          <a:ln>
+            <a:solidFill>
+              <a:schemeClr val="accent4"/>
+            </a:solidFill>
+          </a:ln>
+        </p:spPr>
+        <p:style>
+          <a:lnRef idx="2">
+            <a:schemeClr val="accent1">
+              <a:shade val="50000"/>
+            </a:schemeClr>
+          </a:lnRef>
+          <a:fillRef idx="1">
+            <a:schemeClr val="accent1"/>
+          </a:fillRef>
+          <a:effectRef idx="0">
+            <a:schemeClr val="accent1"/>
+          </a:effectRef>
+          <a:fontRef idx="minor">
+            <a:schemeClr val="lt1"/>
+          </a:fontRef>
+        </p:style>
+        <p:txBody>
+          <a:bodyPr rtlCol="0" anchor="ctr"/>
+          <a:lstStyle/>
+          <a:p>
+            <a:pPr algn="ctr"/>
+            <a:endParaRPr lang="en-US"/>
+          </a:p>
+        </p:txBody>
+      </p:sp>
+      <p:sp>
+        <p:nvSpPr>
+          <p:cNvPr id="42" name="Rectangle 41">
+            <a:extLst>
+              <a:ext uri="{FF2B5EF4-FFF2-40B4-BE49-F238E27FC236}">
+                <a16:creationId xmlns:a16="http://schemas.microsoft.com/office/drawing/2014/main" id="{61DEEF38-B529-C14C-87BA-744A8F84CB49}"/>
+              </a:ext>
+            </a:extLst>
+          </p:cNvPr>
+          <p:cNvSpPr/>
+          <p:nvPr/>
+        </p:nvSpPr>
+        <p:spPr>
+          <a:xfrm>
+            <a:off x="6544235" y="2770187"/>
+            <a:ext cx="116541" cy="116541"/>
+          </a:xfrm>
+          <a:prstGeom prst="rect">
+            <a:avLst/>
+          </a:prstGeom>
+          <a:solidFill>
+            <a:schemeClr val="accent4">
+              <a:lumMod val="60000"/>
+              <a:lumOff val="40000"/>
+            </a:schemeClr>
+          </a:solidFill>
+          <a:ln>
+            <a:solidFill>
+              <a:schemeClr val="accent4"/>
+            </a:solidFill>
+          </a:ln>
+        </p:spPr>
+        <p:style>
+          <a:lnRef idx="2">
+            <a:schemeClr val="accent1">
+              <a:shade val="50000"/>
+            </a:schemeClr>
+          </a:lnRef>
+          <a:fillRef idx="1">
+            <a:schemeClr val="accent1"/>
+          </a:fillRef>
+          <a:effectRef idx="0">
+            <a:schemeClr val="accent1"/>
+          </a:effectRef>
+          <a:fontRef idx="minor">
+            <a:schemeClr val="lt1"/>
+          </a:fontRef>
+        </p:style>
+        <p:txBody>
+          <a:bodyPr rtlCol="0" anchor="ctr"/>
+          <a:lstStyle/>
+          <a:p>
+            <a:pPr algn="ctr"/>
+            <a:endParaRPr lang="en-US"/>
+          </a:p>
+        </p:txBody>
+      </p:sp>
+      <p:sp>
+        <p:nvSpPr>
+          <p:cNvPr id="43" name="Rectangle 42">
+            <a:extLst>
+              <a:ext uri="{FF2B5EF4-FFF2-40B4-BE49-F238E27FC236}">
+                <a16:creationId xmlns:a16="http://schemas.microsoft.com/office/drawing/2014/main" id="{C6DFEDF6-732D-F844-A49A-A75DE1CA34CE}"/>
+              </a:ext>
+            </a:extLst>
+          </p:cNvPr>
+          <p:cNvSpPr/>
+          <p:nvPr/>
+        </p:nvSpPr>
+        <p:spPr>
+          <a:xfrm>
+            <a:off x="6787228" y="2743014"/>
+            <a:ext cx="116541" cy="116541"/>
+          </a:xfrm>
+          <a:prstGeom prst="rect">
+            <a:avLst/>
+          </a:prstGeom>
+          <a:solidFill>
+            <a:schemeClr val="accent4">
+              <a:lumMod val="60000"/>
+              <a:lumOff val="40000"/>
+            </a:schemeClr>
+          </a:solidFill>
+          <a:ln>
+            <a:solidFill>
+              <a:schemeClr val="accent4"/>
+            </a:solidFill>
+          </a:ln>
+        </p:spPr>
+        <p:style>
+          <a:lnRef idx="2">
+            <a:schemeClr val="accent1">
+              <a:shade val="50000"/>
+            </a:schemeClr>
+          </a:lnRef>
+          <a:fillRef idx="1">
+            <a:schemeClr val="accent1"/>
+          </a:fillRef>
+          <a:effectRef idx="0">
+            <a:schemeClr val="accent1"/>
+          </a:effectRef>
+          <a:fontRef idx="minor">
+            <a:schemeClr val="lt1"/>
+          </a:fontRef>
+        </p:style>
+        <p:txBody>
+          <a:bodyPr rtlCol="0" anchor="ctr"/>
+          <a:lstStyle/>
+          <a:p>
+            <a:pPr algn="ctr"/>
+            <a:endParaRPr lang="en-US"/>
+          </a:p>
+        </p:txBody>
+      </p:sp>
+      <p:sp>
+        <p:nvSpPr>
+          <p:cNvPr id="44" name="Rectangle 43">
+            <a:extLst>
+              <a:ext uri="{FF2B5EF4-FFF2-40B4-BE49-F238E27FC236}">
+                <a16:creationId xmlns:a16="http://schemas.microsoft.com/office/drawing/2014/main" id="{E18AF31F-7B3F-5145-BACB-96465156022C}"/>
+              </a:ext>
+            </a:extLst>
+          </p:cNvPr>
+          <p:cNvSpPr/>
+          <p:nvPr/>
+        </p:nvSpPr>
+        <p:spPr>
+          <a:xfrm>
+            <a:off x="6296745" y="2950423"/>
+            <a:ext cx="116541" cy="116541"/>
+          </a:xfrm>
+          <a:prstGeom prst="rect">
+            <a:avLst/>
+          </a:prstGeom>
+          <a:solidFill>
+            <a:schemeClr val="accent4">
+              <a:lumMod val="60000"/>
+              <a:lumOff val="40000"/>
+            </a:schemeClr>
+          </a:solidFill>
+          <a:ln>
+            <a:solidFill>
+              <a:schemeClr val="accent4"/>
+            </a:solidFill>
+          </a:ln>
+        </p:spPr>
+        <p:style>
+          <a:lnRef idx="2">
+            <a:schemeClr val="accent1">
+              <a:shade val="50000"/>
+            </a:schemeClr>
+          </a:lnRef>
+          <a:fillRef idx="1">
+            <a:schemeClr val="accent1"/>
+          </a:fillRef>
+          <a:effectRef idx="0">
+            <a:schemeClr val="accent1"/>
+          </a:effectRef>
+          <a:fontRef idx="minor">
+            <a:schemeClr val="lt1"/>
+          </a:fontRef>
+        </p:style>
+        <p:txBody>
+          <a:bodyPr rtlCol="0" anchor="ctr"/>
+          <a:lstStyle/>
+          <a:p>
+            <a:pPr algn="ctr"/>
+            <a:endParaRPr lang="en-US"/>
+          </a:p>
+        </p:txBody>
+      </p:sp>
+      <p:sp>
+        <p:nvSpPr>
+          <p:cNvPr id="45" name="Rectangle 44">
+            <a:extLst>
+              <a:ext uri="{FF2B5EF4-FFF2-40B4-BE49-F238E27FC236}">
+                <a16:creationId xmlns:a16="http://schemas.microsoft.com/office/drawing/2014/main" id="{0B397D56-C51C-1C4C-AEBA-CB9BE00CC6EA}"/>
+              </a:ext>
+            </a:extLst>
+          </p:cNvPr>
+          <p:cNvSpPr/>
+          <p:nvPr/>
+        </p:nvSpPr>
+        <p:spPr>
+          <a:xfrm>
+            <a:off x="6589714" y="2367427"/>
+            <a:ext cx="116541" cy="116541"/>
+          </a:xfrm>
+          <a:prstGeom prst="rect">
+            <a:avLst/>
+          </a:prstGeom>
+          <a:solidFill>
+            <a:schemeClr val="accent4">
+              <a:lumMod val="60000"/>
+              <a:lumOff val="40000"/>
+            </a:schemeClr>
+          </a:solidFill>
+          <a:ln>
+            <a:solidFill>
+              <a:schemeClr val="accent4"/>
+            </a:solidFill>
+          </a:ln>
+        </p:spPr>
+        <p:style>
+          <a:lnRef idx="2">
+            <a:schemeClr val="accent1">
+              <a:shade val="50000"/>
+            </a:schemeClr>
+          </a:lnRef>
+          <a:fillRef idx="1">
+            <a:schemeClr val="accent1"/>
+          </a:fillRef>
+          <a:effectRef idx="0">
+            <a:schemeClr val="accent1"/>
+          </a:effectRef>
+          <a:fontRef idx="minor">
+            <a:schemeClr val="lt1"/>
+          </a:fontRef>
+        </p:style>
+        <p:txBody>
+          <a:bodyPr rtlCol="0" anchor="ctr"/>
+          <a:lstStyle/>
+          <a:p>
+            <a:pPr algn="ctr"/>
+            <a:endParaRPr lang="en-US"/>
+          </a:p>
+        </p:txBody>
+      </p:sp>
+      <p:sp>
+        <p:nvSpPr>
+          <p:cNvPr id="46" name="Rectangle 45">
+            <a:extLst>
+              <a:ext uri="{FF2B5EF4-FFF2-40B4-BE49-F238E27FC236}">
+                <a16:creationId xmlns:a16="http://schemas.microsoft.com/office/drawing/2014/main" id="{9DBEDB98-DCEA-3546-AD0D-8C3B13BB3EC9}"/>
+              </a:ext>
+            </a:extLst>
+          </p:cNvPr>
+          <p:cNvSpPr/>
+          <p:nvPr/>
+        </p:nvSpPr>
+        <p:spPr>
+          <a:xfrm>
+            <a:off x="5961529" y="2868796"/>
+            <a:ext cx="116541" cy="116541"/>
+          </a:xfrm>
+          <a:prstGeom prst="rect">
+            <a:avLst/>
+          </a:prstGeom>
+          <a:solidFill>
+            <a:schemeClr val="accent4">
+              <a:lumMod val="60000"/>
+              <a:lumOff val="40000"/>
+            </a:schemeClr>
+          </a:solidFill>
+          <a:ln>
+            <a:solidFill>
+              <a:schemeClr val="accent4"/>
+            </a:solidFill>
+          </a:ln>
+        </p:spPr>
+        <p:style>
+          <a:lnRef idx="2">
+            <a:schemeClr val="accent1">
+              <a:shade val="50000"/>
+            </a:schemeClr>
+          </a:lnRef>
+          <a:fillRef idx="1">
+            <a:schemeClr val="accent1"/>
+          </a:fillRef>
+          <a:effectRef idx="0">
+            <a:schemeClr val="accent1"/>
+          </a:effectRef>
+          <a:fontRef idx="minor">
+            <a:schemeClr val="lt1"/>
+          </a:fontRef>
+        </p:style>
+        <p:txBody>
+          <a:bodyPr rtlCol="0" anchor="ctr"/>
+          <a:lstStyle/>
+          <a:p>
+            <a:pPr algn="ctr"/>
+            <a:endParaRPr lang="en-US"/>
+          </a:p>
+        </p:txBody>
+      </p:sp>
+      <p:sp>
+        <p:nvSpPr>
+          <p:cNvPr id="47" name="Rectangle 46">
+            <a:extLst>
+              <a:ext uri="{FF2B5EF4-FFF2-40B4-BE49-F238E27FC236}">
+                <a16:creationId xmlns:a16="http://schemas.microsoft.com/office/drawing/2014/main" id="{9153B1E0-BFAC-284D-890F-A05DC7C0F36F}"/>
+              </a:ext>
+            </a:extLst>
+          </p:cNvPr>
+          <p:cNvSpPr/>
+          <p:nvPr/>
+        </p:nvSpPr>
+        <p:spPr>
+          <a:xfrm>
+            <a:off x="6113929" y="3021196"/>
+            <a:ext cx="116541" cy="116541"/>
+          </a:xfrm>
+          <a:prstGeom prst="rect">
+            <a:avLst/>
+          </a:prstGeom>
+          <a:solidFill>
+            <a:schemeClr val="accent4">
+              <a:lumMod val="60000"/>
+              <a:lumOff val="40000"/>
+            </a:schemeClr>
+          </a:solidFill>
+          <a:ln>
+            <a:solidFill>
+              <a:schemeClr val="accent4"/>
+            </a:solidFill>
+          </a:ln>
+        </p:spPr>
+        <p:style>
+          <a:lnRef idx="2">
+            <a:schemeClr val="accent1">
+              <a:shade val="50000"/>
+            </a:schemeClr>
+          </a:lnRef>
+          <a:fillRef idx="1">
+            <a:schemeClr val="accent1"/>
+          </a:fillRef>
+          <a:effectRef idx="0">
+            <a:schemeClr val="accent1"/>
+          </a:effectRef>
+          <a:fontRef idx="minor">
+            <a:schemeClr val="lt1"/>
+          </a:fontRef>
+        </p:style>
+        <p:txBody>
+          <a:bodyPr rtlCol="0" anchor="ctr"/>
+          <a:lstStyle/>
+          <a:p>
+            <a:pPr algn="ctr"/>
+            <a:endParaRPr lang="en-US"/>
+          </a:p>
+        </p:txBody>
+      </p:sp>
+      <p:sp>
+        <p:nvSpPr>
+          <p:cNvPr id="48" name="Rectangle 47">
+            <a:extLst>
+              <a:ext uri="{FF2B5EF4-FFF2-40B4-BE49-F238E27FC236}">
+                <a16:creationId xmlns:a16="http://schemas.microsoft.com/office/drawing/2014/main" id="{198FA2E2-3C45-4945-93CF-39D537F209B2}"/>
+              </a:ext>
+            </a:extLst>
+          </p:cNvPr>
+          <p:cNvSpPr/>
+          <p:nvPr/>
+        </p:nvSpPr>
+        <p:spPr>
+          <a:xfrm>
+            <a:off x="6266329" y="3173596"/>
+            <a:ext cx="116541" cy="116541"/>
+          </a:xfrm>
+          <a:prstGeom prst="rect">
+            <a:avLst/>
+          </a:prstGeom>
+          <a:solidFill>
+            <a:schemeClr val="accent4">
+              <a:lumMod val="60000"/>
+              <a:lumOff val="40000"/>
+            </a:schemeClr>
+          </a:solidFill>
+          <a:ln>
+            <a:solidFill>
+              <a:schemeClr val="accent4"/>
+            </a:solidFill>
+          </a:ln>
+        </p:spPr>
+        <p:style>
+          <a:lnRef idx="2">
+            <a:schemeClr val="accent1">
+              <a:shade val="50000"/>
+            </a:schemeClr>
+          </a:lnRef>
+          <a:fillRef idx="1">
+            <a:schemeClr val="accent1"/>
+          </a:fillRef>
+          <a:effectRef idx="0">
+            <a:schemeClr val="accent1"/>
+          </a:effectRef>
+          <a:fontRef idx="minor">
+            <a:schemeClr val="lt1"/>
+          </a:fontRef>
+        </p:style>
+        <p:txBody>
+          <a:bodyPr rtlCol="0" anchor="ctr"/>
+          <a:lstStyle/>
+          <a:p>
+            <a:pPr algn="ctr"/>
+            <a:endParaRPr lang="en-US"/>
+          </a:p>
+        </p:txBody>
+      </p:sp>
+      <p:sp>
+        <p:nvSpPr>
+          <p:cNvPr id="49" name="Rectangle 48">
+            <a:extLst>
+              <a:ext uri="{FF2B5EF4-FFF2-40B4-BE49-F238E27FC236}">
+                <a16:creationId xmlns:a16="http://schemas.microsoft.com/office/drawing/2014/main" id="{DF800A1E-CE4D-2E44-A66F-685CB0087FCA}"/>
+              </a:ext>
+            </a:extLst>
+          </p:cNvPr>
+          <p:cNvSpPr/>
+          <p:nvPr/>
+        </p:nvSpPr>
+        <p:spPr>
+          <a:xfrm>
+            <a:off x="6509322" y="3146423"/>
+            <a:ext cx="116541" cy="116541"/>
+          </a:xfrm>
+          <a:prstGeom prst="rect">
+            <a:avLst/>
+          </a:prstGeom>
+          <a:solidFill>
+            <a:schemeClr val="accent4">
+              <a:lumMod val="60000"/>
+              <a:lumOff val="40000"/>
+            </a:schemeClr>
+          </a:solidFill>
+          <a:ln>
+            <a:solidFill>
+              <a:schemeClr val="accent4"/>
+            </a:solidFill>
+          </a:ln>
+        </p:spPr>
+        <p:style>
+          <a:lnRef idx="2">
+            <a:schemeClr val="accent1">
+              <a:shade val="50000"/>
+            </a:schemeClr>
+          </a:lnRef>
+          <a:fillRef idx="1">
+            <a:schemeClr val="accent1"/>
+          </a:fillRef>
+          <a:effectRef idx="0">
+            <a:schemeClr val="accent1"/>
+          </a:effectRef>
+          <a:fontRef idx="minor">
+            <a:schemeClr val="lt1"/>
+          </a:fontRef>
+        </p:style>
+        <p:txBody>
+          <a:bodyPr rtlCol="0" anchor="ctr"/>
+          <a:lstStyle/>
+          <a:p>
+            <a:pPr algn="ctr"/>
+            <a:endParaRPr lang="en-US"/>
+          </a:p>
+        </p:txBody>
+      </p:sp>
+      <p:sp>
+        <p:nvSpPr>
+          <p:cNvPr id="50" name="Rectangle 49">
+            <a:extLst>
+              <a:ext uri="{FF2B5EF4-FFF2-40B4-BE49-F238E27FC236}">
+                <a16:creationId xmlns:a16="http://schemas.microsoft.com/office/drawing/2014/main" id="{D092E01E-1E59-FE42-86C9-8782BBCC45B0}"/>
+              </a:ext>
+            </a:extLst>
+          </p:cNvPr>
+          <p:cNvSpPr/>
+          <p:nvPr/>
+        </p:nvSpPr>
+        <p:spPr>
+          <a:xfrm>
+            <a:off x="6018839" y="3353832"/>
+            <a:ext cx="116541" cy="116541"/>
+          </a:xfrm>
+          <a:prstGeom prst="rect">
+            <a:avLst/>
+          </a:prstGeom>
+          <a:solidFill>
+            <a:schemeClr val="accent4">
+              <a:lumMod val="60000"/>
+              <a:lumOff val="40000"/>
+            </a:schemeClr>
+          </a:solidFill>
+          <a:ln>
+            <a:solidFill>
+              <a:schemeClr val="accent4"/>
+            </a:solidFill>
+          </a:ln>
+        </p:spPr>
+        <p:style>
+          <a:lnRef idx="2">
+            <a:schemeClr val="accent1">
+              <a:shade val="50000"/>
+            </a:schemeClr>
+          </a:lnRef>
+          <a:fillRef idx="1">
+            <a:schemeClr val="accent1"/>
+          </a:fillRef>
+          <a:effectRef idx="0">
+            <a:schemeClr val="accent1"/>
+          </a:effectRef>
+          <a:fontRef idx="minor">
+            <a:schemeClr val="lt1"/>
+          </a:fontRef>
+        </p:style>
+        <p:txBody>
+          <a:bodyPr rtlCol="0" anchor="ctr"/>
+          <a:lstStyle/>
+          <a:p>
+            <a:pPr algn="ctr"/>
+            <a:endParaRPr lang="en-US"/>
+          </a:p>
+        </p:txBody>
+      </p:sp>
+      <p:sp>
+        <p:nvSpPr>
+          <p:cNvPr id="51" name="Rectangle 50">
+            <a:extLst>
+              <a:ext uri="{FF2B5EF4-FFF2-40B4-BE49-F238E27FC236}">
+                <a16:creationId xmlns:a16="http://schemas.microsoft.com/office/drawing/2014/main" id="{A381E49F-73AE-BD4B-9321-89D3575BF04A}"/>
+              </a:ext>
+            </a:extLst>
+          </p:cNvPr>
+          <p:cNvSpPr/>
+          <p:nvPr/>
+        </p:nvSpPr>
+        <p:spPr>
+          <a:xfrm>
+            <a:off x="5979460" y="3693546"/>
+            <a:ext cx="116541" cy="116541"/>
+          </a:xfrm>
+          <a:prstGeom prst="rect">
+            <a:avLst/>
+          </a:prstGeom>
+          <a:solidFill>
+            <a:schemeClr val="accent4">
+              <a:lumMod val="60000"/>
+              <a:lumOff val="40000"/>
+            </a:schemeClr>
+          </a:solidFill>
+          <a:ln>
+            <a:solidFill>
+              <a:schemeClr val="accent4"/>
+            </a:solidFill>
+          </a:ln>
+        </p:spPr>
+        <p:style>
+          <a:lnRef idx="2">
+            <a:schemeClr val="accent1">
+              <a:shade val="50000"/>
+            </a:schemeClr>
+          </a:lnRef>
+          <a:fillRef idx="1">
+            <a:schemeClr val="accent1"/>
+          </a:fillRef>
+          <a:effectRef idx="0">
+            <a:schemeClr val="accent1"/>
+          </a:effectRef>
+          <a:fontRef idx="minor">
+            <a:schemeClr val="lt1"/>
+          </a:fontRef>
+        </p:style>
+        <p:txBody>
+          <a:bodyPr rtlCol="0" anchor="ctr"/>
+          <a:lstStyle/>
+          <a:p>
+            <a:pPr algn="ctr"/>
+            <a:endParaRPr lang="en-US"/>
+          </a:p>
+        </p:txBody>
+      </p:sp>
+      <p:sp>
+        <p:nvSpPr>
+          <p:cNvPr id="52" name="Rectangle 51">
+            <a:extLst>
+              <a:ext uri="{FF2B5EF4-FFF2-40B4-BE49-F238E27FC236}">
+                <a16:creationId xmlns:a16="http://schemas.microsoft.com/office/drawing/2014/main" id="{F721D8DC-48F6-9348-AEAC-2EAA00B4206A}"/>
+              </a:ext>
+            </a:extLst>
+          </p:cNvPr>
+          <p:cNvSpPr/>
+          <p:nvPr/>
+        </p:nvSpPr>
+        <p:spPr>
+          <a:xfrm>
+            <a:off x="6131860" y="3845946"/>
+            <a:ext cx="116541" cy="116541"/>
+          </a:xfrm>
+          <a:prstGeom prst="rect">
+            <a:avLst/>
+          </a:prstGeom>
+          <a:solidFill>
+            <a:schemeClr val="accent4">
+              <a:lumMod val="60000"/>
+              <a:lumOff val="40000"/>
+            </a:schemeClr>
+          </a:solidFill>
+          <a:ln>
+            <a:solidFill>
+              <a:schemeClr val="accent4"/>
+            </a:solidFill>
+          </a:ln>
+        </p:spPr>
+        <p:style>
+          <a:lnRef idx="2">
+            <a:schemeClr val="accent1">
+              <a:shade val="50000"/>
+            </a:schemeClr>
+          </a:lnRef>
+          <a:fillRef idx="1">
+            <a:schemeClr val="accent1"/>
+          </a:fillRef>
+          <a:effectRef idx="0">
+            <a:schemeClr val="accent1"/>
+          </a:effectRef>
+          <a:fontRef idx="minor">
+            <a:schemeClr val="lt1"/>
+          </a:fontRef>
+        </p:style>
+        <p:txBody>
+          <a:bodyPr rtlCol="0" anchor="ctr"/>
+          <a:lstStyle/>
+          <a:p>
+            <a:pPr algn="ctr"/>
+            <a:endParaRPr lang="en-US"/>
+          </a:p>
+        </p:txBody>
+      </p:sp>
+      <p:sp>
+        <p:nvSpPr>
+          <p:cNvPr id="53" name="Rectangle 52">
+            <a:extLst>
+              <a:ext uri="{FF2B5EF4-FFF2-40B4-BE49-F238E27FC236}">
+                <a16:creationId xmlns:a16="http://schemas.microsoft.com/office/drawing/2014/main" id="{0A837F8E-B2D9-BB43-82E9-95E428D4F98A}"/>
+              </a:ext>
+            </a:extLst>
+          </p:cNvPr>
+          <p:cNvSpPr/>
+          <p:nvPr/>
+        </p:nvSpPr>
+        <p:spPr>
+          <a:xfrm>
+            <a:off x="6284260" y="3998346"/>
+            <a:ext cx="116541" cy="116541"/>
+          </a:xfrm>
+          <a:prstGeom prst="rect">
+            <a:avLst/>
+          </a:prstGeom>
+          <a:solidFill>
+            <a:schemeClr val="accent4">
+              <a:lumMod val="60000"/>
+              <a:lumOff val="40000"/>
+            </a:schemeClr>
+          </a:solidFill>
+          <a:ln>
+            <a:solidFill>
+              <a:schemeClr val="accent4"/>
+            </a:solidFill>
+          </a:ln>
+        </p:spPr>
+        <p:style>
+          <a:lnRef idx="2">
+            <a:schemeClr val="accent1">
+              <a:shade val="50000"/>
+            </a:schemeClr>
+          </a:lnRef>
+          <a:fillRef idx="1">
+            <a:schemeClr val="accent1"/>
+          </a:fillRef>
+          <a:effectRef idx="0">
+            <a:schemeClr val="accent1"/>
+          </a:effectRef>
+          <a:fontRef idx="minor">
+            <a:schemeClr val="lt1"/>
+          </a:fontRef>
+        </p:style>
+        <p:txBody>
+          <a:bodyPr rtlCol="0" anchor="ctr"/>
+          <a:lstStyle/>
+          <a:p>
+            <a:pPr algn="ctr"/>
+            <a:endParaRPr lang="en-US"/>
+          </a:p>
+        </p:txBody>
+      </p:sp>
+      <p:sp>
+        <p:nvSpPr>
+          <p:cNvPr id="54" name="Rectangle 53">
+            <a:extLst>
+              <a:ext uri="{FF2B5EF4-FFF2-40B4-BE49-F238E27FC236}">
+                <a16:creationId xmlns:a16="http://schemas.microsoft.com/office/drawing/2014/main" id="{0EB40AE0-D766-E045-AC16-BB59344F6B91}"/>
+              </a:ext>
+            </a:extLst>
+          </p:cNvPr>
+          <p:cNvSpPr/>
+          <p:nvPr/>
+        </p:nvSpPr>
+        <p:spPr>
+          <a:xfrm>
+            <a:off x="6527253" y="3971173"/>
+            <a:ext cx="116541" cy="116541"/>
+          </a:xfrm>
+          <a:prstGeom prst="rect">
+            <a:avLst/>
+          </a:prstGeom>
+          <a:solidFill>
+            <a:schemeClr val="accent4">
+              <a:lumMod val="60000"/>
+              <a:lumOff val="40000"/>
+            </a:schemeClr>
+          </a:solidFill>
+          <a:ln>
+            <a:solidFill>
+              <a:schemeClr val="accent4"/>
+            </a:solidFill>
+          </a:ln>
+        </p:spPr>
+        <p:style>
+          <a:lnRef idx="2">
+            <a:schemeClr val="accent1">
+              <a:shade val="50000"/>
+            </a:schemeClr>
+          </a:lnRef>
+          <a:fillRef idx="1">
+            <a:schemeClr val="accent1"/>
+          </a:fillRef>
+          <a:effectRef idx="0">
+            <a:schemeClr val="accent1"/>
+          </a:effectRef>
+          <a:fontRef idx="minor">
+            <a:schemeClr val="lt1"/>
+          </a:fontRef>
+        </p:style>
+        <p:txBody>
+          <a:bodyPr rtlCol="0" anchor="ctr"/>
+          <a:lstStyle/>
+          <a:p>
+            <a:pPr algn="ctr"/>
+            <a:endParaRPr lang="en-US"/>
+          </a:p>
+        </p:txBody>
+      </p:sp>
+      <p:sp>
+        <p:nvSpPr>
+          <p:cNvPr id="55" name="Rectangle 54">
+            <a:extLst>
+              <a:ext uri="{FF2B5EF4-FFF2-40B4-BE49-F238E27FC236}">
+                <a16:creationId xmlns:a16="http://schemas.microsoft.com/office/drawing/2014/main" id="{0E0320A3-7DA8-6044-89A9-12F7F5C7B3B2}"/>
+              </a:ext>
+            </a:extLst>
+          </p:cNvPr>
+          <p:cNvSpPr/>
+          <p:nvPr/>
+        </p:nvSpPr>
+        <p:spPr>
+          <a:xfrm>
+            <a:off x="6036770" y="4178582"/>
+            <a:ext cx="116541" cy="116541"/>
+          </a:xfrm>
+          <a:prstGeom prst="rect">
+            <a:avLst/>
+          </a:prstGeom>
+          <a:solidFill>
+            <a:schemeClr val="accent4">
+              <a:lumMod val="60000"/>
+              <a:lumOff val="40000"/>
+            </a:schemeClr>
+          </a:solidFill>
+          <a:ln>
+            <a:solidFill>
+              <a:schemeClr val="accent4"/>
+            </a:solidFill>
+          </a:ln>
+        </p:spPr>
+        <p:style>
+          <a:lnRef idx="2">
+            <a:schemeClr val="accent1">
+              <a:shade val="50000"/>
+            </a:schemeClr>
+          </a:lnRef>
+          <a:fillRef idx="1">
+            <a:schemeClr val="accent1"/>
+          </a:fillRef>
+          <a:effectRef idx="0">
+            <a:schemeClr val="accent1"/>
+          </a:effectRef>
+          <a:fontRef idx="minor">
+            <a:schemeClr val="lt1"/>
+          </a:fontRef>
+        </p:style>
+        <p:txBody>
+          <a:bodyPr rtlCol="0" anchor="ctr"/>
+          <a:lstStyle/>
+          <a:p>
+            <a:pPr algn="ctr"/>
+            <a:endParaRPr lang="en-US"/>
+          </a:p>
+        </p:txBody>
+      </p:sp>
+      <p:sp>
+        <p:nvSpPr>
+          <p:cNvPr id="56" name="Rectangle 55">
+            <a:extLst>
+              <a:ext uri="{FF2B5EF4-FFF2-40B4-BE49-F238E27FC236}">
+                <a16:creationId xmlns:a16="http://schemas.microsoft.com/office/drawing/2014/main" id="{C884AEC8-117B-4B4A-BA27-5F750B0A3B80}"/>
+              </a:ext>
+            </a:extLst>
+          </p:cNvPr>
+          <p:cNvSpPr/>
+          <p:nvPr/>
+        </p:nvSpPr>
+        <p:spPr>
+          <a:xfrm>
+            <a:off x="6373906" y="3263245"/>
+            <a:ext cx="116541" cy="116541"/>
+          </a:xfrm>
+          <a:prstGeom prst="rect">
+            <a:avLst/>
+          </a:prstGeom>
+          <a:solidFill>
+            <a:schemeClr val="accent4">
+              <a:lumMod val="60000"/>
+              <a:lumOff val="40000"/>
+            </a:schemeClr>
+          </a:solidFill>
+          <a:ln>
+            <a:solidFill>
+              <a:schemeClr val="accent4"/>
+            </a:solidFill>
+          </a:ln>
+        </p:spPr>
+        <p:style>
+          <a:lnRef idx="2">
+            <a:schemeClr val="accent1">
+              <a:shade val="50000"/>
+            </a:schemeClr>
+          </a:lnRef>
+          <a:fillRef idx="1">
+            <a:schemeClr val="accent1"/>
+          </a:fillRef>
+          <a:effectRef idx="0">
+            <a:schemeClr val="accent1"/>
+          </a:effectRef>
+          <a:fontRef idx="minor">
+            <a:schemeClr val="lt1"/>
+          </a:fontRef>
+        </p:style>
+        <p:txBody>
+          <a:bodyPr rtlCol="0" anchor="ctr"/>
+          <a:lstStyle/>
+          <a:p>
+            <a:pPr algn="ctr"/>
+            <a:endParaRPr lang="en-US"/>
+          </a:p>
+        </p:txBody>
+      </p:sp>
+      <p:sp>
+        <p:nvSpPr>
+          <p:cNvPr id="57" name="Rectangle 56">
+            <a:extLst>
+              <a:ext uri="{FF2B5EF4-FFF2-40B4-BE49-F238E27FC236}">
+                <a16:creationId xmlns:a16="http://schemas.microsoft.com/office/drawing/2014/main" id="{ECC33526-2F96-0A42-84B8-5FC59EBA6EBC}"/>
+              </a:ext>
+            </a:extLst>
+          </p:cNvPr>
+          <p:cNvSpPr/>
+          <p:nvPr/>
+        </p:nvSpPr>
+        <p:spPr>
+          <a:xfrm>
+            <a:off x="6526306" y="3415645"/>
+            <a:ext cx="116541" cy="116541"/>
+          </a:xfrm>
+          <a:prstGeom prst="rect">
+            <a:avLst/>
+          </a:prstGeom>
+          <a:solidFill>
+            <a:schemeClr val="accent4">
+              <a:lumMod val="60000"/>
+              <a:lumOff val="40000"/>
+            </a:schemeClr>
+          </a:solidFill>
+          <a:ln>
+            <a:solidFill>
+              <a:schemeClr val="accent4"/>
+            </a:solidFill>
+          </a:ln>
+        </p:spPr>
+        <p:style>
+          <a:lnRef idx="2">
+            <a:schemeClr val="accent1">
+              <a:shade val="50000"/>
+            </a:schemeClr>
+          </a:lnRef>
+          <a:fillRef idx="1">
+            <a:schemeClr val="accent1"/>
+          </a:fillRef>
+          <a:effectRef idx="0">
+            <a:schemeClr val="accent1"/>
+          </a:effectRef>
+          <a:fontRef idx="minor">
+            <a:schemeClr val="lt1"/>
+          </a:fontRef>
+        </p:style>
+        <p:txBody>
+          <a:bodyPr rtlCol="0" anchor="ctr"/>
+          <a:lstStyle/>
+          <a:p>
+            <a:pPr algn="ctr"/>
+            <a:endParaRPr lang="en-US"/>
+          </a:p>
+        </p:txBody>
+      </p:sp>
+      <p:sp>
+        <p:nvSpPr>
+          <p:cNvPr id="58" name="Rectangle 57">
+            <a:extLst>
+              <a:ext uri="{FF2B5EF4-FFF2-40B4-BE49-F238E27FC236}">
+                <a16:creationId xmlns:a16="http://schemas.microsoft.com/office/drawing/2014/main" id="{2826E78B-331C-F042-A4B7-901FC44891F7}"/>
+              </a:ext>
+            </a:extLst>
+          </p:cNvPr>
+          <p:cNvSpPr/>
+          <p:nvPr/>
+        </p:nvSpPr>
+        <p:spPr>
+          <a:xfrm>
+            <a:off x="6678706" y="3568045"/>
+            <a:ext cx="116541" cy="116541"/>
+          </a:xfrm>
+          <a:prstGeom prst="rect">
+            <a:avLst/>
+          </a:prstGeom>
+          <a:solidFill>
+            <a:schemeClr val="accent4">
+              <a:lumMod val="60000"/>
+              <a:lumOff val="40000"/>
+            </a:schemeClr>
+          </a:solidFill>
+          <a:ln>
+            <a:solidFill>
+              <a:schemeClr val="accent4"/>
+            </a:solidFill>
+          </a:ln>
+        </p:spPr>
+        <p:style>
+          <a:lnRef idx="2">
+            <a:schemeClr val="accent1">
+              <a:shade val="50000"/>
+            </a:schemeClr>
+          </a:lnRef>
+          <a:fillRef idx="1">
+            <a:schemeClr val="accent1"/>
+          </a:fillRef>
+          <a:effectRef idx="0">
+            <a:schemeClr val="accent1"/>
+          </a:effectRef>
+          <a:fontRef idx="minor">
+            <a:schemeClr val="lt1"/>
+          </a:fontRef>
+        </p:style>
+        <p:txBody>
+          <a:bodyPr rtlCol="0" anchor="ctr"/>
+          <a:lstStyle/>
+          <a:p>
+            <a:pPr algn="ctr"/>
+            <a:endParaRPr lang="en-US"/>
+          </a:p>
+        </p:txBody>
+      </p:sp>
+      <p:sp>
+        <p:nvSpPr>
+          <p:cNvPr id="59" name="Rectangle 58">
+            <a:extLst>
+              <a:ext uri="{FF2B5EF4-FFF2-40B4-BE49-F238E27FC236}">
+                <a16:creationId xmlns:a16="http://schemas.microsoft.com/office/drawing/2014/main" id="{DCD28C4B-115C-804D-8784-8926177ADAB0}"/>
+              </a:ext>
+            </a:extLst>
+          </p:cNvPr>
+          <p:cNvSpPr/>
+          <p:nvPr/>
+        </p:nvSpPr>
+        <p:spPr>
+          <a:xfrm>
+            <a:off x="6921699" y="3540872"/>
+            <a:ext cx="116541" cy="116541"/>
+          </a:xfrm>
+          <a:prstGeom prst="rect">
+            <a:avLst/>
+          </a:prstGeom>
+          <a:solidFill>
+            <a:schemeClr val="accent4">
+              <a:lumMod val="60000"/>
+              <a:lumOff val="40000"/>
+            </a:schemeClr>
+          </a:solidFill>
+          <a:ln>
+            <a:solidFill>
+              <a:schemeClr val="accent4"/>
+            </a:solidFill>
+          </a:ln>
+        </p:spPr>
+        <p:style>
+          <a:lnRef idx="2">
+            <a:schemeClr val="accent1">
+              <a:shade val="50000"/>
+            </a:schemeClr>
+          </a:lnRef>
+          <a:fillRef idx="1">
+            <a:schemeClr val="accent1"/>
+          </a:fillRef>
+          <a:effectRef idx="0">
+            <a:schemeClr val="accent1"/>
+          </a:effectRef>
+          <a:fontRef idx="minor">
+            <a:schemeClr val="lt1"/>
+          </a:fontRef>
+        </p:style>
+        <p:txBody>
+          <a:bodyPr rtlCol="0" anchor="ctr"/>
+          <a:lstStyle/>
+          <a:p>
+            <a:pPr algn="ctr"/>
+            <a:endParaRPr lang="en-US"/>
+          </a:p>
+        </p:txBody>
+      </p:sp>
+      <p:sp>
+        <p:nvSpPr>
+          <p:cNvPr id="60" name="Rectangle 59">
+            <a:extLst>
+              <a:ext uri="{FF2B5EF4-FFF2-40B4-BE49-F238E27FC236}">
+                <a16:creationId xmlns:a16="http://schemas.microsoft.com/office/drawing/2014/main" id="{4C00BF01-8B5D-C446-BDD4-FD875701116F}"/>
+              </a:ext>
+            </a:extLst>
+          </p:cNvPr>
+          <p:cNvSpPr/>
+          <p:nvPr/>
+        </p:nvSpPr>
+        <p:spPr>
+          <a:xfrm>
+            <a:off x="6431216" y="3748281"/>
+            <a:ext cx="116541" cy="116541"/>
+          </a:xfrm>
+          <a:prstGeom prst="rect">
+            <a:avLst/>
+          </a:prstGeom>
+          <a:solidFill>
+            <a:schemeClr val="accent4">
+              <a:lumMod val="60000"/>
+              <a:lumOff val="40000"/>
+            </a:schemeClr>
+          </a:solidFill>
+          <a:ln>
+            <a:solidFill>
+              <a:schemeClr val="accent4"/>
+            </a:solidFill>
+          </a:ln>
+        </p:spPr>
+        <p:style>
+          <a:lnRef idx="2">
+            <a:schemeClr val="accent1">
+              <a:shade val="50000"/>
+            </a:schemeClr>
+          </a:lnRef>
+          <a:fillRef idx="1">
+            <a:schemeClr val="accent1"/>
+          </a:fillRef>
+          <a:effectRef idx="0">
+            <a:schemeClr val="accent1"/>
+          </a:effectRef>
+          <a:fontRef idx="minor">
+            <a:schemeClr val="lt1"/>
+          </a:fontRef>
+        </p:style>
+        <p:txBody>
+          <a:bodyPr rtlCol="0" anchor="ctr"/>
+          <a:lstStyle/>
+          <a:p>
+            <a:pPr algn="ctr"/>
+            <a:endParaRPr lang="en-US"/>
+          </a:p>
+        </p:txBody>
+      </p:sp>
+      <p:sp>
+        <p:nvSpPr>
+          <p:cNvPr id="61" name="Rectangle 60">
+            <a:extLst>
+              <a:ext uri="{FF2B5EF4-FFF2-40B4-BE49-F238E27FC236}">
+                <a16:creationId xmlns:a16="http://schemas.microsoft.com/office/drawing/2014/main" id="{51007772-B5B1-3D44-A554-71F9CC253706}"/>
+              </a:ext>
+            </a:extLst>
+          </p:cNvPr>
+          <p:cNvSpPr/>
+          <p:nvPr/>
+        </p:nvSpPr>
+        <p:spPr>
+          <a:xfrm>
+            <a:off x="5943603" y="2061979"/>
+            <a:ext cx="116541" cy="116541"/>
+          </a:xfrm>
+          <a:prstGeom prst="rect">
+            <a:avLst/>
+          </a:prstGeom>
+          <a:solidFill>
+            <a:schemeClr val="accent4">
+              <a:lumMod val="60000"/>
+              <a:lumOff val="40000"/>
+            </a:schemeClr>
+          </a:solidFill>
+          <a:ln>
+            <a:solidFill>
+              <a:schemeClr val="accent4"/>
+            </a:solidFill>
+          </a:ln>
+        </p:spPr>
+        <p:style>
+          <a:lnRef idx="2">
+            <a:schemeClr val="accent1">
+              <a:shade val="50000"/>
+            </a:schemeClr>
+          </a:lnRef>
+          <a:fillRef idx="1">
+            <a:schemeClr val="accent1"/>
+          </a:fillRef>
+          <a:effectRef idx="0">
+            <a:schemeClr val="accent1"/>
+          </a:effectRef>
+          <a:fontRef idx="minor">
+            <a:schemeClr val="lt1"/>
+          </a:fontRef>
+        </p:style>
+        <p:txBody>
+          <a:bodyPr rtlCol="0" anchor="ctr"/>
+          <a:lstStyle/>
+          <a:p>
+            <a:pPr algn="ctr"/>
+            <a:endParaRPr lang="en-US"/>
+          </a:p>
+        </p:txBody>
+      </p:sp>
+      <p:sp>
+        <p:nvSpPr>
+          <p:cNvPr id="62" name="Rectangle 61">
+            <a:extLst>
+              <a:ext uri="{FF2B5EF4-FFF2-40B4-BE49-F238E27FC236}">
+                <a16:creationId xmlns:a16="http://schemas.microsoft.com/office/drawing/2014/main" id="{E6C65626-1E3D-8B46-82AF-03D75859058C}"/>
+              </a:ext>
+            </a:extLst>
+          </p:cNvPr>
+          <p:cNvSpPr/>
+          <p:nvPr/>
+        </p:nvSpPr>
+        <p:spPr>
+          <a:xfrm>
+            <a:off x="6096003" y="2214379"/>
+            <a:ext cx="116541" cy="116541"/>
+          </a:xfrm>
+          <a:prstGeom prst="rect">
+            <a:avLst/>
+          </a:prstGeom>
+          <a:solidFill>
+            <a:schemeClr val="accent4">
+              <a:lumMod val="60000"/>
+              <a:lumOff val="40000"/>
+            </a:schemeClr>
+          </a:solidFill>
+          <a:ln>
+            <a:solidFill>
+              <a:schemeClr val="accent4"/>
+            </a:solidFill>
+          </a:ln>
+        </p:spPr>
+        <p:style>
+          <a:lnRef idx="2">
+            <a:schemeClr val="accent1">
+              <a:shade val="50000"/>
+            </a:schemeClr>
+          </a:lnRef>
+          <a:fillRef idx="1">
+            <a:schemeClr val="accent1"/>
+          </a:fillRef>
+          <a:effectRef idx="0">
+            <a:schemeClr val="accent1"/>
+          </a:effectRef>
+          <a:fontRef idx="minor">
+            <a:schemeClr val="lt1"/>
+          </a:fontRef>
+        </p:style>
+        <p:txBody>
+          <a:bodyPr rtlCol="0" anchor="ctr"/>
+          <a:lstStyle/>
+          <a:p>
+            <a:pPr algn="ctr"/>
+            <a:endParaRPr lang="en-US"/>
+          </a:p>
+        </p:txBody>
+      </p:sp>
+      <p:sp>
+        <p:nvSpPr>
+          <p:cNvPr id="63" name="Rectangle 62">
+            <a:extLst>
+              <a:ext uri="{FF2B5EF4-FFF2-40B4-BE49-F238E27FC236}">
+                <a16:creationId xmlns:a16="http://schemas.microsoft.com/office/drawing/2014/main" id="{F26CF888-64D6-964C-9289-ADEB7A8B5112}"/>
+              </a:ext>
+            </a:extLst>
+          </p:cNvPr>
+          <p:cNvSpPr/>
+          <p:nvPr/>
+        </p:nvSpPr>
+        <p:spPr>
+          <a:xfrm>
+            <a:off x="6248403" y="2366779"/>
+            <a:ext cx="116541" cy="116541"/>
+          </a:xfrm>
+          <a:prstGeom prst="rect">
+            <a:avLst/>
+          </a:prstGeom>
+          <a:solidFill>
+            <a:schemeClr val="accent4">
+              <a:lumMod val="60000"/>
+              <a:lumOff val="40000"/>
+            </a:schemeClr>
+          </a:solidFill>
+          <a:ln>
+            <a:solidFill>
+              <a:schemeClr val="accent4"/>
+            </a:solidFill>
+          </a:ln>
+        </p:spPr>
+        <p:style>
+          <a:lnRef idx="2">
+            <a:schemeClr val="accent1">
+              <a:shade val="50000"/>
+            </a:schemeClr>
+          </a:lnRef>
+          <a:fillRef idx="1">
+            <a:schemeClr val="accent1"/>
+          </a:fillRef>
+          <a:effectRef idx="0">
+            <a:schemeClr val="accent1"/>
+          </a:effectRef>
+          <a:fontRef idx="minor">
+            <a:schemeClr val="lt1"/>
+          </a:fontRef>
+        </p:style>
+        <p:txBody>
+          <a:bodyPr rtlCol="0" anchor="ctr"/>
+          <a:lstStyle/>
+          <a:p>
+            <a:pPr algn="ctr"/>
+            <a:endParaRPr lang="en-US"/>
+          </a:p>
+        </p:txBody>
+      </p:sp>
+      <p:sp>
+        <p:nvSpPr>
+          <p:cNvPr id="64" name="Rectangle 63">
+            <a:extLst>
+              <a:ext uri="{FF2B5EF4-FFF2-40B4-BE49-F238E27FC236}">
+                <a16:creationId xmlns:a16="http://schemas.microsoft.com/office/drawing/2014/main" id="{F0D5ABA4-D47C-1641-B69C-067B529B7DD7}"/>
+              </a:ext>
+            </a:extLst>
+          </p:cNvPr>
+          <p:cNvSpPr/>
+          <p:nvPr/>
+        </p:nvSpPr>
+        <p:spPr>
+          <a:xfrm>
+            <a:off x="6491396" y="2339606"/>
+            <a:ext cx="116541" cy="116541"/>
+          </a:xfrm>
+          <a:prstGeom prst="rect">
+            <a:avLst/>
+          </a:prstGeom>
+          <a:solidFill>
+            <a:schemeClr val="accent4">
+              <a:lumMod val="60000"/>
+              <a:lumOff val="40000"/>
+            </a:schemeClr>
+          </a:solidFill>
+          <a:ln>
+            <a:solidFill>
+              <a:schemeClr val="accent4"/>
+            </a:solidFill>
+          </a:ln>
+        </p:spPr>
+        <p:style>
+          <a:lnRef idx="2">
+            <a:schemeClr val="accent1">
+              <a:shade val="50000"/>
+            </a:schemeClr>
+          </a:lnRef>
+          <a:fillRef idx="1">
+            <a:schemeClr val="accent1"/>
+          </a:fillRef>
+          <a:effectRef idx="0">
+            <a:schemeClr val="accent1"/>
+          </a:effectRef>
+          <a:fontRef idx="minor">
+            <a:schemeClr val="lt1"/>
+          </a:fontRef>
+        </p:style>
+        <p:txBody>
+          <a:bodyPr rtlCol="0" anchor="ctr"/>
+          <a:lstStyle/>
+          <a:p>
+            <a:pPr algn="ctr"/>
+            <a:endParaRPr lang="en-US"/>
+          </a:p>
+        </p:txBody>
+      </p:sp>
+      <p:sp>
+        <p:nvSpPr>
+          <p:cNvPr id="65" name="Rectangle 64">
+            <a:extLst>
+              <a:ext uri="{FF2B5EF4-FFF2-40B4-BE49-F238E27FC236}">
+                <a16:creationId xmlns:a16="http://schemas.microsoft.com/office/drawing/2014/main" id="{7B349DC4-7C98-7E46-AD0D-7DD99FB9C444}"/>
+              </a:ext>
+            </a:extLst>
+          </p:cNvPr>
+          <p:cNvSpPr/>
+          <p:nvPr/>
+        </p:nvSpPr>
+        <p:spPr>
+          <a:xfrm>
+            <a:off x="6000913" y="2547015"/>
+            <a:ext cx="116541" cy="116541"/>
+          </a:xfrm>
+          <a:prstGeom prst="rect">
+            <a:avLst/>
+          </a:prstGeom>
+          <a:solidFill>
+            <a:schemeClr val="accent4">
+              <a:lumMod val="60000"/>
+              <a:lumOff val="40000"/>
+            </a:schemeClr>
+          </a:solidFill>
+          <a:ln>
+            <a:solidFill>
+              <a:schemeClr val="accent4"/>
+            </a:solidFill>
+          </a:ln>
+        </p:spPr>
+        <p:style>
+          <a:lnRef idx="2">
+            <a:schemeClr val="accent1">
+              <a:shade val="50000"/>
+            </a:schemeClr>
+          </a:lnRef>
+          <a:fillRef idx="1">
+            <a:schemeClr val="accent1"/>
+          </a:fillRef>
+          <a:effectRef idx="0">
+            <a:schemeClr val="accent1"/>
+          </a:effectRef>
+          <a:fontRef idx="minor">
+            <a:schemeClr val="lt1"/>
+          </a:fontRef>
+        </p:style>
+        <p:txBody>
+          <a:bodyPr rtlCol="0" anchor="ctr"/>
+          <a:lstStyle/>
+          <a:p>
+            <a:pPr algn="ctr"/>
+            <a:endParaRPr lang="en-US"/>
+          </a:p>
+        </p:txBody>
+      </p:sp>
+      <p:sp>
+        <p:nvSpPr>
+          <p:cNvPr id="70" name="TextBox 69">
+            <a:extLst>
+              <a:ext uri="{FF2B5EF4-FFF2-40B4-BE49-F238E27FC236}">
+                <a16:creationId xmlns:a16="http://schemas.microsoft.com/office/drawing/2014/main" id="{CF0E41A2-EE25-AE44-9CFE-F259A83E4D88}"/>
+              </a:ext>
+            </a:extLst>
+          </p:cNvPr>
+          <p:cNvSpPr txBox="1"/>
+          <p:nvPr/>
+        </p:nvSpPr>
+        <p:spPr>
+          <a:xfrm>
+            <a:off x="5078978" y="4466309"/>
+            <a:ext cx="362600" cy="369332"/>
+          </a:xfrm>
+          <a:prstGeom prst="rect">
+            <a:avLst/>
+          </a:prstGeom>
+          <a:noFill/>
+        </p:spPr>
+        <p:txBody>
+          <a:bodyPr wrap="none" rtlCol="0">
+            <a:spAutoFit/>
+          </a:bodyPr>
+          <a:lstStyle/>
+          <a:p>
+            <a:r>
+              <a:rPr lang="en-US" dirty="0"/>
+              <a:t>m</a:t>
+            </a:r>
+          </a:p>
+        </p:txBody>
+      </p:sp>
+      <p:sp>
+        <p:nvSpPr>
+          <p:cNvPr id="71" name="TextBox 70">
+            <a:extLst>
+              <a:ext uri="{FF2B5EF4-FFF2-40B4-BE49-F238E27FC236}">
+                <a16:creationId xmlns:a16="http://schemas.microsoft.com/office/drawing/2014/main" id="{82D016C9-2EC8-1047-9F9C-706B12445A74}"/>
+              </a:ext>
+            </a:extLst>
+          </p:cNvPr>
+          <p:cNvSpPr txBox="1"/>
+          <p:nvPr/>
+        </p:nvSpPr>
+        <p:spPr>
+          <a:xfrm>
+            <a:off x="6163706" y="4494547"/>
+            <a:ext cx="301686" cy="369332"/>
+          </a:xfrm>
+          <a:prstGeom prst="rect">
+            <a:avLst/>
+          </a:prstGeom>
+          <a:noFill/>
+        </p:spPr>
+        <p:txBody>
+          <a:bodyPr wrap="none" rtlCol="0">
+            <a:spAutoFit/>
+          </a:bodyPr>
+          <a:lstStyle/>
+          <a:p>
+            <a:r>
+              <a:rPr lang="en-US" dirty="0"/>
+              <a:t>n</a:t>
+            </a:r>
+          </a:p>
+        </p:txBody>
+      </p:sp>
+      <p:cxnSp>
+        <p:nvCxnSpPr>
+          <p:cNvPr id="3" name="Straight Connector 2">
+            <a:extLst>
+              <a:ext uri="{FF2B5EF4-FFF2-40B4-BE49-F238E27FC236}">
+                <a16:creationId xmlns:a16="http://schemas.microsoft.com/office/drawing/2014/main" id="{F12B32BB-C78D-EC42-BEDC-EFF29BD527B1}"/>
+              </a:ext>
+            </a:extLst>
+          </p:cNvPr>
+          <p:cNvCxnSpPr/>
+          <p:nvPr/>
+        </p:nvCxnSpPr>
+        <p:spPr>
+          <a:xfrm flipH="1" flipV="1">
+            <a:off x="5145741" y="2214379"/>
+            <a:ext cx="716001" cy="959217"/>
+          </a:xfrm>
+          <a:prstGeom prst="line">
+            <a:avLst/>
+          </a:prstGeom>
+        </p:spPr>
+        <p:style>
+          <a:lnRef idx="1">
+            <a:schemeClr val="accent1"/>
+          </a:lnRef>
+          <a:fillRef idx="0">
+            <a:schemeClr val="accent1"/>
+          </a:fillRef>
+          <a:effectRef idx="0">
+            <a:schemeClr val="accent1"/>
+          </a:effectRef>
+          <a:fontRef idx="minor">
+            <a:schemeClr val="tx1"/>
+          </a:fontRef>
+        </p:style>
+      </p:cxnSp>
+      <p:cxnSp>
+        <p:nvCxnSpPr>
+          <p:cNvPr id="7" name="Straight Connector 6">
+            <a:extLst>
+              <a:ext uri="{FF2B5EF4-FFF2-40B4-BE49-F238E27FC236}">
+                <a16:creationId xmlns:a16="http://schemas.microsoft.com/office/drawing/2014/main" id="{3FC8E0A6-2966-304E-A668-25DE006A4E5B}"/>
+              </a:ext>
+            </a:extLst>
+          </p:cNvPr>
+          <p:cNvCxnSpPr>
+            <a:cxnSpLocks/>
+          </p:cNvCxnSpPr>
+          <p:nvPr/>
+        </p:nvCxnSpPr>
+        <p:spPr>
+          <a:xfrm flipV="1">
+            <a:off x="5869237" y="2061979"/>
+            <a:ext cx="486739" cy="1111617"/>
+          </a:xfrm>
+          <a:prstGeom prst="line">
+            <a:avLst/>
+          </a:prstGeom>
+        </p:spPr>
+        <p:style>
+          <a:lnRef idx="1">
+            <a:schemeClr val="accent1"/>
+          </a:lnRef>
+          <a:fillRef idx="0">
+            <a:schemeClr val="accent1"/>
+          </a:fillRef>
+          <a:effectRef idx="0">
+            <a:schemeClr val="accent1"/>
+          </a:effectRef>
+          <a:fontRef idx="minor">
+            <a:schemeClr val="tx1"/>
+          </a:fontRef>
+        </p:style>
+      </p:cxnSp>
+      <p:sp>
+        <p:nvSpPr>
+          <p:cNvPr id="66" name="TextBox 65">
+            <a:extLst>
+              <a:ext uri="{FF2B5EF4-FFF2-40B4-BE49-F238E27FC236}">
+                <a16:creationId xmlns:a16="http://schemas.microsoft.com/office/drawing/2014/main" id="{384D6CEC-C58A-E44D-A1A3-9C794F08312C}"/>
+              </a:ext>
+            </a:extLst>
+          </p:cNvPr>
+          <p:cNvSpPr txBox="1"/>
+          <p:nvPr/>
+        </p:nvSpPr>
+        <p:spPr>
+          <a:xfrm>
+            <a:off x="3956204" y="1497328"/>
+            <a:ext cx="1500539" cy="369332"/>
+          </a:xfrm>
+          <a:prstGeom prst="rect">
+            <a:avLst/>
+          </a:prstGeom>
+          <a:noFill/>
+        </p:spPr>
+        <p:txBody>
+          <a:bodyPr wrap="none" rtlCol="0">
+            <a:spAutoFit/>
+          </a:bodyPr>
+          <a:lstStyle/>
+          <a:p>
+            <a:r>
+              <a:rPr lang="en-US" dirty="0"/>
+              <a:t>30% graduates</a:t>
+            </a:r>
+          </a:p>
+        </p:txBody>
+      </p:sp>
+      <p:sp>
+        <p:nvSpPr>
+          <p:cNvPr id="67" name="TextBox 66">
+            <a:extLst>
+              <a:ext uri="{FF2B5EF4-FFF2-40B4-BE49-F238E27FC236}">
+                <a16:creationId xmlns:a16="http://schemas.microsoft.com/office/drawing/2014/main" id="{CB72BCB7-0815-3348-B564-27862E958781}"/>
+              </a:ext>
+            </a:extLst>
+          </p:cNvPr>
+          <p:cNvSpPr txBox="1"/>
+          <p:nvPr/>
+        </p:nvSpPr>
+        <p:spPr>
+          <a:xfrm>
+            <a:off x="6158517" y="1545813"/>
+            <a:ext cx="1500539" cy="369332"/>
+          </a:xfrm>
+          <a:prstGeom prst="rect">
+            <a:avLst/>
+          </a:prstGeom>
+          <a:noFill/>
+        </p:spPr>
+        <p:txBody>
+          <a:bodyPr wrap="none" rtlCol="0">
+            <a:spAutoFit/>
+          </a:bodyPr>
+          <a:lstStyle/>
+          <a:p>
+            <a:r>
+              <a:rPr lang="en-US" dirty="0"/>
+              <a:t>15% graduates</a:t>
+            </a:r>
+          </a:p>
+        </p:txBody>
+      </p:sp>
+    </p:spTree>
+    <p:extLst>
+      <p:ext uri="{BB962C8B-B14F-4D97-AF65-F5344CB8AC3E}">
+        <p14:creationId xmlns:p14="http://schemas.microsoft.com/office/powerpoint/2010/main" val="2028820459"/>
+      </p:ext>
+    </p:extLst>
+  </p:cSld>
+  <p:clrMapOvr>
+    <a:masterClrMapping/>
+  </p:clrMapOvr>
+</p:sld>
+</file>
+
+<file path=ppt/slides/slide7.xml><?xml version="1.0" encoding="utf-8"?>
+<p:sld xmlns:a="http://schemas.openxmlformats.org/drawingml/2006/main" xmlns:r="http://schemas.openxmlformats.org/officeDocument/2006/relationships" xmlns:p="http://schemas.openxmlformats.org/presentationml/2006/main">
+  <p:cSld>
+    <p:spTree>
+      <p:nvGrpSpPr>
+        <p:cNvPr id="1" name=""/>
+        <p:cNvGrpSpPr/>
+        <p:nvPr/>
+      </p:nvGrpSpPr>
+      <p:grpSpPr>
+        <a:xfrm>
+          <a:off x="0" y="0"/>
+          <a:ext cx="0" cy="0"/>
+          <a:chOff x="0" y="0"/>
+          <a:chExt cx="0" cy="0"/>
+        </a:xfrm>
+      </p:grpSpPr>
+      <p:sp>
+        <p:nvSpPr>
+          <p:cNvPr id="4" name="Footer Placeholder 3">
+            <a:extLst>
+              <a:ext uri="{FF2B5EF4-FFF2-40B4-BE49-F238E27FC236}">
+                <a16:creationId xmlns:a16="http://schemas.microsoft.com/office/drawing/2014/main" id="{23F79836-748B-9B46-B254-A5DBAA28185C}"/>
+              </a:ext>
+            </a:extLst>
+          </p:cNvPr>
+          <p:cNvSpPr>
+            <a:spLocks noGrp="1"/>
+          </p:cNvSpPr>
+          <p:nvPr>
+            <p:ph type="ftr" sz="quarter" idx="11"/>
+          </p:nvPr>
+        </p:nvSpPr>
+        <p:spPr/>
+        <p:txBody>
+          <a:bodyPr/>
+          <a:lstStyle/>
+          <a:p>
+            <a:endParaRPr lang="en-US"/>
+          </a:p>
+        </p:txBody>
+      </p:sp>
+      <p:sp>
+        <p:nvSpPr>
+          <p:cNvPr id="6" name="Oval 5">
+            <a:extLst>
+              <a:ext uri="{FF2B5EF4-FFF2-40B4-BE49-F238E27FC236}">
+                <a16:creationId xmlns:a16="http://schemas.microsoft.com/office/drawing/2014/main" id="{90CD96CB-F149-8048-BAB9-9B965486FB56}"/>
+              </a:ext>
+            </a:extLst>
+          </p:cNvPr>
+          <p:cNvSpPr/>
+          <p:nvPr/>
+        </p:nvSpPr>
+        <p:spPr>
+          <a:xfrm>
+            <a:off x="4557598" y="1920505"/>
+            <a:ext cx="2623278" cy="2623278"/>
+          </a:xfrm>
+          <a:prstGeom prst="ellipse">
+            <a:avLst/>
+          </a:prstGeom>
+          <a:noFill/>
+          <a:ln>
+            <a:solidFill>
+              <a:schemeClr val="accent6">
+                <a:lumMod val="75000"/>
+              </a:schemeClr>
+            </a:solidFill>
+          </a:ln>
+        </p:spPr>
+        <p:style>
+          <a:lnRef idx="2">
+            <a:schemeClr val="accent6"/>
+          </a:lnRef>
+          <a:fillRef idx="1">
+            <a:schemeClr val="lt1"/>
+          </a:fillRef>
+          <a:effectRef idx="0">
+            <a:schemeClr val="accent6"/>
+          </a:effectRef>
+          <a:fontRef idx="minor">
+            <a:schemeClr val="dk1"/>
+          </a:fontRef>
+        </p:style>
+        <p:txBody>
+          <a:bodyPr rtlCol="0" anchor="ctr"/>
+          <a:lstStyle/>
+          <a:p>
+            <a:pPr algn="ctr"/>
+            <a:endParaRPr lang="en-US" dirty="0">
+              <a:ln>
+                <a:solidFill>
+                  <a:schemeClr val="accent6">
+                    <a:lumMod val="75000"/>
+                  </a:schemeClr>
+                </a:solidFill>
+              </a:ln>
+              <a:solidFill>
+                <a:sysClr val="windowText" lastClr="000000"/>
+              </a:solidFill>
+            </a:endParaRPr>
+          </a:p>
+        </p:txBody>
+      </p:sp>
+      <p:sp>
+        <p:nvSpPr>
+          <p:cNvPr id="10" name="Oval 9">
+            <a:extLst>
+              <a:ext uri="{FF2B5EF4-FFF2-40B4-BE49-F238E27FC236}">
+                <a16:creationId xmlns:a16="http://schemas.microsoft.com/office/drawing/2014/main" id="{EF9E34BB-292B-F146-8641-2F8AA3E0D5E7}"/>
+              </a:ext>
+            </a:extLst>
+          </p:cNvPr>
+          <p:cNvSpPr/>
+          <p:nvPr/>
+        </p:nvSpPr>
+        <p:spPr>
+          <a:xfrm>
+            <a:off x="5145741" y="2850870"/>
+            <a:ext cx="89647" cy="89647"/>
+          </a:xfrm>
+          <a:prstGeom prst="ellipse">
+            <a:avLst/>
+          </a:prstGeom>
+        </p:spPr>
+        <p:style>
+          <a:lnRef idx="2">
+            <a:schemeClr val="accent1">
+              <a:shade val="50000"/>
+            </a:schemeClr>
+          </a:lnRef>
+          <a:fillRef idx="1">
+            <a:schemeClr val="accent1"/>
+          </a:fillRef>
+          <a:effectRef idx="0">
+            <a:schemeClr val="accent1"/>
+          </a:effectRef>
+          <a:fontRef idx="minor">
+            <a:schemeClr val="lt1"/>
+          </a:fontRef>
+        </p:style>
+        <p:txBody>
+          <a:bodyPr rtlCol="0" anchor="ctr"/>
+          <a:lstStyle/>
+          <a:p>
+            <a:pPr algn="ctr"/>
+            <a:endParaRPr lang="en-US"/>
+          </a:p>
+        </p:txBody>
+      </p:sp>
+      <p:sp>
+        <p:nvSpPr>
+          <p:cNvPr id="11" name="Oval 10">
+            <a:extLst>
+              <a:ext uri="{FF2B5EF4-FFF2-40B4-BE49-F238E27FC236}">
+                <a16:creationId xmlns:a16="http://schemas.microsoft.com/office/drawing/2014/main" id="{C80C36D5-EC6E-A74E-BC7A-DDAA3357D75F}"/>
+              </a:ext>
+            </a:extLst>
+          </p:cNvPr>
+          <p:cNvSpPr/>
+          <p:nvPr/>
+        </p:nvSpPr>
+        <p:spPr>
+          <a:xfrm>
+            <a:off x="5298141" y="3003270"/>
+            <a:ext cx="89647" cy="89647"/>
+          </a:xfrm>
+          <a:prstGeom prst="ellipse">
+            <a:avLst/>
+          </a:prstGeom>
+        </p:spPr>
+        <p:style>
+          <a:lnRef idx="2">
+            <a:schemeClr val="accent1">
+              <a:shade val="50000"/>
+            </a:schemeClr>
+          </a:lnRef>
+          <a:fillRef idx="1">
+            <a:schemeClr val="accent1"/>
+          </a:fillRef>
+          <a:effectRef idx="0">
+            <a:schemeClr val="accent1"/>
+          </a:effectRef>
+          <a:fontRef idx="minor">
+            <a:schemeClr val="lt1"/>
+          </a:fontRef>
+        </p:style>
+        <p:txBody>
+          <a:bodyPr rtlCol="0" anchor="ctr"/>
+          <a:lstStyle/>
+          <a:p>
+            <a:pPr algn="ctr"/>
+            <a:endParaRPr lang="en-US"/>
+          </a:p>
+        </p:txBody>
+      </p:sp>
+      <p:sp>
+        <p:nvSpPr>
+          <p:cNvPr id="12" name="Oval 11">
+            <a:extLst>
+              <a:ext uri="{FF2B5EF4-FFF2-40B4-BE49-F238E27FC236}">
+                <a16:creationId xmlns:a16="http://schemas.microsoft.com/office/drawing/2014/main" id="{AF138445-435A-D647-904E-F2DAA86C067D}"/>
+              </a:ext>
+            </a:extLst>
+          </p:cNvPr>
+          <p:cNvSpPr/>
+          <p:nvPr/>
+        </p:nvSpPr>
+        <p:spPr>
+          <a:xfrm>
+            <a:off x="5056094" y="3210017"/>
+            <a:ext cx="89647" cy="89647"/>
+          </a:xfrm>
+          <a:prstGeom prst="ellipse">
+            <a:avLst/>
+          </a:prstGeom>
+        </p:spPr>
+        <p:style>
+          <a:lnRef idx="2">
+            <a:schemeClr val="accent1">
+              <a:shade val="50000"/>
+            </a:schemeClr>
+          </a:lnRef>
+          <a:fillRef idx="1">
+            <a:schemeClr val="accent1"/>
+          </a:fillRef>
+          <a:effectRef idx="0">
+            <a:schemeClr val="accent1"/>
+          </a:effectRef>
+          <a:fontRef idx="minor">
+            <a:schemeClr val="lt1"/>
+          </a:fontRef>
+        </p:style>
+        <p:txBody>
+          <a:bodyPr rtlCol="0" anchor="ctr"/>
+          <a:lstStyle/>
+          <a:p>
+            <a:pPr algn="ctr"/>
+            <a:endParaRPr lang="en-US"/>
+          </a:p>
+        </p:txBody>
+      </p:sp>
+      <p:sp>
+        <p:nvSpPr>
+          <p:cNvPr id="13" name="Oval 12">
+            <a:extLst>
+              <a:ext uri="{FF2B5EF4-FFF2-40B4-BE49-F238E27FC236}">
+                <a16:creationId xmlns:a16="http://schemas.microsoft.com/office/drawing/2014/main" id="{373E4BD5-23C5-644B-A035-0F36A32AB3FE}"/>
+              </a:ext>
+            </a:extLst>
+          </p:cNvPr>
+          <p:cNvSpPr/>
+          <p:nvPr/>
+        </p:nvSpPr>
+        <p:spPr>
+          <a:xfrm>
+            <a:off x="5360893" y="3299664"/>
+            <a:ext cx="89647" cy="89647"/>
+          </a:xfrm>
+          <a:prstGeom prst="ellipse">
+            <a:avLst/>
+          </a:prstGeom>
+        </p:spPr>
+        <p:style>
+          <a:lnRef idx="2">
+            <a:schemeClr val="accent1">
+              <a:shade val="50000"/>
+            </a:schemeClr>
+          </a:lnRef>
+          <a:fillRef idx="1">
+            <a:schemeClr val="accent1"/>
+          </a:fillRef>
+          <a:effectRef idx="0">
+            <a:schemeClr val="accent1"/>
+          </a:effectRef>
+          <a:fontRef idx="minor">
+            <a:schemeClr val="lt1"/>
+          </a:fontRef>
+        </p:style>
+        <p:txBody>
+          <a:bodyPr rtlCol="0" anchor="ctr"/>
+          <a:lstStyle/>
+          <a:p>
+            <a:pPr algn="ctr"/>
+            <a:endParaRPr lang="en-US"/>
+          </a:p>
+        </p:txBody>
+      </p:sp>
+      <p:sp>
+        <p:nvSpPr>
+          <p:cNvPr id="14" name="Oval 13">
+            <a:extLst>
+              <a:ext uri="{FF2B5EF4-FFF2-40B4-BE49-F238E27FC236}">
+                <a16:creationId xmlns:a16="http://schemas.microsoft.com/office/drawing/2014/main" id="{3A1E3C75-9B29-4048-9004-5BD3A6DDCAB7}"/>
+              </a:ext>
+            </a:extLst>
+          </p:cNvPr>
+          <p:cNvSpPr/>
+          <p:nvPr/>
+        </p:nvSpPr>
+        <p:spPr>
+          <a:xfrm>
+            <a:off x="5271246" y="3577953"/>
+            <a:ext cx="89647" cy="89647"/>
+          </a:xfrm>
+          <a:prstGeom prst="ellipse">
+            <a:avLst/>
+          </a:prstGeom>
+        </p:spPr>
+        <p:style>
+          <a:lnRef idx="2">
+            <a:schemeClr val="accent1">
+              <a:shade val="50000"/>
+            </a:schemeClr>
+          </a:lnRef>
+          <a:fillRef idx="1">
+            <a:schemeClr val="accent1"/>
+          </a:fillRef>
+          <a:effectRef idx="0">
+            <a:schemeClr val="accent1"/>
+          </a:effectRef>
+          <a:fontRef idx="minor">
+            <a:schemeClr val="lt1"/>
+          </a:fontRef>
+        </p:style>
+        <p:txBody>
+          <a:bodyPr rtlCol="0" anchor="ctr"/>
+          <a:lstStyle/>
+          <a:p>
+            <a:pPr algn="ctr"/>
+            <a:endParaRPr lang="en-US"/>
+          </a:p>
+        </p:txBody>
+      </p:sp>
+      <p:sp>
+        <p:nvSpPr>
+          <p:cNvPr id="16" name="Oval 15">
+            <a:extLst>
+              <a:ext uri="{FF2B5EF4-FFF2-40B4-BE49-F238E27FC236}">
+                <a16:creationId xmlns:a16="http://schemas.microsoft.com/office/drawing/2014/main" id="{90A127D7-6035-1C41-9D69-7394FBBDD282}"/>
+              </a:ext>
+            </a:extLst>
+          </p:cNvPr>
+          <p:cNvSpPr/>
+          <p:nvPr/>
+        </p:nvSpPr>
+        <p:spPr>
+          <a:xfrm>
+            <a:off x="5558117" y="3568045"/>
+            <a:ext cx="89647" cy="89647"/>
+          </a:xfrm>
+          <a:prstGeom prst="ellipse">
+            <a:avLst/>
+          </a:prstGeom>
+        </p:spPr>
+        <p:style>
+          <a:lnRef idx="2">
+            <a:schemeClr val="accent1">
+              <a:shade val="50000"/>
+            </a:schemeClr>
+          </a:lnRef>
+          <a:fillRef idx="1">
+            <a:schemeClr val="accent1"/>
+          </a:fillRef>
+          <a:effectRef idx="0">
+            <a:schemeClr val="accent1"/>
+          </a:effectRef>
+          <a:fontRef idx="minor">
+            <a:schemeClr val="lt1"/>
+          </a:fontRef>
+        </p:style>
+        <p:txBody>
+          <a:bodyPr rtlCol="0" anchor="ctr"/>
+          <a:lstStyle/>
+          <a:p>
+            <a:pPr algn="ctr"/>
+            <a:endParaRPr lang="en-US"/>
+          </a:p>
+        </p:txBody>
+      </p:sp>
+      <p:sp>
+        <p:nvSpPr>
+          <p:cNvPr id="17" name="Oval 16">
+            <a:extLst>
+              <a:ext uri="{FF2B5EF4-FFF2-40B4-BE49-F238E27FC236}">
+                <a16:creationId xmlns:a16="http://schemas.microsoft.com/office/drawing/2014/main" id="{3C657A1A-7D6D-2444-8251-D8697BD264D0}"/>
+              </a:ext>
+            </a:extLst>
+          </p:cNvPr>
+          <p:cNvSpPr/>
+          <p:nvPr/>
+        </p:nvSpPr>
+        <p:spPr>
+          <a:xfrm>
+            <a:off x="5316070" y="3774792"/>
+            <a:ext cx="89647" cy="89647"/>
+          </a:xfrm>
+          <a:prstGeom prst="ellipse">
+            <a:avLst/>
+          </a:prstGeom>
+        </p:spPr>
+        <p:style>
+          <a:lnRef idx="2">
+            <a:schemeClr val="accent1">
+              <a:shade val="50000"/>
+            </a:schemeClr>
+          </a:lnRef>
+          <a:fillRef idx="1">
+            <a:schemeClr val="accent1"/>
+          </a:fillRef>
+          <a:effectRef idx="0">
+            <a:schemeClr val="accent1"/>
+          </a:effectRef>
+          <a:fontRef idx="minor">
+            <a:schemeClr val="lt1"/>
+          </a:fontRef>
+        </p:style>
+        <p:txBody>
+          <a:bodyPr rtlCol="0" anchor="ctr"/>
+          <a:lstStyle/>
+          <a:p>
+            <a:pPr algn="ctr"/>
+            <a:endParaRPr lang="en-US"/>
+          </a:p>
+        </p:txBody>
+      </p:sp>
+      <p:sp>
+        <p:nvSpPr>
+          <p:cNvPr id="18" name="Oval 17">
+            <a:extLst>
+              <a:ext uri="{FF2B5EF4-FFF2-40B4-BE49-F238E27FC236}">
+                <a16:creationId xmlns:a16="http://schemas.microsoft.com/office/drawing/2014/main" id="{9E7E3223-A33A-E646-9C7A-C0D89B8B4C83}"/>
+              </a:ext>
+            </a:extLst>
+          </p:cNvPr>
+          <p:cNvSpPr/>
+          <p:nvPr/>
+        </p:nvSpPr>
+        <p:spPr>
+          <a:xfrm>
+            <a:off x="5620869" y="3864439"/>
+            <a:ext cx="89647" cy="89647"/>
+          </a:xfrm>
+          <a:prstGeom prst="ellipse">
+            <a:avLst/>
+          </a:prstGeom>
+        </p:spPr>
+        <p:style>
+          <a:lnRef idx="2">
+            <a:schemeClr val="accent1">
+              <a:shade val="50000"/>
+            </a:schemeClr>
+          </a:lnRef>
+          <a:fillRef idx="1">
+            <a:schemeClr val="accent1"/>
+          </a:fillRef>
+          <a:effectRef idx="0">
+            <a:schemeClr val="accent1"/>
+          </a:effectRef>
+          <a:fontRef idx="minor">
+            <a:schemeClr val="lt1"/>
+          </a:fontRef>
+        </p:style>
+        <p:txBody>
+          <a:bodyPr rtlCol="0" anchor="ctr"/>
+          <a:lstStyle/>
+          <a:p>
+            <a:pPr algn="ctr"/>
+            <a:endParaRPr lang="en-US"/>
+          </a:p>
+        </p:txBody>
+      </p:sp>
+      <p:sp>
+        <p:nvSpPr>
+          <p:cNvPr id="19" name="Oval 18">
+            <a:extLst>
+              <a:ext uri="{FF2B5EF4-FFF2-40B4-BE49-F238E27FC236}">
+                <a16:creationId xmlns:a16="http://schemas.microsoft.com/office/drawing/2014/main" id="{D42A25C2-201D-9E44-85F7-97318CDF7DBB}"/>
+              </a:ext>
+            </a:extLst>
+          </p:cNvPr>
+          <p:cNvSpPr/>
+          <p:nvPr/>
+        </p:nvSpPr>
+        <p:spPr>
+          <a:xfrm>
+            <a:off x="5531222" y="4142728"/>
+            <a:ext cx="89647" cy="89647"/>
+          </a:xfrm>
+          <a:prstGeom prst="ellipse">
+            <a:avLst/>
+          </a:prstGeom>
+        </p:spPr>
+        <p:style>
+          <a:lnRef idx="2">
+            <a:schemeClr val="accent1">
+              <a:shade val="50000"/>
+            </a:schemeClr>
+          </a:lnRef>
+          <a:fillRef idx="1">
+            <a:schemeClr val="accent1"/>
+          </a:fillRef>
+          <a:effectRef idx="0">
+            <a:schemeClr val="accent1"/>
+          </a:effectRef>
+          <a:fontRef idx="minor">
+            <a:schemeClr val="lt1"/>
+          </a:fontRef>
+        </p:style>
+        <p:txBody>
+          <a:bodyPr rtlCol="0" anchor="ctr"/>
+          <a:lstStyle/>
+          <a:p>
+            <a:pPr algn="ctr"/>
+            <a:endParaRPr lang="en-US"/>
+          </a:p>
+        </p:txBody>
+      </p:sp>
+      <p:sp>
+        <p:nvSpPr>
+          <p:cNvPr id="20" name="Oval 19">
+            <a:extLst>
+              <a:ext uri="{FF2B5EF4-FFF2-40B4-BE49-F238E27FC236}">
+                <a16:creationId xmlns:a16="http://schemas.microsoft.com/office/drawing/2014/main" id="{4A5D4F01-8691-0F43-9F39-1BF43B45DFB6}"/>
+              </a:ext>
+            </a:extLst>
+          </p:cNvPr>
+          <p:cNvSpPr/>
+          <p:nvPr/>
+        </p:nvSpPr>
+        <p:spPr>
+          <a:xfrm>
+            <a:off x="4948521" y="3137741"/>
+            <a:ext cx="89647" cy="89647"/>
+          </a:xfrm>
+          <a:prstGeom prst="ellipse">
+            <a:avLst/>
+          </a:prstGeom>
+        </p:spPr>
+        <p:style>
+          <a:lnRef idx="2">
+            <a:schemeClr val="accent1">
+              <a:shade val="50000"/>
+            </a:schemeClr>
+          </a:lnRef>
+          <a:fillRef idx="1">
+            <a:schemeClr val="accent1"/>
+          </a:fillRef>
+          <a:effectRef idx="0">
+            <a:schemeClr val="accent1"/>
+          </a:effectRef>
+          <a:fontRef idx="minor">
+            <a:schemeClr val="lt1"/>
+          </a:fontRef>
+        </p:style>
+        <p:txBody>
+          <a:bodyPr rtlCol="0" anchor="ctr"/>
+          <a:lstStyle/>
+          <a:p>
+            <a:pPr algn="ctr"/>
+            <a:endParaRPr lang="en-US"/>
+          </a:p>
+        </p:txBody>
+      </p:sp>
+      <p:sp>
+        <p:nvSpPr>
+          <p:cNvPr id="21" name="Oval 20">
+            <a:extLst>
+              <a:ext uri="{FF2B5EF4-FFF2-40B4-BE49-F238E27FC236}">
+                <a16:creationId xmlns:a16="http://schemas.microsoft.com/office/drawing/2014/main" id="{312B52B9-A430-5344-B402-CED30C7CBDA8}"/>
+              </a:ext>
+            </a:extLst>
+          </p:cNvPr>
+          <p:cNvSpPr/>
+          <p:nvPr/>
+        </p:nvSpPr>
+        <p:spPr>
+          <a:xfrm>
+            <a:off x="4706474" y="3344488"/>
+            <a:ext cx="89647" cy="89647"/>
+          </a:xfrm>
+          <a:prstGeom prst="ellipse">
+            <a:avLst/>
+          </a:prstGeom>
+        </p:spPr>
+        <p:style>
+          <a:lnRef idx="2">
+            <a:schemeClr val="accent1">
+              <a:shade val="50000"/>
+            </a:schemeClr>
+          </a:lnRef>
+          <a:fillRef idx="1">
+            <a:schemeClr val="accent1"/>
+          </a:fillRef>
+          <a:effectRef idx="0">
+            <a:schemeClr val="accent1"/>
+          </a:effectRef>
+          <a:fontRef idx="minor">
+            <a:schemeClr val="lt1"/>
+          </a:fontRef>
+        </p:style>
+        <p:txBody>
+          <a:bodyPr rtlCol="0" anchor="ctr"/>
+          <a:lstStyle/>
+          <a:p>
+            <a:pPr algn="ctr"/>
+            <a:endParaRPr lang="en-US"/>
+          </a:p>
+        </p:txBody>
+      </p:sp>
+      <p:sp>
+        <p:nvSpPr>
+          <p:cNvPr id="22" name="Oval 21">
+            <a:extLst>
+              <a:ext uri="{FF2B5EF4-FFF2-40B4-BE49-F238E27FC236}">
+                <a16:creationId xmlns:a16="http://schemas.microsoft.com/office/drawing/2014/main" id="{17550942-2AFA-F24A-A12C-46EC8199BB5F}"/>
+              </a:ext>
+            </a:extLst>
+          </p:cNvPr>
+          <p:cNvSpPr/>
+          <p:nvPr/>
+        </p:nvSpPr>
+        <p:spPr>
+          <a:xfrm>
+            <a:off x="5011273" y="3434135"/>
+            <a:ext cx="89647" cy="89647"/>
+          </a:xfrm>
+          <a:prstGeom prst="ellipse">
+            <a:avLst/>
+          </a:prstGeom>
+        </p:spPr>
+        <p:style>
+          <a:lnRef idx="2">
+            <a:schemeClr val="accent1">
+              <a:shade val="50000"/>
+            </a:schemeClr>
+          </a:lnRef>
+          <a:fillRef idx="1">
+            <a:schemeClr val="accent1"/>
+          </a:fillRef>
+          <a:effectRef idx="0">
+            <a:schemeClr val="accent1"/>
+          </a:effectRef>
+          <a:fontRef idx="minor">
+            <a:schemeClr val="lt1"/>
+          </a:fontRef>
+        </p:style>
+        <p:txBody>
+          <a:bodyPr rtlCol="0" anchor="ctr"/>
+          <a:lstStyle/>
+          <a:p>
+            <a:pPr algn="ctr"/>
+            <a:endParaRPr lang="en-US"/>
+          </a:p>
+        </p:txBody>
+      </p:sp>
+      <p:sp>
+        <p:nvSpPr>
+          <p:cNvPr id="23" name="Oval 22">
+            <a:extLst>
+              <a:ext uri="{FF2B5EF4-FFF2-40B4-BE49-F238E27FC236}">
+                <a16:creationId xmlns:a16="http://schemas.microsoft.com/office/drawing/2014/main" id="{4BED7349-6804-1F4A-A824-85865EBA4CA5}"/>
+              </a:ext>
+            </a:extLst>
+          </p:cNvPr>
+          <p:cNvSpPr/>
+          <p:nvPr/>
+        </p:nvSpPr>
+        <p:spPr>
+          <a:xfrm>
+            <a:off x="4921626" y="3712424"/>
+            <a:ext cx="89647" cy="89647"/>
+          </a:xfrm>
+          <a:prstGeom prst="ellipse">
+            <a:avLst/>
+          </a:prstGeom>
+        </p:spPr>
+        <p:style>
+          <a:lnRef idx="2">
+            <a:schemeClr val="accent1">
+              <a:shade val="50000"/>
+            </a:schemeClr>
+          </a:lnRef>
+          <a:fillRef idx="1">
+            <a:schemeClr val="accent1"/>
+          </a:fillRef>
+          <a:effectRef idx="0">
+            <a:schemeClr val="accent1"/>
+          </a:effectRef>
+          <a:fontRef idx="minor">
+            <a:schemeClr val="lt1"/>
+          </a:fontRef>
+        </p:style>
+        <p:txBody>
+          <a:bodyPr rtlCol="0" anchor="ctr"/>
+          <a:lstStyle/>
+          <a:p>
+            <a:pPr algn="ctr"/>
+            <a:endParaRPr lang="en-US"/>
+          </a:p>
+        </p:txBody>
+      </p:sp>
+      <p:sp>
+        <p:nvSpPr>
+          <p:cNvPr id="24" name="Oval 23">
+            <a:extLst>
+              <a:ext uri="{FF2B5EF4-FFF2-40B4-BE49-F238E27FC236}">
+                <a16:creationId xmlns:a16="http://schemas.microsoft.com/office/drawing/2014/main" id="{022CADC9-9279-4645-8E82-696CFA002F16}"/>
+              </a:ext>
+            </a:extLst>
+          </p:cNvPr>
+          <p:cNvSpPr/>
+          <p:nvPr/>
+        </p:nvSpPr>
+        <p:spPr>
+          <a:xfrm>
+            <a:off x="5593973" y="2492281"/>
+            <a:ext cx="89647" cy="89647"/>
+          </a:xfrm>
+          <a:prstGeom prst="ellipse">
+            <a:avLst/>
+          </a:prstGeom>
+        </p:spPr>
+        <p:style>
+          <a:lnRef idx="2">
+            <a:schemeClr val="accent1">
+              <a:shade val="50000"/>
+            </a:schemeClr>
+          </a:lnRef>
+          <a:fillRef idx="1">
+            <a:schemeClr val="accent1"/>
+          </a:fillRef>
+          <a:effectRef idx="0">
+            <a:schemeClr val="accent1"/>
+          </a:effectRef>
+          <a:fontRef idx="minor">
+            <a:schemeClr val="lt1"/>
+          </a:fontRef>
+        </p:style>
+        <p:txBody>
+          <a:bodyPr rtlCol="0" anchor="ctr"/>
+          <a:lstStyle/>
+          <a:p>
+            <a:pPr algn="ctr"/>
+            <a:endParaRPr lang="en-US"/>
+          </a:p>
+        </p:txBody>
+      </p:sp>
+      <p:sp>
+        <p:nvSpPr>
+          <p:cNvPr id="25" name="Oval 24">
+            <a:extLst>
+              <a:ext uri="{FF2B5EF4-FFF2-40B4-BE49-F238E27FC236}">
+                <a16:creationId xmlns:a16="http://schemas.microsoft.com/office/drawing/2014/main" id="{9641FB2D-81BA-6A4E-BFFF-963C2E3F5932}"/>
+              </a:ext>
+            </a:extLst>
+          </p:cNvPr>
+          <p:cNvSpPr/>
+          <p:nvPr/>
+        </p:nvSpPr>
+        <p:spPr>
+          <a:xfrm>
+            <a:off x="5351926" y="2699028"/>
+            <a:ext cx="89647" cy="89647"/>
+          </a:xfrm>
+          <a:prstGeom prst="ellipse">
+            <a:avLst/>
+          </a:prstGeom>
+        </p:spPr>
+        <p:style>
+          <a:lnRef idx="2">
+            <a:schemeClr val="accent1">
+              <a:shade val="50000"/>
+            </a:schemeClr>
+          </a:lnRef>
+          <a:fillRef idx="1">
+            <a:schemeClr val="accent1"/>
+          </a:fillRef>
+          <a:effectRef idx="0">
+            <a:schemeClr val="accent1"/>
+          </a:effectRef>
+          <a:fontRef idx="minor">
+            <a:schemeClr val="lt1"/>
+          </a:fontRef>
+        </p:style>
+        <p:txBody>
+          <a:bodyPr rtlCol="0" anchor="ctr"/>
+          <a:lstStyle/>
+          <a:p>
+            <a:pPr algn="ctr"/>
+            <a:endParaRPr lang="en-US"/>
+          </a:p>
+        </p:txBody>
+      </p:sp>
+      <p:sp>
+        <p:nvSpPr>
+          <p:cNvPr id="26" name="Oval 25">
+            <a:extLst>
+              <a:ext uri="{FF2B5EF4-FFF2-40B4-BE49-F238E27FC236}">
+                <a16:creationId xmlns:a16="http://schemas.microsoft.com/office/drawing/2014/main" id="{5A49AFCD-71F1-9744-9CBA-3CFAB1E797E7}"/>
+              </a:ext>
+            </a:extLst>
+          </p:cNvPr>
+          <p:cNvSpPr/>
+          <p:nvPr/>
+        </p:nvSpPr>
+        <p:spPr>
+          <a:xfrm>
+            <a:off x="5656725" y="2788675"/>
+            <a:ext cx="89647" cy="89647"/>
+          </a:xfrm>
+          <a:prstGeom prst="ellipse">
+            <a:avLst/>
+          </a:prstGeom>
+        </p:spPr>
+        <p:style>
+          <a:lnRef idx="2">
+            <a:schemeClr val="accent1">
+              <a:shade val="50000"/>
+            </a:schemeClr>
+          </a:lnRef>
+          <a:fillRef idx="1">
+            <a:schemeClr val="accent1"/>
+          </a:fillRef>
+          <a:effectRef idx="0">
+            <a:schemeClr val="accent1"/>
+          </a:effectRef>
+          <a:fontRef idx="minor">
+            <a:schemeClr val="lt1"/>
+          </a:fontRef>
+        </p:style>
+        <p:txBody>
+          <a:bodyPr rtlCol="0" anchor="ctr"/>
+          <a:lstStyle/>
+          <a:p>
+            <a:pPr algn="ctr"/>
+            <a:endParaRPr lang="en-US"/>
+          </a:p>
+        </p:txBody>
+      </p:sp>
+      <p:sp>
+        <p:nvSpPr>
+          <p:cNvPr id="27" name="Oval 26">
+            <a:extLst>
+              <a:ext uri="{FF2B5EF4-FFF2-40B4-BE49-F238E27FC236}">
+                <a16:creationId xmlns:a16="http://schemas.microsoft.com/office/drawing/2014/main" id="{647D4375-289E-6447-B9A3-3A71A515E162}"/>
+              </a:ext>
+            </a:extLst>
+          </p:cNvPr>
+          <p:cNvSpPr/>
+          <p:nvPr/>
+        </p:nvSpPr>
+        <p:spPr>
+          <a:xfrm>
+            <a:off x="5567078" y="3066964"/>
+            <a:ext cx="89647" cy="89647"/>
+          </a:xfrm>
+          <a:prstGeom prst="ellipse">
+            <a:avLst/>
+          </a:prstGeom>
+        </p:spPr>
+        <p:style>
+          <a:lnRef idx="2">
+            <a:schemeClr val="accent1">
+              <a:shade val="50000"/>
+            </a:schemeClr>
+          </a:lnRef>
+          <a:fillRef idx="1">
+            <a:schemeClr val="accent1"/>
+          </a:fillRef>
+          <a:effectRef idx="0">
+            <a:schemeClr val="accent1"/>
+          </a:effectRef>
+          <a:fontRef idx="minor">
+            <a:schemeClr val="lt1"/>
+          </a:fontRef>
+        </p:style>
+        <p:txBody>
+          <a:bodyPr rtlCol="0" anchor="ctr"/>
+          <a:lstStyle/>
+          <a:p>
+            <a:pPr algn="ctr"/>
+            <a:endParaRPr lang="en-US"/>
+          </a:p>
+        </p:txBody>
+      </p:sp>
+      <p:sp>
+        <p:nvSpPr>
+          <p:cNvPr id="28" name="Oval 27">
+            <a:extLst>
+              <a:ext uri="{FF2B5EF4-FFF2-40B4-BE49-F238E27FC236}">
+                <a16:creationId xmlns:a16="http://schemas.microsoft.com/office/drawing/2014/main" id="{FF8D3DC8-1E2F-DD4E-A502-E1738B545265}"/>
+              </a:ext>
+            </a:extLst>
+          </p:cNvPr>
+          <p:cNvSpPr/>
+          <p:nvPr/>
+        </p:nvSpPr>
+        <p:spPr>
+          <a:xfrm>
+            <a:off x="5056100" y="2420564"/>
+            <a:ext cx="89647" cy="89647"/>
+          </a:xfrm>
+          <a:prstGeom prst="ellipse">
+            <a:avLst/>
+          </a:prstGeom>
+        </p:spPr>
+        <p:style>
+          <a:lnRef idx="2">
+            <a:schemeClr val="accent1">
+              <a:shade val="50000"/>
+            </a:schemeClr>
+          </a:lnRef>
+          <a:fillRef idx="1">
+            <a:schemeClr val="accent1"/>
+          </a:fillRef>
+          <a:effectRef idx="0">
+            <a:schemeClr val="accent1"/>
+          </a:effectRef>
+          <a:fontRef idx="minor">
+            <a:schemeClr val="lt1"/>
+          </a:fontRef>
+        </p:style>
+        <p:txBody>
+          <a:bodyPr rtlCol="0" anchor="ctr"/>
+          <a:lstStyle/>
+          <a:p>
+            <a:pPr algn="ctr"/>
+            <a:endParaRPr lang="en-US"/>
+          </a:p>
+        </p:txBody>
+      </p:sp>
+      <p:sp>
+        <p:nvSpPr>
+          <p:cNvPr id="29" name="Oval 28">
+            <a:extLst>
+              <a:ext uri="{FF2B5EF4-FFF2-40B4-BE49-F238E27FC236}">
+                <a16:creationId xmlns:a16="http://schemas.microsoft.com/office/drawing/2014/main" id="{EE7899E7-8403-664F-B100-365822D7E203}"/>
+              </a:ext>
+            </a:extLst>
+          </p:cNvPr>
+          <p:cNvSpPr/>
+          <p:nvPr/>
+        </p:nvSpPr>
+        <p:spPr>
+          <a:xfrm>
+            <a:off x="4814053" y="2627311"/>
+            <a:ext cx="89647" cy="89647"/>
+          </a:xfrm>
+          <a:prstGeom prst="ellipse">
+            <a:avLst/>
+          </a:prstGeom>
+        </p:spPr>
+        <p:style>
+          <a:lnRef idx="2">
+            <a:schemeClr val="accent1">
+              <a:shade val="50000"/>
+            </a:schemeClr>
+          </a:lnRef>
+          <a:fillRef idx="1">
+            <a:schemeClr val="accent1"/>
+          </a:fillRef>
+          <a:effectRef idx="0">
+            <a:schemeClr val="accent1"/>
+          </a:effectRef>
+          <a:fontRef idx="minor">
+            <a:schemeClr val="lt1"/>
+          </a:fontRef>
+        </p:style>
+        <p:txBody>
+          <a:bodyPr rtlCol="0" anchor="ctr"/>
+          <a:lstStyle/>
+          <a:p>
+            <a:pPr algn="ctr"/>
+            <a:endParaRPr lang="en-US"/>
+          </a:p>
+        </p:txBody>
+      </p:sp>
+      <p:sp>
+        <p:nvSpPr>
+          <p:cNvPr id="30" name="Oval 29">
+            <a:extLst>
+              <a:ext uri="{FF2B5EF4-FFF2-40B4-BE49-F238E27FC236}">
+                <a16:creationId xmlns:a16="http://schemas.microsoft.com/office/drawing/2014/main" id="{8F2CF7E6-0624-9343-A7FF-6D9E8240BE44}"/>
+              </a:ext>
+            </a:extLst>
+          </p:cNvPr>
+          <p:cNvSpPr/>
+          <p:nvPr/>
+        </p:nvSpPr>
+        <p:spPr>
+          <a:xfrm>
+            <a:off x="5118852" y="2716958"/>
+            <a:ext cx="89647" cy="89647"/>
+          </a:xfrm>
+          <a:prstGeom prst="ellipse">
+            <a:avLst/>
+          </a:prstGeom>
+        </p:spPr>
+        <p:style>
+          <a:lnRef idx="2">
+            <a:schemeClr val="accent1">
+              <a:shade val="50000"/>
+            </a:schemeClr>
+          </a:lnRef>
+          <a:fillRef idx="1">
+            <a:schemeClr val="accent1"/>
+          </a:fillRef>
+          <a:effectRef idx="0">
+            <a:schemeClr val="accent1"/>
+          </a:effectRef>
+          <a:fontRef idx="minor">
+            <a:schemeClr val="lt1"/>
+          </a:fontRef>
+        </p:style>
+        <p:txBody>
+          <a:bodyPr rtlCol="0" anchor="ctr"/>
+          <a:lstStyle/>
+          <a:p>
+            <a:pPr algn="ctr"/>
+            <a:endParaRPr lang="en-US"/>
+          </a:p>
+        </p:txBody>
+      </p:sp>
+      <p:sp>
+        <p:nvSpPr>
+          <p:cNvPr id="31" name="Oval 30">
+            <a:extLst>
+              <a:ext uri="{FF2B5EF4-FFF2-40B4-BE49-F238E27FC236}">
+                <a16:creationId xmlns:a16="http://schemas.microsoft.com/office/drawing/2014/main" id="{68F7EFDA-56DB-BF44-9D4E-349057B84153}"/>
+              </a:ext>
+            </a:extLst>
+          </p:cNvPr>
+          <p:cNvSpPr/>
+          <p:nvPr/>
+        </p:nvSpPr>
+        <p:spPr>
+          <a:xfrm>
+            <a:off x="5029205" y="2995247"/>
+            <a:ext cx="89647" cy="89647"/>
+          </a:xfrm>
+          <a:prstGeom prst="ellipse">
+            <a:avLst/>
+          </a:prstGeom>
+        </p:spPr>
+        <p:style>
+          <a:lnRef idx="2">
+            <a:schemeClr val="accent1">
+              <a:shade val="50000"/>
+            </a:schemeClr>
+          </a:lnRef>
+          <a:fillRef idx="1">
+            <a:schemeClr val="accent1"/>
+          </a:fillRef>
+          <a:effectRef idx="0">
+            <a:schemeClr val="accent1"/>
+          </a:effectRef>
+          <a:fontRef idx="minor">
+            <a:schemeClr val="lt1"/>
+          </a:fontRef>
+        </p:style>
+        <p:txBody>
+          <a:bodyPr rtlCol="0" anchor="ctr"/>
+          <a:lstStyle/>
+          <a:p>
+            <a:pPr algn="ctr"/>
+            <a:endParaRPr lang="en-US"/>
+          </a:p>
+        </p:txBody>
+      </p:sp>
+      <p:sp>
+        <p:nvSpPr>
+          <p:cNvPr id="32" name="Oval 31">
+            <a:extLst>
+              <a:ext uri="{FF2B5EF4-FFF2-40B4-BE49-F238E27FC236}">
+                <a16:creationId xmlns:a16="http://schemas.microsoft.com/office/drawing/2014/main" id="{7DA72522-A0F0-1A4C-A95B-920F8A68E623}"/>
+              </a:ext>
+            </a:extLst>
+          </p:cNvPr>
+          <p:cNvSpPr/>
+          <p:nvPr/>
+        </p:nvSpPr>
+        <p:spPr>
+          <a:xfrm>
+            <a:off x="5593973" y="2079910"/>
+            <a:ext cx="89647" cy="89647"/>
+          </a:xfrm>
+          <a:prstGeom prst="ellipse">
+            <a:avLst/>
+          </a:prstGeom>
+        </p:spPr>
+        <p:style>
+          <a:lnRef idx="2">
+            <a:schemeClr val="accent1">
+              <a:shade val="50000"/>
+            </a:schemeClr>
+          </a:lnRef>
+          <a:fillRef idx="1">
+            <a:schemeClr val="accent1"/>
+          </a:fillRef>
+          <a:effectRef idx="0">
+            <a:schemeClr val="accent1"/>
+          </a:effectRef>
+          <a:fontRef idx="minor">
+            <a:schemeClr val="lt1"/>
+          </a:fontRef>
+        </p:style>
+        <p:txBody>
+          <a:bodyPr rtlCol="0" anchor="ctr"/>
+          <a:lstStyle/>
+          <a:p>
+            <a:pPr algn="ctr"/>
+            <a:endParaRPr lang="en-US"/>
+          </a:p>
+        </p:txBody>
+      </p:sp>
+      <p:sp>
+        <p:nvSpPr>
+          <p:cNvPr id="33" name="Oval 32">
+            <a:extLst>
+              <a:ext uri="{FF2B5EF4-FFF2-40B4-BE49-F238E27FC236}">
+                <a16:creationId xmlns:a16="http://schemas.microsoft.com/office/drawing/2014/main" id="{83D76510-E850-194F-9BA9-3684961BC1CB}"/>
+              </a:ext>
+            </a:extLst>
+          </p:cNvPr>
+          <p:cNvSpPr/>
+          <p:nvPr/>
+        </p:nvSpPr>
+        <p:spPr>
+          <a:xfrm>
+            <a:off x="5351926" y="2286657"/>
+            <a:ext cx="89647" cy="89647"/>
+          </a:xfrm>
+          <a:prstGeom prst="ellipse">
+            <a:avLst/>
+          </a:prstGeom>
+        </p:spPr>
+        <p:style>
+          <a:lnRef idx="2">
+            <a:schemeClr val="accent1">
+              <a:shade val="50000"/>
+            </a:schemeClr>
+          </a:lnRef>
+          <a:fillRef idx="1">
+            <a:schemeClr val="accent1"/>
+          </a:fillRef>
+          <a:effectRef idx="0">
+            <a:schemeClr val="accent1"/>
+          </a:effectRef>
+          <a:fontRef idx="minor">
+            <a:schemeClr val="lt1"/>
+          </a:fontRef>
+        </p:style>
+        <p:txBody>
+          <a:bodyPr rtlCol="0" anchor="ctr"/>
+          <a:lstStyle/>
+          <a:p>
+            <a:pPr algn="ctr"/>
+            <a:endParaRPr lang="en-US"/>
+          </a:p>
+        </p:txBody>
+      </p:sp>
+      <p:sp>
+        <p:nvSpPr>
+          <p:cNvPr id="34" name="Oval 33">
+            <a:extLst>
+              <a:ext uri="{FF2B5EF4-FFF2-40B4-BE49-F238E27FC236}">
+                <a16:creationId xmlns:a16="http://schemas.microsoft.com/office/drawing/2014/main" id="{BACFB913-2974-A040-92F7-00D0F31A7040}"/>
+              </a:ext>
+            </a:extLst>
+          </p:cNvPr>
+          <p:cNvSpPr/>
+          <p:nvPr/>
+        </p:nvSpPr>
+        <p:spPr>
+          <a:xfrm>
+            <a:off x="5656725" y="2376304"/>
+            <a:ext cx="89647" cy="89647"/>
+          </a:xfrm>
+          <a:prstGeom prst="ellipse">
+            <a:avLst/>
+          </a:prstGeom>
+        </p:spPr>
+        <p:style>
+          <a:lnRef idx="2">
+            <a:schemeClr val="accent1">
+              <a:shade val="50000"/>
+            </a:schemeClr>
+          </a:lnRef>
+          <a:fillRef idx="1">
+            <a:schemeClr val="accent1"/>
+          </a:fillRef>
+          <a:effectRef idx="0">
+            <a:schemeClr val="accent1"/>
+          </a:effectRef>
+          <a:fontRef idx="minor">
+            <a:schemeClr val="lt1"/>
+          </a:fontRef>
+        </p:style>
+        <p:txBody>
+          <a:bodyPr rtlCol="0" anchor="ctr"/>
+          <a:lstStyle/>
+          <a:p>
+            <a:pPr algn="ctr"/>
+            <a:endParaRPr lang="en-US"/>
+          </a:p>
+        </p:txBody>
+      </p:sp>
+      <p:sp>
+        <p:nvSpPr>
+          <p:cNvPr id="35" name="Oval 34">
+            <a:extLst>
+              <a:ext uri="{FF2B5EF4-FFF2-40B4-BE49-F238E27FC236}">
+                <a16:creationId xmlns:a16="http://schemas.microsoft.com/office/drawing/2014/main" id="{E09BC626-1754-634F-A70C-4E5E3DD2DE3C}"/>
+              </a:ext>
+            </a:extLst>
+          </p:cNvPr>
+          <p:cNvSpPr/>
+          <p:nvPr/>
+        </p:nvSpPr>
+        <p:spPr>
+          <a:xfrm>
+            <a:off x="5567078" y="2654593"/>
+            <a:ext cx="89647" cy="89647"/>
+          </a:xfrm>
+          <a:prstGeom prst="ellipse">
+            <a:avLst/>
+          </a:prstGeom>
+        </p:spPr>
+        <p:style>
+          <a:lnRef idx="2">
+            <a:schemeClr val="accent1">
+              <a:shade val="50000"/>
+            </a:schemeClr>
+          </a:lnRef>
+          <a:fillRef idx="1">
+            <a:schemeClr val="accent1"/>
+          </a:fillRef>
+          <a:effectRef idx="0">
+            <a:schemeClr val="accent1"/>
+          </a:effectRef>
+          <a:fontRef idx="minor">
+            <a:schemeClr val="lt1"/>
+          </a:fontRef>
+        </p:style>
+        <p:txBody>
+          <a:bodyPr rtlCol="0" anchor="ctr"/>
+          <a:lstStyle/>
+          <a:p>
+            <a:pPr algn="ctr"/>
+            <a:endParaRPr lang="en-US"/>
+          </a:p>
+        </p:txBody>
+      </p:sp>
+      <p:sp>
+        <p:nvSpPr>
+          <p:cNvPr id="37" name="Rectangle 36">
+            <a:extLst>
+              <a:ext uri="{FF2B5EF4-FFF2-40B4-BE49-F238E27FC236}">
+                <a16:creationId xmlns:a16="http://schemas.microsoft.com/office/drawing/2014/main" id="{4F351C0C-1789-A74A-9332-C6903AC14371}"/>
+              </a:ext>
+            </a:extLst>
+          </p:cNvPr>
+          <p:cNvSpPr/>
+          <p:nvPr/>
+        </p:nvSpPr>
+        <p:spPr>
+          <a:xfrm>
+            <a:off x="6239435" y="2465387"/>
+            <a:ext cx="116541" cy="116541"/>
+          </a:xfrm>
+          <a:prstGeom prst="rect">
+            <a:avLst/>
+          </a:prstGeom>
+          <a:solidFill>
+            <a:schemeClr val="accent4">
+              <a:lumMod val="60000"/>
+              <a:lumOff val="40000"/>
+            </a:schemeClr>
+          </a:solidFill>
+          <a:ln>
+            <a:solidFill>
+              <a:schemeClr val="accent4"/>
+            </a:solidFill>
+          </a:ln>
+        </p:spPr>
+        <p:style>
+          <a:lnRef idx="2">
+            <a:schemeClr val="accent1">
+              <a:shade val="50000"/>
+            </a:schemeClr>
+          </a:lnRef>
+          <a:fillRef idx="1">
+            <a:schemeClr val="accent1"/>
+          </a:fillRef>
+          <a:effectRef idx="0">
+            <a:schemeClr val="accent1"/>
+          </a:effectRef>
+          <a:fontRef idx="minor">
+            <a:schemeClr val="lt1"/>
+          </a:fontRef>
+        </p:style>
+        <p:txBody>
+          <a:bodyPr rtlCol="0" anchor="ctr"/>
+          <a:lstStyle/>
+          <a:p>
+            <a:pPr algn="ctr"/>
+            <a:endParaRPr lang="en-US"/>
+          </a:p>
+        </p:txBody>
+      </p:sp>
+      <p:sp>
+        <p:nvSpPr>
+          <p:cNvPr id="41" name="Rectangle 40">
+            <a:extLst>
+              <a:ext uri="{FF2B5EF4-FFF2-40B4-BE49-F238E27FC236}">
+                <a16:creationId xmlns:a16="http://schemas.microsoft.com/office/drawing/2014/main" id="{0DAEF6EF-101E-114D-8063-ED2BBB646BDB}"/>
+              </a:ext>
+            </a:extLst>
+          </p:cNvPr>
+          <p:cNvSpPr/>
+          <p:nvPr/>
+        </p:nvSpPr>
+        <p:spPr>
+          <a:xfrm>
+            <a:off x="6391835" y="2617787"/>
+            <a:ext cx="116541" cy="116541"/>
+          </a:xfrm>
+          <a:prstGeom prst="rect">
+            <a:avLst/>
+          </a:prstGeom>
+          <a:solidFill>
+            <a:schemeClr val="accent4">
+              <a:lumMod val="60000"/>
+              <a:lumOff val="40000"/>
+            </a:schemeClr>
+          </a:solidFill>
+          <a:ln>
+            <a:solidFill>
+              <a:schemeClr val="accent4"/>
+            </a:solidFill>
+          </a:ln>
+        </p:spPr>
+        <p:style>
+          <a:lnRef idx="2">
+            <a:schemeClr val="accent1">
+              <a:shade val="50000"/>
+            </a:schemeClr>
+          </a:lnRef>
+          <a:fillRef idx="1">
+            <a:schemeClr val="accent1"/>
+          </a:fillRef>
+          <a:effectRef idx="0">
+            <a:schemeClr val="accent1"/>
+          </a:effectRef>
+          <a:fontRef idx="minor">
+            <a:schemeClr val="lt1"/>
+          </a:fontRef>
+        </p:style>
+        <p:txBody>
+          <a:bodyPr rtlCol="0" anchor="ctr"/>
+          <a:lstStyle/>
+          <a:p>
+            <a:pPr algn="ctr"/>
+            <a:endParaRPr lang="en-US"/>
+          </a:p>
+        </p:txBody>
+      </p:sp>
+      <p:sp>
+        <p:nvSpPr>
+          <p:cNvPr id="42" name="Rectangle 41">
+            <a:extLst>
+              <a:ext uri="{FF2B5EF4-FFF2-40B4-BE49-F238E27FC236}">
+                <a16:creationId xmlns:a16="http://schemas.microsoft.com/office/drawing/2014/main" id="{61DEEF38-B529-C14C-87BA-744A8F84CB49}"/>
+              </a:ext>
+            </a:extLst>
+          </p:cNvPr>
+          <p:cNvSpPr/>
+          <p:nvPr/>
+        </p:nvSpPr>
+        <p:spPr>
+          <a:xfrm>
+            <a:off x="6544235" y="2770187"/>
+            <a:ext cx="116541" cy="116541"/>
+          </a:xfrm>
+          <a:prstGeom prst="rect">
+            <a:avLst/>
+          </a:prstGeom>
+          <a:solidFill>
+            <a:schemeClr val="accent4">
+              <a:lumMod val="60000"/>
+              <a:lumOff val="40000"/>
+            </a:schemeClr>
+          </a:solidFill>
+          <a:ln>
+            <a:solidFill>
+              <a:schemeClr val="accent4"/>
+            </a:solidFill>
+          </a:ln>
+        </p:spPr>
+        <p:style>
+          <a:lnRef idx="2">
+            <a:schemeClr val="accent1">
+              <a:shade val="50000"/>
+            </a:schemeClr>
+          </a:lnRef>
+          <a:fillRef idx="1">
+            <a:schemeClr val="accent1"/>
+          </a:fillRef>
+          <a:effectRef idx="0">
+            <a:schemeClr val="accent1"/>
+          </a:effectRef>
+          <a:fontRef idx="minor">
+            <a:schemeClr val="lt1"/>
+          </a:fontRef>
+        </p:style>
+        <p:txBody>
+          <a:bodyPr rtlCol="0" anchor="ctr"/>
+          <a:lstStyle/>
+          <a:p>
+            <a:pPr algn="ctr"/>
+            <a:endParaRPr lang="en-US"/>
+          </a:p>
+        </p:txBody>
+      </p:sp>
+      <p:sp>
+        <p:nvSpPr>
+          <p:cNvPr id="43" name="Rectangle 42">
+            <a:extLst>
+              <a:ext uri="{FF2B5EF4-FFF2-40B4-BE49-F238E27FC236}">
+                <a16:creationId xmlns:a16="http://schemas.microsoft.com/office/drawing/2014/main" id="{C6DFEDF6-732D-F844-A49A-A75DE1CA34CE}"/>
+              </a:ext>
+            </a:extLst>
+          </p:cNvPr>
+          <p:cNvSpPr/>
+          <p:nvPr/>
+        </p:nvSpPr>
+        <p:spPr>
+          <a:xfrm>
+            <a:off x="6787228" y="2743014"/>
+            <a:ext cx="116541" cy="116541"/>
+          </a:xfrm>
+          <a:prstGeom prst="rect">
+            <a:avLst/>
+          </a:prstGeom>
+          <a:solidFill>
+            <a:schemeClr val="accent4">
+              <a:lumMod val="60000"/>
+              <a:lumOff val="40000"/>
+            </a:schemeClr>
+          </a:solidFill>
+          <a:ln>
+            <a:solidFill>
+              <a:schemeClr val="accent4"/>
+            </a:solidFill>
+          </a:ln>
+        </p:spPr>
+        <p:style>
+          <a:lnRef idx="2">
+            <a:schemeClr val="accent1">
+              <a:shade val="50000"/>
+            </a:schemeClr>
+          </a:lnRef>
+          <a:fillRef idx="1">
+            <a:schemeClr val="accent1"/>
+          </a:fillRef>
+          <a:effectRef idx="0">
+            <a:schemeClr val="accent1"/>
+          </a:effectRef>
+          <a:fontRef idx="minor">
+            <a:schemeClr val="lt1"/>
+          </a:fontRef>
+        </p:style>
+        <p:txBody>
+          <a:bodyPr rtlCol="0" anchor="ctr"/>
+          <a:lstStyle/>
+          <a:p>
+            <a:pPr algn="ctr"/>
+            <a:endParaRPr lang="en-US"/>
+          </a:p>
+        </p:txBody>
+      </p:sp>
+      <p:sp>
+        <p:nvSpPr>
+          <p:cNvPr id="44" name="Rectangle 43">
+            <a:extLst>
+              <a:ext uri="{FF2B5EF4-FFF2-40B4-BE49-F238E27FC236}">
+                <a16:creationId xmlns:a16="http://schemas.microsoft.com/office/drawing/2014/main" id="{E18AF31F-7B3F-5145-BACB-96465156022C}"/>
+              </a:ext>
+            </a:extLst>
+          </p:cNvPr>
+          <p:cNvSpPr/>
+          <p:nvPr/>
+        </p:nvSpPr>
+        <p:spPr>
+          <a:xfrm>
+            <a:off x="6296745" y="2950423"/>
+            <a:ext cx="116541" cy="116541"/>
+          </a:xfrm>
+          <a:prstGeom prst="rect">
+            <a:avLst/>
+          </a:prstGeom>
+          <a:solidFill>
+            <a:schemeClr val="accent4">
+              <a:lumMod val="60000"/>
+              <a:lumOff val="40000"/>
+            </a:schemeClr>
+          </a:solidFill>
+          <a:ln>
+            <a:solidFill>
+              <a:schemeClr val="accent4"/>
+            </a:solidFill>
+          </a:ln>
+        </p:spPr>
+        <p:style>
+          <a:lnRef idx="2">
+            <a:schemeClr val="accent1">
+              <a:shade val="50000"/>
+            </a:schemeClr>
+          </a:lnRef>
+          <a:fillRef idx="1">
+            <a:schemeClr val="accent1"/>
+          </a:fillRef>
+          <a:effectRef idx="0">
+            <a:schemeClr val="accent1"/>
+          </a:effectRef>
+          <a:fontRef idx="minor">
+            <a:schemeClr val="lt1"/>
+          </a:fontRef>
+        </p:style>
+        <p:txBody>
+          <a:bodyPr rtlCol="0" anchor="ctr"/>
+          <a:lstStyle/>
+          <a:p>
+            <a:pPr algn="ctr"/>
+            <a:endParaRPr lang="en-US"/>
+          </a:p>
+        </p:txBody>
+      </p:sp>
+      <p:sp>
+        <p:nvSpPr>
+          <p:cNvPr id="45" name="Rectangle 44">
+            <a:extLst>
+              <a:ext uri="{FF2B5EF4-FFF2-40B4-BE49-F238E27FC236}">
+                <a16:creationId xmlns:a16="http://schemas.microsoft.com/office/drawing/2014/main" id="{0B397D56-C51C-1C4C-AEBA-CB9BE00CC6EA}"/>
+              </a:ext>
+            </a:extLst>
+          </p:cNvPr>
+          <p:cNvSpPr/>
+          <p:nvPr/>
+        </p:nvSpPr>
+        <p:spPr>
+          <a:xfrm>
+            <a:off x="6589714" y="2367427"/>
+            <a:ext cx="116541" cy="116541"/>
+          </a:xfrm>
+          <a:prstGeom prst="rect">
+            <a:avLst/>
+          </a:prstGeom>
+          <a:solidFill>
+            <a:schemeClr val="accent4">
+              <a:lumMod val="60000"/>
+              <a:lumOff val="40000"/>
+            </a:schemeClr>
+          </a:solidFill>
+          <a:ln>
+            <a:solidFill>
+              <a:schemeClr val="accent4"/>
+            </a:solidFill>
+          </a:ln>
+        </p:spPr>
+        <p:style>
+          <a:lnRef idx="2">
+            <a:schemeClr val="accent1">
+              <a:shade val="50000"/>
+            </a:schemeClr>
+          </a:lnRef>
+          <a:fillRef idx="1">
+            <a:schemeClr val="accent1"/>
+          </a:fillRef>
+          <a:effectRef idx="0">
+            <a:schemeClr val="accent1"/>
+          </a:effectRef>
+          <a:fontRef idx="minor">
+            <a:schemeClr val="lt1"/>
+          </a:fontRef>
+        </p:style>
+        <p:txBody>
+          <a:bodyPr rtlCol="0" anchor="ctr"/>
+          <a:lstStyle/>
+          <a:p>
+            <a:pPr algn="ctr"/>
+            <a:endParaRPr lang="en-US"/>
+          </a:p>
+        </p:txBody>
+      </p:sp>
+      <p:sp>
+        <p:nvSpPr>
+          <p:cNvPr id="46" name="Rectangle 45">
+            <a:extLst>
+              <a:ext uri="{FF2B5EF4-FFF2-40B4-BE49-F238E27FC236}">
+                <a16:creationId xmlns:a16="http://schemas.microsoft.com/office/drawing/2014/main" id="{9DBEDB98-DCEA-3546-AD0D-8C3B13BB3EC9}"/>
+              </a:ext>
+            </a:extLst>
+          </p:cNvPr>
+          <p:cNvSpPr/>
+          <p:nvPr/>
+        </p:nvSpPr>
+        <p:spPr>
+          <a:xfrm>
+            <a:off x="5961529" y="2868796"/>
+            <a:ext cx="116541" cy="116541"/>
+          </a:xfrm>
+          <a:prstGeom prst="rect">
+            <a:avLst/>
+          </a:prstGeom>
+          <a:solidFill>
+            <a:schemeClr val="accent4">
+              <a:lumMod val="60000"/>
+              <a:lumOff val="40000"/>
+            </a:schemeClr>
+          </a:solidFill>
+          <a:ln>
+            <a:solidFill>
+              <a:schemeClr val="accent4"/>
+            </a:solidFill>
+          </a:ln>
+        </p:spPr>
+        <p:style>
+          <a:lnRef idx="2">
+            <a:schemeClr val="accent1">
+              <a:shade val="50000"/>
+            </a:schemeClr>
+          </a:lnRef>
+          <a:fillRef idx="1">
+            <a:schemeClr val="accent1"/>
+          </a:fillRef>
+          <a:effectRef idx="0">
+            <a:schemeClr val="accent1"/>
+          </a:effectRef>
+          <a:fontRef idx="minor">
+            <a:schemeClr val="lt1"/>
+          </a:fontRef>
+        </p:style>
+        <p:txBody>
+          <a:bodyPr rtlCol="0" anchor="ctr"/>
+          <a:lstStyle/>
+          <a:p>
+            <a:pPr algn="ctr"/>
+            <a:endParaRPr lang="en-US"/>
+          </a:p>
+        </p:txBody>
+      </p:sp>
+      <p:sp>
+        <p:nvSpPr>
+          <p:cNvPr id="47" name="Rectangle 46">
+            <a:extLst>
+              <a:ext uri="{FF2B5EF4-FFF2-40B4-BE49-F238E27FC236}">
+                <a16:creationId xmlns:a16="http://schemas.microsoft.com/office/drawing/2014/main" id="{9153B1E0-BFAC-284D-890F-A05DC7C0F36F}"/>
+              </a:ext>
+            </a:extLst>
+          </p:cNvPr>
+          <p:cNvSpPr/>
+          <p:nvPr/>
+        </p:nvSpPr>
+        <p:spPr>
+          <a:xfrm>
+            <a:off x="6113929" y="3021196"/>
+            <a:ext cx="116541" cy="116541"/>
+          </a:xfrm>
+          <a:prstGeom prst="rect">
+            <a:avLst/>
+          </a:prstGeom>
+          <a:solidFill>
+            <a:schemeClr val="accent4">
+              <a:lumMod val="60000"/>
+              <a:lumOff val="40000"/>
+            </a:schemeClr>
+          </a:solidFill>
+          <a:ln>
+            <a:solidFill>
+              <a:schemeClr val="accent4"/>
+            </a:solidFill>
+          </a:ln>
+        </p:spPr>
+        <p:style>
+          <a:lnRef idx="2">
+            <a:schemeClr val="accent1">
+              <a:shade val="50000"/>
+            </a:schemeClr>
+          </a:lnRef>
+          <a:fillRef idx="1">
+            <a:schemeClr val="accent1"/>
+          </a:fillRef>
+          <a:effectRef idx="0">
+            <a:schemeClr val="accent1"/>
+          </a:effectRef>
+          <a:fontRef idx="minor">
+            <a:schemeClr val="lt1"/>
+          </a:fontRef>
+        </p:style>
+        <p:txBody>
+          <a:bodyPr rtlCol="0" anchor="ctr"/>
+          <a:lstStyle/>
+          <a:p>
+            <a:pPr algn="ctr"/>
+            <a:endParaRPr lang="en-US"/>
+          </a:p>
+        </p:txBody>
+      </p:sp>
+      <p:sp>
+        <p:nvSpPr>
+          <p:cNvPr id="61" name="Rectangle 60">
+            <a:extLst>
+              <a:ext uri="{FF2B5EF4-FFF2-40B4-BE49-F238E27FC236}">
+                <a16:creationId xmlns:a16="http://schemas.microsoft.com/office/drawing/2014/main" id="{51007772-B5B1-3D44-A554-71F9CC253706}"/>
+              </a:ext>
+            </a:extLst>
+          </p:cNvPr>
+          <p:cNvSpPr/>
+          <p:nvPr/>
+        </p:nvSpPr>
+        <p:spPr>
+          <a:xfrm>
+            <a:off x="5943603" y="2061979"/>
+            <a:ext cx="116541" cy="116541"/>
+          </a:xfrm>
+          <a:prstGeom prst="rect">
+            <a:avLst/>
+          </a:prstGeom>
+          <a:solidFill>
+            <a:schemeClr val="accent4">
+              <a:lumMod val="60000"/>
+              <a:lumOff val="40000"/>
+            </a:schemeClr>
+          </a:solidFill>
+          <a:ln>
+            <a:solidFill>
+              <a:schemeClr val="accent4"/>
+            </a:solidFill>
+          </a:ln>
+        </p:spPr>
+        <p:style>
+          <a:lnRef idx="2">
+            <a:schemeClr val="accent1">
+              <a:shade val="50000"/>
+            </a:schemeClr>
+          </a:lnRef>
+          <a:fillRef idx="1">
+            <a:schemeClr val="accent1"/>
+          </a:fillRef>
+          <a:effectRef idx="0">
+            <a:schemeClr val="accent1"/>
+          </a:effectRef>
+          <a:fontRef idx="minor">
+            <a:schemeClr val="lt1"/>
+          </a:fontRef>
+        </p:style>
+        <p:txBody>
+          <a:bodyPr rtlCol="0" anchor="ctr"/>
+          <a:lstStyle/>
+          <a:p>
+            <a:pPr algn="ctr"/>
+            <a:endParaRPr lang="en-US"/>
+          </a:p>
+        </p:txBody>
+      </p:sp>
+      <p:sp>
+        <p:nvSpPr>
+          <p:cNvPr id="62" name="Rectangle 61">
+            <a:extLst>
+              <a:ext uri="{FF2B5EF4-FFF2-40B4-BE49-F238E27FC236}">
+                <a16:creationId xmlns:a16="http://schemas.microsoft.com/office/drawing/2014/main" id="{E6C65626-1E3D-8B46-82AF-03D75859058C}"/>
+              </a:ext>
+            </a:extLst>
+          </p:cNvPr>
+          <p:cNvSpPr/>
+          <p:nvPr/>
+        </p:nvSpPr>
+        <p:spPr>
+          <a:xfrm>
+            <a:off x="6096003" y="2214379"/>
+            <a:ext cx="116541" cy="116541"/>
+          </a:xfrm>
+          <a:prstGeom prst="rect">
+            <a:avLst/>
+          </a:prstGeom>
+          <a:solidFill>
+            <a:schemeClr val="accent4">
+              <a:lumMod val="60000"/>
+              <a:lumOff val="40000"/>
+            </a:schemeClr>
+          </a:solidFill>
+          <a:ln>
+            <a:solidFill>
+              <a:schemeClr val="accent4"/>
+            </a:solidFill>
+          </a:ln>
+        </p:spPr>
+        <p:style>
+          <a:lnRef idx="2">
+            <a:schemeClr val="accent1">
+              <a:shade val="50000"/>
+            </a:schemeClr>
+          </a:lnRef>
+          <a:fillRef idx="1">
+            <a:schemeClr val="accent1"/>
+          </a:fillRef>
+          <a:effectRef idx="0">
+            <a:schemeClr val="accent1"/>
+          </a:effectRef>
+          <a:fontRef idx="minor">
+            <a:schemeClr val="lt1"/>
+          </a:fontRef>
+        </p:style>
+        <p:txBody>
+          <a:bodyPr rtlCol="0" anchor="ctr"/>
+          <a:lstStyle/>
+          <a:p>
+            <a:pPr algn="ctr"/>
+            <a:endParaRPr lang="en-US"/>
+          </a:p>
+        </p:txBody>
+      </p:sp>
+      <p:sp>
+        <p:nvSpPr>
+          <p:cNvPr id="63" name="Rectangle 62">
+            <a:extLst>
+              <a:ext uri="{FF2B5EF4-FFF2-40B4-BE49-F238E27FC236}">
+                <a16:creationId xmlns:a16="http://schemas.microsoft.com/office/drawing/2014/main" id="{F26CF888-64D6-964C-9289-ADEB7A8B5112}"/>
+              </a:ext>
+            </a:extLst>
+          </p:cNvPr>
+          <p:cNvSpPr/>
+          <p:nvPr/>
+        </p:nvSpPr>
+        <p:spPr>
+          <a:xfrm>
+            <a:off x="6248403" y="2366779"/>
+            <a:ext cx="116541" cy="116541"/>
+          </a:xfrm>
+          <a:prstGeom prst="rect">
+            <a:avLst/>
+          </a:prstGeom>
+          <a:solidFill>
+            <a:schemeClr val="accent4">
+              <a:lumMod val="60000"/>
+              <a:lumOff val="40000"/>
+            </a:schemeClr>
+          </a:solidFill>
+          <a:ln>
+            <a:solidFill>
+              <a:schemeClr val="accent4"/>
+            </a:solidFill>
+          </a:ln>
+        </p:spPr>
+        <p:style>
+          <a:lnRef idx="2">
+            <a:schemeClr val="accent1">
+              <a:shade val="50000"/>
+            </a:schemeClr>
+          </a:lnRef>
+          <a:fillRef idx="1">
+            <a:schemeClr val="accent1"/>
+          </a:fillRef>
+          <a:effectRef idx="0">
+            <a:schemeClr val="accent1"/>
+          </a:effectRef>
+          <a:fontRef idx="minor">
+            <a:schemeClr val="lt1"/>
+          </a:fontRef>
+        </p:style>
+        <p:txBody>
+          <a:bodyPr rtlCol="0" anchor="ctr"/>
+          <a:lstStyle/>
+          <a:p>
+            <a:pPr algn="ctr"/>
+            <a:endParaRPr lang="en-US"/>
+          </a:p>
+        </p:txBody>
+      </p:sp>
+      <p:sp>
+        <p:nvSpPr>
+          <p:cNvPr id="64" name="Rectangle 63">
+            <a:extLst>
+              <a:ext uri="{FF2B5EF4-FFF2-40B4-BE49-F238E27FC236}">
+                <a16:creationId xmlns:a16="http://schemas.microsoft.com/office/drawing/2014/main" id="{F0D5ABA4-D47C-1641-B69C-067B529B7DD7}"/>
+              </a:ext>
+            </a:extLst>
+          </p:cNvPr>
+          <p:cNvSpPr/>
+          <p:nvPr/>
+        </p:nvSpPr>
+        <p:spPr>
+          <a:xfrm>
+            <a:off x="6491396" y="2339606"/>
+            <a:ext cx="116541" cy="116541"/>
+          </a:xfrm>
+          <a:prstGeom prst="rect">
+            <a:avLst/>
+          </a:prstGeom>
+          <a:solidFill>
+            <a:schemeClr val="accent4">
+              <a:lumMod val="60000"/>
+              <a:lumOff val="40000"/>
+            </a:schemeClr>
+          </a:solidFill>
+          <a:ln>
+            <a:solidFill>
+              <a:schemeClr val="accent4"/>
+            </a:solidFill>
+          </a:ln>
+        </p:spPr>
+        <p:style>
+          <a:lnRef idx="2">
+            <a:schemeClr val="accent1">
+              <a:shade val="50000"/>
+            </a:schemeClr>
+          </a:lnRef>
+          <a:fillRef idx="1">
+            <a:schemeClr val="accent1"/>
+          </a:fillRef>
+          <a:effectRef idx="0">
+            <a:schemeClr val="accent1"/>
+          </a:effectRef>
+          <a:fontRef idx="minor">
+            <a:schemeClr val="lt1"/>
+          </a:fontRef>
+        </p:style>
+        <p:txBody>
+          <a:bodyPr rtlCol="0" anchor="ctr"/>
+          <a:lstStyle/>
+          <a:p>
+            <a:pPr algn="ctr"/>
+            <a:endParaRPr lang="en-US"/>
+          </a:p>
+        </p:txBody>
+      </p:sp>
+      <p:sp>
+        <p:nvSpPr>
+          <p:cNvPr id="65" name="Rectangle 64">
+            <a:extLst>
+              <a:ext uri="{FF2B5EF4-FFF2-40B4-BE49-F238E27FC236}">
+                <a16:creationId xmlns:a16="http://schemas.microsoft.com/office/drawing/2014/main" id="{7B349DC4-7C98-7E46-AD0D-7DD99FB9C444}"/>
+              </a:ext>
+            </a:extLst>
+          </p:cNvPr>
+          <p:cNvSpPr/>
+          <p:nvPr/>
+        </p:nvSpPr>
+        <p:spPr>
+          <a:xfrm>
+            <a:off x="6000913" y="2547015"/>
+            <a:ext cx="116541" cy="116541"/>
+          </a:xfrm>
+          <a:prstGeom prst="rect">
+            <a:avLst/>
+          </a:prstGeom>
+          <a:solidFill>
+            <a:schemeClr val="accent4">
+              <a:lumMod val="60000"/>
+              <a:lumOff val="40000"/>
+            </a:schemeClr>
+          </a:solidFill>
+          <a:ln>
+            <a:solidFill>
+              <a:schemeClr val="accent4"/>
+            </a:solidFill>
+          </a:ln>
+        </p:spPr>
+        <p:style>
+          <a:lnRef idx="2">
+            <a:schemeClr val="accent1">
+              <a:shade val="50000"/>
+            </a:schemeClr>
+          </a:lnRef>
+          <a:fillRef idx="1">
+            <a:schemeClr val="accent1"/>
+          </a:fillRef>
+          <a:effectRef idx="0">
+            <a:schemeClr val="accent1"/>
+          </a:effectRef>
+          <a:fontRef idx="minor">
+            <a:schemeClr val="lt1"/>
+          </a:fontRef>
+        </p:style>
+        <p:txBody>
+          <a:bodyPr rtlCol="0" anchor="ctr"/>
+          <a:lstStyle/>
+          <a:p>
+            <a:pPr algn="ctr"/>
+            <a:endParaRPr lang="en-US"/>
+          </a:p>
+        </p:txBody>
+      </p:sp>
+      <p:sp>
+        <p:nvSpPr>
+          <p:cNvPr id="70" name="TextBox 69">
+            <a:extLst>
+              <a:ext uri="{FF2B5EF4-FFF2-40B4-BE49-F238E27FC236}">
+                <a16:creationId xmlns:a16="http://schemas.microsoft.com/office/drawing/2014/main" id="{CF0E41A2-EE25-AE44-9CFE-F259A83E4D88}"/>
+              </a:ext>
+            </a:extLst>
+          </p:cNvPr>
+          <p:cNvSpPr txBox="1"/>
+          <p:nvPr/>
+        </p:nvSpPr>
+        <p:spPr>
+          <a:xfrm>
+            <a:off x="5078978" y="4466309"/>
+            <a:ext cx="362600" cy="369332"/>
+          </a:xfrm>
+          <a:prstGeom prst="rect">
+            <a:avLst/>
+          </a:prstGeom>
+          <a:noFill/>
+        </p:spPr>
+        <p:txBody>
+          <a:bodyPr wrap="none" rtlCol="0">
+            <a:spAutoFit/>
+          </a:bodyPr>
+          <a:lstStyle/>
+          <a:p>
+            <a:r>
+              <a:rPr lang="en-US" dirty="0"/>
+              <a:t>m</a:t>
+            </a:r>
+          </a:p>
+        </p:txBody>
+      </p:sp>
+      <p:sp>
+        <p:nvSpPr>
+          <p:cNvPr id="71" name="TextBox 70">
+            <a:extLst>
+              <a:ext uri="{FF2B5EF4-FFF2-40B4-BE49-F238E27FC236}">
+                <a16:creationId xmlns:a16="http://schemas.microsoft.com/office/drawing/2014/main" id="{82D016C9-2EC8-1047-9F9C-706B12445A74}"/>
+              </a:ext>
+            </a:extLst>
+          </p:cNvPr>
+          <p:cNvSpPr txBox="1"/>
+          <p:nvPr/>
+        </p:nvSpPr>
+        <p:spPr>
+          <a:xfrm>
+            <a:off x="6163706" y="4494547"/>
+            <a:ext cx="301686" cy="369332"/>
+          </a:xfrm>
+          <a:prstGeom prst="rect">
+            <a:avLst/>
+          </a:prstGeom>
+          <a:noFill/>
+        </p:spPr>
+        <p:txBody>
+          <a:bodyPr wrap="none" rtlCol="0">
+            <a:spAutoFit/>
+          </a:bodyPr>
+          <a:lstStyle/>
+          <a:p>
+            <a:r>
+              <a:rPr lang="en-US" dirty="0"/>
+              <a:t>n</a:t>
+            </a:r>
+          </a:p>
+        </p:txBody>
+      </p:sp>
+      <p:cxnSp>
+        <p:nvCxnSpPr>
+          <p:cNvPr id="5" name="Straight Connector 4">
+            <a:extLst>
+              <a:ext uri="{FF2B5EF4-FFF2-40B4-BE49-F238E27FC236}">
+                <a16:creationId xmlns:a16="http://schemas.microsoft.com/office/drawing/2014/main" id="{2296CE3E-97BB-3B48-AD2B-8FAFCBB24DED}"/>
+              </a:ext>
+            </a:extLst>
+          </p:cNvPr>
+          <p:cNvCxnSpPr>
+            <a:stCxn id="6" idx="0"/>
+          </p:cNvCxnSpPr>
+          <p:nvPr/>
+        </p:nvCxnSpPr>
+        <p:spPr>
+          <a:xfrm flipH="1">
+            <a:off x="5861742" y="1920505"/>
+            <a:ext cx="7495" cy="1289512"/>
+          </a:xfrm>
+          <a:prstGeom prst="line">
+            <a:avLst/>
+          </a:prstGeom>
+          <a:ln>
+            <a:solidFill>
+              <a:schemeClr val="accent6"/>
+            </a:solidFill>
+          </a:ln>
+        </p:spPr>
+        <p:style>
+          <a:lnRef idx="1">
+            <a:schemeClr val="accent1"/>
+          </a:lnRef>
+          <a:fillRef idx="0">
+            <a:schemeClr val="accent1"/>
+          </a:fillRef>
+          <a:effectRef idx="0">
+            <a:schemeClr val="accent1"/>
+          </a:effectRef>
+          <a:fontRef idx="minor">
+            <a:schemeClr val="tx1"/>
+          </a:fontRef>
+        </p:style>
+      </p:cxnSp>
+      <p:cxnSp>
+        <p:nvCxnSpPr>
+          <p:cNvPr id="68" name="Straight Connector 67">
+            <a:extLst>
+              <a:ext uri="{FF2B5EF4-FFF2-40B4-BE49-F238E27FC236}">
+                <a16:creationId xmlns:a16="http://schemas.microsoft.com/office/drawing/2014/main" id="{C6461960-0A10-7F4E-8283-904CE0E98C1E}"/>
+              </a:ext>
+            </a:extLst>
+          </p:cNvPr>
+          <p:cNvCxnSpPr>
+            <a:cxnSpLocks/>
+          </p:cNvCxnSpPr>
+          <p:nvPr/>
+        </p:nvCxnSpPr>
+        <p:spPr>
+          <a:xfrm flipV="1">
+            <a:off x="5878271" y="3048093"/>
+            <a:ext cx="1310100" cy="125503"/>
+          </a:xfrm>
+          <a:prstGeom prst="line">
+            <a:avLst/>
+          </a:prstGeom>
+          <a:ln>
+            <a:solidFill>
+              <a:schemeClr val="accent6"/>
+            </a:solidFill>
+          </a:ln>
+        </p:spPr>
+        <p:style>
+          <a:lnRef idx="1">
+            <a:schemeClr val="accent1"/>
+          </a:lnRef>
+          <a:fillRef idx="0">
+            <a:schemeClr val="accent1"/>
+          </a:fillRef>
+          <a:effectRef idx="0">
+            <a:schemeClr val="accent1"/>
+          </a:effectRef>
+          <a:fontRef idx="minor">
+            <a:schemeClr val="tx1"/>
+          </a:fontRef>
+        </p:style>
+      </p:cxnSp>
+      <p:sp>
+        <p:nvSpPr>
+          <p:cNvPr id="69" name="Oval 68">
+            <a:extLst>
+              <a:ext uri="{FF2B5EF4-FFF2-40B4-BE49-F238E27FC236}">
+                <a16:creationId xmlns:a16="http://schemas.microsoft.com/office/drawing/2014/main" id="{82D2F351-ADB3-3B41-820D-C525237482D1}"/>
+              </a:ext>
+            </a:extLst>
+          </p:cNvPr>
+          <p:cNvSpPr/>
+          <p:nvPr/>
+        </p:nvSpPr>
+        <p:spPr>
+          <a:xfrm>
+            <a:off x="5791275" y="3550114"/>
+            <a:ext cx="89647" cy="89647"/>
+          </a:xfrm>
+          <a:prstGeom prst="ellipse">
+            <a:avLst/>
+          </a:prstGeom>
+        </p:spPr>
+        <p:style>
+          <a:lnRef idx="2">
+            <a:schemeClr val="accent1">
+              <a:shade val="50000"/>
+            </a:schemeClr>
+          </a:lnRef>
+          <a:fillRef idx="1">
+            <a:schemeClr val="accent1"/>
+          </a:fillRef>
+          <a:effectRef idx="0">
+            <a:schemeClr val="accent1"/>
+          </a:effectRef>
+          <a:fontRef idx="minor">
+            <a:schemeClr val="lt1"/>
+          </a:fontRef>
+        </p:style>
+        <p:txBody>
+          <a:bodyPr rtlCol="0" anchor="ctr"/>
+          <a:lstStyle/>
+          <a:p>
+            <a:pPr algn="ctr"/>
+            <a:endParaRPr lang="en-US"/>
+          </a:p>
+        </p:txBody>
+      </p:sp>
+      <p:sp>
+        <p:nvSpPr>
+          <p:cNvPr id="72" name="Oval 71">
+            <a:extLst>
+              <a:ext uri="{FF2B5EF4-FFF2-40B4-BE49-F238E27FC236}">
+                <a16:creationId xmlns:a16="http://schemas.microsoft.com/office/drawing/2014/main" id="{DFA82FA7-784D-8540-A41F-034CE84C31F7}"/>
+              </a:ext>
+            </a:extLst>
+          </p:cNvPr>
+          <p:cNvSpPr/>
+          <p:nvPr/>
+        </p:nvSpPr>
+        <p:spPr>
+          <a:xfrm>
+            <a:off x="6158752" y="3684587"/>
+            <a:ext cx="89647" cy="89647"/>
+          </a:xfrm>
+          <a:prstGeom prst="ellipse">
+            <a:avLst/>
+          </a:prstGeom>
+        </p:spPr>
+        <p:style>
+          <a:lnRef idx="2">
+            <a:schemeClr val="accent1">
+              <a:shade val="50000"/>
+            </a:schemeClr>
+          </a:lnRef>
+          <a:fillRef idx="1">
+            <a:schemeClr val="accent1"/>
+          </a:fillRef>
+          <a:effectRef idx="0">
+            <a:schemeClr val="accent1"/>
+          </a:effectRef>
+          <a:fontRef idx="minor">
+            <a:schemeClr val="lt1"/>
+          </a:fontRef>
+        </p:style>
+        <p:txBody>
+          <a:bodyPr rtlCol="0" anchor="ctr"/>
+          <a:lstStyle/>
+          <a:p>
+            <a:pPr algn="ctr"/>
+            <a:endParaRPr lang="en-US"/>
+          </a:p>
+        </p:txBody>
+      </p:sp>
+      <p:sp>
+        <p:nvSpPr>
+          <p:cNvPr id="73" name="Oval 72">
+            <a:extLst>
+              <a:ext uri="{FF2B5EF4-FFF2-40B4-BE49-F238E27FC236}">
+                <a16:creationId xmlns:a16="http://schemas.microsoft.com/office/drawing/2014/main" id="{DA4BD9FD-DE59-0144-B4AB-E729F5CA585A}"/>
+              </a:ext>
+            </a:extLst>
+          </p:cNvPr>
+          <p:cNvSpPr/>
+          <p:nvPr/>
+        </p:nvSpPr>
+        <p:spPr>
+          <a:xfrm>
+            <a:off x="5916705" y="3891334"/>
+            <a:ext cx="89647" cy="89647"/>
+          </a:xfrm>
+          <a:prstGeom prst="ellipse">
+            <a:avLst/>
+          </a:prstGeom>
+        </p:spPr>
+        <p:style>
+          <a:lnRef idx="2">
+            <a:schemeClr val="accent1">
+              <a:shade val="50000"/>
+            </a:schemeClr>
+          </a:lnRef>
+          <a:fillRef idx="1">
+            <a:schemeClr val="accent1"/>
+          </a:fillRef>
+          <a:effectRef idx="0">
+            <a:schemeClr val="accent1"/>
+          </a:effectRef>
+          <a:fontRef idx="minor">
+            <a:schemeClr val="lt1"/>
+          </a:fontRef>
+        </p:style>
+        <p:txBody>
+          <a:bodyPr rtlCol="0" anchor="ctr"/>
+          <a:lstStyle/>
+          <a:p>
+            <a:pPr algn="ctr"/>
+            <a:endParaRPr lang="en-US"/>
+          </a:p>
+        </p:txBody>
+      </p:sp>
+      <p:sp>
+        <p:nvSpPr>
+          <p:cNvPr id="74" name="Oval 73">
+            <a:extLst>
+              <a:ext uri="{FF2B5EF4-FFF2-40B4-BE49-F238E27FC236}">
+                <a16:creationId xmlns:a16="http://schemas.microsoft.com/office/drawing/2014/main" id="{CAE71D5A-AD76-CB47-9797-632247087A8C}"/>
+              </a:ext>
+            </a:extLst>
+          </p:cNvPr>
+          <p:cNvSpPr/>
+          <p:nvPr/>
+        </p:nvSpPr>
+        <p:spPr>
+          <a:xfrm>
+            <a:off x="6221504" y="3980981"/>
+            <a:ext cx="89647" cy="89647"/>
+          </a:xfrm>
+          <a:prstGeom prst="ellipse">
+            <a:avLst/>
+          </a:prstGeom>
+        </p:spPr>
+        <p:style>
+          <a:lnRef idx="2">
+            <a:schemeClr val="accent1">
+              <a:shade val="50000"/>
+            </a:schemeClr>
+          </a:lnRef>
+          <a:fillRef idx="1">
+            <a:schemeClr val="accent1"/>
+          </a:fillRef>
+          <a:effectRef idx="0">
+            <a:schemeClr val="accent1"/>
+          </a:effectRef>
+          <a:fontRef idx="minor">
+            <a:schemeClr val="lt1"/>
+          </a:fontRef>
+        </p:style>
+        <p:txBody>
+          <a:bodyPr rtlCol="0" anchor="ctr"/>
+          <a:lstStyle/>
+          <a:p>
+            <a:pPr algn="ctr"/>
+            <a:endParaRPr lang="en-US"/>
+          </a:p>
+        </p:txBody>
+      </p:sp>
+      <p:sp>
+        <p:nvSpPr>
+          <p:cNvPr id="75" name="Oval 74">
+            <a:extLst>
+              <a:ext uri="{FF2B5EF4-FFF2-40B4-BE49-F238E27FC236}">
+                <a16:creationId xmlns:a16="http://schemas.microsoft.com/office/drawing/2014/main" id="{BFC38E85-12D6-924C-B237-0A74BC33022F}"/>
+              </a:ext>
+            </a:extLst>
+          </p:cNvPr>
+          <p:cNvSpPr/>
+          <p:nvPr/>
+        </p:nvSpPr>
+        <p:spPr>
+          <a:xfrm>
+            <a:off x="6131857" y="4259270"/>
+            <a:ext cx="89647" cy="89647"/>
+          </a:xfrm>
+          <a:prstGeom prst="ellipse">
+            <a:avLst/>
+          </a:prstGeom>
+        </p:spPr>
+        <p:style>
+          <a:lnRef idx="2">
+            <a:schemeClr val="accent1">
+              <a:shade val="50000"/>
+            </a:schemeClr>
+          </a:lnRef>
+          <a:fillRef idx="1">
+            <a:schemeClr val="accent1"/>
+          </a:fillRef>
+          <a:effectRef idx="0">
+            <a:schemeClr val="accent1"/>
+          </a:effectRef>
+          <a:fontRef idx="minor">
+            <a:schemeClr val="lt1"/>
+          </a:fontRef>
+        </p:style>
+        <p:txBody>
+          <a:bodyPr rtlCol="0" anchor="ctr"/>
+          <a:lstStyle/>
+          <a:p>
+            <a:pPr algn="ctr"/>
+            <a:endParaRPr lang="en-US"/>
+          </a:p>
+        </p:txBody>
+      </p:sp>
+      <p:sp>
+        <p:nvSpPr>
+          <p:cNvPr id="76" name="Oval 75">
+            <a:extLst>
+              <a:ext uri="{FF2B5EF4-FFF2-40B4-BE49-F238E27FC236}">
+                <a16:creationId xmlns:a16="http://schemas.microsoft.com/office/drawing/2014/main" id="{9673C391-0DA5-9F4F-AD54-8D2C29E4F471}"/>
+              </a:ext>
+            </a:extLst>
+          </p:cNvPr>
+          <p:cNvSpPr/>
+          <p:nvPr/>
+        </p:nvSpPr>
+        <p:spPr>
+          <a:xfrm>
+            <a:off x="5522261" y="3828966"/>
+            <a:ext cx="89647" cy="89647"/>
+          </a:xfrm>
+          <a:prstGeom prst="ellipse">
+            <a:avLst/>
+          </a:prstGeom>
+        </p:spPr>
+        <p:style>
+          <a:lnRef idx="2">
+            <a:schemeClr val="accent1">
+              <a:shade val="50000"/>
+            </a:schemeClr>
+          </a:lnRef>
+          <a:fillRef idx="1">
+            <a:schemeClr val="accent1"/>
+          </a:fillRef>
+          <a:effectRef idx="0">
+            <a:schemeClr val="accent1"/>
+          </a:effectRef>
+          <a:fontRef idx="minor">
+            <a:schemeClr val="lt1"/>
+          </a:fontRef>
+        </p:style>
+        <p:txBody>
+          <a:bodyPr rtlCol="0" anchor="ctr"/>
+          <a:lstStyle/>
+          <a:p>
+            <a:pPr algn="ctr"/>
+            <a:endParaRPr lang="en-US"/>
+          </a:p>
+        </p:txBody>
+      </p:sp>
+      <p:sp>
+        <p:nvSpPr>
+          <p:cNvPr id="78" name="Oval 77">
+            <a:extLst>
+              <a:ext uri="{FF2B5EF4-FFF2-40B4-BE49-F238E27FC236}">
+                <a16:creationId xmlns:a16="http://schemas.microsoft.com/office/drawing/2014/main" id="{772DADFC-3E9A-9D42-A350-A710B639F8CD}"/>
+              </a:ext>
+            </a:extLst>
+          </p:cNvPr>
+          <p:cNvSpPr/>
+          <p:nvPr/>
+        </p:nvSpPr>
+        <p:spPr>
+          <a:xfrm>
+            <a:off x="6786280" y="3451506"/>
+            <a:ext cx="89647" cy="89647"/>
+          </a:xfrm>
+          <a:prstGeom prst="ellipse">
+            <a:avLst/>
+          </a:prstGeom>
+        </p:spPr>
+        <p:style>
+          <a:lnRef idx="2">
+            <a:schemeClr val="accent1">
+              <a:shade val="50000"/>
+            </a:schemeClr>
+          </a:lnRef>
+          <a:fillRef idx="1">
+            <a:schemeClr val="accent1"/>
+          </a:fillRef>
+          <a:effectRef idx="0">
+            <a:schemeClr val="accent1"/>
+          </a:effectRef>
+          <a:fontRef idx="minor">
+            <a:schemeClr val="lt1"/>
+          </a:fontRef>
+        </p:style>
+        <p:txBody>
+          <a:bodyPr rtlCol="0" anchor="ctr"/>
+          <a:lstStyle/>
+          <a:p>
+            <a:pPr algn="ctr"/>
+            <a:endParaRPr lang="en-US"/>
+          </a:p>
+        </p:txBody>
+      </p:sp>
+      <p:sp>
+        <p:nvSpPr>
+          <p:cNvPr id="79" name="Oval 78">
+            <a:extLst>
+              <a:ext uri="{FF2B5EF4-FFF2-40B4-BE49-F238E27FC236}">
+                <a16:creationId xmlns:a16="http://schemas.microsoft.com/office/drawing/2014/main" id="{9A826EC0-9177-9A48-9083-93B752F436A8}"/>
+              </a:ext>
+            </a:extLst>
+          </p:cNvPr>
+          <p:cNvSpPr/>
+          <p:nvPr/>
+        </p:nvSpPr>
+        <p:spPr>
+          <a:xfrm>
+            <a:off x="6544233" y="3658253"/>
+            <a:ext cx="89647" cy="89647"/>
+          </a:xfrm>
+          <a:prstGeom prst="ellipse">
+            <a:avLst/>
+          </a:prstGeom>
+        </p:spPr>
+        <p:style>
+          <a:lnRef idx="2">
+            <a:schemeClr val="accent1">
+              <a:shade val="50000"/>
+            </a:schemeClr>
+          </a:lnRef>
+          <a:fillRef idx="1">
+            <a:schemeClr val="accent1"/>
+          </a:fillRef>
+          <a:effectRef idx="0">
+            <a:schemeClr val="accent1"/>
+          </a:effectRef>
+          <a:fontRef idx="minor">
+            <a:schemeClr val="lt1"/>
+          </a:fontRef>
+        </p:style>
+        <p:txBody>
+          <a:bodyPr rtlCol="0" anchor="ctr"/>
+          <a:lstStyle/>
+          <a:p>
+            <a:pPr algn="ctr"/>
+            <a:endParaRPr lang="en-US"/>
+          </a:p>
+        </p:txBody>
+      </p:sp>
+      <p:sp>
+        <p:nvSpPr>
+          <p:cNvPr id="80" name="Oval 79">
+            <a:extLst>
+              <a:ext uri="{FF2B5EF4-FFF2-40B4-BE49-F238E27FC236}">
+                <a16:creationId xmlns:a16="http://schemas.microsoft.com/office/drawing/2014/main" id="{50608E98-66A6-9E40-BECE-BF4FB8813CF9}"/>
+              </a:ext>
+            </a:extLst>
+          </p:cNvPr>
+          <p:cNvSpPr/>
+          <p:nvPr/>
+        </p:nvSpPr>
+        <p:spPr>
+          <a:xfrm>
+            <a:off x="6849032" y="3747900"/>
+            <a:ext cx="89647" cy="89647"/>
+          </a:xfrm>
+          <a:prstGeom prst="ellipse">
+            <a:avLst/>
+          </a:prstGeom>
+        </p:spPr>
+        <p:style>
+          <a:lnRef idx="2">
+            <a:schemeClr val="accent1">
+              <a:shade val="50000"/>
+            </a:schemeClr>
+          </a:lnRef>
+          <a:fillRef idx="1">
+            <a:schemeClr val="accent1"/>
+          </a:fillRef>
+          <a:effectRef idx="0">
+            <a:schemeClr val="accent1"/>
+          </a:effectRef>
+          <a:fontRef idx="minor">
+            <a:schemeClr val="lt1"/>
+          </a:fontRef>
+        </p:style>
+        <p:txBody>
+          <a:bodyPr rtlCol="0" anchor="ctr"/>
+          <a:lstStyle/>
+          <a:p>
+            <a:pPr algn="ctr"/>
+            <a:endParaRPr lang="en-US"/>
+          </a:p>
+        </p:txBody>
+      </p:sp>
+      <p:sp>
+        <p:nvSpPr>
+          <p:cNvPr id="81" name="Oval 80">
+            <a:extLst>
+              <a:ext uri="{FF2B5EF4-FFF2-40B4-BE49-F238E27FC236}">
+                <a16:creationId xmlns:a16="http://schemas.microsoft.com/office/drawing/2014/main" id="{73B9D79B-6B75-1248-9932-CE2E0C1373FD}"/>
+              </a:ext>
+            </a:extLst>
+          </p:cNvPr>
+          <p:cNvSpPr/>
+          <p:nvPr/>
+        </p:nvSpPr>
+        <p:spPr>
+          <a:xfrm>
+            <a:off x="6759385" y="4026189"/>
+            <a:ext cx="89647" cy="89647"/>
+          </a:xfrm>
+          <a:prstGeom prst="ellipse">
+            <a:avLst/>
+          </a:prstGeom>
+        </p:spPr>
+        <p:style>
+          <a:lnRef idx="2">
+            <a:schemeClr val="accent1">
+              <a:shade val="50000"/>
+            </a:schemeClr>
+          </a:lnRef>
+          <a:fillRef idx="1">
+            <a:schemeClr val="accent1"/>
+          </a:fillRef>
+          <a:effectRef idx="0">
+            <a:schemeClr val="accent1"/>
+          </a:effectRef>
+          <a:fontRef idx="minor">
+            <a:schemeClr val="lt1"/>
+          </a:fontRef>
+        </p:style>
+        <p:txBody>
+          <a:bodyPr rtlCol="0" anchor="ctr"/>
+          <a:lstStyle/>
+          <a:p>
+            <a:pPr algn="ctr"/>
+            <a:endParaRPr lang="en-US"/>
+          </a:p>
+        </p:txBody>
+      </p:sp>
+      <p:sp>
+        <p:nvSpPr>
+          <p:cNvPr id="82" name="Oval 81">
+            <a:extLst>
+              <a:ext uri="{FF2B5EF4-FFF2-40B4-BE49-F238E27FC236}">
+                <a16:creationId xmlns:a16="http://schemas.microsoft.com/office/drawing/2014/main" id="{145194B0-1AD4-3544-8362-4139060B3E6F}"/>
+              </a:ext>
+            </a:extLst>
+          </p:cNvPr>
+          <p:cNvSpPr/>
+          <p:nvPr/>
+        </p:nvSpPr>
+        <p:spPr>
+          <a:xfrm>
+            <a:off x="6149789" y="3595885"/>
+            <a:ext cx="89647" cy="89647"/>
+          </a:xfrm>
+          <a:prstGeom prst="ellipse">
+            <a:avLst/>
+          </a:prstGeom>
+        </p:spPr>
+        <p:style>
+          <a:lnRef idx="2">
+            <a:schemeClr val="accent1">
+              <a:shade val="50000"/>
+            </a:schemeClr>
+          </a:lnRef>
+          <a:fillRef idx="1">
+            <a:schemeClr val="accent1"/>
+          </a:fillRef>
+          <a:effectRef idx="0">
+            <a:schemeClr val="accent1"/>
+          </a:effectRef>
+          <a:fontRef idx="minor">
+            <a:schemeClr val="lt1"/>
+          </a:fontRef>
+        </p:style>
+        <p:txBody>
+          <a:bodyPr rtlCol="0" anchor="ctr"/>
+          <a:lstStyle/>
+          <a:p>
+            <a:pPr algn="ctr"/>
+            <a:endParaRPr lang="en-US"/>
+          </a:p>
+        </p:txBody>
+      </p:sp>
+      <p:sp>
+        <p:nvSpPr>
+          <p:cNvPr id="83" name="Oval 82">
+            <a:extLst>
+              <a:ext uri="{FF2B5EF4-FFF2-40B4-BE49-F238E27FC236}">
+                <a16:creationId xmlns:a16="http://schemas.microsoft.com/office/drawing/2014/main" id="{D0F7CCE9-9607-474D-8704-CA171F984F85}"/>
+              </a:ext>
+            </a:extLst>
+          </p:cNvPr>
+          <p:cNvSpPr/>
+          <p:nvPr/>
+        </p:nvSpPr>
+        <p:spPr>
+          <a:xfrm>
+            <a:off x="6526304" y="3245316"/>
+            <a:ext cx="89647" cy="89647"/>
+          </a:xfrm>
+          <a:prstGeom prst="ellipse">
+            <a:avLst/>
+          </a:prstGeom>
+        </p:spPr>
+        <p:style>
+          <a:lnRef idx="2">
+            <a:schemeClr val="accent1">
+              <a:shade val="50000"/>
+            </a:schemeClr>
+          </a:lnRef>
+          <a:fillRef idx="1">
+            <a:schemeClr val="accent1"/>
+          </a:fillRef>
+          <a:effectRef idx="0">
+            <a:schemeClr val="accent1"/>
+          </a:effectRef>
+          <a:fontRef idx="minor">
+            <a:schemeClr val="lt1"/>
+          </a:fontRef>
+        </p:style>
+        <p:txBody>
+          <a:bodyPr rtlCol="0" anchor="ctr"/>
+          <a:lstStyle/>
+          <a:p>
+            <a:pPr algn="ctr"/>
+            <a:endParaRPr lang="en-US"/>
+          </a:p>
+        </p:txBody>
+      </p:sp>
+      <p:sp>
+        <p:nvSpPr>
+          <p:cNvPr id="84" name="Oval 83">
+            <a:extLst>
+              <a:ext uri="{FF2B5EF4-FFF2-40B4-BE49-F238E27FC236}">
+                <a16:creationId xmlns:a16="http://schemas.microsoft.com/office/drawing/2014/main" id="{0A6CE386-65A1-4347-905E-505CD3CDF4E6}"/>
+              </a:ext>
+            </a:extLst>
+          </p:cNvPr>
+          <p:cNvSpPr/>
+          <p:nvPr/>
+        </p:nvSpPr>
+        <p:spPr>
+          <a:xfrm>
+            <a:off x="6284257" y="3452063"/>
+            <a:ext cx="89647" cy="89647"/>
+          </a:xfrm>
+          <a:prstGeom prst="ellipse">
+            <a:avLst/>
+          </a:prstGeom>
+        </p:spPr>
+        <p:style>
+          <a:lnRef idx="2">
+            <a:schemeClr val="accent1">
+              <a:shade val="50000"/>
+            </a:schemeClr>
+          </a:lnRef>
+          <a:fillRef idx="1">
+            <a:schemeClr val="accent1"/>
+          </a:fillRef>
+          <a:effectRef idx="0">
+            <a:schemeClr val="accent1"/>
+          </a:effectRef>
+          <a:fontRef idx="minor">
+            <a:schemeClr val="lt1"/>
+          </a:fontRef>
+        </p:style>
+        <p:txBody>
+          <a:bodyPr rtlCol="0" anchor="ctr"/>
+          <a:lstStyle/>
+          <a:p>
+            <a:pPr algn="ctr"/>
+            <a:endParaRPr lang="en-US"/>
+          </a:p>
+        </p:txBody>
+      </p:sp>
+      <p:sp>
+        <p:nvSpPr>
+          <p:cNvPr id="85" name="Oval 84">
+            <a:extLst>
+              <a:ext uri="{FF2B5EF4-FFF2-40B4-BE49-F238E27FC236}">
+                <a16:creationId xmlns:a16="http://schemas.microsoft.com/office/drawing/2014/main" id="{4222D8E3-3994-DD4E-88DD-F3032DF30FAF}"/>
+              </a:ext>
+            </a:extLst>
+          </p:cNvPr>
+          <p:cNvSpPr/>
+          <p:nvPr/>
+        </p:nvSpPr>
+        <p:spPr>
+          <a:xfrm>
+            <a:off x="6589056" y="3541710"/>
+            <a:ext cx="89647" cy="89647"/>
+          </a:xfrm>
+          <a:prstGeom prst="ellipse">
+            <a:avLst/>
+          </a:prstGeom>
+        </p:spPr>
+        <p:style>
+          <a:lnRef idx="2">
+            <a:schemeClr val="accent1">
+              <a:shade val="50000"/>
+            </a:schemeClr>
+          </a:lnRef>
+          <a:fillRef idx="1">
+            <a:schemeClr val="accent1"/>
+          </a:fillRef>
+          <a:effectRef idx="0">
+            <a:schemeClr val="accent1"/>
+          </a:effectRef>
+          <a:fontRef idx="minor">
+            <a:schemeClr val="lt1"/>
+          </a:fontRef>
+        </p:style>
+        <p:txBody>
+          <a:bodyPr rtlCol="0" anchor="ctr"/>
+          <a:lstStyle/>
+          <a:p>
+            <a:pPr algn="ctr"/>
+            <a:endParaRPr lang="en-US"/>
+          </a:p>
+        </p:txBody>
+      </p:sp>
+    </p:spTree>
+    <p:extLst>
+      <p:ext uri="{BB962C8B-B14F-4D97-AF65-F5344CB8AC3E}">
+        <p14:creationId xmlns:p14="http://schemas.microsoft.com/office/powerpoint/2010/main" val="2164917952"/>
+      </p:ext>
+    </p:extLst>
+  </p:cSld>
+  <p:clrMapOvr>
+    <a:masterClrMapping/>
+  </p:clrMapOvr>
+</p:sld>
+</file>
+
+<file path=ppt/slides/slide8.xml><?xml version="1.0" encoding="utf-8"?>
 <p:sld xmlns:a="http://schemas.openxmlformats.org/drawingml/2006/main" xmlns:r="http://schemas.openxmlformats.org/officeDocument/2006/relationships" xmlns:p="http://schemas.openxmlformats.org/presentationml/2006/main">
   <p:cSld>
     <p:spTree>

--- a/course slides/week_02.pptx
+++ b/course slides/week_02.pptx
@@ -5,17 +5,18 @@
     <p:sldMasterId id="2147483648" r:id="rId1"/>
   </p:sldMasterIdLst>
   <p:notesMasterIdLst>
-    <p:notesMasterId r:id="rId10"/>
+    <p:notesMasterId r:id="rId11"/>
   </p:notesMasterIdLst>
   <p:sldIdLst>
     <p:sldId id="256" r:id="rId2"/>
     <p:sldId id="272" r:id="rId3"/>
-    <p:sldId id="265" r:id="rId4"/>
-    <p:sldId id="273" r:id="rId5"/>
-    <p:sldId id="274" r:id="rId6"/>
-    <p:sldId id="276" r:id="rId7"/>
-    <p:sldId id="277" r:id="rId8"/>
-    <p:sldId id="270" r:id="rId9"/>
+    <p:sldId id="278" r:id="rId4"/>
+    <p:sldId id="265" r:id="rId5"/>
+    <p:sldId id="273" r:id="rId6"/>
+    <p:sldId id="274" r:id="rId7"/>
+    <p:sldId id="276" r:id="rId8"/>
+    <p:sldId id="277" r:id="rId9"/>
+    <p:sldId id="270" r:id="rId10"/>
   </p:sldIdLst>
   <p:sldSz cx="12192000" cy="6858000"/>
   <p:notesSz cx="6858000" cy="9144000"/>
@@ -602,7 +603,10 @@
           <a:bodyPr/>
           <a:lstStyle/>
           <a:p>
-            <a:endParaRPr lang="en-US" dirty="0"/>
+            <a:r>
+              <a:rPr lang="en-US" dirty="0"/>
+              <a:t>Tidy up your data</a:t>
+            </a:r>
           </a:p>
         </p:txBody>
       </p:sp>
@@ -632,7 +636,7 @@
     </p:spTree>
     <p:extLst>
       <p:ext uri="{BB962C8B-B14F-4D97-AF65-F5344CB8AC3E}">
-        <p14:creationId xmlns:p14="http://schemas.microsoft.com/office/powerpoint/2010/main" val="1461274823"/>
+        <p14:creationId xmlns:p14="http://schemas.microsoft.com/office/powerpoint/2010/main" val="133556133"/>
       </p:ext>
     </p:extLst>
   </p:cSld>
@@ -686,21 +690,6 @@
           <a:bodyPr/>
           <a:lstStyle/>
           <a:p>
-            <a:r>
-              <a:rPr lang="en-US" dirty="0"/>
-              <a:t>It’s a crude constraint. The rate for both population should be the same.  Doesn’t specify how many are granted. It’s a two-sided parity – prevents discrimination against circles.</a:t>
-            </a:r>
-          </a:p>
-          <a:p>
-            <a:endParaRPr lang="en-US" dirty="0"/>
-          </a:p>
-          <a:p>
-            <a:endParaRPr lang="en-US" dirty="0"/>
-          </a:p>
-          <a:p>
-            <a:endParaRPr lang="en-US" dirty="0"/>
-          </a:p>
-          <a:p>
             <a:endParaRPr lang="en-US" dirty="0"/>
           </a:p>
         </p:txBody>
@@ -731,7 +720,7 @@
     </p:spTree>
     <p:extLst>
       <p:ext uri="{BB962C8B-B14F-4D97-AF65-F5344CB8AC3E}">
-        <p14:creationId xmlns:p14="http://schemas.microsoft.com/office/powerpoint/2010/main" val="3205990145"/>
+        <p14:creationId xmlns:p14="http://schemas.microsoft.com/office/powerpoint/2010/main" val="1461274823"/>
       </p:ext>
     </p:extLst>
   </p:cSld>
@@ -787,36 +776,17 @@
           <a:p>
             <a:r>
               <a:rPr lang="en-US" dirty="0"/>
-              <a:t>Think about supervised learning – here there is no mention of X </a:t>
+              <a:t>It’s a crude constraint. The rate for both population should be the same.  Doesn’t specify how many are granted. It’s a two-sided parity – prevents discrimination against circles.</a:t>
             </a:r>
           </a:p>
           <a:p>
-            <a:r>
-              <a:rPr lang="en-US" dirty="0"/>
-              <a:t>So you can randomly give admission to circles and squares -&gt; what about merit-based? We can </a:t>
-            </a:r>
-            <a:r>
-              <a:rPr lang="en-US" dirty="0" err="1"/>
-              <a:t>accomodate</a:t>
-            </a:r>
-            <a:r>
-              <a:rPr lang="en-US" dirty="0"/>
-              <a:t>. The fact that this is a bad </a:t>
-            </a:r>
-            <a:r>
-              <a:rPr lang="en-US" dirty="0" err="1"/>
-              <a:t>algo</a:t>
-            </a:r>
-            <a:r>
-              <a:rPr lang="en-US" dirty="0"/>
-              <a:t>, doesn’t mean there can be a good one that satisfies X and fairness</a:t>
-            </a:r>
-          </a:p>
-          <a:p>
-            <a:r>
-              <a:rPr lang="en-US" dirty="0"/>
-              <a:t>This is good if you want to start fresh with no prior data</a:t>
-            </a:r>
+            <a:endParaRPr lang="en-US" dirty="0"/>
+          </a:p>
+          <a:p>
+            <a:endParaRPr lang="en-US" dirty="0"/>
+          </a:p>
+          <a:p>
+            <a:endParaRPr lang="en-US" dirty="0"/>
           </a:p>
           <a:p>
             <a:endParaRPr lang="en-US" dirty="0"/>
@@ -849,7 +819,7 @@
     </p:spTree>
     <p:extLst>
       <p:ext uri="{BB962C8B-B14F-4D97-AF65-F5344CB8AC3E}">
-        <p14:creationId xmlns:p14="http://schemas.microsoft.com/office/powerpoint/2010/main" val="3243558130"/>
+        <p14:creationId xmlns:p14="http://schemas.microsoft.com/office/powerpoint/2010/main" val="3205990145"/>
       </p:ext>
     </p:extLst>
   </p:cSld>
@@ -905,107 +875,39 @@
           <a:p>
             <a:r>
               <a:rPr lang="en-US" dirty="0"/>
-              <a:t>There is no mention of Y -&gt; did they default/graduated or not. What if 30% of circles repay, but only 15% of squares</a:t>
+              <a:t>Think about supervised learning – here there is no mention of X </a:t>
             </a:r>
-          </a:p>
-          <a:p>
-            <a:endParaRPr lang="en-US" dirty="0"/>
-          </a:p>
-          <a:p>
-            <a:endParaRPr lang="en-US" dirty="0"/>
           </a:p>
           <a:p>
             <a:r>
               <a:rPr lang="en-US" dirty="0"/>
-              <a:t>With a perfect predictor, We can pay to 15% of both squares and circles that are paying back -&gt; but what about the 15% circles who didn’t get it? Is it unfair?</a:t>
+              <a:t>So you can randomly give admission to circles and squares -&gt; what about merit-based? We can </a:t>
             </a:r>
-          </a:p>
-          <a:p>
+            <a:r>
+              <a:rPr lang="en-US" dirty="0" err="1"/>
+              <a:t>accomodate</a:t>
+            </a:r>
             <a:r>
               <a:rPr lang="en-US" dirty="0"/>
-              <a:t>Give to 30% of both -&gt; what about the lender? It is loosing money on 15% of squares</a:t>
+              <a:t>. The fact that this is a bad </a:t>
             </a:r>
-          </a:p>
-          <a:p>
-            <a:endParaRPr lang="en-US" dirty="0"/>
-          </a:p>
-          <a:p>
+            <a:r>
+              <a:rPr lang="en-US" dirty="0" err="1"/>
+              <a:t>algo</a:t>
+            </a:r>
             <a:r>
               <a:rPr lang="en-US" dirty="0"/>
-              <a:t>It is at odds with optimal decision making -&gt; accuracy</a:t>
+              <a:t>, doesn’t mean there can be a good one that satisfies X and fairness</a:t>
             </a:r>
           </a:p>
           <a:p>
             <a:r>
               <a:rPr lang="en-US" dirty="0"/>
-              <a:t>------</a:t>
+              <a:t>This is good if you want to start fresh with no prior data</a:t>
             </a:r>
           </a:p>
           <a:p>
-            <a:r>
-              <a:rPr lang="en-US" dirty="0"/>
-              <a:t>One approach is to evenly distribute the mistakes –e make, rather than evenly distributing the loans we give -&gt; rate of false rejections can be the same in both races.</a:t>
-            </a:r>
-          </a:p>
-          <a:p>
-            <a:r>
-              <a:rPr lang="en-US" dirty="0"/>
-              <a:t>In other word, if not being granted while worthy, is defined as being harmed – a random worthy circle has the same probability of being harmed as a random worth square (false rejection) – so your race is not affecting you in a negative way and if we can improve accuracy of our model, that would be fair – equality of false negative</a:t>
-            </a:r>
-          </a:p>
-          <a:p>
             <a:endParaRPr lang="en-US" dirty="0"/>
-          </a:p>
-          <a:p>
-            <a:endParaRPr lang="en-US" dirty="0"/>
-          </a:p>
-          <a:p>
-            <a:r>
-              <a:rPr lang="en-US" dirty="0"/>
-              <a:t>-----</a:t>
-            </a:r>
-          </a:p>
-          <a:p>
-            <a:endParaRPr lang="en-US" dirty="0"/>
-          </a:p>
-          <a:p>
-            <a:r>
-              <a:rPr lang="en-US" dirty="0"/>
-              <a:t>So lets say our model falsely reject 20% of squares, is it fair as long as it also falsely rejects 20% of circles?</a:t>
-            </a:r>
-          </a:p>
-          <a:p>
-            <a:endParaRPr lang="en-US" dirty="0"/>
-          </a:p>
-          <a:p>
-            <a:r>
-              <a:rPr lang="en-US" dirty="0"/>
-              <a:t>Individually, if you were worthy and didn’t get it, it doesn’t make you feel better to realize another worthy applicant also didn’t get it</a:t>
-            </a:r>
-          </a:p>
-          <a:p>
-            <a:endParaRPr lang="en-US" dirty="0"/>
-          </a:p>
-          <a:p>
-            <a:r>
-              <a:rPr lang="en-US" dirty="0"/>
-              <a:t>Both statistical parity and equality of false negatives offer fairness for groups, but not individuals in those groups.</a:t>
-            </a:r>
-          </a:p>
-          <a:p>
-            <a:endParaRPr lang="en-US" dirty="0"/>
-          </a:p>
-          <a:p>
-            <a:endParaRPr lang="en-US" dirty="0"/>
-          </a:p>
-          <a:p>
-            <a:endParaRPr lang="en-US" dirty="0"/>
-          </a:p>
-          <a:p>
-            <a:r>
-              <a:rPr lang="en-US" dirty="0"/>
-              <a:t>Lets take a step back, we don’t have perfect data, we don’t have perfect models, and we don’t have perfect fairness definition.</a:t>
-            </a:r>
           </a:p>
         </p:txBody>
       </p:sp>
@@ -1035,7 +937,7 @@
     </p:spTree>
     <p:extLst>
       <p:ext uri="{BB962C8B-B14F-4D97-AF65-F5344CB8AC3E}">
-        <p14:creationId xmlns:p14="http://schemas.microsoft.com/office/powerpoint/2010/main" val="462006273"/>
+        <p14:creationId xmlns:p14="http://schemas.microsoft.com/office/powerpoint/2010/main" val="3243558130"/>
       </p:ext>
     </p:extLst>
   </p:cSld>
@@ -1091,6 +993,192 @@
           <a:p>
             <a:r>
               <a:rPr lang="en-US" dirty="0"/>
+              <a:t>There is no mention of Y -&gt; did they default/graduated or not. What if 30% of circles repay, but only 15% of squares</a:t>
+            </a:r>
+          </a:p>
+          <a:p>
+            <a:endParaRPr lang="en-US" dirty="0"/>
+          </a:p>
+          <a:p>
+            <a:endParaRPr lang="en-US" dirty="0"/>
+          </a:p>
+          <a:p>
+            <a:r>
+              <a:rPr lang="en-US" dirty="0"/>
+              <a:t>With a perfect predictor, We can pay to 15% of both squares and circles that are paying back -&gt; but what about the 15% circles who didn’t get it? Is it unfair?</a:t>
+            </a:r>
+          </a:p>
+          <a:p>
+            <a:r>
+              <a:rPr lang="en-US" dirty="0"/>
+              <a:t>Give to 30% of both -&gt; what about the lender? It is loosing money on 15% of squares</a:t>
+            </a:r>
+          </a:p>
+          <a:p>
+            <a:endParaRPr lang="en-US" dirty="0"/>
+          </a:p>
+          <a:p>
+            <a:r>
+              <a:rPr lang="en-US" dirty="0"/>
+              <a:t>It is at odds with optimal decision making -&gt; accuracy</a:t>
+            </a:r>
+          </a:p>
+          <a:p>
+            <a:r>
+              <a:rPr lang="en-US" dirty="0"/>
+              <a:t>------</a:t>
+            </a:r>
+          </a:p>
+          <a:p>
+            <a:r>
+              <a:rPr lang="en-US" dirty="0"/>
+              <a:t>One approach is to evenly distribute the mistakes –e make, rather than evenly distributing the loans we give -&gt; rate of false rejections can be the same in both races.</a:t>
+            </a:r>
+          </a:p>
+          <a:p>
+            <a:r>
+              <a:rPr lang="en-US" dirty="0"/>
+              <a:t>In other word, if not being granted while worthy, is defined as being harmed – a random worthy circle has the same probability of being harmed as a random worth square (false rejection) – so your race is not affecting you in a negative way and if we can improve accuracy of our model, that would be fair – equality of false negative</a:t>
+            </a:r>
+          </a:p>
+          <a:p>
+            <a:endParaRPr lang="en-US" dirty="0"/>
+          </a:p>
+          <a:p>
+            <a:endParaRPr lang="en-US" dirty="0"/>
+          </a:p>
+          <a:p>
+            <a:r>
+              <a:rPr lang="en-US" dirty="0"/>
+              <a:t>-----</a:t>
+            </a:r>
+          </a:p>
+          <a:p>
+            <a:endParaRPr lang="en-US" dirty="0"/>
+          </a:p>
+          <a:p>
+            <a:r>
+              <a:rPr lang="en-US" dirty="0"/>
+              <a:t>So lets say our model falsely reject 20% of squares, is it fair as long as it also falsely rejects 20% of circles?</a:t>
+            </a:r>
+          </a:p>
+          <a:p>
+            <a:endParaRPr lang="en-US" dirty="0"/>
+          </a:p>
+          <a:p>
+            <a:r>
+              <a:rPr lang="en-US" dirty="0"/>
+              <a:t>Individually, if you were worthy and didn’t get it, it doesn’t make you feel better to realize another worthy applicant also didn’t get it</a:t>
+            </a:r>
+          </a:p>
+          <a:p>
+            <a:endParaRPr lang="en-US" dirty="0"/>
+          </a:p>
+          <a:p>
+            <a:r>
+              <a:rPr lang="en-US" dirty="0"/>
+              <a:t>Both statistical parity and equality of false negatives offer fairness for groups, but not individuals in those groups.</a:t>
+            </a:r>
+          </a:p>
+          <a:p>
+            <a:endParaRPr lang="en-US" dirty="0"/>
+          </a:p>
+          <a:p>
+            <a:endParaRPr lang="en-US" dirty="0"/>
+          </a:p>
+          <a:p>
+            <a:endParaRPr lang="en-US" dirty="0"/>
+          </a:p>
+          <a:p>
+            <a:r>
+              <a:rPr lang="en-US" dirty="0"/>
+              <a:t>Lets take a step back, we don’t have perfect data, we don’t have perfect models, and we don’t have perfect fairness definition.</a:t>
+            </a:r>
+          </a:p>
+        </p:txBody>
+      </p:sp>
+      <p:sp>
+        <p:nvSpPr>
+          <p:cNvPr id="4" name="Slide Number Placeholder 3"/>
+          <p:cNvSpPr>
+            <a:spLocks noGrp="1"/>
+          </p:cNvSpPr>
+          <p:nvPr>
+            <p:ph type="sldNum" sz="quarter" idx="5"/>
+          </p:nvPr>
+        </p:nvSpPr>
+        <p:spPr/>
+        <p:txBody>
+          <a:bodyPr/>
+          <a:lstStyle/>
+          <a:p>
+            <a:fld id="{80E982A1-5A81-7746-934C-61A23258E6B4}" type="slidenum">
+              <a:rPr lang="en-US" smtClean="0"/>
+              <a:t>7</a:t>
+            </a:fld>
+            <a:endParaRPr lang="en-US"/>
+          </a:p>
+        </p:txBody>
+      </p:sp>
+    </p:spTree>
+    <p:extLst>
+      <p:ext uri="{BB962C8B-B14F-4D97-AF65-F5344CB8AC3E}">
+        <p14:creationId xmlns:p14="http://schemas.microsoft.com/office/powerpoint/2010/main" val="462006273"/>
+      </p:ext>
+    </p:extLst>
+  </p:cSld>
+  <p:clrMapOvr>
+    <a:masterClrMapping/>
+  </p:clrMapOvr>
+</p:notes>
+</file>
+
+<file path=ppt/notesSlides/notesSlide7.xml><?xml version="1.0" encoding="utf-8"?>
+<p:notes xmlns:a="http://schemas.openxmlformats.org/drawingml/2006/main" xmlns:r="http://schemas.openxmlformats.org/officeDocument/2006/relationships" xmlns:p="http://schemas.openxmlformats.org/presentationml/2006/main">
+  <p:cSld>
+    <p:spTree>
+      <p:nvGrpSpPr>
+        <p:cNvPr id="1" name=""/>
+        <p:cNvGrpSpPr/>
+        <p:nvPr/>
+      </p:nvGrpSpPr>
+      <p:grpSpPr>
+        <a:xfrm>
+          <a:off x="0" y="0"/>
+          <a:ext cx="0" cy="0"/>
+          <a:chOff x="0" y="0"/>
+          <a:chExt cx="0" cy="0"/>
+        </a:xfrm>
+      </p:grpSpPr>
+      <p:sp>
+        <p:nvSpPr>
+          <p:cNvPr id="2" name="Slide Image Placeholder 1"/>
+          <p:cNvSpPr>
+            <a:spLocks noGrp="1" noRot="1" noChangeAspect="1"/>
+          </p:cNvSpPr>
+          <p:nvPr>
+            <p:ph type="sldImg"/>
+          </p:nvPr>
+        </p:nvSpPr>
+        <p:spPr/>
+      </p:sp>
+      <p:sp>
+        <p:nvSpPr>
+          <p:cNvPr id="3" name="Notes Placeholder 2"/>
+          <p:cNvSpPr>
+            <a:spLocks noGrp="1"/>
+          </p:cNvSpPr>
+          <p:nvPr>
+            <p:ph type="body" idx="1"/>
+          </p:nvPr>
+        </p:nvSpPr>
+        <p:spPr/>
+        <p:txBody>
+          <a:bodyPr/>
+          <a:lstStyle/>
+          <a:p>
+            <a:r>
+              <a:rPr lang="en-US" dirty="0"/>
               <a:t>Majority applicants are circle</a:t>
             </a:r>
           </a:p>
@@ -1219,7 +1307,7 @@
           <a:p>
             <a:fld id="{80E982A1-5A81-7746-934C-61A23258E6B4}" type="slidenum">
               <a:rPr lang="en-US" smtClean="0"/>
-              <a:t>7</a:t>
+              <a:t>8</a:t>
             </a:fld>
             <a:endParaRPr lang="en-US"/>
           </a:p>
@@ -4750,7 +4838,7 @@
           <p:cNvPr id="2" name="Title 1">
             <a:extLst>
               <a:ext uri="{FF2B5EF4-FFF2-40B4-BE49-F238E27FC236}">
-                <a16:creationId xmlns:a16="http://schemas.microsoft.com/office/drawing/2014/main" id="{276DBA1D-9512-8C4C-80D2-68AC59788E56}"/>
+                <a16:creationId xmlns:a16="http://schemas.microsoft.com/office/drawing/2014/main" id="{CFAD7E31-B334-4042-95E2-8B74FC760D56}"/>
               </a:ext>
             </a:extLst>
           </p:cNvPr>
@@ -4768,17 +4856,51 @@
           <a:p>
             <a:r>
               <a:rPr lang="en-US" dirty="0"/>
-              <a:t>Bias – sources</a:t>
+              <a:t>Data - Group Activity</a:t>
             </a:r>
           </a:p>
         </p:txBody>
       </p:sp>
       <p:sp>
         <p:nvSpPr>
+          <p:cNvPr id="3" name="Content Placeholder 2">
+            <a:extLst>
+              <a:ext uri="{FF2B5EF4-FFF2-40B4-BE49-F238E27FC236}">
+                <a16:creationId xmlns:a16="http://schemas.microsoft.com/office/drawing/2014/main" id="{12DEB945-F377-AD47-A726-D6F5AEA738D6}"/>
+              </a:ext>
+            </a:extLst>
+          </p:cNvPr>
+          <p:cNvSpPr>
+            <a:spLocks noGrp="1"/>
+          </p:cNvSpPr>
+          <p:nvPr>
+            <p:ph idx="1"/>
+          </p:nvPr>
+        </p:nvSpPr>
+        <p:spPr/>
+        <p:txBody>
+          <a:bodyPr/>
+          <a:lstStyle/>
+          <a:p>
+            <a:r>
+              <a:rPr lang="en-US" dirty="0"/>
+              <a:t>80% of data analysis is spent on the process of cleaning and preparing the data </a:t>
+            </a:r>
+          </a:p>
+          <a:p>
+            <a:r>
+              <a:rPr lang="en-US" dirty="0"/>
+              <a:t>There is a standard way to organize your data - tidy data</a:t>
+            </a:r>
+          </a:p>
+        </p:txBody>
+      </p:sp>
+      <p:sp>
+        <p:nvSpPr>
           <p:cNvPr id="4" name="Footer Placeholder 3">
             <a:extLst>
               <a:ext uri="{FF2B5EF4-FFF2-40B4-BE49-F238E27FC236}">
-                <a16:creationId xmlns:a16="http://schemas.microsoft.com/office/drawing/2014/main" id="{9ED614B8-8BD7-A645-AE3D-336F45354D07}"/>
+                <a16:creationId xmlns:a16="http://schemas.microsoft.com/office/drawing/2014/main" id="{96035B45-CC23-854F-BA09-0E7F147D0DAD}"/>
               </a:ext>
             </a:extLst>
           </p:cNvPr>
@@ -4798,79 +4920,10 @@
           </a:p>
         </p:txBody>
       </p:sp>
-      <p:sp>
-        <p:nvSpPr>
-          <p:cNvPr id="5" name="Content Placeholder 4">
-            <a:extLst>
-              <a:ext uri="{FF2B5EF4-FFF2-40B4-BE49-F238E27FC236}">
-                <a16:creationId xmlns:a16="http://schemas.microsoft.com/office/drawing/2014/main" id="{64302087-FA73-3547-8E6D-7AA7329C2B9D}"/>
-              </a:ext>
-            </a:extLst>
-          </p:cNvPr>
-          <p:cNvSpPr>
-            <a:spLocks noGrp="1"/>
-          </p:cNvSpPr>
-          <p:nvPr>
-            <p:ph idx="1"/>
-          </p:nvPr>
-        </p:nvSpPr>
-        <p:spPr/>
-        <p:txBody>
-          <a:bodyPr>
-            <a:normAutofit/>
-          </a:bodyPr>
-          <a:lstStyle/>
-          <a:p>
-            <a:pPr marL="0" indent="0">
-              <a:buNone/>
-            </a:pPr>
-            <a:r>
-              <a:rPr lang="en-US" dirty="0"/>
-              <a:t>1. the data: how it's collected, formatted, labeled, sample selection </a:t>
-            </a:r>
-          </a:p>
-          <a:p>
-            <a:pPr marL="0" indent="0">
-              <a:buNone/>
-            </a:pPr>
-            <a:r>
-              <a:rPr lang="en-US" dirty="0"/>
-              <a:t>2. the features: how they are designed</a:t>
-            </a:r>
-          </a:p>
-          <a:p>
-            <a:pPr marL="0" indent="0">
-              <a:buNone/>
-            </a:pPr>
-            <a:r>
-              <a:rPr lang="en-US" dirty="0"/>
-              <a:t>3. the architecture of the model</a:t>
-            </a:r>
-          </a:p>
-          <a:p>
-            <a:pPr marL="0" indent="0">
-              <a:buNone/>
-            </a:pPr>
-            <a:r>
-              <a:rPr lang="en-US" dirty="0"/>
-              <a:t>4. the objective function</a:t>
-            </a:r>
-          </a:p>
-          <a:p>
-            <a:pPr marL="0" indent="0">
-              <a:buNone/>
-            </a:pPr>
-            <a:r>
-              <a:rPr lang="en-US" dirty="0"/>
-              <a:t>5. how it's deploy</a:t>
-            </a:r>
-          </a:p>
-        </p:txBody>
-      </p:sp>
     </p:spTree>
     <p:extLst>
       <p:ext uri="{BB962C8B-B14F-4D97-AF65-F5344CB8AC3E}">
-        <p14:creationId xmlns:p14="http://schemas.microsoft.com/office/powerpoint/2010/main" val="1278278568"/>
+        <p14:creationId xmlns:p14="http://schemas.microsoft.com/office/powerpoint/2010/main" val="2055105206"/>
       </p:ext>
     </p:extLst>
   </p:cSld>
@@ -4902,7 +4955,7 @@
           <p:cNvPr id="2" name="Title 1">
             <a:extLst>
               <a:ext uri="{FF2B5EF4-FFF2-40B4-BE49-F238E27FC236}">
-                <a16:creationId xmlns:a16="http://schemas.microsoft.com/office/drawing/2014/main" id="{9D1C8D72-0F16-5C40-9AE9-DC295292A2A9}"/>
+                <a16:creationId xmlns:a16="http://schemas.microsoft.com/office/drawing/2014/main" id="{276DBA1D-9512-8C4C-80D2-68AC59788E56}"/>
               </a:ext>
             </a:extLst>
           </p:cNvPr>
@@ -4920,17 +4973,42 @@
           <a:p>
             <a:r>
               <a:rPr lang="en-US" dirty="0"/>
-              <a:t>Fairness - Statistical Parity</a:t>
+              <a:t>Bias – sources</a:t>
             </a:r>
           </a:p>
         </p:txBody>
       </p:sp>
       <p:sp>
         <p:nvSpPr>
-          <p:cNvPr id="3" name="Content Placeholder 2">
-            <a:extLst>
-              <a:ext uri="{FF2B5EF4-FFF2-40B4-BE49-F238E27FC236}">
-                <a16:creationId xmlns:a16="http://schemas.microsoft.com/office/drawing/2014/main" id="{72561643-91DE-FA4E-90EF-6E29140C2E69}"/>
+          <p:cNvPr id="4" name="Footer Placeholder 3">
+            <a:extLst>
+              <a:ext uri="{FF2B5EF4-FFF2-40B4-BE49-F238E27FC236}">
+                <a16:creationId xmlns:a16="http://schemas.microsoft.com/office/drawing/2014/main" id="{9ED614B8-8BD7-A645-AE3D-336F45354D07}"/>
+              </a:ext>
+            </a:extLst>
+          </p:cNvPr>
+          <p:cNvSpPr>
+            <a:spLocks noGrp="1"/>
+          </p:cNvSpPr>
+          <p:nvPr>
+            <p:ph type="ftr" sz="quarter" idx="11"/>
+          </p:nvPr>
+        </p:nvSpPr>
+        <p:spPr/>
+        <p:txBody>
+          <a:bodyPr/>
+          <a:lstStyle/>
+          <a:p>
+            <a:endParaRPr lang="en-US"/>
+          </a:p>
+        </p:txBody>
+      </p:sp>
+      <p:sp>
+        <p:nvSpPr>
+          <p:cNvPr id="5" name="Content Placeholder 4">
+            <a:extLst>
+              <a:ext uri="{FF2B5EF4-FFF2-40B4-BE49-F238E27FC236}">
+                <a16:creationId xmlns:a16="http://schemas.microsoft.com/office/drawing/2014/main" id="{64302087-FA73-3547-8E6D-7AA7329C2B9D}"/>
               </a:ext>
             </a:extLst>
           </p:cNvPr>
@@ -4953,94 +5031,51 @@
             </a:pPr>
             <a:r>
               <a:rPr lang="en-US" dirty="0"/>
-              <a:t>Group activity</a:t>
+              <a:t>1. the data: how it's collected, formatted, labeled, sample selection </a:t>
             </a:r>
           </a:p>
           <a:p>
+            <a:pPr marL="0" indent="0">
+              <a:buNone/>
+            </a:pPr>
             <a:r>
               <a:rPr lang="en-US" dirty="0"/>
-              <a:t>Imagine a planet just like Earth except that there are only  two races of people: </a:t>
+              <a:t>2. the features: how they are designed</a:t>
             </a:r>
-            <a:r>
-              <a:rPr lang="en-US" b="1" dirty="0"/>
-              <a:t>Circles</a:t>
-            </a:r>
+          </a:p>
+          <a:p>
+            <a:pPr marL="0" indent="0">
+              <a:buNone/>
+            </a:pPr>
             <a:r>
               <a:rPr lang="en-US" dirty="0"/>
-              <a:t> and </a:t>
+              <a:t>3. the architecture of the model</a:t>
             </a:r>
-            <a:r>
-              <a:rPr lang="en-US" b="1" dirty="0"/>
-              <a:t>Squares</a:t>
-            </a:r>
-          </a:p>
-          <a:p>
+          </a:p>
+          <a:p>
+            <a:pPr marL="0" indent="0">
+              <a:buNone/>
+            </a:pPr>
             <a:r>
               <a:rPr lang="en-US" dirty="0"/>
-              <a:t>Suppose for some reason we are concerned about discrimination against </a:t>
+              <a:t>4. the objective function</a:t>
             </a:r>
-            <a:r>
-              <a:rPr lang="en-US" b="1" dirty="0"/>
-              <a:t>Squares</a:t>
-            </a:r>
-          </a:p>
-          <a:p>
-            <a:r>
-              <a:rPr lang="en-US" b="1" dirty="0"/>
-              <a:t>Statistical Parity: </a:t>
-            </a:r>
+          </a:p>
+          <a:p>
+            <a:pPr marL="0" indent="0">
+              <a:buNone/>
+            </a:pPr>
             <a:r>
               <a:rPr lang="en-US" dirty="0"/>
-              <a:t>the fraction of </a:t>
+              <a:t>5. how it's deploy</a:t>
             </a:r>
-            <a:r>
-              <a:rPr lang="en-US" b="1" dirty="0"/>
-              <a:t>Square</a:t>
-            </a:r>
-            <a:r>
-              <a:rPr lang="en-US" dirty="0"/>
-              <a:t> that are selected be approximately the same as the fraction of selected </a:t>
-            </a:r>
-            <a:r>
-              <a:rPr lang="en-US" b="1" dirty="0"/>
-              <a:t>Circle</a:t>
-            </a:r>
-            <a:r>
-              <a:rPr lang="en-US" dirty="0"/>
-              <a:t> applicants.</a:t>
-            </a:r>
-          </a:p>
-        </p:txBody>
-      </p:sp>
-      <p:sp>
-        <p:nvSpPr>
-          <p:cNvPr id="4" name="Footer Placeholder 3">
-            <a:extLst>
-              <a:ext uri="{FF2B5EF4-FFF2-40B4-BE49-F238E27FC236}">
-                <a16:creationId xmlns:a16="http://schemas.microsoft.com/office/drawing/2014/main" id="{14B89400-6E34-6147-9087-D9872884E482}"/>
-              </a:ext>
-            </a:extLst>
-          </p:cNvPr>
-          <p:cNvSpPr>
-            <a:spLocks noGrp="1"/>
-          </p:cNvSpPr>
-          <p:nvPr>
-            <p:ph type="ftr" sz="quarter" idx="11"/>
-          </p:nvPr>
-        </p:nvSpPr>
-        <p:spPr/>
-        <p:txBody>
-          <a:bodyPr/>
-          <a:lstStyle/>
-          <a:p>
-            <a:endParaRPr lang="en-US"/>
           </a:p>
         </p:txBody>
       </p:sp>
     </p:spTree>
     <p:extLst>
       <p:ext uri="{BB962C8B-B14F-4D97-AF65-F5344CB8AC3E}">
-        <p14:creationId xmlns:p14="http://schemas.microsoft.com/office/powerpoint/2010/main" val="275537033"/>
+        <p14:creationId xmlns:p14="http://schemas.microsoft.com/office/powerpoint/2010/main" val="1278278568"/>
       </p:ext>
     </p:extLst>
   </p:cSld>
@@ -5069,10 +5104,116 @@
       </p:grpSpPr>
       <p:sp>
         <p:nvSpPr>
+          <p:cNvPr id="2" name="Title 1">
+            <a:extLst>
+              <a:ext uri="{FF2B5EF4-FFF2-40B4-BE49-F238E27FC236}">
+                <a16:creationId xmlns:a16="http://schemas.microsoft.com/office/drawing/2014/main" id="{9D1C8D72-0F16-5C40-9AE9-DC295292A2A9}"/>
+              </a:ext>
+            </a:extLst>
+          </p:cNvPr>
+          <p:cNvSpPr>
+            <a:spLocks noGrp="1"/>
+          </p:cNvSpPr>
+          <p:nvPr>
+            <p:ph type="title"/>
+          </p:nvPr>
+        </p:nvSpPr>
+        <p:spPr/>
+        <p:txBody>
+          <a:bodyPr/>
+          <a:lstStyle/>
+          <a:p>
+            <a:r>
+              <a:rPr lang="en-US" dirty="0"/>
+              <a:t>Fairness - Group Activity</a:t>
+            </a:r>
+          </a:p>
+        </p:txBody>
+      </p:sp>
+      <p:sp>
+        <p:nvSpPr>
+          <p:cNvPr id="3" name="Content Placeholder 2">
+            <a:extLst>
+              <a:ext uri="{FF2B5EF4-FFF2-40B4-BE49-F238E27FC236}">
+                <a16:creationId xmlns:a16="http://schemas.microsoft.com/office/drawing/2014/main" id="{72561643-91DE-FA4E-90EF-6E29140C2E69}"/>
+              </a:ext>
+            </a:extLst>
+          </p:cNvPr>
+          <p:cNvSpPr>
+            <a:spLocks noGrp="1"/>
+          </p:cNvSpPr>
+          <p:nvPr>
+            <p:ph idx="1"/>
+          </p:nvPr>
+        </p:nvSpPr>
+        <p:spPr/>
+        <p:txBody>
+          <a:bodyPr>
+            <a:normAutofit/>
+          </a:bodyPr>
+          <a:lstStyle/>
+          <a:p>
+            <a:r>
+              <a:rPr lang="en-US" dirty="0"/>
+              <a:t>Imagine a planet just like Earth except that there are only  two races of people: </a:t>
+            </a:r>
+            <a:r>
+              <a:rPr lang="en-US" b="1" dirty="0"/>
+              <a:t>Circles</a:t>
+            </a:r>
+            <a:r>
+              <a:rPr lang="en-US" dirty="0"/>
+              <a:t> and </a:t>
+            </a:r>
+            <a:r>
+              <a:rPr lang="en-US" b="1" dirty="0"/>
+              <a:t>Squares</a:t>
+            </a:r>
+          </a:p>
+          <a:p>
+            <a:r>
+              <a:rPr lang="en-US" dirty="0"/>
+              <a:t>Suppose for some reason we are concerned about discrimination against </a:t>
+            </a:r>
+            <a:r>
+              <a:rPr lang="en-US" b="1" dirty="0"/>
+              <a:t>Squares</a:t>
+            </a:r>
+          </a:p>
+          <a:p>
+            <a:r>
+              <a:rPr lang="en-US" b="1" dirty="0"/>
+              <a:t>Statistical Parity: </a:t>
+            </a:r>
+            <a:r>
+              <a:rPr lang="en-US" dirty="0"/>
+              <a:t>the fraction of </a:t>
+            </a:r>
+            <a:r>
+              <a:rPr lang="en-US" b="1" dirty="0"/>
+              <a:t>Square</a:t>
+            </a:r>
+            <a:r>
+              <a:rPr lang="en-US" dirty="0"/>
+              <a:t> that are selected be approximately the same as the fraction of selected </a:t>
+            </a:r>
+            <a:r>
+              <a:rPr lang="en-US" b="1" dirty="0"/>
+              <a:t>Circle</a:t>
+            </a:r>
+            <a:r>
+              <a:rPr lang="en-US" dirty="0"/>
+              <a:t> applicants.</a:t>
+            </a:r>
+          </a:p>
+        </p:txBody>
+      </p:sp>
+      <p:sp>
+        <p:nvSpPr>
           <p:cNvPr id="4" name="Footer Placeholder 3">
             <a:extLst>
               <a:ext uri="{FF2B5EF4-FFF2-40B4-BE49-F238E27FC236}">
-                <a16:creationId xmlns:a16="http://schemas.microsoft.com/office/drawing/2014/main" id="{23F79836-748B-9B46-B254-A5DBAA28185C}"/>
+                <a16:creationId xmlns:a16="http://schemas.microsoft.com/office/drawing/2014/main" id="{14B89400-6E34-6147-9087-D9872884E482}"/>
               </a:ext>
             </a:extLst>
           </p:cNvPr>
@@ -5092,2888 +5233,10 @@
           </a:p>
         </p:txBody>
       </p:sp>
-      <p:sp>
-        <p:nvSpPr>
-          <p:cNvPr id="6" name="Oval 5">
-            <a:extLst>
-              <a:ext uri="{FF2B5EF4-FFF2-40B4-BE49-F238E27FC236}">
-                <a16:creationId xmlns:a16="http://schemas.microsoft.com/office/drawing/2014/main" id="{90CD96CB-F149-8048-BAB9-9B965486FB56}"/>
-              </a:ext>
-            </a:extLst>
-          </p:cNvPr>
-          <p:cNvSpPr/>
-          <p:nvPr/>
-        </p:nvSpPr>
-        <p:spPr>
-          <a:xfrm>
-            <a:off x="4557598" y="1920505"/>
-            <a:ext cx="2623278" cy="2623278"/>
-          </a:xfrm>
-          <a:prstGeom prst="ellipse">
-            <a:avLst/>
-          </a:prstGeom>
-          <a:noFill/>
-          <a:ln>
-            <a:solidFill>
-              <a:schemeClr val="accent6">
-                <a:lumMod val="75000"/>
-              </a:schemeClr>
-            </a:solidFill>
-          </a:ln>
-        </p:spPr>
-        <p:style>
-          <a:lnRef idx="2">
-            <a:schemeClr val="accent6"/>
-          </a:lnRef>
-          <a:fillRef idx="1">
-            <a:schemeClr val="lt1"/>
-          </a:fillRef>
-          <a:effectRef idx="0">
-            <a:schemeClr val="accent6"/>
-          </a:effectRef>
-          <a:fontRef idx="minor">
-            <a:schemeClr val="dk1"/>
-          </a:fontRef>
-        </p:style>
-        <p:txBody>
-          <a:bodyPr rtlCol="0" anchor="ctr"/>
-          <a:lstStyle/>
-          <a:p>
-            <a:pPr algn="ctr"/>
-            <a:endParaRPr lang="en-US" dirty="0">
-              <a:ln>
-                <a:solidFill>
-                  <a:schemeClr val="accent6">
-                    <a:lumMod val="75000"/>
-                  </a:schemeClr>
-                </a:solidFill>
-              </a:ln>
-              <a:solidFill>
-                <a:sysClr val="windowText" lastClr="000000"/>
-              </a:solidFill>
-            </a:endParaRPr>
-          </a:p>
-        </p:txBody>
-      </p:sp>
-      <p:cxnSp>
-        <p:nvCxnSpPr>
-          <p:cNvPr id="8" name="Straight Connector 7">
-            <a:extLst>
-              <a:ext uri="{FF2B5EF4-FFF2-40B4-BE49-F238E27FC236}">
-                <a16:creationId xmlns:a16="http://schemas.microsoft.com/office/drawing/2014/main" id="{8373E964-F66F-9C46-9C98-5EAC3987DDFF}"/>
-              </a:ext>
-            </a:extLst>
-          </p:cNvPr>
-          <p:cNvCxnSpPr>
-            <a:stCxn id="6" idx="0"/>
-          </p:cNvCxnSpPr>
-          <p:nvPr/>
-        </p:nvCxnSpPr>
-        <p:spPr>
-          <a:xfrm flipH="1">
-            <a:off x="5861742" y="1920505"/>
-            <a:ext cx="7495" cy="2623278"/>
-          </a:xfrm>
-          <a:prstGeom prst="line">
-            <a:avLst/>
-          </a:prstGeom>
-          <a:ln>
-            <a:solidFill>
-              <a:schemeClr val="accent6">
-                <a:lumMod val="75000"/>
-              </a:schemeClr>
-            </a:solidFill>
-          </a:ln>
-        </p:spPr>
-        <p:style>
-          <a:lnRef idx="1">
-            <a:schemeClr val="accent3"/>
-          </a:lnRef>
-          <a:fillRef idx="0">
-            <a:schemeClr val="accent3"/>
-          </a:fillRef>
-          <a:effectRef idx="0">
-            <a:schemeClr val="accent3"/>
-          </a:effectRef>
-          <a:fontRef idx="minor">
-            <a:schemeClr val="tx1"/>
-          </a:fontRef>
-        </p:style>
-      </p:cxnSp>
-      <p:sp>
-        <p:nvSpPr>
-          <p:cNvPr id="10" name="Oval 9">
-            <a:extLst>
-              <a:ext uri="{FF2B5EF4-FFF2-40B4-BE49-F238E27FC236}">
-                <a16:creationId xmlns:a16="http://schemas.microsoft.com/office/drawing/2014/main" id="{EF9E34BB-292B-F146-8641-2F8AA3E0D5E7}"/>
-              </a:ext>
-            </a:extLst>
-          </p:cNvPr>
-          <p:cNvSpPr/>
-          <p:nvPr/>
-        </p:nvSpPr>
-        <p:spPr>
-          <a:xfrm>
-            <a:off x="5145741" y="2850870"/>
-            <a:ext cx="89647" cy="89647"/>
-          </a:xfrm>
-          <a:prstGeom prst="ellipse">
-            <a:avLst/>
-          </a:prstGeom>
-        </p:spPr>
-        <p:style>
-          <a:lnRef idx="2">
-            <a:schemeClr val="accent1">
-              <a:shade val="50000"/>
-            </a:schemeClr>
-          </a:lnRef>
-          <a:fillRef idx="1">
-            <a:schemeClr val="accent1"/>
-          </a:fillRef>
-          <a:effectRef idx="0">
-            <a:schemeClr val="accent1"/>
-          </a:effectRef>
-          <a:fontRef idx="minor">
-            <a:schemeClr val="lt1"/>
-          </a:fontRef>
-        </p:style>
-        <p:txBody>
-          <a:bodyPr rtlCol="0" anchor="ctr"/>
-          <a:lstStyle/>
-          <a:p>
-            <a:pPr algn="ctr"/>
-            <a:endParaRPr lang="en-US"/>
-          </a:p>
-        </p:txBody>
-      </p:sp>
-      <p:sp>
-        <p:nvSpPr>
-          <p:cNvPr id="11" name="Oval 10">
-            <a:extLst>
-              <a:ext uri="{FF2B5EF4-FFF2-40B4-BE49-F238E27FC236}">
-                <a16:creationId xmlns:a16="http://schemas.microsoft.com/office/drawing/2014/main" id="{C80C36D5-EC6E-A74E-BC7A-DDAA3357D75F}"/>
-              </a:ext>
-            </a:extLst>
-          </p:cNvPr>
-          <p:cNvSpPr/>
-          <p:nvPr/>
-        </p:nvSpPr>
-        <p:spPr>
-          <a:xfrm>
-            <a:off x="5298141" y="3003270"/>
-            <a:ext cx="89647" cy="89647"/>
-          </a:xfrm>
-          <a:prstGeom prst="ellipse">
-            <a:avLst/>
-          </a:prstGeom>
-        </p:spPr>
-        <p:style>
-          <a:lnRef idx="2">
-            <a:schemeClr val="accent1">
-              <a:shade val="50000"/>
-            </a:schemeClr>
-          </a:lnRef>
-          <a:fillRef idx="1">
-            <a:schemeClr val="accent1"/>
-          </a:fillRef>
-          <a:effectRef idx="0">
-            <a:schemeClr val="accent1"/>
-          </a:effectRef>
-          <a:fontRef idx="minor">
-            <a:schemeClr val="lt1"/>
-          </a:fontRef>
-        </p:style>
-        <p:txBody>
-          <a:bodyPr rtlCol="0" anchor="ctr"/>
-          <a:lstStyle/>
-          <a:p>
-            <a:pPr algn="ctr"/>
-            <a:endParaRPr lang="en-US"/>
-          </a:p>
-        </p:txBody>
-      </p:sp>
-      <p:sp>
-        <p:nvSpPr>
-          <p:cNvPr id="12" name="Oval 11">
-            <a:extLst>
-              <a:ext uri="{FF2B5EF4-FFF2-40B4-BE49-F238E27FC236}">
-                <a16:creationId xmlns:a16="http://schemas.microsoft.com/office/drawing/2014/main" id="{AF138445-435A-D647-904E-F2DAA86C067D}"/>
-              </a:ext>
-            </a:extLst>
-          </p:cNvPr>
-          <p:cNvSpPr/>
-          <p:nvPr/>
-        </p:nvSpPr>
-        <p:spPr>
-          <a:xfrm>
-            <a:off x="5056094" y="3210017"/>
-            <a:ext cx="89647" cy="89647"/>
-          </a:xfrm>
-          <a:prstGeom prst="ellipse">
-            <a:avLst/>
-          </a:prstGeom>
-        </p:spPr>
-        <p:style>
-          <a:lnRef idx="2">
-            <a:schemeClr val="accent1">
-              <a:shade val="50000"/>
-            </a:schemeClr>
-          </a:lnRef>
-          <a:fillRef idx="1">
-            <a:schemeClr val="accent1"/>
-          </a:fillRef>
-          <a:effectRef idx="0">
-            <a:schemeClr val="accent1"/>
-          </a:effectRef>
-          <a:fontRef idx="minor">
-            <a:schemeClr val="lt1"/>
-          </a:fontRef>
-        </p:style>
-        <p:txBody>
-          <a:bodyPr rtlCol="0" anchor="ctr"/>
-          <a:lstStyle/>
-          <a:p>
-            <a:pPr algn="ctr"/>
-            <a:endParaRPr lang="en-US"/>
-          </a:p>
-        </p:txBody>
-      </p:sp>
-      <p:sp>
-        <p:nvSpPr>
-          <p:cNvPr id="13" name="Oval 12">
-            <a:extLst>
-              <a:ext uri="{FF2B5EF4-FFF2-40B4-BE49-F238E27FC236}">
-                <a16:creationId xmlns:a16="http://schemas.microsoft.com/office/drawing/2014/main" id="{373E4BD5-23C5-644B-A035-0F36A32AB3FE}"/>
-              </a:ext>
-            </a:extLst>
-          </p:cNvPr>
-          <p:cNvSpPr/>
-          <p:nvPr/>
-        </p:nvSpPr>
-        <p:spPr>
-          <a:xfrm>
-            <a:off x="5360893" y="3299664"/>
-            <a:ext cx="89647" cy="89647"/>
-          </a:xfrm>
-          <a:prstGeom prst="ellipse">
-            <a:avLst/>
-          </a:prstGeom>
-        </p:spPr>
-        <p:style>
-          <a:lnRef idx="2">
-            <a:schemeClr val="accent1">
-              <a:shade val="50000"/>
-            </a:schemeClr>
-          </a:lnRef>
-          <a:fillRef idx="1">
-            <a:schemeClr val="accent1"/>
-          </a:fillRef>
-          <a:effectRef idx="0">
-            <a:schemeClr val="accent1"/>
-          </a:effectRef>
-          <a:fontRef idx="minor">
-            <a:schemeClr val="lt1"/>
-          </a:fontRef>
-        </p:style>
-        <p:txBody>
-          <a:bodyPr rtlCol="0" anchor="ctr"/>
-          <a:lstStyle/>
-          <a:p>
-            <a:pPr algn="ctr"/>
-            <a:endParaRPr lang="en-US"/>
-          </a:p>
-        </p:txBody>
-      </p:sp>
-      <p:sp>
-        <p:nvSpPr>
-          <p:cNvPr id="14" name="Oval 13">
-            <a:extLst>
-              <a:ext uri="{FF2B5EF4-FFF2-40B4-BE49-F238E27FC236}">
-                <a16:creationId xmlns:a16="http://schemas.microsoft.com/office/drawing/2014/main" id="{3A1E3C75-9B29-4048-9004-5BD3A6DDCAB7}"/>
-              </a:ext>
-            </a:extLst>
-          </p:cNvPr>
-          <p:cNvSpPr/>
-          <p:nvPr/>
-        </p:nvSpPr>
-        <p:spPr>
-          <a:xfrm>
-            <a:off x="5271246" y="3577953"/>
-            <a:ext cx="89647" cy="89647"/>
-          </a:xfrm>
-          <a:prstGeom prst="ellipse">
-            <a:avLst/>
-          </a:prstGeom>
-        </p:spPr>
-        <p:style>
-          <a:lnRef idx="2">
-            <a:schemeClr val="accent1">
-              <a:shade val="50000"/>
-            </a:schemeClr>
-          </a:lnRef>
-          <a:fillRef idx="1">
-            <a:schemeClr val="accent1"/>
-          </a:fillRef>
-          <a:effectRef idx="0">
-            <a:schemeClr val="accent1"/>
-          </a:effectRef>
-          <a:fontRef idx="minor">
-            <a:schemeClr val="lt1"/>
-          </a:fontRef>
-        </p:style>
-        <p:txBody>
-          <a:bodyPr rtlCol="0" anchor="ctr"/>
-          <a:lstStyle/>
-          <a:p>
-            <a:pPr algn="ctr"/>
-            <a:endParaRPr lang="en-US"/>
-          </a:p>
-        </p:txBody>
-      </p:sp>
-      <p:sp>
-        <p:nvSpPr>
-          <p:cNvPr id="16" name="Oval 15">
-            <a:extLst>
-              <a:ext uri="{FF2B5EF4-FFF2-40B4-BE49-F238E27FC236}">
-                <a16:creationId xmlns:a16="http://schemas.microsoft.com/office/drawing/2014/main" id="{90A127D7-6035-1C41-9D69-7394FBBDD282}"/>
-              </a:ext>
-            </a:extLst>
-          </p:cNvPr>
-          <p:cNvSpPr/>
-          <p:nvPr/>
-        </p:nvSpPr>
-        <p:spPr>
-          <a:xfrm>
-            <a:off x="5558117" y="3568045"/>
-            <a:ext cx="89647" cy="89647"/>
-          </a:xfrm>
-          <a:prstGeom prst="ellipse">
-            <a:avLst/>
-          </a:prstGeom>
-        </p:spPr>
-        <p:style>
-          <a:lnRef idx="2">
-            <a:schemeClr val="accent1">
-              <a:shade val="50000"/>
-            </a:schemeClr>
-          </a:lnRef>
-          <a:fillRef idx="1">
-            <a:schemeClr val="accent1"/>
-          </a:fillRef>
-          <a:effectRef idx="0">
-            <a:schemeClr val="accent1"/>
-          </a:effectRef>
-          <a:fontRef idx="minor">
-            <a:schemeClr val="lt1"/>
-          </a:fontRef>
-        </p:style>
-        <p:txBody>
-          <a:bodyPr rtlCol="0" anchor="ctr"/>
-          <a:lstStyle/>
-          <a:p>
-            <a:pPr algn="ctr"/>
-            <a:endParaRPr lang="en-US"/>
-          </a:p>
-        </p:txBody>
-      </p:sp>
-      <p:sp>
-        <p:nvSpPr>
-          <p:cNvPr id="17" name="Oval 16">
-            <a:extLst>
-              <a:ext uri="{FF2B5EF4-FFF2-40B4-BE49-F238E27FC236}">
-                <a16:creationId xmlns:a16="http://schemas.microsoft.com/office/drawing/2014/main" id="{3C657A1A-7D6D-2444-8251-D8697BD264D0}"/>
-              </a:ext>
-            </a:extLst>
-          </p:cNvPr>
-          <p:cNvSpPr/>
-          <p:nvPr/>
-        </p:nvSpPr>
-        <p:spPr>
-          <a:xfrm>
-            <a:off x="5316070" y="3774792"/>
-            <a:ext cx="89647" cy="89647"/>
-          </a:xfrm>
-          <a:prstGeom prst="ellipse">
-            <a:avLst/>
-          </a:prstGeom>
-        </p:spPr>
-        <p:style>
-          <a:lnRef idx="2">
-            <a:schemeClr val="accent1">
-              <a:shade val="50000"/>
-            </a:schemeClr>
-          </a:lnRef>
-          <a:fillRef idx="1">
-            <a:schemeClr val="accent1"/>
-          </a:fillRef>
-          <a:effectRef idx="0">
-            <a:schemeClr val="accent1"/>
-          </a:effectRef>
-          <a:fontRef idx="minor">
-            <a:schemeClr val="lt1"/>
-          </a:fontRef>
-        </p:style>
-        <p:txBody>
-          <a:bodyPr rtlCol="0" anchor="ctr"/>
-          <a:lstStyle/>
-          <a:p>
-            <a:pPr algn="ctr"/>
-            <a:endParaRPr lang="en-US"/>
-          </a:p>
-        </p:txBody>
-      </p:sp>
-      <p:sp>
-        <p:nvSpPr>
-          <p:cNvPr id="18" name="Oval 17">
-            <a:extLst>
-              <a:ext uri="{FF2B5EF4-FFF2-40B4-BE49-F238E27FC236}">
-                <a16:creationId xmlns:a16="http://schemas.microsoft.com/office/drawing/2014/main" id="{9E7E3223-A33A-E646-9C7A-C0D89B8B4C83}"/>
-              </a:ext>
-            </a:extLst>
-          </p:cNvPr>
-          <p:cNvSpPr/>
-          <p:nvPr/>
-        </p:nvSpPr>
-        <p:spPr>
-          <a:xfrm>
-            <a:off x="5620869" y="3864439"/>
-            <a:ext cx="89647" cy="89647"/>
-          </a:xfrm>
-          <a:prstGeom prst="ellipse">
-            <a:avLst/>
-          </a:prstGeom>
-        </p:spPr>
-        <p:style>
-          <a:lnRef idx="2">
-            <a:schemeClr val="accent1">
-              <a:shade val="50000"/>
-            </a:schemeClr>
-          </a:lnRef>
-          <a:fillRef idx="1">
-            <a:schemeClr val="accent1"/>
-          </a:fillRef>
-          <a:effectRef idx="0">
-            <a:schemeClr val="accent1"/>
-          </a:effectRef>
-          <a:fontRef idx="minor">
-            <a:schemeClr val="lt1"/>
-          </a:fontRef>
-        </p:style>
-        <p:txBody>
-          <a:bodyPr rtlCol="0" anchor="ctr"/>
-          <a:lstStyle/>
-          <a:p>
-            <a:pPr algn="ctr"/>
-            <a:endParaRPr lang="en-US"/>
-          </a:p>
-        </p:txBody>
-      </p:sp>
-      <p:sp>
-        <p:nvSpPr>
-          <p:cNvPr id="19" name="Oval 18">
-            <a:extLst>
-              <a:ext uri="{FF2B5EF4-FFF2-40B4-BE49-F238E27FC236}">
-                <a16:creationId xmlns:a16="http://schemas.microsoft.com/office/drawing/2014/main" id="{D42A25C2-201D-9E44-85F7-97318CDF7DBB}"/>
-              </a:ext>
-            </a:extLst>
-          </p:cNvPr>
-          <p:cNvSpPr/>
-          <p:nvPr/>
-        </p:nvSpPr>
-        <p:spPr>
-          <a:xfrm>
-            <a:off x="5531222" y="4142728"/>
-            <a:ext cx="89647" cy="89647"/>
-          </a:xfrm>
-          <a:prstGeom prst="ellipse">
-            <a:avLst/>
-          </a:prstGeom>
-        </p:spPr>
-        <p:style>
-          <a:lnRef idx="2">
-            <a:schemeClr val="accent1">
-              <a:shade val="50000"/>
-            </a:schemeClr>
-          </a:lnRef>
-          <a:fillRef idx="1">
-            <a:schemeClr val="accent1"/>
-          </a:fillRef>
-          <a:effectRef idx="0">
-            <a:schemeClr val="accent1"/>
-          </a:effectRef>
-          <a:fontRef idx="minor">
-            <a:schemeClr val="lt1"/>
-          </a:fontRef>
-        </p:style>
-        <p:txBody>
-          <a:bodyPr rtlCol="0" anchor="ctr"/>
-          <a:lstStyle/>
-          <a:p>
-            <a:pPr algn="ctr"/>
-            <a:endParaRPr lang="en-US"/>
-          </a:p>
-        </p:txBody>
-      </p:sp>
-      <p:sp>
-        <p:nvSpPr>
-          <p:cNvPr id="20" name="Oval 19">
-            <a:extLst>
-              <a:ext uri="{FF2B5EF4-FFF2-40B4-BE49-F238E27FC236}">
-                <a16:creationId xmlns:a16="http://schemas.microsoft.com/office/drawing/2014/main" id="{4A5D4F01-8691-0F43-9F39-1BF43B45DFB6}"/>
-              </a:ext>
-            </a:extLst>
-          </p:cNvPr>
-          <p:cNvSpPr/>
-          <p:nvPr/>
-        </p:nvSpPr>
-        <p:spPr>
-          <a:xfrm>
-            <a:off x="4948521" y="3137741"/>
-            <a:ext cx="89647" cy="89647"/>
-          </a:xfrm>
-          <a:prstGeom prst="ellipse">
-            <a:avLst/>
-          </a:prstGeom>
-        </p:spPr>
-        <p:style>
-          <a:lnRef idx="2">
-            <a:schemeClr val="accent1">
-              <a:shade val="50000"/>
-            </a:schemeClr>
-          </a:lnRef>
-          <a:fillRef idx="1">
-            <a:schemeClr val="accent1"/>
-          </a:fillRef>
-          <a:effectRef idx="0">
-            <a:schemeClr val="accent1"/>
-          </a:effectRef>
-          <a:fontRef idx="minor">
-            <a:schemeClr val="lt1"/>
-          </a:fontRef>
-        </p:style>
-        <p:txBody>
-          <a:bodyPr rtlCol="0" anchor="ctr"/>
-          <a:lstStyle/>
-          <a:p>
-            <a:pPr algn="ctr"/>
-            <a:endParaRPr lang="en-US"/>
-          </a:p>
-        </p:txBody>
-      </p:sp>
-      <p:sp>
-        <p:nvSpPr>
-          <p:cNvPr id="21" name="Oval 20">
-            <a:extLst>
-              <a:ext uri="{FF2B5EF4-FFF2-40B4-BE49-F238E27FC236}">
-                <a16:creationId xmlns:a16="http://schemas.microsoft.com/office/drawing/2014/main" id="{312B52B9-A430-5344-B402-CED30C7CBDA8}"/>
-              </a:ext>
-            </a:extLst>
-          </p:cNvPr>
-          <p:cNvSpPr/>
-          <p:nvPr/>
-        </p:nvSpPr>
-        <p:spPr>
-          <a:xfrm>
-            <a:off x="4706474" y="3344488"/>
-            <a:ext cx="89647" cy="89647"/>
-          </a:xfrm>
-          <a:prstGeom prst="ellipse">
-            <a:avLst/>
-          </a:prstGeom>
-        </p:spPr>
-        <p:style>
-          <a:lnRef idx="2">
-            <a:schemeClr val="accent1">
-              <a:shade val="50000"/>
-            </a:schemeClr>
-          </a:lnRef>
-          <a:fillRef idx="1">
-            <a:schemeClr val="accent1"/>
-          </a:fillRef>
-          <a:effectRef idx="0">
-            <a:schemeClr val="accent1"/>
-          </a:effectRef>
-          <a:fontRef idx="minor">
-            <a:schemeClr val="lt1"/>
-          </a:fontRef>
-        </p:style>
-        <p:txBody>
-          <a:bodyPr rtlCol="0" anchor="ctr"/>
-          <a:lstStyle/>
-          <a:p>
-            <a:pPr algn="ctr"/>
-            <a:endParaRPr lang="en-US"/>
-          </a:p>
-        </p:txBody>
-      </p:sp>
-      <p:sp>
-        <p:nvSpPr>
-          <p:cNvPr id="22" name="Oval 21">
-            <a:extLst>
-              <a:ext uri="{FF2B5EF4-FFF2-40B4-BE49-F238E27FC236}">
-                <a16:creationId xmlns:a16="http://schemas.microsoft.com/office/drawing/2014/main" id="{17550942-2AFA-F24A-A12C-46EC8199BB5F}"/>
-              </a:ext>
-            </a:extLst>
-          </p:cNvPr>
-          <p:cNvSpPr/>
-          <p:nvPr/>
-        </p:nvSpPr>
-        <p:spPr>
-          <a:xfrm>
-            <a:off x="5011273" y="3434135"/>
-            <a:ext cx="89647" cy="89647"/>
-          </a:xfrm>
-          <a:prstGeom prst="ellipse">
-            <a:avLst/>
-          </a:prstGeom>
-        </p:spPr>
-        <p:style>
-          <a:lnRef idx="2">
-            <a:schemeClr val="accent1">
-              <a:shade val="50000"/>
-            </a:schemeClr>
-          </a:lnRef>
-          <a:fillRef idx="1">
-            <a:schemeClr val="accent1"/>
-          </a:fillRef>
-          <a:effectRef idx="0">
-            <a:schemeClr val="accent1"/>
-          </a:effectRef>
-          <a:fontRef idx="minor">
-            <a:schemeClr val="lt1"/>
-          </a:fontRef>
-        </p:style>
-        <p:txBody>
-          <a:bodyPr rtlCol="0" anchor="ctr"/>
-          <a:lstStyle/>
-          <a:p>
-            <a:pPr algn="ctr"/>
-            <a:endParaRPr lang="en-US"/>
-          </a:p>
-        </p:txBody>
-      </p:sp>
-      <p:sp>
-        <p:nvSpPr>
-          <p:cNvPr id="23" name="Oval 22">
-            <a:extLst>
-              <a:ext uri="{FF2B5EF4-FFF2-40B4-BE49-F238E27FC236}">
-                <a16:creationId xmlns:a16="http://schemas.microsoft.com/office/drawing/2014/main" id="{4BED7349-6804-1F4A-A824-85865EBA4CA5}"/>
-              </a:ext>
-            </a:extLst>
-          </p:cNvPr>
-          <p:cNvSpPr/>
-          <p:nvPr/>
-        </p:nvSpPr>
-        <p:spPr>
-          <a:xfrm>
-            <a:off x="4921626" y="3712424"/>
-            <a:ext cx="89647" cy="89647"/>
-          </a:xfrm>
-          <a:prstGeom prst="ellipse">
-            <a:avLst/>
-          </a:prstGeom>
-        </p:spPr>
-        <p:style>
-          <a:lnRef idx="2">
-            <a:schemeClr val="accent1">
-              <a:shade val="50000"/>
-            </a:schemeClr>
-          </a:lnRef>
-          <a:fillRef idx="1">
-            <a:schemeClr val="accent1"/>
-          </a:fillRef>
-          <a:effectRef idx="0">
-            <a:schemeClr val="accent1"/>
-          </a:effectRef>
-          <a:fontRef idx="minor">
-            <a:schemeClr val="lt1"/>
-          </a:fontRef>
-        </p:style>
-        <p:txBody>
-          <a:bodyPr rtlCol="0" anchor="ctr"/>
-          <a:lstStyle/>
-          <a:p>
-            <a:pPr algn="ctr"/>
-            <a:endParaRPr lang="en-US"/>
-          </a:p>
-        </p:txBody>
-      </p:sp>
-      <p:sp>
-        <p:nvSpPr>
-          <p:cNvPr id="24" name="Oval 23">
-            <a:extLst>
-              <a:ext uri="{FF2B5EF4-FFF2-40B4-BE49-F238E27FC236}">
-                <a16:creationId xmlns:a16="http://schemas.microsoft.com/office/drawing/2014/main" id="{022CADC9-9279-4645-8E82-696CFA002F16}"/>
-              </a:ext>
-            </a:extLst>
-          </p:cNvPr>
-          <p:cNvSpPr/>
-          <p:nvPr/>
-        </p:nvSpPr>
-        <p:spPr>
-          <a:xfrm>
-            <a:off x="5593973" y="2492281"/>
-            <a:ext cx="89647" cy="89647"/>
-          </a:xfrm>
-          <a:prstGeom prst="ellipse">
-            <a:avLst/>
-          </a:prstGeom>
-        </p:spPr>
-        <p:style>
-          <a:lnRef idx="2">
-            <a:schemeClr val="accent1">
-              <a:shade val="50000"/>
-            </a:schemeClr>
-          </a:lnRef>
-          <a:fillRef idx="1">
-            <a:schemeClr val="accent1"/>
-          </a:fillRef>
-          <a:effectRef idx="0">
-            <a:schemeClr val="accent1"/>
-          </a:effectRef>
-          <a:fontRef idx="minor">
-            <a:schemeClr val="lt1"/>
-          </a:fontRef>
-        </p:style>
-        <p:txBody>
-          <a:bodyPr rtlCol="0" anchor="ctr"/>
-          <a:lstStyle/>
-          <a:p>
-            <a:pPr algn="ctr"/>
-            <a:endParaRPr lang="en-US"/>
-          </a:p>
-        </p:txBody>
-      </p:sp>
-      <p:sp>
-        <p:nvSpPr>
-          <p:cNvPr id="25" name="Oval 24">
-            <a:extLst>
-              <a:ext uri="{FF2B5EF4-FFF2-40B4-BE49-F238E27FC236}">
-                <a16:creationId xmlns:a16="http://schemas.microsoft.com/office/drawing/2014/main" id="{9641FB2D-81BA-6A4E-BFFF-963C2E3F5932}"/>
-              </a:ext>
-            </a:extLst>
-          </p:cNvPr>
-          <p:cNvSpPr/>
-          <p:nvPr/>
-        </p:nvSpPr>
-        <p:spPr>
-          <a:xfrm>
-            <a:off x="5351926" y="2699028"/>
-            <a:ext cx="89647" cy="89647"/>
-          </a:xfrm>
-          <a:prstGeom prst="ellipse">
-            <a:avLst/>
-          </a:prstGeom>
-        </p:spPr>
-        <p:style>
-          <a:lnRef idx="2">
-            <a:schemeClr val="accent1">
-              <a:shade val="50000"/>
-            </a:schemeClr>
-          </a:lnRef>
-          <a:fillRef idx="1">
-            <a:schemeClr val="accent1"/>
-          </a:fillRef>
-          <a:effectRef idx="0">
-            <a:schemeClr val="accent1"/>
-          </a:effectRef>
-          <a:fontRef idx="minor">
-            <a:schemeClr val="lt1"/>
-          </a:fontRef>
-        </p:style>
-        <p:txBody>
-          <a:bodyPr rtlCol="0" anchor="ctr"/>
-          <a:lstStyle/>
-          <a:p>
-            <a:pPr algn="ctr"/>
-            <a:endParaRPr lang="en-US"/>
-          </a:p>
-        </p:txBody>
-      </p:sp>
-      <p:sp>
-        <p:nvSpPr>
-          <p:cNvPr id="26" name="Oval 25">
-            <a:extLst>
-              <a:ext uri="{FF2B5EF4-FFF2-40B4-BE49-F238E27FC236}">
-                <a16:creationId xmlns:a16="http://schemas.microsoft.com/office/drawing/2014/main" id="{5A49AFCD-71F1-9744-9CBA-3CFAB1E797E7}"/>
-              </a:ext>
-            </a:extLst>
-          </p:cNvPr>
-          <p:cNvSpPr/>
-          <p:nvPr/>
-        </p:nvSpPr>
-        <p:spPr>
-          <a:xfrm>
-            <a:off x="5656725" y="2788675"/>
-            <a:ext cx="89647" cy="89647"/>
-          </a:xfrm>
-          <a:prstGeom prst="ellipse">
-            <a:avLst/>
-          </a:prstGeom>
-        </p:spPr>
-        <p:style>
-          <a:lnRef idx="2">
-            <a:schemeClr val="accent1">
-              <a:shade val="50000"/>
-            </a:schemeClr>
-          </a:lnRef>
-          <a:fillRef idx="1">
-            <a:schemeClr val="accent1"/>
-          </a:fillRef>
-          <a:effectRef idx="0">
-            <a:schemeClr val="accent1"/>
-          </a:effectRef>
-          <a:fontRef idx="minor">
-            <a:schemeClr val="lt1"/>
-          </a:fontRef>
-        </p:style>
-        <p:txBody>
-          <a:bodyPr rtlCol="0" anchor="ctr"/>
-          <a:lstStyle/>
-          <a:p>
-            <a:pPr algn="ctr"/>
-            <a:endParaRPr lang="en-US"/>
-          </a:p>
-        </p:txBody>
-      </p:sp>
-      <p:sp>
-        <p:nvSpPr>
-          <p:cNvPr id="27" name="Oval 26">
-            <a:extLst>
-              <a:ext uri="{FF2B5EF4-FFF2-40B4-BE49-F238E27FC236}">
-                <a16:creationId xmlns:a16="http://schemas.microsoft.com/office/drawing/2014/main" id="{647D4375-289E-6447-B9A3-3A71A515E162}"/>
-              </a:ext>
-            </a:extLst>
-          </p:cNvPr>
-          <p:cNvSpPr/>
-          <p:nvPr/>
-        </p:nvSpPr>
-        <p:spPr>
-          <a:xfrm>
-            <a:off x="5567078" y="3066964"/>
-            <a:ext cx="89647" cy="89647"/>
-          </a:xfrm>
-          <a:prstGeom prst="ellipse">
-            <a:avLst/>
-          </a:prstGeom>
-        </p:spPr>
-        <p:style>
-          <a:lnRef idx="2">
-            <a:schemeClr val="accent1">
-              <a:shade val="50000"/>
-            </a:schemeClr>
-          </a:lnRef>
-          <a:fillRef idx="1">
-            <a:schemeClr val="accent1"/>
-          </a:fillRef>
-          <a:effectRef idx="0">
-            <a:schemeClr val="accent1"/>
-          </a:effectRef>
-          <a:fontRef idx="minor">
-            <a:schemeClr val="lt1"/>
-          </a:fontRef>
-        </p:style>
-        <p:txBody>
-          <a:bodyPr rtlCol="0" anchor="ctr"/>
-          <a:lstStyle/>
-          <a:p>
-            <a:pPr algn="ctr"/>
-            <a:endParaRPr lang="en-US"/>
-          </a:p>
-        </p:txBody>
-      </p:sp>
-      <p:sp>
-        <p:nvSpPr>
-          <p:cNvPr id="28" name="Oval 27">
-            <a:extLst>
-              <a:ext uri="{FF2B5EF4-FFF2-40B4-BE49-F238E27FC236}">
-                <a16:creationId xmlns:a16="http://schemas.microsoft.com/office/drawing/2014/main" id="{FF8D3DC8-1E2F-DD4E-A502-E1738B545265}"/>
-              </a:ext>
-            </a:extLst>
-          </p:cNvPr>
-          <p:cNvSpPr/>
-          <p:nvPr/>
-        </p:nvSpPr>
-        <p:spPr>
-          <a:xfrm>
-            <a:off x="5056100" y="2420564"/>
-            <a:ext cx="89647" cy="89647"/>
-          </a:xfrm>
-          <a:prstGeom prst="ellipse">
-            <a:avLst/>
-          </a:prstGeom>
-        </p:spPr>
-        <p:style>
-          <a:lnRef idx="2">
-            <a:schemeClr val="accent1">
-              <a:shade val="50000"/>
-            </a:schemeClr>
-          </a:lnRef>
-          <a:fillRef idx="1">
-            <a:schemeClr val="accent1"/>
-          </a:fillRef>
-          <a:effectRef idx="0">
-            <a:schemeClr val="accent1"/>
-          </a:effectRef>
-          <a:fontRef idx="minor">
-            <a:schemeClr val="lt1"/>
-          </a:fontRef>
-        </p:style>
-        <p:txBody>
-          <a:bodyPr rtlCol="0" anchor="ctr"/>
-          <a:lstStyle/>
-          <a:p>
-            <a:pPr algn="ctr"/>
-            <a:endParaRPr lang="en-US"/>
-          </a:p>
-        </p:txBody>
-      </p:sp>
-      <p:sp>
-        <p:nvSpPr>
-          <p:cNvPr id="29" name="Oval 28">
-            <a:extLst>
-              <a:ext uri="{FF2B5EF4-FFF2-40B4-BE49-F238E27FC236}">
-                <a16:creationId xmlns:a16="http://schemas.microsoft.com/office/drawing/2014/main" id="{EE7899E7-8403-664F-B100-365822D7E203}"/>
-              </a:ext>
-            </a:extLst>
-          </p:cNvPr>
-          <p:cNvSpPr/>
-          <p:nvPr/>
-        </p:nvSpPr>
-        <p:spPr>
-          <a:xfrm>
-            <a:off x="4814053" y="2627311"/>
-            <a:ext cx="89647" cy="89647"/>
-          </a:xfrm>
-          <a:prstGeom prst="ellipse">
-            <a:avLst/>
-          </a:prstGeom>
-        </p:spPr>
-        <p:style>
-          <a:lnRef idx="2">
-            <a:schemeClr val="accent1">
-              <a:shade val="50000"/>
-            </a:schemeClr>
-          </a:lnRef>
-          <a:fillRef idx="1">
-            <a:schemeClr val="accent1"/>
-          </a:fillRef>
-          <a:effectRef idx="0">
-            <a:schemeClr val="accent1"/>
-          </a:effectRef>
-          <a:fontRef idx="minor">
-            <a:schemeClr val="lt1"/>
-          </a:fontRef>
-        </p:style>
-        <p:txBody>
-          <a:bodyPr rtlCol="0" anchor="ctr"/>
-          <a:lstStyle/>
-          <a:p>
-            <a:pPr algn="ctr"/>
-            <a:endParaRPr lang="en-US"/>
-          </a:p>
-        </p:txBody>
-      </p:sp>
-      <p:sp>
-        <p:nvSpPr>
-          <p:cNvPr id="30" name="Oval 29">
-            <a:extLst>
-              <a:ext uri="{FF2B5EF4-FFF2-40B4-BE49-F238E27FC236}">
-                <a16:creationId xmlns:a16="http://schemas.microsoft.com/office/drawing/2014/main" id="{8F2CF7E6-0624-9343-A7FF-6D9E8240BE44}"/>
-              </a:ext>
-            </a:extLst>
-          </p:cNvPr>
-          <p:cNvSpPr/>
-          <p:nvPr/>
-        </p:nvSpPr>
-        <p:spPr>
-          <a:xfrm>
-            <a:off x="5118852" y="2716958"/>
-            <a:ext cx="89647" cy="89647"/>
-          </a:xfrm>
-          <a:prstGeom prst="ellipse">
-            <a:avLst/>
-          </a:prstGeom>
-        </p:spPr>
-        <p:style>
-          <a:lnRef idx="2">
-            <a:schemeClr val="accent1">
-              <a:shade val="50000"/>
-            </a:schemeClr>
-          </a:lnRef>
-          <a:fillRef idx="1">
-            <a:schemeClr val="accent1"/>
-          </a:fillRef>
-          <a:effectRef idx="0">
-            <a:schemeClr val="accent1"/>
-          </a:effectRef>
-          <a:fontRef idx="minor">
-            <a:schemeClr val="lt1"/>
-          </a:fontRef>
-        </p:style>
-        <p:txBody>
-          <a:bodyPr rtlCol="0" anchor="ctr"/>
-          <a:lstStyle/>
-          <a:p>
-            <a:pPr algn="ctr"/>
-            <a:endParaRPr lang="en-US"/>
-          </a:p>
-        </p:txBody>
-      </p:sp>
-      <p:sp>
-        <p:nvSpPr>
-          <p:cNvPr id="31" name="Oval 30">
-            <a:extLst>
-              <a:ext uri="{FF2B5EF4-FFF2-40B4-BE49-F238E27FC236}">
-                <a16:creationId xmlns:a16="http://schemas.microsoft.com/office/drawing/2014/main" id="{68F7EFDA-56DB-BF44-9D4E-349057B84153}"/>
-              </a:ext>
-            </a:extLst>
-          </p:cNvPr>
-          <p:cNvSpPr/>
-          <p:nvPr/>
-        </p:nvSpPr>
-        <p:spPr>
-          <a:xfrm>
-            <a:off x="5029205" y="2995247"/>
-            <a:ext cx="89647" cy="89647"/>
-          </a:xfrm>
-          <a:prstGeom prst="ellipse">
-            <a:avLst/>
-          </a:prstGeom>
-        </p:spPr>
-        <p:style>
-          <a:lnRef idx="2">
-            <a:schemeClr val="accent1">
-              <a:shade val="50000"/>
-            </a:schemeClr>
-          </a:lnRef>
-          <a:fillRef idx="1">
-            <a:schemeClr val="accent1"/>
-          </a:fillRef>
-          <a:effectRef idx="0">
-            <a:schemeClr val="accent1"/>
-          </a:effectRef>
-          <a:fontRef idx="minor">
-            <a:schemeClr val="lt1"/>
-          </a:fontRef>
-        </p:style>
-        <p:txBody>
-          <a:bodyPr rtlCol="0" anchor="ctr"/>
-          <a:lstStyle/>
-          <a:p>
-            <a:pPr algn="ctr"/>
-            <a:endParaRPr lang="en-US"/>
-          </a:p>
-        </p:txBody>
-      </p:sp>
-      <p:sp>
-        <p:nvSpPr>
-          <p:cNvPr id="32" name="Oval 31">
-            <a:extLst>
-              <a:ext uri="{FF2B5EF4-FFF2-40B4-BE49-F238E27FC236}">
-                <a16:creationId xmlns:a16="http://schemas.microsoft.com/office/drawing/2014/main" id="{7DA72522-A0F0-1A4C-A95B-920F8A68E623}"/>
-              </a:ext>
-            </a:extLst>
-          </p:cNvPr>
-          <p:cNvSpPr/>
-          <p:nvPr/>
-        </p:nvSpPr>
-        <p:spPr>
-          <a:xfrm>
-            <a:off x="5593973" y="2079910"/>
-            <a:ext cx="89647" cy="89647"/>
-          </a:xfrm>
-          <a:prstGeom prst="ellipse">
-            <a:avLst/>
-          </a:prstGeom>
-        </p:spPr>
-        <p:style>
-          <a:lnRef idx="2">
-            <a:schemeClr val="accent1">
-              <a:shade val="50000"/>
-            </a:schemeClr>
-          </a:lnRef>
-          <a:fillRef idx="1">
-            <a:schemeClr val="accent1"/>
-          </a:fillRef>
-          <a:effectRef idx="0">
-            <a:schemeClr val="accent1"/>
-          </a:effectRef>
-          <a:fontRef idx="minor">
-            <a:schemeClr val="lt1"/>
-          </a:fontRef>
-        </p:style>
-        <p:txBody>
-          <a:bodyPr rtlCol="0" anchor="ctr"/>
-          <a:lstStyle/>
-          <a:p>
-            <a:pPr algn="ctr"/>
-            <a:endParaRPr lang="en-US"/>
-          </a:p>
-        </p:txBody>
-      </p:sp>
-      <p:sp>
-        <p:nvSpPr>
-          <p:cNvPr id="33" name="Oval 32">
-            <a:extLst>
-              <a:ext uri="{FF2B5EF4-FFF2-40B4-BE49-F238E27FC236}">
-                <a16:creationId xmlns:a16="http://schemas.microsoft.com/office/drawing/2014/main" id="{83D76510-E850-194F-9BA9-3684961BC1CB}"/>
-              </a:ext>
-            </a:extLst>
-          </p:cNvPr>
-          <p:cNvSpPr/>
-          <p:nvPr/>
-        </p:nvSpPr>
-        <p:spPr>
-          <a:xfrm>
-            <a:off x="5351926" y="2286657"/>
-            <a:ext cx="89647" cy="89647"/>
-          </a:xfrm>
-          <a:prstGeom prst="ellipse">
-            <a:avLst/>
-          </a:prstGeom>
-        </p:spPr>
-        <p:style>
-          <a:lnRef idx="2">
-            <a:schemeClr val="accent1">
-              <a:shade val="50000"/>
-            </a:schemeClr>
-          </a:lnRef>
-          <a:fillRef idx="1">
-            <a:schemeClr val="accent1"/>
-          </a:fillRef>
-          <a:effectRef idx="0">
-            <a:schemeClr val="accent1"/>
-          </a:effectRef>
-          <a:fontRef idx="minor">
-            <a:schemeClr val="lt1"/>
-          </a:fontRef>
-        </p:style>
-        <p:txBody>
-          <a:bodyPr rtlCol="0" anchor="ctr"/>
-          <a:lstStyle/>
-          <a:p>
-            <a:pPr algn="ctr"/>
-            <a:endParaRPr lang="en-US"/>
-          </a:p>
-        </p:txBody>
-      </p:sp>
-      <p:sp>
-        <p:nvSpPr>
-          <p:cNvPr id="34" name="Oval 33">
-            <a:extLst>
-              <a:ext uri="{FF2B5EF4-FFF2-40B4-BE49-F238E27FC236}">
-                <a16:creationId xmlns:a16="http://schemas.microsoft.com/office/drawing/2014/main" id="{BACFB913-2974-A040-92F7-00D0F31A7040}"/>
-              </a:ext>
-            </a:extLst>
-          </p:cNvPr>
-          <p:cNvSpPr/>
-          <p:nvPr/>
-        </p:nvSpPr>
-        <p:spPr>
-          <a:xfrm>
-            <a:off x="5656725" y="2376304"/>
-            <a:ext cx="89647" cy="89647"/>
-          </a:xfrm>
-          <a:prstGeom prst="ellipse">
-            <a:avLst/>
-          </a:prstGeom>
-        </p:spPr>
-        <p:style>
-          <a:lnRef idx="2">
-            <a:schemeClr val="accent1">
-              <a:shade val="50000"/>
-            </a:schemeClr>
-          </a:lnRef>
-          <a:fillRef idx="1">
-            <a:schemeClr val="accent1"/>
-          </a:fillRef>
-          <a:effectRef idx="0">
-            <a:schemeClr val="accent1"/>
-          </a:effectRef>
-          <a:fontRef idx="minor">
-            <a:schemeClr val="lt1"/>
-          </a:fontRef>
-        </p:style>
-        <p:txBody>
-          <a:bodyPr rtlCol="0" anchor="ctr"/>
-          <a:lstStyle/>
-          <a:p>
-            <a:pPr algn="ctr"/>
-            <a:endParaRPr lang="en-US"/>
-          </a:p>
-        </p:txBody>
-      </p:sp>
-      <p:sp>
-        <p:nvSpPr>
-          <p:cNvPr id="35" name="Oval 34">
-            <a:extLst>
-              <a:ext uri="{FF2B5EF4-FFF2-40B4-BE49-F238E27FC236}">
-                <a16:creationId xmlns:a16="http://schemas.microsoft.com/office/drawing/2014/main" id="{E09BC626-1754-634F-A70C-4E5E3DD2DE3C}"/>
-              </a:ext>
-            </a:extLst>
-          </p:cNvPr>
-          <p:cNvSpPr/>
-          <p:nvPr/>
-        </p:nvSpPr>
-        <p:spPr>
-          <a:xfrm>
-            <a:off x="5567078" y="2654593"/>
-            <a:ext cx="89647" cy="89647"/>
-          </a:xfrm>
-          <a:prstGeom prst="ellipse">
-            <a:avLst/>
-          </a:prstGeom>
-        </p:spPr>
-        <p:style>
-          <a:lnRef idx="2">
-            <a:schemeClr val="accent1">
-              <a:shade val="50000"/>
-            </a:schemeClr>
-          </a:lnRef>
-          <a:fillRef idx="1">
-            <a:schemeClr val="accent1"/>
-          </a:fillRef>
-          <a:effectRef idx="0">
-            <a:schemeClr val="accent1"/>
-          </a:effectRef>
-          <a:fontRef idx="minor">
-            <a:schemeClr val="lt1"/>
-          </a:fontRef>
-        </p:style>
-        <p:txBody>
-          <a:bodyPr rtlCol="0" anchor="ctr"/>
-          <a:lstStyle/>
-          <a:p>
-            <a:pPr algn="ctr"/>
-            <a:endParaRPr lang="en-US"/>
-          </a:p>
-        </p:txBody>
-      </p:sp>
-      <p:sp>
-        <p:nvSpPr>
-          <p:cNvPr id="37" name="Rectangle 36">
-            <a:extLst>
-              <a:ext uri="{FF2B5EF4-FFF2-40B4-BE49-F238E27FC236}">
-                <a16:creationId xmlns:a16="http://schemas.microsoft.com/office/drawing/2014/main" id="{4F351C0C-1789-A74A-9332-C6903AC14371}"/>
-              </a:ext>
-            </a:extLst>
-          </p:cNvPr>
-          <p:cNvSpPr/>
-          <p:nvPr/>
-        </p:nvSpPr>
-        <p:spPr>
-          <a:xfrm>
-            <a:off x="6239435" y="2465387"/>
-            <a:ext cx="116541" cy="116541"/>
-          </a:xfrm>
-          <a:prstGeom prst="rect">
-            <a:avLst/>
-          </a:prstGeom>
-          <a:solidFill>
-            <a:schemeClr val="accent4">
-              <a:lumMod val="60000"/>
-              <a:lumOff val="40000"/>
-            </a:schemeClr>
-          </a:solidFill>
-          <a:ln>
-            <a:solidFill>
-              <a:schemeClr val="accent4"/>
-            </a:solidFill>
-          </a:ln>
-        </p:spPr>
-        <p:style>
-          <a:lnRef idx="2">
-            <a:schemeClr val="accent1">
-              <a:shade val="50000"/>
-            </a:schemeClr>
-          </a:lnRef>
-          <a:fillRef idx="1">
-            <a:schemeClr val="accent1"/>
-          </a:fillRef>
-          <a:effectRef idx="0">
-            <a:schemeClr val="accent1"/>
-          </a:effectRef>
-          <a:fontRef idx="minor">
-            <a:schemeClr val="lt1"/>
-          </a:fontRef>
-        </p:style>
-        <p:txBody>
-          <a:bodyPr rtlCol="0" anchor="ctr"/>
-          <a:lstStyle/>
-          <a:p>
-            <a:pPr algn="ctr"/>
-            <a:endParaRPr lang="en-US"/>
-          </a:p>
-        </p:txBody>
-      </p:sp>
-      <p:sp>
-        <p:nvSpPr>
-          <p:cNvPr id="41" name="Rectangle 40">
-            <a:extLst>
-              <a:ext uri="{FF2B5EF4-FFF2-40B4-BE49-F238E27FC236}">
-                <a16:creationId xmlns:a16="http://schemas.microsoft.com/office/drawing/2014/main" id="{0DAEF6EF-101E-114D-8063-ED2BBB646BDB}"/>
-              </a:ext>
-            </a:extLst>
-          </p:cNvPr>
-          <p:cNvSpPr/>
-          <p:nvPr/>
-        </p:nvSpPr>
-        <p:spPr>
-          <a:xfrm>
-            <a:off x="6391835" y="2617787"/>
-            <a:ext cx="116541" cy="116541"/>
-          </a:xfrm>
-          <a:prstGeom prst="rect">
-            <a:avLst/>
-          </a:prstGeom>
-          <a:solidFill>
-            <a:schemeClr val="accent4">
-              <a:lumMod val="60000"/>
-              <a:lumOff val="40000"/>
-            </a:schemeClr>
-          </a:solidFill>
-          <a:ln>
-            <a:solidFill>
-              <a:schemeClr val="accent4"/>
-            </a:solidFill>
-          </a:ln>
-        </p:spPr>
-        <p:style>
-          <a:lnRef idx="2">
-            <a:schemeClr val="accent1">
-              <a:shade val="50000"/>
-            </a:schemeClr>
-          </a:lnRef>
-          <a:fillRef idx="1">
-            <a:schemeClr val="accent1"/>
-          </a:fillRef>
-          <a:effectRef idx="0">
-            <a:schemeClr val="accent1"/>
-          </a:effectRef>
-          <a:fontRef idx="minor">
-            <a:schemeClr val="lt1"/>
-          </a:fontRef>
-        </p:style>
-        <p:txBody>
-          <a:bodyPr rtlCol="0" anchor="ctr"/>
-          <a:lstStyle/>
-          <a:p>
-            <a:pPr algn="ctr"/>
-            <a:endParaRPr lang="en-US"/>
-          </a:p>
-        </p:txBody>
-      </p:sp>
-      <p:sp>
-        <p:nvSpPr>
-          <p:cNvPr id="42" name="Rectangle 41">
-            <a:extLst>
-              <a:ext uri="{FF2B5EF4-FFF2-40B4-BE49-F238E27FC236}">
-                <a16:creationId xmlns:a16="http://schemas.microsoft.com/office/drawing/2014/main" id="{61DEEF38-B529-C14C-87BA-744A8F84CB49}"/>
-              </a:ext>
-            </a:extLst>
-          </p:cNvPr>
-          <p:cNvSpPr/>
-          <p:nvPr/>
-        </p:nvSpPr>
-        <p:spPr>
-          <a:xfrm>
-            <a:off x="6544235" y="2770187"/>
-            <a:ext cx="116541" cy="116541"/>
-          </a:xfrm>
-          <a:prstGeom prst="rect">
-            <a:avLst/>
-          </a:prstGeom>
-          <a:solidFill>
-            <a:schemeClr val="accent4">
-              <a:lumMod val="60000"/>
-              <a:lumOff val="40000"/>
-            </a:schemeClr>
-          </a:solidFill>
-          <a:ln>
-            <a:solidFill>
-              <a:schemeClr val="accent4"/>
-            </a:solidFill>
-          </a:ln>
-        </p:spPr>
-        <p:style>
-          <a:lnRef idx="2">
-            <a:schemeClr val="accent1">
-              <a:shade val="50000"/>
-            </a:schemeClr>
-          </a:lnRef>
-          <a:fillRef idx="1">
-            <a:schemeClr val="accent1"/>
-          </a:fillRef>
-          <a:effectRef idx="0">
-            <a:schemeClr val="accent1"/>
-          </a:effectRef>
-          <a:fontRef idx="minor">
-            <a:schemeClr val="lt1"/>
-          </a:fontRef>
-        </p:style>
-        <p:txBody>
-          <a:bodyPr rtlCol="0" anchor="ctr"/>
-          <a:lstStyle/>
-          <a:p>
-            <a:pPr algn="ctr"/>
-            <a:endParaRPr lang="en-US"/>
-          </a:p>
-        </p:txBody>
-      </p:sp>
-      <p:sp>
-        <p:nvSpPr>
-          <p:cNvPr id="43" name="Rectangle 42">
-            <a:extLst>
-              <a:ext uri="{FF2B5EF4-FFF2-40B4-BE49-F238E27FC236}">
-                <a16:creationId xmlns:a16="http://schemas.microsoft.com/office/drawing/2014/main" id="{C6DFEDF6-732D-F844-A49A-A75DE1CA34CE}"/>
-              </a:ext>
-            </a:extLst>
-          </p:cNvPr>
-          <p:cNvSpPr/>
-          <p:nvPr/>
-        </p:nvSpPr>
-        <p:spPr>
-          <a:xfrm>
-            <a:off x="6787228" y="2743014"/>
-            <a:ext cx="116541" cy="116541"/>
-          </a:xfrm>
-          <a:prstGeom prst="rect">
-            <a:avLst/>
-          </a:prstGeom>
-          <a:solidFill>
-            <a:schemeClr val="accent4">
-              <a:lumMod val="60000"/>
-              <a:lumOff val="40000"/>
-            </a:schemeClr>
-          </a:solidFill>
-          <a:ln>
-            <a:solidFill>
-              <a:schemeClr val="accent4"/>
-            </a:solidFill>
-          </a:ln>
-        </p:spPr>
-        <p:style>
-          <a:lnRef idx="2">
-            <a:schemeClr val="accent1">
-              <a:shade val="50000"/>
-            </a:schemeClr>
-          </a:lnRef>
-          <a:fillRef idx="1">
-            <a:schemeClr val="accent1"/>
-          </a:fillRef>
-          <a:effectRef idx="0">
-            <a:schemeClr val="accent1"/>
-          </a:effectRef>
-          <a:fontRef idx="minor">
-            <a:schemeClr val="lt1"/>
-          </a:fontRef>
-        </p:style>
-        <p:txBody>
-          <a:bodyPr rtlCol="0" anchor="ctr"/>
-          <a:lstStyle/>
-          <a:p>
-            <a:pPr algn="ctr"/>
-            <a:endParaRPr lang="en-US"/>
-          </a:p>
-        </p:txBody>
-      </p:sp>
-      <p:sp>
-        <p:nvSpPr>
-          <p:cNvPr id="44" name="Rectangle 43">
-            <a:extLst>
-              <a:ext uri="{FF2B5EF4-FFF2-40B4-BE49-F238E27FC236}">
-                <a16:creationId xmlns:a16="http://schemas.microsoft.com/office/drawing/2014/main" id="{E18AF31F-7B3F-5145-BACB-96465156022C}"/>
-              </a:ext>
-            </a:extLst>
-          </p:cNvPr>
-          <p:cNvSpPr/>
-          <p:nvPr/>
-        </p:nvSpPr>
-        <p:spPr>
-          <a:xfrm>
-            <a:off x="6296745" y="2950423"/>
-            <a:ext cx="116541" cy="116541"/>
-          </a:xfrm>
-          <a:prstGeom prst="rect">
-            <a:avLst/>
-          </a:prstGeom>
-          <a:solidFill>
-            <a:schemeClr val="accent4">
-              <a:lumMod val="60000"/>
-              <a:lumOff val="40000"/>
-            </a:schemeClr>
-          </a:solidFill>
-          <a:ln>
-            <a:solidFill>
-              <a:schemeClr val="accent4"/>
-            </a:solidFill>
-          </a:ln>
-        </p:spPr>
-        <p:style>
-          <a:lnRef idx="2">
-            <a:schemeClr val="accent1">
-              <a:shade val="50000"/>
-            </a:schemeClr>
-          </a:lnRef>
-          <a:fillRef idx="1">
-            <a:schemeClr val="accent1"/>
-          </a:fillRef>
-          <a:effectRef idx="0">
-            <a:schemeClr val="accent1"/>
-          </a:effectRef>
-          <a:fontRef idx="minor">
-            <a:schemeClr val="lt1"/>
-          </a:fontRef>
-        </p:style>
-        <p:txBody>
-          <a:bodyPr rtlCol="0" anchor="ctr"/>
-          <a:lstStyle/>
-          <a:p>
-            <a:pPr algn="ctr"/>
-            <a:endParaRPr lang="en-US"/>
-          </a:p>
-        </p:txBody>
-      </p:sp>
-      <p:sp>
-        <p:nvSpPr>
-          <p:cNvPr id="45" name="Rectangle 44">
-            <a:extLst>
-              <a:ext uri="{FF2B5EF4-FFF2-40B4-BE49-F238E27FC236}">
-                <a16:creationId xmlns:a16="http://schemas.microsoft.com/office/drawing/2014/main" id="{0B397D56-C51C-1C4C-AEBA-CB9BE00CC6EA}"/>
-              </a:ext>
-            </a:extLst>
-          </p:cNvPr>
-          <p:cNvSpPr/>
-          <p:nvPr/>
-        </p:nvSpPr>
-        <p:spPr>
-          <a:xfrm>
-            <a:off x="6589714" y="2367427"/>
-            <a:ext cx="116541" cy="116541"/>
-          </a:xfrm>
-          <a:prstGeom prst="rect">
-            <a:avLst/>
-          </a:prstGeom>
-          <a:solidFill>
-            <a:schemeClr val="accent4">
-              <a:lumMod val="60000"/>
-              <a:lumOff val="40000"/>
-            </a:schemeClr>
-          </a:solidFill>
-          <a:ln>
-            <a:solidFill>
-              <a:schemeClr val="accent4"/>
-            </a:solidFill>
-          </a:ln>
-        </p:spPr>
-        <p:style>
-          <a:lnRef idx="2">
-            <a:schemeClr val="accent1">
-              <a:shade val="50000"/>
-            </a:schemeClr>
-          </a:lnRef>
-          <a:fillRef idx="1">
-            <a:schemeClr val="accent1"/>
-          </a:fillRef>
-          <a:effectRef idx="0">
-            <a:schemeClr val="accent1"/>
-          </a:effectRef>
-          <a:fontRef idx="minor">
-            <a:schemeClr val="lt1"/>
-          </a:fontRef>
-        </p:style>
-        <p:txBody>
-          <a:bodyPr rtlCol="0" anchor="ctr"/>
-          <a:lstStyle/>
-          <a:p>
-            <a:pPr algn="ctr"/>
-            <a:endParaRPr lang="en-US"/>
-          </a:p>
-        </p:txBody>
-      </p:sp>
-      <p:sp>
-        <p:nvSpPr>
-          <p:cNvPr id="46" name="Rectangle 45">
-            <a:extLst>
-              <a:ext uri="{FF2B5EF4-FFF2-40B4-BE49-F238E27FC236}">
-                <a16:creationId xmlns:a16="http://schemas.microsoft.com/office/drawing/2014/main" id="{9DBEDB98-DCEA-3546-AD0D-8C3B13BB3EC9}"/>
-              </a:ext>
-            </a:extLst>
-          </p:cNvPr>
-          <p:cNvSpPr/>
-          <p:nvPr/>
-        </p:nvSpPr>
-        <p:spPr>
-          <a:xfrm>
-            <a:off x="5961529" y="2868796"/>
-            <a:ext cx="116541" cy="116541"/>
-          </a:xfrm>
-          <a:prstGeom prst="rect">
-            <a:avLst/>
-          </a:prstGeom>
-          <a:solidFill>
-            <a:schemeClr val="accent4">
-              <a:lumMod val="60000"/>
-              <a:lumOff val="40000"/>
-            </a:schemeClr>
-          </a:solidFill>
-          <a:ln>
-            <a:solidFill>
-              <a:schemeClr val="accent4"/>
-            </a:solidFill>
-          </a:ln>
-        </p:spPr>
-        <p:style>
-          <a:lnRef idx="2">
-            <a:schemeClr val="accent1">
-              <a:shade val="50000"/>
-            </a:schemeClr>
-          </a:lnRef>
-          <a:fillRef idx="1">
-            <a:schemeClr val="accent1"/>
-          </a:fillRef>
-          <a:effectRef idx="0">
-            <a:schemeClr val="accent1"/>
-          </a:effectRef>
-          <a:fontRef idx="minor">
-            <a:schemeClr val="lt1"/>
-          </a:fontRef>
-        </p:style>
-        <p:txBody>
-          <a:bodyPr rtlCol="0" anchor="ctr"/>
-          <a:lstStyle/>
-          <a:p>
-            <a:pPr algn="ctr"/>
-            <a:endParaRPr lang="en-US"/>
-          </a:p>
-        </p:txBody>
-      </p:sp>
-      <p:sp>
-        <p:nvSpPr>
-          <p:cNvPr id="47" name="Rectangle 46">
-            <a:extLst>
-              <a:ext uri="{FF2B5EF4-FFF2-40B4-BE49-F238E27FC236}">
-                <a16:creationId xmlns:a16="http://schemas.microsoft.com/office/drawing/2014/main" id="{9153B1E0-BFAC-284D-890F-A05DC7C0F36F}"/>
-              </a:ext>
-            </a:extLst>
-          </p:cNvPr>
-          <p:cNvSpPr/>
-          <p:nvPr/>
-        </p:nvSpPr>
-        <p:spPr>
-          <a:xfrm>
-            <a:off x="6113929" y="3021196"/>
-            <a:ext cx="116541" cy="116541"/>
-          </a:xfrm>
-          <a:prstGeom prst="rect">
-            <a:avLst/>
-          </a:prstGeom>
-          <a:solidFill>
-            <a:schemeClr val="accent4">
-              <a:lumMod val="60000"/>
-              <a:lumOff val="40000"/>
-            </a:schemeClr>
-          </a:solidFill>
-          <a:ln>
-            <a:solidFill>
-              <a:schemeClr val="accent4"/>
-            </a:solidFill>
-          </a:ln>
-        </p:spPr>
-        <p:style>
-          <a:lnRef idx="2">
-            <a:schemeClr val="accent1">
-              <a:shade val="50000"/>
-            </a:schemeClr>
-          </a:lnRef>
-          <a:fillRef idx="1">
-            <a:schemeClr val="accent1"/>
-          </a:fillRef>
-          <a:effectRef idx="0">
-            <a:schemeClr val="accent1"/>
-          </a:effectRef>
-          <a:fontRef idx="minor">
-            <a:schemeClr val="lt1"/>
-          </a:fontRef>
-        </p:style>
-        <p:txBody>
-          <a:bodyPr rtlCol="0" anchor="ctr"/>
-          <a:lstStyle/>
-          <a:p>
-            <a:pPr algn="ctr"/>
-            <a:endParaRPr lang="en-US"/>
-          </a:p>
-        </p:txBody>
-      </p:sp>
-      <p:sp>
-        <p:nvSpPr>
-          <p:cNvPr id="48" name="Rectangle 47">
-            <a:extLst>
-              <a:ext uri="{FF2B5EF4-FFF2-40B4-BE49-F238E27FC236}">
-                <a16:creationId xmlns:a16="http://schemas.microsoft.com/office/drawing/2014/main" id="{198FA2E2-3C45-4945-93CF-39D537F209B2}"/>
-              </a:ext>
-            </a:extLst>
-          </p:cNvPr>
-          <p:cNvSpPr/>
-          <p:nvPr/>
-        </p:nvSpPr>
-        <p:spPr>
-          <a:xfrm>
-            <a:off x="6266329" y="3173596"/>
-            <a:ext cx="116541" cy="116541"/>
-          </a:xfrm>
-          <a:prstGeom prst="rect">
-            <a:avLst/>
-          </a:prstGeom>
-          <a:solidFill>
-            <a:schemeClr val="accent4">
-              <a:lumMod val="60000"/>
-              <a:lumOff val="40000"/>
-            </a:schemeClr>
-          </a:solidFill>
-          <a:ln>
-            <a:solidFill>
-              <a:schemeClr val="accent4"/>
-            </a:solidFill>
-          </a:ln>
-        </p:spPr>
-        <p:style>
-          <a:lnRef idx="2">
-            <a:schemeClr val="accent1">
-              <a:shade val="50000"/>
-            </a:schemeClr>
-          </a:lnRef>
-          <a:fillRef idx="1">
-            <a:schemeClr val="accent1"/>
-          </a:fillRef>
-          <a:effectRef idx="0">
-            <a:schemeClr val="accent1"/>
-          </a:effectRef>
-          <a:fontRef idx="minor">
-            <a:schemeClr val="lt1"/>
-          </a:fontRef>
-        </p:style>
-        <p:txBody>
-          <a:bodyPr rtlCol="0" anchor="ctr"/>
-          <a:lstStyle/>
-          <a:p>
-            <a:pPr algn="ctr"/>
-            <a:endParaRPr lang="en-US"/>
-          </a:p>
-        </p:txBody>
-      </p:sp>
-      <p:sp>
-        <p:nvSpPr>
-          <p:cNvPr id="49" name="Rectangle 48">
-            <a:extLst>
-              <a:ext uri="{FF2B5EF4-FFF2-40B4-BE49-F238E27FC236}">
-                <a16:creationId xmlns:a16="http://schemas.microsoft.com/office/drawing/2014/main" id="{DF800A1E-CE4D-2E44-A66F-685CB0087FCA}"/>
-              </a:ext>
-            </a:extLst>
-          </p:cNvPr>
-          <p:cNvSpPr/>
-          <p:nvPr/>
-        </p:nvSpPr>
-        <p:spPr>
-          <a:xfrm>
-            <a:off x="6509322" y="3146423"/>
-            <a:ext cx="116541" cy="116541"/>
-          </a:xfrm>
-          <a:prstGeom prst="rect">
-            <a:avLst/>
-          </a:prstGeom>
-          <a:solidFill>
-            <a:schemeClr val="accent4">
-              <a:lumMod val="60000"/>
-              <a:lumOff val="40000"/>
-            </a:schemeClr>
-          </a:solidFill>
-          <a:ln>
-            <a:solidFill>
-              <a:schemeClr val="accent4"/>
-            </a:solidFill>
-          </a:ln>
-        </p:spPr>
-        <p:style>
-          <a:lnRef idx="2">
-            <a:schemeClr val="accent1">
-              <a:shade val="50000"/>
-            </a:schemeClr>
-          </a:lnRef>
-          <a:fillRef idx="1">
-            <a:schemeClr val="accent1"/>
-          </a:fillRef>
-          <a:effectRef idx="0">
-            <a:schemeClr val="accent1"/>
-          </a:effectRef>
-          <a:fontRef idx="minor">
-            <a:schemeClr val="lt1"/>
-          </a:fontRef>
-        </p:style>
-        <p:txBody>
-          <a:bodyPr rtlCol="0" anchor="ctr"/>
-          <a:lstStyle/>
-          <a:p>
-            <a:pPr algn="ctr"/>
-            <a:endParaRPr lang="en-US"/>
-          </a:p>
-        </p:txBody>
-      </p:sp>
-      <p:sp>
-        <p:nvSpPr>
-          <p:cNvPr id="50" name="Rectangle 49">
-            <a:extLst>
-              <a:ext uri="{FF2B5EF4-FFF2-40B4-BE49-F238E27FC236}">
-                <a16:creationId xmlns:a16="http://schemas.microsoft.com/office/drawing/2014/main" id="{D092E01E-1E59-FE42-86C9-8782BBCC45B0}"/>
-              </a:ext>
-            </a:extLst>
-          </p:cNvPr>
-          <p:cNvSpPr/>
-          <p:nvPr/>
-        </p:nvSpPr>
-        <p:spPr>
-          <a:xfrm>
-            <a:off x="6018839" y="3353832"/>
-            <a:ext cx="116541" cy="116541"/>
-          </a:xfrm>
-          <a:prstGeom prst="rect">
-            <a:avLst/>
-          </a:prstGeom>
-          <a:solidFill>
-            <a:schemeClr val="accent4">
-              <a:lumMod val="60000"/>
-              <a:lumOff val="40000"/>
-            </a:schemeClr>
-          </a:solidFill>
-          <a:ln>
-            <a:solidFill>
-              <a:schemeClr val="accent4"/>
-            </a:solidFill>
-          </a:ln>
-        </p:spPr>
-        <p:style>
-          <a:lnRef idx="2">
-            <a:schemeClr val="accent1">
-              <a:shade val="50000"/>
-            </a:schemeClr>
-          </a:lnRef>
-          <a:fillRef idx="1">
-            <a:schemeClr val="accent1"/>
-          </a:fillRef>
-          <a:effectRef idx="0">
-            <a:schemeClr val="accent1"/>
-          </a:effectRef>
-          <a:fontRef idx="minor">
-            <a:schemeClr val="lt1"/>
-          </a:fontRef>
-        </p:style>
-        <p:txBody>
-          <a:bodyPr rtlCol="0" anchor="ctr"/>
-          <a:lstStyle/>
-          <a:p>
-            <a:pPr algn="ctr"/>
-            <a:endParaRPr lang="en-US"/>
-          </a:p>
-        </p:txBody>
-      </p:sp>
-      <p:sp>
-        <p:nvSpPr>
-          <p:cNvPr id="51" name="Rectangle 50">
-            <a:extLst>
-              <a:ext uri="{FF2B5EF4-FFF2-40B4-BE49-F238E27FC236}">
-                <a16:creationId xmlns:a16="http://schemas.microsoft.com/office/drawing/2014/main" id="{A381E49F-73AE-BD4B-9321-89D3575BF04A}"/>
-              </a:ext>
-            </a:extLst>
-          </p:cNvPr>
-          <p:cNvSpPr/>
-          <p:nvPr/>
-        </p:nvSpPr>
-        <p:spPr>
-          <a:xfrm>
-            <a:off x="5979460" y="3693546"/>
-            <a:ext cx="116541" cy="116541"/>
-          </a:xfrm>
-          <a:prstGeom prst="rect">
-            <a:avLst/>
-          </a:prstGeom>
-          <a:solidFill>
-            <a:schemeClr val="accent4">
-              <a:lumMod val="60000"/>
-              <a:lumOff val="40000"/>
-            </a:schemeClr>
-          </a:solidFill>
-          <a:ln>
-            <a:solidFill>
-              <a:schemeClr val="accent4"/>
-            </a:solidFill>
-          </a:ln>
-        </p:spPr>
-        <p:style>
-          <a:lnRef idx="2">
-            <a:schemeClr val="accent1">
-              <a:shade val="50000"/>
-            </a:schemeClr>
-          </a:lnRef>
-          <a:fillRef idx="1">
-            <a:schemeClr val="accent1"/>
-          </a:fillRef>
-          <a:effectRef idx="0">
-            <a:schemeClr val="accent1"/>
-          </a:effectRef>
-          <a:fontRef idx="minor">
-            <a:schemeClr val="lt1"/>
-          </a:fontRef>
-        </p:style>
-        <p:txBody>
-          <a:bodyPr rtlCol="0" anchor="ctr"/>
-          <a:lstStyle/>
-          <a:p>
-            <a:pPr algn="ctr"/>
-            <a:endParaRPr lang="en-US"/>
-          </a:p>
-        </p:txBody>
-      </p:sp>
-      <p:sp>
-        <p:nvSpPr>
-          <p:cNvPr id="52" name="Rectangle 51">
-            <a:extLst>
-              <a:ext uri="{FF2B5EF4-FFF2-40B4-BE49-F238E27FC236}">
-                <a16:creationId xmlns:a16="http://schemas.microsoft.com/office/drawing/2014/main" id="{F721D8DC-48F6-9348-AEAC-2EAA00B4206A}"/>
-              </a:ext>
-            </a:extLst>
-          </p:cNvPr>
-          <p:cNvSpPr/>
-          <p:nvPr/>
-        </p:nvSpPr>
-        <p:spPr>
-          <a:xfrm>
-            <a:off x="6131860" y="3845946"/>
-            <a:ext cx="116541" cy="116541"/>
-          </a:xfrm>
-          <a:prstGeom prst="rect">
-            <a:avLst/>
-          </a:prstGeom>
-          <a:solidFill>
-            <a:schemeClr val="accent4">
-              <a:lumMod val="60000"/>
-              <a:lumOff val="40000"/>
-            </a:schemeClr>
-          </a:solidFill>
-          <a:ln>
-            <a:solidFill>
-              <a:schemeClr val="accent4"/>
-            </a:solidFill>
-          </a:ln>
-        </p:spPr>
-        <p:style>
-          <a:lnRef idx="2">
-            <a:schemeClr val="accent1">
-              <a:shade val="50000"/>
-            </a:schemeClr>
-          </a:lnRef>
-          <a:fillRef idx="1">
-            <a:schemeClr val="accent1"/>
-          </a:fillRef>
-          <a:effectRef idx="0">
-            <a:schemeClr val="accent1"/>
-          </a:effectRef>
-          <a:fontRef idx="minor">
-            <a:schemeClr val="lt1"/>
-          </a:fontRef>
-        </p:style>
-        <p:txBody>
-          <a:bodyPr rtlCol="0" anchor="ctr"/>
-          <a:lstStyle/>
-          <a:p>
-            <a:pPr algn="ctr"/>
-            <a:endParaRPr lang="en-US"/>
-          </a:p>
-        </p:txBody>
-      </p:sp>
-      <p:sp>
-        <p:nvSpPr>
-          <p:cNvPr id="53" name="Rectangle 52">
-            <a:extLst>
-              <a:ext uri="{FF2B5EF4-FFF2-40B4-BE49-F238E27FC236}">
-                <a16:creationId xmlns:a16="http://schemas.microsoft.com/office/drawing/2014/main" id="{0A837F8E-B2D9-BB43-82E9-95E428D4F98A}"/>
-              </a:ext>
-            </a:extLst>
-          </p:cNvPr>
-          <p:cNvSpPr/>
-          <p:nvPr/>
-        </p:nvSpPr>
-        <p:spPr>
-          <a:xfrm>
-            <a:off x="6284260" y="3998346"/>
-            <a:ext cx="116541" cy="116541"/>
-          </a:xfrm>
-          <a:prstGeom prst="rect">
-            <a:avLst/>
-          </a:prstGeom>
-          <a:solidFill>
-            <a:schemeClr val="accent4">
-              <a:lumMod val="60000"/>
-              <a:lumOff val="40000"/>
-            </a:schemeClr>
-          </a:solidFill>
-          <a:ln>
-            <a:solidFill>
-              <a:schemeClr val="accent4"/>
-            </a:solidFill>
-          </a:ln>
-        </p:spPr>
-        <p:style>
-          <a:lnRef idx="2">
-            <a:schemeClr val="accent1">
-              <a:shade val="50000"/>
-            </a:schemeClr>
-          </a:lnRef>
-          <a:fillRef idx="1">
-            <a:schemeClr val="accent1"/>
-          </a:fillRef>
-          <a:effectRef idx="0">
-            <a:schemeClr val="accent1"/>
-          </a:effectRef>
-          <a:fontRef idx="minor">
-            <a:schemeClr val="lt1"/>
-          </a:fontRef>
-        </p:style>
-        <p:txBody>
-          <a:bodyPr rtlCol="0" anchor="ctr"/>
-          <a:lstStyle/>
-          <a:p>
-            <a:pPr algn="ctr"/>
-            <a:endParaRPr lang="en-US"/>
-          </a:p>
-        </p:txBody>
-      </p:sp>
-      <p:sp>
-        <p:nvSpPr>
-          <p:cNvPr id="54" name="Rectangle 53">
-            <a:extLst>
-              <a:ext uri="{FF2B5EF4-FFF2-40B4-BE49-F238E27FC236}">
-                <a16:creationId xmlns:a16="http://schemas.microsoft.com/office/drawing/2014/main" id="{0EB40AE0-D766-E045-AC16-BB59344F6B91}"/>
-              </a:ext>
-            </a:extLst>
-          </p:cNvPr>
-          <p:cNvSpPr/>
-          <p:nvPr/>
-        </p:nvSpPr>
-        <p:spPr>
-          <a:xfrm>
-            <a:off x="6527253" y="3971173"/>
-            <a:ext cx="116541" cy="116541"/>
-          </a:xfrm>
-          <a:prstGeom prst="rect">
-            <a:avLst/>
-          </a:prstGeom>
-          <a:solidFill>
-            <a:schemeClr val="accent4">
-              <a:lumMod val="60000"/>
-              <a:lumOff val="40000"/>
-            </a:schemeClr>
-          </a:solidFill>
-          <a:ln>
-            <a:solidFill>
-              <a:schemeClr val="accent4"/>
-            </a:solidFill>
-          </a:ln>
-        </p:spPr>
-        <p:style>
-          <a:lnRef idx="2">
-            <a:schemeClr val="accent1">
-              <a:shade val="50000"/>
-            </a:schemeClr>
-          </a:lnRef>
-          <a:fillRef idx="1">
-            <a:schemeClr val="accent1"/>
-          </a:fillRef>
-          <a:effectRef idx="0">
-            <a:schemeClr val="accent1"/>
-          </a:effectRef>
-          <a:fontRef idx="minor">
-            <a:schemeClr val="lt1"/>
-          </a:fontRef>
-        </p:style>
-        <p:txBody>
-          <a:bodyPr rtlCol="0" anchor="ctr"/>
-          <a:lstStyle/>
-          <a:p>
-            <a:pPr algn="ctr"/>
-            <a:endParaRPr lang="en-US"/>
-          </a:p>
-        </p:txBody>
-      </p:sp>
-      <p:sp>
-        <p:nvSpPr>
-          <p:cNvPr id="55" name="Rectangle 54">
-            <a:extLst>
-              <a:ext uri="{FF2B5EF4-FFF2-40B4-BE49-F238E27FC236}">
-                <a16:creationId xmlns:a16="http://schemas.microsoft.com/office/drawing/2014/main" id="{0E0320A3-7DA8-6044-89A9-12F7F5C7B3B2}"/>
-              </a:ext>
-            </a:extLst>
-          </p:cNvPr>
-          <p:cNvSpPr/>
-          <p:nvPr/>
-        </p:nvSpPr>
-        <p:spPr>
-          <a:xfrm>
-            <a:off x="6036770" y="4178582"/>
-            <a:ext cx="116541" cy="116541"/>
-          </a:xfrm>
-          <a:prstGeom prst="rect">
-            <a:avLst/>
-          </a:prstGeom>
-          <a:solidFill>
-            <a:schemeClr val="accent4">
-              <a:lumMod val="60000"/>
-              <a:lumOff val="40000"/>
-            </a:schemeClr>
-          </a:solidFill>
-          <a:ln>
-            <a:solidFill>
-              <a:schemeClr val="accent4"/>
-            </a:solidFill>
-          </a:ln>
-        </p:spPr>
-        <p:style>
-          <a:lnRef idx="2">
-            <a:schemeClr val="accent1">
-              <a:shade val="50000"/>
-            </a:schemeClr>
-          </a:lnRef>
-          <a:fillRef idx="1">
-            <a:schemeClr val="accent1"/>
-          </a:fillRef>
-          <a:effectRef idx="0">
-            <a:schemeClr val="accent1"/>
-          </a:effectRef>
-          <a:fontRef idx="minor">
-            <a:schemeClr val="lt1"/>
-          </a:fontRef>
-        </p:style>
-        <p:txBody>
-          <a:bodyPr rtlCol="0" anchor="ctr"/>
-          <a:lstStyle/>
-          <a:p>
-            <a:pPr algn="ctr"/>
-            <a:endParaRPr lang="en-US"/>
-          </a:p>
-        </p:txBody>
-      </p:sp>
-      <p:sp>
-        <p:nvSpPr>
-          <p:cNvPr id="56" name="Rectangle 55">
-            <a:extLst>
-              <a:ext uri="{FF2B5EF4-FFF2-40B4-BE49-F238E27FC236}">
-                <a16:creationId xmlns:a16="http://schemas.microsoft.com/office/drawing/2014/main" id="{C884AEC8-117B-4B4A-BA27-5F750B0A3B80}"/>
-              </a:ext>
-            </a:extLst>
-          </p:cNvPr>
-          <p:cNvSpPr/>
-          <p:nvPr/>
-        </p:nvSpPr>
-        <p:spPr>
-          <a:xfrm>
-            <a:off x="6373906" y="3263245"/>
-            <a:ext cx="116541" cy="116541"/>
-          </a:xfrm>
-          <a:prstGeom prst="rect">
-            <a:avLst/>
-          </a:prstGeom>
-          <a:solidFill>
-            <a:schemeClr val="accent4">
-              <a:lumMod val="60000"/>
-              <a:lumOff val="40000"/>
-            </a:schemeClr>
-          </a:solidFill>
-          <a:ln>
-            <a:solidFill>
-              <a:schemeClr val="accent4"/>
-            </a:solidFill>
-          </a:ln>
-        </p:spPr>
-        <p:style>
-          <a:lnRef idx="2">
-            <a:schemeClr val="accent1">
-              <a:shade val="50000"/>
-            </a:schemeClr>
-          </a:lnRef>
-          <a:fillRef idx="1">
-            <a:schemeClr val="accent1"/>
-          </a:fillRef>
-          <a:effectRef idx="0">
-            <a:schemeClr val="accent1"/>
-          </a:effectRef>
-          <a:fontRef idx="minor">
-            <a:schemeClr val="lt1"/>
-          </a:fontRef>
-        </p:style>
-        <p:txBody>
-          <a:bodyPr rtlCol="0" anchor="ctr"/>
-          <a:lstStyle/>
-          <a:p>
-            <a:pPr algn="ctr"/>
-            <a:endParaRPr lang="en-US"/>
-          </a:p>
-        </p:txBody>
-      </p:sp>
-      <p:sp>
-        <p:nvSpPr>
-          <p:cNvPr id="57" name="Rectangle 56">
-            <a:extLst>
-              <a:ext uri="{FF2B5EF4-FFF2-40B4-BE49-F238E27FC236}">
-                <a16:creationId xmlns:a16="http://schemas.microsoft.com/office/drawing/2014/main" id="{ECC33526-2F96-0A42-84B8-5FC59EBA6EBC}"/>
-              </a:ext>
-            </a:extLst>
-          </p:cNvPr>
-          <p:cNvSpPr/>
-          <p:nvPr/>
-        </p:nvSpPr>
-        <p:spPr>
-          <a:xfrm>
-            <a:off x="6526306" y="3415645"/>
-            <a:ext cx="116541" cy="116541"/>
-          </a:xfrm>
-          <a:prstGeom prst="rect">
-            <a:avLst/>
-          </a:prstGeom>
-          <a:solidFill>
-            <a:schemeClr val="accent4">
-              <a:lumMod val="60000"/>
-              <a:lumOff val="40000"/>
-            </a:schemeClr>
-          </a:solidFill>
-          <a:ln>
-            <a:solidFill>
-              <a:schemeClr val="accent4"/>
-            </a:solidFill>
-          </a:ln>
-        </p:spPr>
-        <p:style>
-          <a:lnRef idx="2">
-            <a:schemeClr val="accent1">
-              <a:shade val="50000"/>
-            </a:schemeClr>
-          </a:lnRef>
-          <a:fillRef idx="1">
-            <a:schemeClr val="accent1"/>
-          </a:fillRef>
-          <a:effectRef idx="0">
-            <a:schemeClr val="accent1"/>
-          </a:effectRef>
-          <a:fontRef idx="minor">
-            <a:schemeClr val="lt1"/>
-          </a:fontRef>
-        </p:style>
-        <p:txBody>
-          <a:bodyPr rtlCol="0" anchor="ctr"/>
-          <a:lstStyle/>
-          <a:p>
-            <a:pPr algn="ctr"/>
-            <a:endParaRPr lang="en-US"/>
-          </a:p>
-        </p:txBody>
-      </p:sp>
-      <p:sp>
-        <p:nvSpPr>
-          <p:cNvPr id="58" name="Rectangle 57">
-            <a:extLst>
-              <a:ext uri="{FF2B5EF4-FFF2-40B4-BE49-F238E27FC236}">
-                <a16:creationId xmlns:a16="http://schemas.microsoft.com/office/drawing/2014/main" id="{2826E78B-331C-F042-A4B7-901FC44891F7}"/>
-              </a:ext>
-            </a:extLst>
-          </p:cNvPr>
-          <p:cNvSpPr/>
-          <p:nvPr/>
-        </p:nvSpPr>
-        <p:spPr>
-          <a:xfrm>
-            <a:off x="6678706" y="3568045"/>
-            <a:ext cx="116541" cy="116541"/>
-          </a:xfrm>
-          <a:prstGeom prst="rect">
-            <a:avLst/>
-          </a:prstGeom>
-          <a:solidFill>
-            <a:schemeClr val="accent4">
-              <a:lumMod val="60000"/>
-              <a:lumOff val="40000"/>
-            </a:schemeClr>
-          </a:solidFill>
-          <a:ln>
-            <a:solidFill>
-              <a:schemeClr val="accent4"/>
-            </a:solidFill>
-          </a:ln>
-        </p:spPr>
-        <p:style>
-          <a:lnRef idx="2">
-            <a:schemeClr val="accent1">
-              <a:shade val="50000"/>
-            </a:schemeClr>
-          </a:lnRef>
-          <a:fillRef idx="1">
-            <a:schemeClr val="accent1"/>
-          </a:fillRef>
-          <a:effectRef idx="0">
-            <a:schemeClr val="accent1"/>
-          </a:effectRef>
-          <a:fontRef idx="minor">
-            <a:schemeClr val="lt1"/>
-          </a:fontRef>
-        </p:style>
-        <p:txBody>
-          <a:bodyPr rtlCol="0" anchor="ctr"/>
-          <a:lstStyle/>
-          <a:p>
-            <a:pPr algn="ctr"/>
-            <a:endParaRPr lang="en-US"/>
-          </a:p>
-        </p:txBody>
-      </p:sp>
-      <p:sp>
-        <p:nvSpPr>
-          <p:cNvPr id="59" name="Rectangle 58">
-            <a:extLst>
-              <a:ext uri="{FF2B5EF4-FFF2-40B4-BE49-F238E27FC236}">
-                <a16:creationId xmlns:a16="http://schemas.microsoft.com/office/drawing/2014/main" id="{DCD28C4B-115C-804D-8784-8926177ADAB0}"/>
-              </a:ext>
-            </a:extLst>
-          </p:cNvPr>
-          <p:cNvSpPr/>
-          <p:nvPr/>
-        </p:nvSpPr>
-        <p:spPr>
-          <a:xfrm>
-            <a:off x="6921699" y="3540872"/>
-            <a:ext cx="116541" cy="116541"/>
-          </a:xfrm>
-          <a:prstGeom prst="rect">
-            <a:avLst/>
-          </a:prstGeom>
-          <a:solidFill>
-            <a:schemeClr val="accent4">
-              <a:lumMod val="60000"/>
-              <a:lumOff val="40000"/>
-            </a:schemeClr>
-          </a:solidFill>
-          <a:ln>
-            <a:solidFill>
-              <a:schemeClr val="accent4"/>
-            </a:solidFill>
-          </a:ln>
-        </p:spPr>
-        <p:style>
-          <a:lnRef idx="2">
-            <a:schemeClr val="accent1">
-              <a:shade val="50000"/>
-            </a:schemeClr>
-          </a:lnRef>
-          <a:fillRef idx="1">
-            <a:schemeClr val="accent1"/>
-          </a:fillRef>
-          <a:effectRef idx="0">
-            <a:schemeClr val="accent1"/>
-          </a:effectRef>
-          <a:fontRef idx="minor">
-            <a:schemeClr val="lt1"/>
-          </a:fontRef>
-        </p:style>
-        <p:txBody>
-          <a:bodyPr rtlCol="0" anchor="ctr"/>
-          <a:lstStyle/>
-          <a:p>
-            <a:pPr algn="ctr"/>
-            <a:endParaRPr lang="en-US"/>
-          </a:p>
-        </p:txBody>
-      </p:sp>
-      <p:sp>
-        <p:nvSpPr>
-          <p:cNvPr id="60" name="Rectangle 59">
-            <a:extLst>
-              <a:ext uri="{FF2B5EF4-FFF2-40B4-BE49-F238E27FC236}">
-                <a16:creationId xmlns:a16="http://schemas.microsoft.com/office/drawing/2014/main" id="{4C00BF01-8B5D-C446-BDD4-FD875701116F}"/>
-              </a:ext>
-            </a:extLst>
-          </p:cNvPr>
-          <p:cNvSpPr/>
-          <p:nvPr/>
-        </p:nvSpPr>
-        <p:spPr>
-          <a:xfrm>
-            <a:off x="6431216" y="3748281"/>
-            <a:ext cx="116541" cy="116541"/>
-          </a:xfrm>
-          <a:prstGeom prst="rect">
-            <a:avLst/>
-          </a:prstGeom>
-          <a:solidFill>
-            <a:schemeClr val="accent4">
-              <a:lumMod val="60000"/>
-              <a:lumOff val="40000"/>
-            </a:schemeClr>
-          </a:solidFill>
-          <a:ln>
-            <a:solidFill>
-              <a:schemeClr val="accent4"/>
-            </a:solidFill>
-          </a:ln>
-        </p:spPr>
-        <p:style>
-          <a:lnRef idx="2">
-            <a:schemeClr val="accent1">
-              <a:shade val="50000"/>
-            </a:schemeClr>
-          </a:lnRef>
-          <a:fillRef idx="1">
-            <a:schemeClr val="accent1"/>
-          </a:fillRef>
-          <a:effectRef idx="0">
-            <a:schemeClr val="accent1"/>
-          </a:effectRef>
-          <a:fontRef idx="minor">
-            <a:schemeClr val="lt1"/>
-          </a:fontRef>
-        </p:style>
-        <p:txBody>
-          <a:bodyPr rtlCol="0" anchor="ctr"/>
-          <a:lstStyle/>
-          <a:p>
-            <a:pPr algn="ctr"/>
-            <a:endParaRPr lang="en-US"/>
-          </a:p>
-        </p:txBody>
-      </p:sp>
-      <p:sp>
-        <p:nvSpPr>
-          <p:cNvPr id="61" name="Rectangle 60">
-            <a:extLst>
-              <a:ext uri="{FF2B5EF4-FFF2-40B4-BE49-F238E27FC236}">
-                <a16:creationId xmlns:a16="http://schemas.microsoft.com/office/drawing/2014/main" id="{51007772-B5B1-3D44-A554-71F9CC253706}"/>
-              </a:ext>
-            </a:extLst>
-          </p:cNvPr>
-          <p:cNvSpPr/>
-          <p:nvPr/>
-        </p:nvSpPr>
-        <p:spPr>
-          <a:xfrm>
-            <a:off x="5943603" y="2061979"/>
-            <a:ext cx="116541" cy="116541"/>
-          </a:xfrm>
-          <a:prstGeom prst="rect">
-            <a:avLst/>
-          </a:prstGeom>
-          <a:solidFill>
-            <a:schemeClr val="accent4">
-              <a:lumMod val="60000"/>
-              <a:lumOff val="40000"/>
-            </a:schemeClr>
-          </a:solidFill>
-          <a:ln>
-            <a:solidFill>
-              <a:schemeClr val="accent4"/>
-            </a:solidFill>
-          </a:ln>
-        </p:spPr>
-        <p:style>
-          <a:lnRef idx="2">
-            <a:schemeClr val="accent1">
-              <a:shade val="50000"/>
-            </a:schemeClr>
-          </a:lnRef>
-          <a:fillRef idx="1">
-            <a:schemeClr val="accent1"/>
-          </a:fillRef>
-          <a:effectRef idx="0">
-            <a:schemeClr val="accent1"/>
-          </a:effectRef>
-          <a:fontRef idx="minor">
-            <a:schemeClr val="lt1"/>
-          </a:fontRef>
-        </p:style>
-        <p:txBody>
-          <a:bodyPr rtlCol="0" anchor="ctr"/>
-          <a:lstStyle/>
-          <a:p>
-            <a:pPr algn="ctr"/>
-            <a:endParaRPr lang="en-US"/>
-          </a:p>
-        </p:txBody>
-      </p:sp>
-      <p:sp>
-        <p:nvSpPr>
-          <p:cNvPr id="62" name="Rectangle 61">
-            <a:extLst>
-              <a:ext uri="{FF2B5EF4-FFF2-40B4-BE49-F238E27FC236}">
-                <a16:creationId xmlns:a16="http://schemas.microsoft.com/office/drawing/2014/main" id="{E6C65626-1E3D-8B46-82AF-03D75859058C}"/>
-              </a:ext>
-            </a:extLst>
-          </p:cNvPr>
-          <p:cNvSpPr/>
-          <p:nvPr/>
-        </p:nvSpPr>
-        <p:spPr>
-          <a:xfrm>
-            <a:off x="6096003" y="2214379"/>
-            <a:ext cx="116541" cy="116541"/>
-          </a:xfrm>
-          <a:prstGeom prst="rect">
-            <a:avLst/>
-          </a:prstGeom>
-          <a:solidFill>
-            <a:schemeClr val="accent4">
-              <a:lumMod val="60000"/>
-              <a:lumOff val="40000"/>
-            </a:schemeClr>
-          </a:solidFill>
-          <a:ln>
-            <a:solidFill>
-              <a:schemeClr val="accent4"/>
-            </a:solidFill>
-          </a:ln>
-        </p:spPr>
-        <p:style>
-          <a:lnRef idx="2">
-            <a:schemeClr val="accent1">
-              <a:shade val="50000"/>
-            </a:schemeClr>
-          </a:lnRef>
-          <a:fillRef idx="1">
-            <a:schemeClr val="accent1"/>
-          </a:fillRef>
-          <a:effectRef idx="0">
-            <a:schemeClr val="accent1"/>
-          </a:effectRef>
-          <a:fontRef idx="minor">
-            <a:schemeClr val="lt1"/>
-          </a:fontRef>
-        </p:style>
-        <p:txBody>
-          <a:bodyPr rtlCol="0" anchor="ctr"/>
-          <a:lstStyle/>
-          <a:p>
-            <a:pPr algn="ctr"/>
-            <a:endParaRPr lang="en-US"/>
-          </a:p>
-        </p:txBody>
-      </p:sp>
-      <p:sp>
-        <p:nvSpPr>
-          <p:cNvPr id="63" name="Rectangle 62">
-            <a:extLst>
-              <a:ext uri="{FF2B5EF4-FFF2-40B4-BE49-F238E27FC236}">
-                <a16:creationId xmlns:a16="http://schemas.microsoft.com/office/drawing/2014/main" id="{F26CF888-64D6-964C-9289-ADEB7A8B5112}"/>
-              </a:ext>
-            </a:extLst>
-          </p:cNvPr>
-          <p:cNvSpPr/>
-          <p:nvPr/>
-        </p:nvSpPr>
-        <p:spPr>
-          <a:xfrm>
-            <a:off x="6248403" y="2366779"/>
-            <a:ext cx="116541" cy="116541"/>
-          </a:xfrm>
-          <a:prstGeom prst="rect">
-            <a:avLst/>
-          </a:prstGeom>
-          <a:solidFill>
-            <a:schemeClr val="accent4">
-              <a:lumMod val="60000"/>
-              <a:lumOff val="40000"/>
-            </a:schemeClr>
-          </a:solidFill>
-          <a:ln>
-            <a:solidFill>
-              <a:schemeClr val="accent4"/>
-            </a:solidFill>
-          </a:ln>
-        </p:spPr>
-        <p:style>
-          <a:lnRef idx="2">
-            <a:schemeClr val="accent1">
-              <a:shade val="50000"/>
-            </a:schemeClr>
-          </a:lnRef>
-          <a:fillRef idx="1">
-            <a:schemeClr val="accent1"/>
-          </a:fillRef>
-          <a:effectRef idx="0">
-            <a:schemeClr val="accent1"/>
-          </a:effectRef>
-          <a:fontRef idx="minor">
-            <a:schemeClr val="lt1"/>
-          </a:fontRef>
-        </p:style>
-        <p:txBody>
-          <a:bodyPr rtlCol="0" anchor="ctr"/>
-          <a:lstStyle/>
-          <a:p>
-            <a:pPr algn="ctr"/>
-            <a:endParaRPr lang="en-US"/>
-          </a:p>
-        </p:txBody>
-      </p:sp>
-      <p:sp>
-        <p:nvSpPr>
-          <p:cNvPr id="64" name="Rectangle 63">
-            <a:extLst>
-              <a:ext uri="{FF2B5EF4-FFF2-40B4-BE49-F238E27FC236}">
-                <a16:creationId xmlns:a16="http://schemas.microsoft.com/office/drawing/2014/main" id="{F0D5ABA4-D47C-1641-B69C-067B529B7DD7}"/>
-              </a:ext>
-            </a:extLst>
-          </p:cNvPr>
-          <p:cNvSpPr/>
-          <p:nvPr/>
-        </p:nvSpPr>
-        <p:spPr>
-          <a:xfrm>
-            <a:off x="6491396" y="2339606"/>
-            <a:ext cx="116541" cy="116541"/>
-          </a:xfrm>
-          <a:prstGeom prst="rect">
-            <a:avLst/>
-          </a:prstGeom>
-          <a:solidFill>
-            <a:schemeClr val="accent4">
-              <a:lumMod val="60000"/>
-              <a:lumOff val="40000"/>
-            </a:schemeClr>
-          </a:solidFill>
-          <a:ln>
-            <a:solidFill>
-              <a:schemeClr val="accent4"/>
-            </a:solidFill>
-          </a:ln>
-        </p:spPr>
-        <p:style>
-          <a:lnRef idx="2">
-            <a:schemeClr val="accent1">
-              <a:shade val="50000"/>
-            </a:schemeClr>
-          </a:lnRef>
-          <a:fillRef idx="1">
-            <a:schemeClr val="accent1"/>
-          </a:fillRef>
-          <a:effectRef idx="0">
-            <a:schemeClr val="accent1"/>
-          </a:effectRef>
-          <a:fontRef idx="minor">
-            <a:schemeClr val="lt1"/>
-          </a:fontRef>
-        </p:style>
-        <p:txBody>
-          <a:bodyPr rtlCol="0" anchor="ctr"/>
-          <a:lstStyle/>
-          <a:p>
-            <a:pPr algn="ctr"/>
-            <a:endParaRPr lang="en-US"/>
-          </a:p>
-        </p:txBody>
-      </p:sp>
-      <p:sp>
-        <p:nvSpPr>
-          <p:cNvPr id="65" name="Rectangle 64">
-            <a:extLst>
-              <a:ext uri="{FF2B5EF4-FFF2-40B4-BE49-F238E27FC236}">
-                <a16:creationId xmlns:a16="http://schemas.microsoft.com/office/drawing/2014/main" id="{7B349DC4-7C98-7E46-AD0D-7DD99FB9C444}"/>
-              </a:ext>
-            </a:extLst>
-          </p:cNvPr>
-          <p:cNvSpPr/>
-          <p:nvPr/>
-        </p:nvSpPr>
-        <p:spPr>
-          <a:xfrm>
-            <a:off x="6000913" y="2547015"/>
-            <a:ext cx="116541" cy="116541"/>
-          </a:xfrm>
-          <a:prstGeom prst="rect">
-            <a:avLst/>
-          </a:prstGeom>
-          <a:solidFill>
-            <a:schemeClr val="accent4">
-              <a:lumMod val="60000"/>
-              <a:lumOff val="40000"/>
-            </a:schemeClr>
-          </a:solidFill>
-          <a:ln>
-            <a:solidFill>
-              <a:schemeClr val="accent4"/>
-            </a:solidFill>
-          </a:ln>
-        </p:spPr>
-        <p:style>
-          <a:lnRef idx="2">
-            <a:schemeClr val="accent1">
-              <a:shade val="50000"/>
-            </a:schemeClr>
-          </a:lnRef>
-          <a:fillRef idx="1">
-            <a:schemeClr val="accent1"/>
-          </a:fillRef>
-          <a:effectRef idx="0">
-            <a:schemeClr val="accent1"/>
-          </a:effectRef>
-          <a:fontRef idx="minor">
-            <a:schemeClr val="lt1"/>
-          </a:fontRef>
-        </p:style>
-        <p:txBody>
-          <a:bodyPr rtlCol="0" anchor="ctr"/>
-          <a:lstStyle/>
-          <a:p>
-            <a:pPr algn="ctr"/>
-            <a:endParaRPr lang="en-US"/>
-          </a:p>
-        </p:txBody>
-      </p:sp>
-      <p:sp>
-        <p:nvSpPr>
-          <p:cNvPr id="70" name="TextBox 69">
-            <a:extLst>
-              <a:ext uri="{FF2B5EF4-FFF2-40B4-BE49-F238E27FC236}">
-                <a16:creationId xmlns:a16="http://schemas.microsoft.com/office/drawing/2014/main" id="{CF0E41A2-EE25-AE44-9CFE-F259A83E4D88}"/>
-              </a:ext>
-            </a:extLst>
-          </p:cNvPr>
-          <p:cNvSpPr txBox="1"/>
-          <p:nvPr/>
-        </p:nvSpPr>
-        <p:spPr>
-          <a:xfrm>
-            <a:off x="5078978" y="4466309"/>
-            <a:ext cx="362600" cy="369332"/>
-          </a:xfrm>
-          <a:prstGeom prst="rect">
-            <a:avLst/>
-          </a:prstGeom>
-          <a:noFill/>
-        </p:spPr>
-        <p:txBody>
-          <a:bodyPr wrap="none" rtlCol="0">
-            <a:spAutoFit/>
-          </a:bodyPr>
-          <a:lstStyle/>
-          <a:p>
-            <a:r>
-              <a:rPr lang="en-US" dirty="0"/>
-              <a:t>m</a:t>
-            </a:r>
-          </a:p>
-        </p:txBody>
-      </p:sp>
-      <p:sp>
-        <p:nvSpPr>
-          <p:cNvPr id="71" name="TextBox 70">
-            <a:extLst>
-              <a:ext uri="{FF2B5EF4-FFF2-40B4-BE49-F238E27FC236}">
-                <a16:creationId xmlns:a16="http://schemas.microsoft.com/office/drawing/2014/main" id="{82D016C9-2EC8-1047-9F9C-706B12445A74}"/>
-              </a:ext>
-            </a:extLst>
-          </p:cNvPr>
-          <p:cNvSpPr txBox="1"/>
-          <p:nvPr/>
-        </p:nvSpPr>
-        <p:spPr>
-          <a:xfrm>
-            <a:off x="6163706" y="4494547"/>
-            <a:ext cx="301686" cy="369332"/>
-          </a:xfrm>
-          <a:prstGeom prst="rect">
-            <a:avLst/>
-          </a:prstGeom>
-          <a:noFill/>
-        </p:spPr>
-        <p:txBody>
-          <a:bodyPr wrap="none" rtlCol="0">
-            <a:spAutoFit/>
-          </a:bodyPr>
-          <a:lstStyle/>
-          <a:p>
-            <a:r>
-              <a:rPr lang="en-US" dirty="0"/>
-              <a:t>n</a:t>
-            </a:r>
-          </a:p>
-        </p:txBody>
-      </p:sp>
-      <p:sp>
-        <p:nvSpPr>
-          <p:cNvPr id="72" name="Title 1">
-            <a:extLst>
-              <a:ext uri="{FF2B5EF4-FFF2-40B4-BE49-F238E27FC236}">
-                <a16:creationId xmlns:a16="http://schemas.microsoft.com/office/drawing/2014/main" id="{2AB89928-C14C-EC4F-8FB9-CB25AAF68B06}"/>
-              </a:ext>
-            </a:extLst>
-          </p:cNvPr>
-          <p:cNvSpPr>
-            <a:spLocks noGrp="1"/>
-          </p:cNvSpPr>
-          <p:nvPr>
-            <p:ph type="title"/>
-          </p:nvPr>
-        </p:nvSpPr>
-        <p:spPr>
-          <a:xfrm>
-            <a:off x="838200" y="365125"/>
-            <a:ext cx="10515600" cy="1325563"/>
-          </a:xfrm>
-        </p:spPr>
-        <p:txBody>
-          <a:bodyPr/>
-          <a:lstStyle/>
-          <a:p>
-            <a:r>
-              <a:rPr lang="en-US" dirty="0"/>
-              <a:t>St. Fairness College Admission</a:t>
-            </a:r>
-          </a:p>
-        </p:txBody>
-      </p:sp>
-      <p:sp>
-        <p:nvSpPr>
-          <p:cNvPr id="73" name="TextBox 72">
-            <a:extLst>
-              <a:ext uri="{FF2B5EF4-FFF2-40B4-BE49-F238E27FC236}">
-                <a16:creationId xmlns:a16="http://schemas.microsoft.com/office/drawing/2014/main" id="{3C80BF2A-1F0F-3B4E-B6BB-1FFAD2B6CD29}"/>
-              </a:ext>
-            </a:extLst>
-          </p:cNvPr>
-          <p:cNvSpPr txBox="1"/>
-          <p:nvPr/>
-        </p:nvSpPr>
-        <p:spPr>
-          <a:xfrm>
-            <a:off x="5115367" y="5149796"/>
-            <a:ext cx="1692323" cy="369332"/>
-          </a:xfrm>
-          <a:prstGeom prst="rect">
-            <a:avLst/>
-          </a:prstGeom>
-          <a:noFill/>
-        </p:spPr>
-        <p:txBody>
-          <a:bodyPr wrap="none" rtlCol="0">
-            <a:spAutoFit/>
-          </a:bodyPr>
-          <a:lstStyle/>
-          <a:p>
-            <a:r>
-              <a:rPr lang="en-US" dirty="0"/>
-              <a:t>Application Pool</a:t>
-            </a:r>
-          </a:p>
-        </p:txBody>
-      </p:sp>
     </p:spTree>
     <p:extLst>
       <p:ext uri="{BB962C8B-B14F-4D97-AF65-F5344CB8AC3E}">
-        <p14:creationId xmlns:p14="http://schemas.microsoft.com/office/powerpoint/2010/main" val="2469399898"/>
+        <p14:creationId xmlns:p14="http://schemas.microsoft.com/office/powerpoint/2010/main" val="275537033"/>
       </p:ext>
     </p:extLst>
   </p:cSld>
@@ -10835,86 +8098,45 @@
           </a:p>
         </p:txBody>
       </p:sp>
-      <p:cxnSp>
-        <p:nvCxnSpPr>
-          <p:cNvPr id="3" name="Straight Connector 2">
-            <a:extLst>
-              <a:ext uri="{FF2B5EF4-FFF2-40B4-BE49-F238E27FC236}">
-                <a16:creationId xmlns:a16="http://schemas.microsoft.com/office/drawing/2014/main" id="{F12B32BB-C78D-EC42-BEDC-EFF29BD527B1}"/>
-              </a:ext>
-            </a:extLst>
-          </p:cNvPr>
-          <p:cNvCxnSpPr/>
-          <p:nvPr/>
-        </p:nvCxnSpPr>
-        <p:spPr>
-          <a:xfrm flipH="1" flipV="1">
-            <a:off x="5145741" y="2214379"/>
-            <a:ext cx="716001" cy="959217"/>
-          </a:xfrm>
-          <a:prstGeom prst="line">
-            <a:avLst/>
-          </a:prstGeom>
-        </p:spPr>
-        <p:style>
-          <a:lnRef idx="1">
-            <a:schemeClr val="accent1"/>
-          </a:lnRef>
-          <a:fillRef idx="0">
-            <a:schemeClr val="accent1"/>
-          </a:fillRef>
-          <a:effectRef idx="0">
-            <a:schemeClr val="accent1"/>
-          </a:effectRef>
-          <a:fontRef idx="minor">
-            <a:schemeClr val="tx1"/>
-          </a:fontRef>
-        </p:style>
-      </p:cxnSp>
-      <p:cxnSp>
-        <p:nvCxnSpPr>
-          <p:cNvPr id="7" name="Straight Connector 6">
-            <a:extLst>
-              <a:ext uri="{FF2B5EF4-FFF2-40B4-BE49-F238E27FC236}">
-                <a16:creationId xmlns:a16="http://schemas.microsoft.com/office/drawing/2014/main" id="{3FC8E0A6-2966-304E-A668-25DE006A4E5B}"/>
-              </a:ext>
-            </a:extLst>
-          </p:cNvPr>
-          <p:cNvCxnSpPr>
-            <a:cxnSpLocks/>
-          </p:cNvCxnSpPr>
-          <p:nvPr/>
-        </p:nvCxnSpPr>
-        <p:spPr>
-          <a:xfrm flipV="1">
-            <a:off x="5869237" y="2061979"/>
-            <a:ext cx="486739" cy="1111617"/>
-          </a:xfrm>
-          <a:prstGeom prst="line">
-            <a:avLst/>
-          </a:prstGeom>
-        </p:spPr>
-        <p:style>
-          <a:lnRef idx="1">
-            <a:schemeClr val="accent1"/>
-          </a:lnRef>
-          <a:fillRef idx="0">
-            <a:schemeClr val="accent1"/>
-          </a:fillRef>
-          <a:effectRef idx="0">
-            <a:schemeClr val="accent1"/>
-          </a:effectRef>
-          <a:fontRef idx="minor">
-            <a:schemeClr val="tx1"/>
-          </a:fontRef>
-        </p:style>
-      </p:cxnSp>
-      <p:sp>
-        <p:nvSpPr>
-          <p:cNvPr id="66" name="TextBox 65">
-            <a:extLst>
-              <a:ext uri="{FF2B5EF4-FFF2-40B4-BE49-F238E27FC236}">
-                <a16:creationId xmlns:a16="http://schemas.microsoft.com/office/drawing/2014/main" id="{384D6CEC-C58A-E44D-A1A3-9C794F08312C}"/>
+      <p:sp>
+        <p:nvSpPr>
+          <p:cNvPr id="72" name="Title 1">
+            <a:extLst>
+              <a:ext uri="{FF2B5EF4-FFF2-40B4-BE49-F238E27FC236}">
+                <a16:creationId xmlns:a16="http://schemas.microsoft.com/office/drawing/2014/main" id="{2AB89928-C14C-EC4F-8FB9-CB25AAF68B06}"/>
+              </a:ext>
+            </a:extLst>
+          </p:cNvPr>
+          <p:cNvSpPr>
+            <a:spLocks noGrp="1"/>
+          </p:cNvSpPr>
+          <p:nvPr>
+            <p:ph type="title"/>
+          </p:nvPr>
+        </p:nvSpPr>
+        <p:spPr>
+          <a:xfrm>
+            <a:off x="838200" y="365125"/>
+            <a:ext cx="10515600" cy="1325563"/>
+          </a:xfrm>
+        </p:spPr>
+        <p:txBody>
+          <a:bodyPr/>
+          <a:lstStyle/>
+          <a:p>
+            <a:r>
+              <a:rPr lang="en-US" dirty="0"/>
+              <a:t>St. Fairness College Admission</a:t>
+            </a:r>
+          </a:p>
+        </p:txBody>
+      </p:sp>
+      <p:sp>
+        <p:nvSpPr>
+          <p:cNvPr id="73" name="TextBox 72">
+            <a:extLst>
+              <a:ext uri="{FF2B5EF4-FFF2-40B4-BE49-F238E27FC236}">
+                <a16:creationId xmlns:a16="http://schemas.microsoft.com/office/drawing/2014/main" id="{3C80BF2A-1F0F-3B4E-B6BB-1FFAD2B6CD29}"/>
               </a:ext>
             </a:extLst>
           </p:cNvPr>
@@ -10923,8 +8145,8 @@
         </p:nvSpPr>
         <p:spPr>
           <a:xfrm>
-            <a:off x="3956204" y="1497328"/>
-            <a:ext cx="1500539" cy="369332"/>
+            <a:off x="5115367" y="5149796"/>
+            <a:ext cx="1692323" cy="369332"/>
           </a:xfrm>
           <a:prstGeom prst="rect">
             <a:avLst/>
@@ -10939,42 +8161,7 @@
           <a:p>
             <a:r>
               <a:rPr lang="en-US" dirty="0"/>
-              <a:t>30% graduates</a:t>
-            </a:r>
-          </a:p>
-        </p:txBody>
-      </p:sp>
-      <p:sp>
-        <p:nvSpPr>
-          <p:cNvPr id="67" name="TextBox 66">
-            <a:extLst>
-              <a:ext uri="{FF2B5EF4-FFF2-40B4-BE49-F238E27FC236}">
-                <a16:creationId xmlns:a16="http://schemas.microsoft.com/office/drawing/2014/main" id="{CB72BCB7-0815-3348-B564-27862E958781}"/>
-              </a:ext>
-            </a:extLst>
-          </p:cNvPr>
-          <p:cNvSpPr txBox="1"/>
-          <p:nvPr/>
-        </p:nvSpPr>
-        <p:spPr>
-          <a:xfrm>
-            <a:off x="6158517" y="1545813"/>
-            <a:ext cx="1500539" cy="369332"/>
-          </a:xfrm>
-          <a:prstGeom prst="rect">
-            <a:avLst/>
-          </a:prstGeom>
-          <a:noFill/>
-        </p:spPr>
-        <p:txBody>
-          <a:bodyPr wrap="none" rtlCol="0">
-            <a:spAutoFit/>
-          </a:bodyPr>
-          <a:lstStyle/>
-          <a:p>
-            <a:r>
-              <a:rPr lang="en-US" dirty="0"/>
-              <a:t>15% graduates</a:t>
+              <a:t>Application Pool</a:t>
             </a:r>
           </a:p>
         </p:txBody>
@@ -10982,7 +8169,7 @@
     </p:spTree>
     <p:extLst>
       <p:ext uri="{BB962C8B-B14F-4D97-AF65-F5344CB8AC3E}">
-        <p14:creationId xmlns:p14="http://schemas.microsoft.com/office/powerpoint/2010/main" val="2028820459"/>
+        <p14:creationId xmlns:p14="http://schemas.microsoft.com/office/powerpoint/2010/main" val="2469399898"/>
       </p:ext>
     </p:extLst>
   </p:cSld>
@@ -11097,6 +8284,3015 @@
           </a:p>
         </p:txBody>
       </p:sp>
+      <p:cxnSp>
+        <p:nvCxnSpPr>
+          <p:cNvPr id="8" name="Straight Connector 7">
+            <a:extLst>
+              <a:ext uri="{FF2B5EF4-FFF2-40B4-BE49-F238E27FC236}">
+                <a16:creationId xmlns:a16="http://schemas.microsoft.com/office/drawing/2014/main" id="{8373E964-F66F-9C46-9C98-5EAC3987DDFF}"/>
+              </a:ext>
+            </a:extLst>
+          </p:cNvPr>
+          <p:cNvCxnSpPr>
+            <a:stCxn id="6" idx="0"/>
+          </p:cNvCxnSpPr>
+          <p:nvPr/>
+        </p:nvCxnSpPr>
+        <p:spPr>
+          <a:xfrm flipH="1">
+            <a:off x="5861742" y="1920505"/>
+            <a:ext cx="7495" cy="2623278"/>
+          </a:xfrm>
+          <a:prstGeom prst="line">
+            <a:avLst/>
+          </a:prstGeom>
+          <a:ln>
+            <a:solidFill>
+              <a:schemeClr val="accent6">
+                <a:lumMod val="75000"/>
+              </a:schemeClr>
+            </a:solidFill>
+          </a:ln>
+        </p:spPr>
+        <p:style>
+          <a:lnRef idx="1">
+            <a:schemeClr val="accent3"/>
+          </a:lnRef>
+          <a:fillRef idx="0">
+            <a:schemeClr val="accent3"/>
+          </a:fillRef>
+          <a:effectRef idx="0">
+            <a:schemeClr val="accent3"/>
+          </a:effectRef>
+          <a:fontRef idx="minor">
+            <a:schemeClr val="tx1"/>
+          </a:fontRef>
+        </p:style>
+      </p:cxnSp>
+      <p:sp>
+        <p:nvSpPr>
+          <p:cNvPr id="10" name="Oval 9">
+            <a:extLst>
+              <a:ext uri="{FF2B5EF4-FFF2-40B4-BE49-F238E27FC236}">
+                <a16:creationId xmlns:a16="http://schemas.microsoft.com/office/drawing/2014/main" id="{EF9E34BB-292B-F146-8641-2F8AA3E0D5E7}"/>
+              </a:ext>
+            </a:extLst>
+          </p:cNvPr>
+          <p:cNvSpPr/>
+          <p:nvPr/>
+        </p:nvSpPr>
+        <p:spPr>
+          <a:xfrm>
+            <a:off x="5145741" y="2850870"/>
+            <a:ext cx="89647" cy="89647"/>
+          </a:xfrm>
+          <a:prstGeom prst="ellipse">
+            <a:avLst/>
+          </a:prstGeom>
+        </p:spPr>
+        <p:style>
+          <a:lnRef idx="2">
+            <a:schemeClr val="accent1">
+              <a:shade val="50000"/>
+            </a:schemeClr>
+          </a:lnRef>
+          <a:fillRef idx="1">
+            <a:schemeClr val="accent1"/>
+          </a:fillRef>
+          <a:effectRef idx="0">
+            <a:schemeClr val="accent1"/>
+          </a:effectRef>
+          <a:fontRef idx="minor">
+            <a:schemeClr val="lt1"/>
+          </a:fontRef>
+        </p:style>
+        <p:txBody>
+          <a:bodyPr rtlCol="0" anchor="ctr"/>
+          <a:lstStyle/>
+          <a:p>
+            <a:pPr algn="ctr"/>
+            <a:endParaRPr lang="en-US"/>
+          </a:p>
+        </p:txBody>
+      </p:sp>
+      <p:sp>
+        <p:nvSpPr>
+          <p:cNvPr id="11" name="Oval 10">
+            <a:extLst>
+              <a:ext uri="{FF2B5EF4-FFF2-40B4-BE49-F238E27FC236}">
+                <a16:creationId xmlns:a16="http://schemas.microsoft.com/office/drawing/2014/main" id="{C80C36D5-EC6E-A74E-BC7A-DDAA3357D75F}"/>
+              </a:ext>
+            </a:extLst>
+          </p:cNvPr>
+          <p:cNvSpPr/>
+          <p:nvPr/>
+        </p:nvSpPr>
+        <p:spPr>
+          <a:xfrm>
+            <a:off x="5298141" y="3003270"/>
+            <a:ext cx="89647" cy="89647"/>
+          </a:xfrm>
+          <a:prstGeom prst="ellipse">
+            <a:avLst/>
+          </a:prstGeom>
+        </p:spPr>
+        <p:style>
+          <a:lnRef idx="2">
+            <a:schemeClr val="accent1">
+              <a:shade val="50000"/>
+            </a:schemeClr>
+          </a:lnRef>
+          <a:fillRef idx="1">
+            <a:schemeClr val="accent1"/>
+          </a:fillRef>
+          <a:effectRef idx="0">
+            <a:schemeClr val="accent1"/>
+          </a:effectRef>
+          <a:fontRef idx="minor">
+            <a:schemeClr val="lt1"/>
+          </a:fontRef>
+        </p:style>
+        <p:txBody>
+          <a:bodyPr rtlCol="0" anchor="ctr"/>
+          <a:lstStyle/>
+          <a:p>
+            <a:pPr algn="ctr"/>
+            <a:endParaRPr lang="en-US"/>
+          </a:p>
+        </p:txBody>
+      </p:sp>
+      <p:sp>
+        <p:nvSpPr>
+          <p:cNvPr id="12" name="Oval 11">
+            <a:extLst>
+              <a:ext uri="{FF2B5EF4-FFF2-40B4-BE49-F238E27FC236}">
+                <a16:creationId xmlns:a16="http://schemas.microsoft.com/office/drawing/2014/main" id="{AF138445-435A-D647-904E-F2DAA86C067D}"/>
+              </a:ext>
+            </a:extLst>
+          </p:cNvPr>
+          <p:cNvSpPr/>
+          <p:nvPr/>
+        </p:nvSpPr>
+        <p:spPr>
+          <a:xfrm>
+            <a:off x="5056094" y="3210017"/>
+            <a:ext cx="89647" cy="89647"/>
+          </a:xfrm>
+          <a:prstGeom prst="ellipse">
+            <a:avLst/>
+          </a:prstGeom>
+        </p:spPr>
+        <p:style>
+          <a:lnRef idx="2">
+            <a:schemeClr val="accent1">
+              <a:shade val="50000"/>
+            </a:schemeClr>
+          </a:lnRef>
+          <a:fillRef idx="1">
+            <a:schemeClr val="accent1"/>
+          </a:fillRef>
+          <a:effectRef idx="0">
+            <a:schemeClr val="accent1"/>
+          </a:effectRef>
+          <a:fontRef idx="minor">
+            <a:schemeClr val="lt1"/>
+          </a:fontRef>
+        </p:style>
+        <p:txBody>
+          <a:bodyPr rtlCol="0" anchor="ctr"/>
+          <a:lstStyle/>
+          <a:p>
+            <a:pPr algn="ctr"/>
+            <a:endParaRPr lang="en-US"/>
+          </a:p>
+        </p:txBody>
+      </p:sp>
+      <p:sp>
+        <p:nvSpPr>
+          <p:cNvPr id="13" name="Oval 12">
+            <a:extLst>
+              <a:ext uri="{FF2B5EF4-FFF2-40B4-BE49-F238E27FC236}">
+                <a16:creationId xmlns:a16="http://schemas.microsoft.com/office/drawing/2014/main" id="{373E4BD5-23C5-644B-A035-0F36A32AB3FE}"/>
+              </a:ext>
+            </a:extLst>
+          </p:cNvPr>
+          <p:cNvSpPr/>
+          <p:nvPr/>
+        </p:nvSpPr>
+        <p:spPr>
+          <a:xfrm>
+            <a:off x="5360893" y="3299664"/>
+            <a:ext cx="89647" cy="89647"/>
+          </a:xfrm>
+          <a:prstGeom prst="ellipse">
+            <a:avLst/>
+          </a:prstGeom>
+        </p:spPr>
+        <p:style>
+          <a:lnRef idx="2">
+            <a:schemeClr val="accent1">
+              <a:shade val="50000"/>
+            </a:schemeClr>
+          </a:lnRef>
+          <a:fillRef idx="1">
+            <a:schemeClr val="accent1"/>
+          </a:fillRef>
+          <a:effectRef idx="0">
+            <a:schemeClr val="accent1"/>
+          </a:effectRef>
+          <a:fontRef idx="minor">
+            <a:schemeClr val="lt1"/>
+          </a:fontRef>
+        </p:style>
+        <p:txBody>
+          <a:bodyPr rtlCol="0" anchor="ctr"/>
+          <a:lstStyle/>
+          <a:p>
+            <a:pPr algn="ctr"/>
+            <a:endParaRPr lang="en-US"/>
+          </a:p>
+        </p:txBody>
+      </p:sp>
+      <p:sp>
+        <p:nvSpPr>
+          <p:cNvPr id="14" name="Oval 13">
+            <a:extLst>
+              <a:ext uri="{FF2B5EF4-FFF2-40B4-BE49-F238E27FC236}">
+                <a16:creationId xmlns:a16="http://schemas.microsoft.com/office/drawing/2014/main" id="{3A1E3C75-9B29-4048-9004-5BD3A6DDCAB7}"/>
+              </a:ext>
+            </a:extLst>
+          </p:cNvPr>
+          <p:cNvSpPr/>
+          <p:nvPr/>
+        </p:nvSpPr>
+        <p:spPr>
+          <a:xfrm>
+            <a:off x="5271246" y="3577953"/>
+            <a:ext cx="89647" cy="89647"/>
+          </a:xfrm>
+          <a:prstGeom prst="ellipse">
+            <a:avLst/>
+          </a:prstGeom>
+        </p:spPr>
+        <p:style>
+          <a:lnRef idx="2">
+            <a:schemeClr val="accent1">
+              <a:shade val="50000"/>
+            </a:schemeClr>
+          </a:lnRef>
+          <a:fillRef idx="1">
+            <a:schemeClr val="accent1"/>
+          </a:fillRef>
+          <a:effectRef idx="0">
+            <a:schemeClr val="accent1"/>
+          </a:effectRef>
+          <a:fontRef idx="minor">
+            <a:schemeClr val="lt1"/>
+          </a:fontRef>
+        </p:style>
+        <p:txBody>
+          <a:bodyPr rtlCol="0" anchor="ctr"/>
+          <a:lstStyle/>
+          <a:p>
+            <a:pPr algn="ctr"/>
+            <a:endParaRPr lang="en-US"/>
+          </a:p>
+        </p:txBody>
+      </p:sp>
+      <p:sp>
+        <p:nvSpPr>
+          <p:cNvPr id="16" name="Oval 15">
+            <a:extLst>
+              <a:ext uri="{FF2B5EF4-FFF2-40B4-BE49-F238E27FC236}">
+                <a16:creationId xmlns:a16="http://schemas.microsoft.com/office/drawing/2014/main" id="{90A127D7-6035-1C41-9D69-7394FBBDD282}"/>
+              </a:ext>
+            </a:extLst>
+          </p:cNvPr>
+          <p:cNvSpPr/>
+          <p:nvPr/>
+        </p:nvSpPr>
+        <p:spPr>
+          <a:xfrm>
+            <a:off x="5558117" y="3568045"/>
+            <a:ext cx="89647" cy="89647"/>
+          </a:xfrm>
+          <a:prstGeom prst="ellipse">
+            <a:avLst/>
+          </a:prstGeom>
+        </p:spPr>
+        <p:style>
+          <a:lnRef idx="2">
+            <a:schemeClr val="accent1">
+              <a:shade val="50000"/>
+            </a:schemeClr>
+          </a:lnRef>
+          <a:fillRef idx="1">
+            <a:schemeClr val="accent1"/>
+          </a:fillRef>
+          <a:effectRef idx="0">
+            <a:schemeClr val="accent1"/>
+          </a:effectRef>
+          <a:fontRef idx="minor">
+            <a:schemeClr val="lt1"/>
+          </a:fontRef>
+        </p:style>
+        <p:txBody>
+          <a:bodyPr rtlCol="0" anchor="ctr"/>
+          <a:lstStyle/>
+          <a:p>
+            <a:pPr algn="ctr"/>
+            <a:endParaRPr lang="en-US"/>
+          </a:p>
+        </p:txBody>
+      </p:sp>
+      <p:sp>
+        <p:nvSpPr>
+          <p:cNvPr id="17" name="Oval 16">
+            <a:extLst>
+              <a:ext uri="{FF2B5EF4-FFF2-40B4-BE49-F238E27FC236}">
+                <a16:creationId xmlns:a16="http://schemas.microsoft.com/office/drawing/2014/main" id="{3C657A1A-7D6D-2444-8251-D8697BD264D0}"/>
+              </a:ext>
+            </a:extLst>
+          </p:cNvPr>
+          <p:cNvSpPr/>
+          <p:nvPr/>
+        </p:nvSpPr>
+        <p:spPr>
+          <a:xfrm>
+            <a:off x="5316070" y="3774792"/>
+            <a:ext cx="89647" cy="89647"/>
+          </a:xfrm>
+          <a:prstGeom prst="ellipse">
+            <a:avLst/>
+          </a:prstGeom>
+        </p:spPr>
+        <p:style>
+          <a:lnRef idx="2">
+            <a:schemeClr val="accent1">
+              <a:shade val="50000"/>
+            </a:schemeClr>
+          </a:lnRef>
+          <a:fillRef idx="1">
+            <a:schemeClr val="accent1"/>
+          </a:fillRef>
+          <a:effectRef idx="0">
+            <a:schemeClr val="accent1"/>
+          </a:effectRef>
+          <a:fontRef idx="minor">
+            <a:schemeClr val="lt1"/>
+          </a:fontRef>
+        </p:style>
+        <p:txBody>
+          <a:bodyPr rtlCol="0" anchor="ctr"/>
+          <a:lstStyle/>
+          <a:p>
+            <a:pPr algn="ctr"/>
+            <a:endParaRPr lang="en-US"/>
+          </a:p>
+        </p:txBody>
+      </p:sp>
+      <p:sp>
+        <p:nvSpPr>
+          <p:cNvPr id="18" name="Oval 17">
+            <a:extLst>
+              <a:ext uri="{FF2B5EF4-FFF2-40B4-BE49-F238E27FC236}">
+                <a16:creationId xmlns:a16="http://schemas.microsoft.com/office/drawing/2014/main" id="{9E7E3223-A33A-E646-9C7A-C0D89B8B4C83}"/>
+              </a:ext>
+            </a:extLst>
+          </p:cNvPr>
+          <p:cNvSpPr/>
+          <p:nvPr/>
+        </p:nvSpPr>
+        <p:spPr>
+          <a:xfrm>
+            <a:off x="5620869" y="3864439"/>
+            <a:ext cx="89647" cy="89647"/>
+          </a:xfrm>
+          <a:prstGeom prst="ellipse">
+            <a:avLst/>
+          </a:prstGeom>
+        </p:spPr>
+        <p:style>
+          <a:lnRef idx="2">
+            <a:schemeClr val="accent1">
+              <a:shade val="50000"/>
+            </a:schemeClr>
+          </a:lnRef>
+          <a:fillRef idx="1">
+            <a:schemeClr val="accent1"/>
+          </a:fillRef>
+          <a:effectRef idx="0">
+            <a:schemeClr val="accent1"/>
+          </a:effectRef>
+          <a:fontRef idx="minor">
+            <a:schemeClr val="lt1"/>
+          </a:fontRef>
+        </p:style>
+        <p:txBody>
+          <a:bodyPr rtlCol="0" anchor="ctr"/>
+          <a:lstStyle/>
+          <a:p>
+            <a:pPr algn="ctr"/>
+            <a:endParaRPr lang="en-US"/>
+          </a:p>
+        </p:txBody>
+      </p:sp>
+      <p:sp>
+        <p:nvSpPr>
+          <p:cNvPr id="19" name="Oval 18">
+            <a:extLst>
+              <a:ext uri="{FF2B5EF4-FFF2-40B4-BE49-F238E27FC236}">
+                <a16:creationId xmlns:a16="http://schemas.microsoft.com/office/drawing/2014/main" id="{D42A25C2-201D-9E44-85F7-97318CDF7DBB}"/>
+              </a:ext>
+            </a:extLst>
+          </p:cNvPr>
+          <p:cNvSpPr/>
+          <p:nvPr/>
+        </p:nvSpPr>
+        <p:spPr>
+          <a:xfrm>
+            <a:off x="5531222" y="4142728"/>
+            <a:ext cx="89647" cy="89647"/>
+          </a:xfrm>
+          <a:prstGeom prst="ellipse">
+            <a:avLst/>
+          </a:prstGeom>
+        </p:spPr>
+        <p:style>
+          <a:lnRef idx="2">
+            <a:schemeClr val="accent1">
+              <a:shade val="50000"/>
+            </a:schemeClr>
+          </a:lnRef>
+          <a:fillRef idx="1">
+            <a:schemeClr val="accent1"/>
+          </a:fillRef>
+          <a:effectRef idx="0">
+            <a:schemeClr val="accent1"/>
+          </a:effectRef>
+          <a:fontRef idx="minor">
+            <a:schemeClr val="lt1"/>
+          </a:fontRef>
+        </p:style>
+        <p:txBody>
+          <a:bodyPr rtlCol="0" anchor="ctr"/>
+          <a:lstStyle/>
+          <a:p>
+            <a:pPr algn="ctr"/>
+            <a:endParaRPr lang="en-US"/>
+          </a:p>
+        </p:txBody>
+      </p:sp>
+      <p:sp>
+        <p:nvSpPr>
+          <p:cNvPr id="20" name="Oval 19">
+            <a:extLst>
+              <a:ext uri="{FF2B5EF4-FFF2-40B4-BE49-F238E27FC236}">
+                <a16:creationId xmlns:a16="http://schemas.microsoft.com/office/drawing/2014/main" id="{4A5D4F01-8691-0F43-9F39-1BF43B45DFB6}"/>
+              </a:ext>
+            </a:extLst>
+          </p:cNvPr>
+          <p:cNvSpPr/>
+          <p:nvPr/>
+        </p:nvSpPr>
+        <p:spPr>
+          <a:xfrm>
+            <a:off x="4948521" y="3137741"/>
+            <a:ext cx="89647" cy="89647"/>
+          </a:xfrm>
+          <a:prstGeom prst="ellipse">
+            <a:avLst/>
+          </a:prstGeom>
+        </p:spPr>
+        <p:style>
+          <a:lnRef idx="2">
+            <a:schemeClr val="accent1">
+              <a:shade val="50000"/>
+            </a:schemeClr>
+          </a:lnRef>
+          <a:fillRef idx="1">
+            <a:schemeClr val="accent1"/>
+          </a:fillRef>
+          <a:effectRef idx="0">
+            <a:schemeClr val="accent1"/>
+          </a:effectRef>
+          <a:fontRef idx="minor">
+            <a:schemeClr val="lt1"/>
+          </a:fontRef>
+        </p:style>
+        <p:txBody>
+          <a:bodyPr rtlCol="0" anchor="ctr"/>
+          <a:lstStyle/>
+          <a:p>
+            <a:pPr algn="ctr"/>
+            <a:endParaRPr lang="en-US"/>
+          </a:p>
+        </p:txBody>
+      </p:sp>
+      <p:sp>
+        <p:nvSpPr>
+          <p:cNvPr id="21" name="Oval 20">
+            <a:extLst>
+              <a:ext uri="{FF2B5EF4-FFF2-40B4-BE49-F238E27FC236}">
+                <a16:creationId xmlns:a16="http://schemas.microsoft.com/office/drawing/2014/main" id="{312B52B9-A430-5344-B402-CED30C7CBDA8}"/>
+              </a:ext>
+            </a:extLst>
+          </p:cNvPr>
+          <p:cNvSpPr/>
+          <p:nvPr/>
+        </p:nvSpPr>
+        <p:spPr>
+          <a:xfrm>
+            <a:off x="4706474" y="3344488"/>
+            <a:ext cx="89647" cy="89647"/>
+          </a:xfrm>
+          <a:prstGeom prst="ellipse">
+            <a:avLst/>
+          </a:prstGeom>
+        </p:spPr>
+        <p:style>
+          <a:lnRef idx="2">
+            <a:schemeClr val="accent1">
+              <a:shade val="50000"/>
+            </a:schemeClr>
+          </a:lnRef>
+          <a:fillRef idx="1">
+            <a:schemeClr val="accent1"/>
+          </a:fillRef>
+          <a:effectRef idx="0">
+            <a:schemeClr val="accent1"/>
+          </a:effectRef>
+          <a:fontRef idx="minor">
+            <a:schemeClr val="lt1"/>
+          </a:fontRef>
+        </p:style>
+        <p:txBody>
+          <a:bodyPr rtlCol="0" anchor="ctr"/>
+          <a:lstStyle/>
+          <a:p>
+            <a:pPr algn="ctr"/>
+            <a:endParaRPr lang="en-US"/>
+          </a:p>
+        </p:txBody>
+      </p:sp>
+      <p:sp>
+        <p:nvSpPr>
+          <p:cNvPr id="22" name="Oval 21">
+            <a:extLst>
+              <a:ext uri="{FF2B5EF4-FFF2-40B4-BE49-F238E27FC236}">
+                <a16:creationId xmlns:a16="http://schemas.microsoft.com/office/drawing/2014/main" id="{17550942-2AFA-F24A-A12C-46EC8199BB5F}"/>
+              </a:ext>
+            </a:extLst>
+          </p:cNvPr>
+          <p:cNvSpPr/>
+          <p:nvPr/>
+        </p:nvSpPr>
+        <p:spPr>
+          <a:xfrm>
+            <a:off x="5011273" y="3434135"/>
+            <a:ext cx="89647" cy="89647"/>
+          </a:xfrm>
+          <a:prstGeom prst="ellipse">
+            <a:avLst/>
+          </a:prstGeom>
+        </p:spPr>
+        <p:style>
+          <a:lnRef idx="2">
+            <a:schemeClr val="accent1">
+              <a:shade val="50000"/>
+            </a:schemeClr>
+          </a:lnRef>
+          <a:fillRef idx="1">
+            <a:schemeClr val="accent1"/>
+          </a:fillRef>
+          <a:effectRef idx="0">
+            <a:schemeClr val="accent1"/>
+          </a:effectRef>
+          <a:fontRef idx="minor">
+            <a:schemeClr val="lt1"/>
+          </a:fontRef>
+        </p:style>
+        <p:txBody>
+          <a:bodyPr rtlCol="0" anchor="ctr"/>
+          <a:lstStyle/>
+          <a:p>
+            <a:pPr algn="ctr"/>
+            <a:endParaRPr lang="en-US"/>
+          </a:p>
+        </p:txBody>
+      </p:sp>
+      <p:sp>
+        <p:nvSpPr>
+          <p:cNvPr id="23" name="Oval 22">
+            <a:extLst>
+              <a:ext uri="{FF2B5EF4-FFF2-40B4-BE49-F238E27FC236}">
+                <a16:creationId xmlns:a16="http://schemas.microsoft.com/office/drawing/2014/main" id="{4BED7349-6804-1F4A-A824-85865EBA4CA5}"/>
+              </a:ext>
+            </a:extLst>
+          </p:cNvPr>
+          <p:cNvSpPr/>
+          <p:nvPr/>
+        </p:nvSpPr>
+        <p:spPr>
+          <a:xfrm>
+            <a:off x="4921626" y="3712424"/>
+            <a:ext cx="89647" cy="89647"/>
+          </a:xfrm>
+          <a:prstGeom prst="ellipse">
+            <a:avLst/>
+          </a:prstGeom>
+        </p:spPr>
+        <p:style>
+          <a:lnRef idx="2">
+            <a:schemeClr val="accent1">
+              <a:shade val="50000"/>
+            </a:schemeClr>
+          </a:lnRef>
+          <a:fillRef idx="1">
+            <a:schemeClr val="accent1"/>
+          </a:fillRef>
+          <a:effectRef idx="0">
+            <a:schemeClr val="accent1"/>
+          </a:effectRef>
+          <a:fontRef idx="minor">
+            <a:schemeClr val="lt1"/>
+          </a:fontRef>
+        </p:style>
+        <p:txBody>
+          <a:bodyPr rtlCol="0" anchor="ctr"/>
+          <a:lstStyle/>
+          <a:p>
+            <a:pPr algn="ctr"/>
+            <a:endParaRPr lang="en-US"/>
+          </a:p>
+        </p:txBody>
+      </p:sp>
+      <p:sp>
+        <p:nvSpPr>
+          <p:cNvPr id="24" name="Oval 23">
+            <a:extLst>
+              <a:ext uri="{FF2B5EF4-FFF2-40B4-BE49-F238E27FC236}">
+                <a16:creationId xmlns:a16="http://schemas.microsoft.com/office/drawing/2014/main" id="{022CADC9-9279-4645-8E82-696CFA002F16}"/>
+              </a:ext>
+            </a:extLst>
+          </p:cNvPr>
+          <p:cNvSpPr/>
+          <p:nvPr/>
+        </p:nvSpPr>
+        <p:spPr>
+          <a:xfrm>
+            <a:off x="5593973" y="2492281"/>
+            <a:ext cx="89647" cy="89647"/>
+          </a:xfrm>
+          <a:prstGeom prst="ellipse">
+            <a:avLst/>
+          </a:prstGeom>
+        </p:spPr>
+        <p:style>
+          <a:lnRef idx="2">
+            <a:schemeClr val="accent1">
+              <a:shade val="50000"/>
+            </a:schemeClr>
+          </a:lnRef>
+          <a:fillRef idx="1">
+            <a:schemeClr val="accent1"/>
+          </a:fillRef>
+          <a:effectRef idx="0">
+            <a:schemeClr val="accent1"/>
+          </a:effectRef>
+          <a:fontRef idx="minor">
+            <a:schemeClr val="lt1"/>
+          </a:fontRef>
+        </p:style>
+        <p:txBody>
+          <a:bodyPr rtlCol="0" anchor="ctr"/>
+          <a:lstStyle/>
+          <a:p>
+            <a:pPr algn="ctr"/>
+            <a:endParaRPr lang="en-US"/>
+          </a:p>
+        </p:txBody>
+      </p:sp>
+      <p:sp>
+        <p:nvSpPr>
+          <p:cNvPr id="25" name="Oval 24">
+            <a:extLst>
+              <a:ext uri="{FF2B5EF4-FFF2-40B4-BE49-F238E27FC236}">
+                <a16:creationId xmlns:a16="http://schemas.microsoft.com/office/drawing/2014/main" id="{9641FB2D-81BA-6A4E-BFFF-963C2E3F5932}"/>
+              </a:ext>
+            </a:extLst>
+          </p:cNvPr>
+          <p:cNvSpPr/>
+          <p:nvPr/>
+        </p:nvSpPr>
+        <p:spPr>
+          <a:xfrm>
+            <a:off x="5351926" y="2699028"/>
+            <a:ext cx="89647" cy="89647"/>
+          </a:xfrm>
+          <a:prstGeom prst="ellipse">
+            <a:avLst/>
+          </a:prstGeom>
+        </p:spPr>
+        <p:style>
+          <a:lnRef idx="2">
+            <a:schemeClr val="accent1">
+              <a:shade val="50000"/>
+            </a:schemeClr>
+          </a:lnRef>
+          <a:fillRef idx="1">
+            <a:schemeClr val="accent1"/>
+          </a:fillRef>
+          <a:effectRef idx="0">
+            <a:schemeClr val="accent1"/>
+          </a:effectRef>
+          <a:fontRef idx="minor">
+            <a:schemeClr val="lt1"/>
+          </a:fontRef>
+        </p:style>
+        <p:txBody>
+          <a:bodyPr rtlCol="0" anchor="ctr"/>
+          <a:lstStyle/>
+          <a:p>
+            <a:pPr algn="ctr"/>
+            <a:endParaRPr lang="en-US"/>
+          </a:p>
+        </p:txBody>
+      </p:sp>
+      <p:sp>
+        <p:nvSpPr>
+          <p:cNvPr id="26" name="Oval 25">
+            <a:extLst>
+              <a:ext uri="{FF2B5EF4-FFF2-40B4-BE49-F238E27FC236}">
+                <a16:creationId xmlns:a16="http://schemas.microsoft.com/office/drawing/2014/main" id="{5A49AFCD-71F1-9744-9CBA-3CFAB1E797E7}"/>
+              </a:ext>
+            </a:extLst>
+          </p:cNvPr>
+          <p:cNvSpPr/>
+          <p:nvPr/>
+        </p:nvSpPr>
+        <p:spPr>
+          <a:xfrm>
+            <a:off x="5656725" y="2788675"/>
+            <a:ext cx="89647" cy="89647"/>
+          </a:xfrm>
+          <a:prstGeom prst="ellipse">
+            <a:avLst/>
+          </a:prstGeom>
+        </p:spPr>
+        <p:style>
+          <a:lnRef idx="2">
+            <a:schemeClr val="accent1">
+              <a:shade val="50000"/>
+            </a:schemeClr>
+          </a:lnRef>
+          <a:fillRef idx="1">
+            <a:schemeClr val="accent1"/>
+          </a:fillRef>
+          <a:effectRef idx="0">
+            <a:schemeClr val="accent1"/>
+          </a:effectRef>
+          <a:fontRef idx="minor">
+            <a:schemeClr val="lt1"/>
+          </a:fontRef>
+        </p:style>
+        <p:txBody>
+          <a:bodyPr rtlCol="0" anchor="ctr"/>
+          <a:lstStyle/>
+          <a:p>
+            <a:pPr algn="ctr"/>
+            <a:endParaRPr lang="en-US"/>
+          </a:p>
+        </p:txBody>
+      </p:sp>
+      <p:sp>
+        <p:nvSpPr>
+          <p:cNvPr id="27" name="Oval 26">
+            <a:extLst>
+              <a:ext uri="{FF2B5EF4-FFF2-40B4-BE49-F238E27FC236}">
+                <a16:creationId xmlns:a16="http://schemas.microsoft.com/office/drawing/2014/main" id="{647D4375-289E-6447-B9A3-3A71A515E162}"/>
+              </a:ext>
+            </a:extLst>
+          </p:cNvPr>
+          <p:cNvSpPr/>
+          <p:nvPr/>
+        </p:nvSpPr>
+        <p:spPr>
+          <a:xfrm>
+            <a:off x="5567078" y="3066964"/>
+            <a:ext cx="89647" cy="89647"/>
+          </a:xfrm>
+          <a:prstGeom prst="ellipse">
+            <a:avLst/>
+          </a:prstGeom>
+        </p:spPr>
+        <p:style>
+          <a:lnRef idx="2">
+            <a:schemeClr val="accent1">
+              <a:shade val="50000"/>
+            </a:schemeClr>
+          </a:lnRef>
+          <a:fillRef idx="1">
+            <a:schemeClr val="accent1"/>
+          </a:fillRef>
+          <a:effectRef idx="0">
+            <a:schemeClr val="accent1"/>
+          </a:effectRef>
+          <a:fontRef idx="minor">
+            <a:schemeClr val="lt1"/>
+          </a:fontRef>
+        </p:style>
+        <p:txBody>
+          <a:bodyPr rtlCol="0" anchor="ctr"/>
+          <a:lstStyle/>
+          <a:p>
+            <a:pPr algn="ctr"/>
+            <a:endParaRPr lang="en-US"/>
+          </a:p>
+        </p:txBody>
+      </p:sp>
+      <p:sp>
+        <p:nvSpPr>
+          <p:cNvPr id="28" name="Oval 27">
+            <a:extLst>
+              <a:ext uri="{FF2B5EF4-FFF2-40B4-BE49-F238E27FC236}">
+                <a16:creationId xmlns:a16="http://schemas.microsoft.com/office/drawing/2014/main" id="{FF8D3DC8-1E2F-DD4E-A502-E1738B545265}"/>
+              </a:ext>
+            </a:extLst>
+          </p:cNvPr>
+          <p:cNvSpPr/>
+          <p:nvPr/>
+        </p:nvSpPr>
+        <p:spPr>
+          <a:xfrm>
+            <a:off x="5056100" y="2420564"/>
+            <a:ext cx="89647" cy="89647"/>
+          </a:xfrm>
+          <a:prstGeom prst="ellipse">
+            <a:avLst/>
+          </a:prstGeom>
+        </p:spPr>
+        <p:style>
+          <a:lnRef idx="2">
+            <a:schemeClr val="accent1">
+              <a:shade val="50000"/>
+            </a:schemeClr>
+          </a:lnRef>
+          <a:fillRef idx="1">
+            <a:schemeClr val="accent1"/>
+          </a:fillRef>
+          <a:effectRef idx="0">
+            <a:schemeClr val="accent1"/>
+          </a:effectRef>
+          <a:fontRef idx="minor">
+            <a:schemeClr val="lt1"/>
+          </a:fontRef>
+        </p:style>
+        <p:txBody>
+          <a:bodyPr rtlCol="0" anchor="ctr"/>
+          <a:lstStyle/>
+          <a:p>
+            <a:pPr algn="ctr"/>
+            <a:endParaRPr lang="en-US"/>
+          </a:p>
+        </p:txBody>
+      </p:sp>
+      <p:sp>
+        <p:nvSpPr>
+          <p:cNvPr id="29" name="Oval 28">
+            <a:extLst>
+              <a:ext uri="{FF2B5EF4-FFF2-40B4-BE49-F238E27FC236}">
+                <a16:creationId xmlns:a16="http://schemas.microsoft.com/office/drawing/2014/main" id="{EE7899E7-8403-664F-B100-365822D7E203}"/>
+              </a:ext>
+            </a:extLst>
+          </p:cNvPr>
+          <p:cNvSpPr/>
+          <p:nvPr/>
+        </p:nvSpPr>
+        <p:spPr>
+          <a:xfrm>
+            <a:off x="4814053" y="2627311"/>
+            <a:ext cx="89647" cy="89647"/>
+          </a:xfrm>
+          <a:prstGeom prst="ellipse">
+            <a:avLst/>
+          </a:prstGeom>
+        </p:spPr>
+        <p:style>
+          <a:lnRef idx="2">
+            <a:schemeClr val="accent1">
+              <a:shade val="50000"/>
+            </a:schemeClr>
+          </a:lnRef>
+          <a:fillRef idx="1">
+            <a:schemeClr val="accent1"/>
+          </a:fillRef>
+          <a:effectRef idx="0">
+            <a:schemeClr val="accent1"/>
+          </a:effectRef>
+          <a:fontRef idx="minor">
+            <a:schemeClr val="lt1"/>
+          </a:fontRef>
+        </p:style>
+        <p:txBody>
+          <a:bodyPr rtlCol="0" anchor="ctr"/>
+          <a:lstStyle/>
+          <a:p>
+            <a:pPr algn="ctr"/>
+            <a:endParaRPr lang="en-US"/>
+          </a:p>
+        </p:txBody>
+      </p:sp>
+      <p:sp>
+        <p:nvSpPr>
+          <p:cNvPr id="30" name="Oval 29">
+            <a:extLst>
+              <a:ext uri="{FF2B5EF4-FFF2-40B4-BE49-F238E27FC236}">
+                <a16:creationId xmlns:a16="http://schemas.microsoft.com/office/drawing/2014/main" id="{8F2CF7E6-0624-9343-A7FF-6D9E8240BE44}"/>
+              </a:ext>
+            </a:extLst>
+          </p:cNvPr>
+          <p:cNvSpPr/>
+          <p:nvPr/>
+        </p:nvSpPr>
+        <p:spPr>
+          <a:xfrm>
+            <a:off x="5118852" y="2716958"/>
+            <a:ext cx="89647" cy="89647"/>
+          </a:xfrm>
+          <a:prstGeom prst="ellipse">
+            <a:avLst/>
+          </a:prstGeom>
+        </p:spPr>
+        <p:style>
+          <a:lnRef idx="2">
+            <a:schemeClr val="accent1">
+              <a:shade val="50000"/>
+            </a:schemeClr>
+          </a:lnRef>
+          <a:fillRef idx="1">
+            <a:schemeClr val="accent1"/>
+          </a:fillRef>
+          <a:effectRef idx="0">
+            <a:schemeClr val="accent1"/>
+          </a:effectRef>
+          <a:fontRef idx="minor">
+            <a:schemeClr val="lt1"/>
+          </a:fontRef>
+        </p:style>
+        <p:txBody>
+          <a:bodyPr rtlCol="0" anchor="ctr"/>
+          <a:lstStyle/>
+          <a:p>
+            <a:pPr algn="ctr"/>
+            <a:endParaRPr lang="en-US"/>
+          </a:p>
+        </p:txBody>
+      </p:sp>
+      <p:sp>
+        <p:nvSpPr>
+          <p:cNvPr id="31" name="Oval 30">
+            <a:extLst>
+              <a:ext uri="{FF2B5EF4-FFF2-40B4-BE49-F238E27FC236}">
+                <a16:creationId xmlns:a16="http://schemas.microsoft.com/office/drawing/2014/main" id="{68F7EFDA-56DB-BF44-9D4E-349057B84153}"/>
+              </a:ext>
+            </a:extLst>
+          </p:cNvPr>
+          <p:cNvSpPr/>
+          <p:nvPr/>
+        </p:nvSpPr>
+        <p:spPr>
+          <a:xfrm>
+            <a:off x="5029205" y="2995247"/>
+            <a:ext cx="89647" cy="89647"/>
+          </a:xfrm>
+          <a:prstGeom prst="ellipse">
+            <a:avLst/>
+          </a:prstGeom>
+        </p:spPr>
+        <p:style>
+          <a:lnRef idx="2">
+            <a:schemeClr val="accent1">
+              <a:shade val="50000"/>
+            </a:schemeClr>
+          </a:lnRef>
+          <a:fillRef idx="1">
+            <a:schemeClr val="accent1"/>
+          </a:fillRef>
+          <a:effectRef idx="0">
+            <a:schemeClr val="accent1"/>
+          </a:effectRef>
+          <a:fontRef idx="minor">
+            <a:schemeClr val="lt1"/>
+          </a:fontRef>
+        </p:style>
+        <p:txBody>
+          <a:bodyPr rtlCol="0" anchor="ctr"/>
+          <a:lstStyle/>
+          <a:p>
+            <a:pPr algn="ctr"/>
+            <a:endParaRPr lang="en-US"/>
+          </a:p>
+        </p:txBody>
+      </p:sp>
+      <p:sp>
+        <p:nvSpPr>
+          <p:cNvPr id="32" name="Oval 31">
+            <a:extLst>
+              <a:ext uri="{FF2B5EF4-FFF2-40B4-BE49-F238E27FC236}">
+                <a16:creationId xmlns:a16="http://schemas.microsoft.com/office/drawing/2014/main" id="{7DA72522-A0F0-1A4C-A95B-920F8A68E623}"/>
+              </a:ext>
+            </a:extLst>
+          </p:cNvPr>
+          <p:cNvSpPr/>
+          <p:nvPr/>
+        </p:nvSpPr>
+        <p:spPr>
+          <a:xfrm>
+            <a:off x="5593973" y="2079910"/>
+            <a:ext cx="89647" cy="89647"/>
+          </a:xfrm>
+          <a:prstGeom prst="ellipse">
+            <a:avLst/>
+          </a:prstGeom>
+        </p:spPr>
+        <p:style>
+          <a:lnRef idx="2">
+            <a:schemeClr val="accent1">
+              <a:shade val="50000"/>
+            </a:schemeClr>
+          </a:lnRef>
+          <a:fillRef idx="1">
+            <a:schemeClr val="accent1"/>
+          </a:fillRef>
+          <a:effectRef idx="0">
+            <a:schemeClr val="accent1"/>
+          </a:effectRef>
+          <a:fontRef idx="minor">
+            <a:schemeClr val="lt1"/>
+          </a:fontRef>
+        </p:style>
+        <p:txBody>
+          <a:bodyPr rtlCol="0" anchor="ctr"/>
+          <a:lstStyle/>
+          <a:p>
+            <a:pPr algn="ctr"/>
+            <a:endParaRPr lang="en-US"/>
+          </a:p>
+        </p:txBody>
+      </p:sp>
+      <p:sp>
+        <p:nvSpPr>
+          <p:cNvPr id="33" name="Oval 32">
+            <a:extLst>
+              <a:ext uri="{FF2B5EF4-FFF2-40B4-BE49-F238E27FC236}">
+                <a16:creationId xmlns:a16="http://schemas.microsoft.com/office/drawing/2014/main" id="{83D76510-E850-194F-9BA9-3684961BC1CB}"/>
+              </a:ext>
+            </a:extLst>
+          </p:cNvPr>
+          <p:cNvSpPr/>
+          <p:nvPr/>
+        </p:nvSpPr>
+        <p:spPr>
+          <a:xfrm>
+            <a:off x="5351926" y="2286657"/>
+            <a:ext cx="89647" cy="89647"/>
+          </a:xfrm>
+          <a:prstGeom prst="ellipse">
+            <a:avLst/>
+          </a:prstGeom>
+        </p:spPr>
+        <p:style>
+          <a:lnRef idx="2">
+            <a:schemeClr val="accent1">
+              <a:shade val="50000"/>
+            </a:schemeClr>
+          </a:lnRef>
+          <a:fillRef idx="1">
+            <a:schemeClr val="accent1"/>
+          </a:fillRef>
+          <a:effectRef idx="0">
+            <a:schemeClr val="accent1"/>
+          </a:effectRef>
+          <a:fontRef idx="minor">
+            <a:schemeClr val="lt1"/>
+          </a:fontRef>
+        </p:style>
+        <p:txBody>
+          <a:bodyPr rtlCol="0" anchor="ctr"/>
+          <a:lstStyle/>
+          <a:p>
+            <a:pPr algn="ctr"/>
+            <a:endParaRPr lang="en-US"/>
+          </a:p>
+        </p:txBody>
+      </p:sp>
+      <p:sp>
+        <p:nvSpPr>
+          <p:cNvPr id="34" name="Oval 33">
+            <a:extLst>
+              <a:ext uri="{FF2B5EF4-FFF2-40B4-BE49-F238E27FC236}">
+                <a16:creationId xmlns:a16="http://schemas.microsoft.com/office/drawing/2014/main" id="{BACFB913-2974-A040-92F7-00D0F31A7040}"/>
+              </a:ext>
+            </a:extLst>
+          </p:cNvPr>
+          <p:cNvSpPr/>
+          <p:nvPr/>
+        </p:nvSpPr>
+        <p:spPr>
+          <a:xfrm>
+            <a:off x="5656725" y="2376304"/>
+            <a:ext cx="89647" cy="89647"/>
+          </a:xfrm>
+          <a:prstGeom prst="ellipse">
+            <a:avLst/>
+          </a:prstGeom>
+        </p:spPr>
+        <p:style>
+          <a:lnRef idx="2">
+            <a:schemeClr val="accent1">
+              <a:shade val="50000"/>
+            </a:schemeClr>
+          </a:lnRef>
+          <a:fillRef idx="1">
+            <a:schemeClr val="accent1"/>
+          </a:fillRef>
+          <a:effectRef idx="0">
+            <a:schemeClr val="accent1"/>
+          </a:effectRef>
+          <a:fontRef idx="minor">
+            <a:schemeClr val="lt1"/>
+          </a:fontRef>
+        </p:style>
+        <p:txBody>
+          <a:bodyPr rtlCol="0" anchor="ctr"/>
+          <a:lstStyle/>
+          <a:p>
+            <a:pPr algn="ctr"/>
+            <a:endParaRPr lang="en-US"/>
+          </a:p>
+        </p:txBody>
+      </p:sp>
+      <p:sp>
+        <p:nvSpPr>
+          <p:cNvPr id="35" name="Oval 34">
+            <a:extLst>
+              <a:ext uri="{FF2B5EF4-FFF2-40B4-BE49-F238E27FC236}">
+                <a16:creationId xmlns:a16="http://schemas.microsoft.com/office/drawing/2014/main" id="{E09BC626-1754-634F-A70C-4E5E3DD2DE3C}"/>
+              </a:ext>
+            </a:extLst>
+          </p:cNvPr>
+          <p:cNvSpPr/>
+          <p:nvPr/>
+        </p:nvSpPr>
+        <p:spPr>
+          <a:xfrm>
+            <a:off x="5567078" y="2654593"/>
+            <a:ext cx="89647" cy="89647"/>
+          </a:xfrm>
+          <a:prstGeom prst="ellipse">
+            <a:avLst/>
+          </a:prstGeom>
+        </p:spPr>
+        <p:style>
+          <a:lnRef idx="2">
+            <a:schemeClr val="accent1">
+              <a:shade val="50000"/>
+            </a:schemeClr>
+          </a:lnRef>
+          <a:fillRef idx="1">
+            <a:schemeClr val="accent1"/>
+          </a:fillRef>
+          <a:effectRef idx="0">
+            <a:schemeClr val="accent1"/>
+          </a:effectRef>
+          <a:fontRef idx="minor">
+            <a:schemeClr val="lt1"/>
+          </a:fontRef>
+        </p:style>
+        <p:txBody>
+          <a:bodyPr rtlCol="0" anchor="ctr"/>
+          <a:lstStyle/>
+          <a:p>
+            <a:pPr algn="ctr"/>
+            <a:endParaRPr lang="en-US"/>
+          </a:p>
+        </p:txBody>
+      </p:sp>
+      <p:sp>
+        <p:nvSpPr>
+          <p:cNvPr id="37" name="Rectangle 36">
+            <a:extLst>
+              <a:ext uri="{FF2B5EF4-FFF2-40B4-BE49-F238E27FC236}">
+                <a16:creationId xmlns:a16="http://schemas.microsoft.com/office/drawing/2014/main" id="{4F351C0C-1789-A74A-9332-C6903AC14371}"/>
+              </a:ext>
+            </a:extLst>
+          </p:cNvPr>
+          <p:cNvSpPr/>
+          <p:nvPr/>
+        </p:nvSpPr>
+        <p:spPr>
+          <a:xfrm>
+            <a:off x="6239435" y="2465387"/>
+            <a:ext cx="116541" cy="116541"/>
+          </a:xfrm>
+          <a:prstGeom prst="rect">
+            <a:avLst/>
+          </a:prstGeom>
+          <a:solidFill>
+            <a:schemeClr val="accent4">
+              <a:lumMod val="60000"/>
+              <a:lumOff val="40000"/>
+            </a:schemeClr>
+          </a:solidFill>
+          <a:ln>
+            <a:solidFill>
+              <a:schemeClr val="accent4"/>
+            </a:solidFill>
+          </a:ln>
+        </p:spPr>
+        <p:style>
+          <a:lnRef idx="2">
+            <a:schemeClr val="accent1">
+              <a:shade val="50000"/>
+            </a:schemeClr>
+          </a:lnRef>
+          <a:fillRef idx="1">
+            <a:schemeClr val="accent1"/>
+          </a:fillRef>
+          <a:effectRef idx="0">
+            <a:schemeClr val="accent1"/>
+          </a:effectRef>
+          <a:fontRef idx="minor">
+            <a:schemeClr val="lt1"/>
+          </a:fontRef>
+        </p:style>
+        <p:txBody>
+          <a:bodyPr rtlCol="0" anchor="ctr"/>
+          <a:lstStyle/>
+          <a:p>
+            <a:pPr algn="ctr"/>
+            <a:endParaRPr lang="en-US"/>
+          </a:p>
+        </p:txBody>
+      </p:sp>
+      <p:sp>
+        <p:nvSpPr>
+          <p:cNvPr id="41" name="Rectangle 40">
+            <a:extLst>
+              <a:ext uri="{FF2B5EF4-FFF2-40B4-BE49-F238E27FC236}">
+                <a16:creationId xmlns:a16="http://schemas.microsoft.com/office/drawing/2014/main" id="{0DAEF6EF-101E-114D-8063-ED2BBB646BDB}"/>
+              </a:ext>
+            </a:extLst>
+          </p:cNvPr>
+          <p:cNvSpPr/>
+          <p:nvPr/>
+        </p:nvSpPr>
+        <p:spPr>
+          <a:xfrm>
+            <a:off x="6391835" y="2617787"/>
+            <a:ext cx="116541" cy="116541"/>
+          </a:xfrm>
+          <a:prstGeom prst="rect">
+            <a:avLst/>
+          </a:prstGeom>
+          <a:solidFill>
+            <a:schemeClr val="accent4">
+              <a:lumMod val="60000"/>
+              <a:lumOff val="40000"/>
+            </a:schemeClr>
+          </a:solidFill>
+          <a:ln>
+            <a:solidFill>
+              <a:schemeClr val="accent4"/>
+            </a:solidFill>
+          </a:ln>
+        </p:spPr>
+        <p:style>
+          <a:lnRef idx="2">
+            <a:schemeClr val="accent1">
+              <a:shade val="50000"/>
+            </a:schemeClr>
+          </a:lnRef>
+          <a:fillRef idx="1">
+            <a:schemeClr val="accent1"/>
+          </a:fillRef>
+          <a:effectRef idx="0">
+            <a:schemeClr val="accent1"/>
+          </a:effectRef>
+          <a:fontRef idx="minor">
+            <a:schemeClr val="lt1"/>
+          </a:fontRef>
+        </p:style>
+        <p:txBody>
+          <a:bodyPr rtlCol="0" anchor="ctr"/>
+          <a:lstStyle/>
+          <a:p>
+            <a:pPr algn="ctr"/>
+            <a:endParaRPr lang="en-US"/>
+          </a:p>
+        </p:txBody>
+      </p:sp>
+      <p:sp>
+        <p:nvSpPr>
+          <p:cNvPr id="42" name="Rectangle 41">
+            <a:extLst>
+              <a:ext uri="{FF2B5EF4-FFF2-40B4-BE49-F238E27FC236}">
+                <a16:creationId xmlns:a16="http://schemas.microsoft.com/office/drawing/2014/main" id="{61DEEF38-B529-C14C-87BA-744A8F84CB49}"/>
+              </a:ext>
+            </a:extLst>
+          </p:cNvPr>
+          <p:cNvSpPr/>
+          <p:nvPr/>
+        </p:nvSpPr>
+        <p:spPr>
+          <a:xfrm>
+            <a:off x="6544235" y="2770187"/>
+            <a:ext cx="116541" cy="116541"/>
+          </a:xfrm>
+          <a:prstGeom prst="rect">
+            <a:avLst/>
+          </a:prstGeom>
+          <a:solidFill>
+            <a:schemeClr val="accent4">
+              <a:lumMod val="60000"/>
+              <a:lumOff val="40000"/>
+            </a:schemeClr>
+          </a:solidFill>
+          <a:ln>
+            <a:solidFill>
+              <a:schemeClr val="accent4"/>
+            </a:solidFill>
+          </a:ln>
+        </p:spPr>
+        <p:style>
+          <a:lnRef idx="2">
+            <a:schemeClr val="accent1">
+              <a:shade val="50000"/>
+            </a:schemeClr>
+          </a:lnRef>
+          <a:fillRef idx="1">
+            <a:schemeClr val="accent1"/>
+          </a:fillRef>
+          <a:effectRef idx="0">
+            <a:schemeClr val="accent1"/>
+          </a:effectRef>
+          <a:fontRef idx="minor">
+            <a:schemeClr val="lt1"/>
+          </a:fontRef>
+        </p:style>
+        <p:txBody>
+          <a:bodyPr rtlCol="0" anchor="ctr"/>
+          <a:lstStyle/>
+          <a:p>
+            <a:pPr algn="ctr"/>
+            <a:endParaRPr lang="en-US"/>
+          </a:p>
+        </p:txBody>
+      </p:sp>
+      <p:sp>
+        <p:nvSpPr>
+          <p:cNvPr id="43" name="Rectangle 42">
+            <a:extLst>
+              <a:ext uri="{FF2B5EF4-FFF2-40B4-BE49-F238E27FC236}">
+                <a16:creationId xmlns:a16="http://schemas.microsoft.com/office/drawing/2014/main" id="{C6DFEDF6-732D-F844-A49A-A75DE1CA34CE}"/>
+              </a:ext>
+            </a:extLst>
+          </p:cNvPr>
+          <p:cNvSpPr/>
+          <p:nvPr/>
+        </p:nvSpPr>
+        <p:spPr>
+          <a:xfrm>
+            <a:off x="6787228" y="2743014"/>
+            <a:ext cx="116541" cy="116541"/>
+          </a:xfrm>
+          <a:prstGeom prst="rect">
+            <a:avLst/>
+          </a:prstGeom>
+          <a:solidFill>
+            <a:schemeClr val="accent4">
+              <a:lumMod val="60000"/>
+              <a:lumOff val="40000"/>
+            </a:schemeClr>
+          </a:solidFill>
+          <a:ln>
+            <a:solidFill>
+              <a:schemeClr val="accent4"/>
+            </a:solidFill>
+          </a:ln>
+        </p:spPr>
+        <p:style>
+          <a:lnRef idx="2">
+            <a:schemeClr val="accent1">
+              <a:shade val="50000"/>
+            </a:schemeClr>
+          </a:lnRef>
+          <a:fillRef idx="1">
+            <a:schemeClr val="accent1"/>
+          </a:fillRef>
+          <a:effectRef idx="0">
+            <a:schemeClr val="accent1"/>
+          </a:effectRef>
+          <a:fontRef idx="minor">
+            <a:schemeClr val="lt1"/>
+          </a:fontRef>
+        </p:style>
+        <p:txBody>
+          <a:bodyPr rtlCol="0" anchor="ctr"/>
+          <a:lstStyle/>
+          <a:p>
+            <a:pPr algn="ctr"/>
+            <a:endParaRPr lang="en-US"/>
+          </a:p>
+        </p:txBody>
+      </p:sp>
+      <p:sp>
+        <p:nvSpPr>
+          <p:cNvPr id="44" name="Rectangle 43">
+            <a:extLst>
+              <a:ext uri="{FF2B5EF4-FFF2-40B4-BE49-F238E27FC236}">
+                <a16:creationId xmlns:a16="http://schemas.microsoft.com/office/drawing/2014/main" id="{E18AF31F-7B3F-5145-BACB-96465156022C}"/>
+              </a:ext>
+            </a:extLst>
+          </p:cNvPr>
+          <p:cNvSpPr/>
+          <p:nvPr/>
+        </p:nvSpPr>
+        <p:spPr>
+          <a:xfrm>
+            <a:off x="6296745" y="2950423"/>
+            <a:ext cx="116541" cy="116541"/>
+          </a:xfrm>
+          <a:prstGeom prst="rect">
+            <a:avLst/>
+          </a:prstGeom>
+          <a:solidFill>
+            <a:schemeClr val="accent4">
+              <a:lumMod val="60000"/>
+              <a:lumOff val="40000"/>
+            </a:schemeClr>
+          </a:solidFill>
+          <a:ln>
+            <a:solidFill>
+              <a:schemeClr val="accent4"/>
+            </a:solidFill>
+          </a:ln>
+        </p:spPr>
+        <p:style>
+          <a:lnRef idx="2">
+            <a:schemeClr val="accent1">
+              <a:shade val="50000"/>
+            </a:schemeClr>
+          </a:lnRef>
+          <a:fillRef idx="1">
+            <a:schemeClr val="accent1"/>
+          </a:fillRef>
+          <a:effectRef idx="0">
+            <a:schemeClr val="accent1"/>
+          </a:effectRef>
+          <a:fontRef idx="minor">
+            <a:schemeClr val="lt1"/>
+          </a:fontRef>
+        </p:style>
+        <p:txBody>
+          <a:bodyPr rtlCol="0" anchor="ctr"/>
+          <a:lstStyle/>
+          <a:p>
+            <a:pPr algn="ctr"/>
+            <a:endParaRPr lang="en-US"/>
+          </a:p>
+        </p:txBody>
+      </p:sp>
+      <p:sp>
+        <p:nvSpPr>
+          <p:cNvPr id="45" name="Rectangle 44">
+            <a:extLst>
+              <a:ext uri="{FF2B5EF4-FFF2-40B4-BE49-F238E27FC236}">
+                <a16:creationId xmlns:a16="http://schemas.microsoft.com/office/drawing/2014/main" id="{0B397D56-C51C-1C4C-AEBA-CB9BE00CC6EA}"/>
+              </a:ext>
+            </a:extLst>
+          </p:cNvPr>
+          <p:cNvSpPr/>
+          <p:nvPr/>
+        </p:nvSpPr>
+        <p:spPr>
+          <a:xfrm>
+            <a:off x="6589714" y="2367427"/>
+            <a:ext cx="116541" cy="116541"/>
+          </a:xfrm>
+          <a:prstGeom prst="rect">
+            <a:avLst/>
+          </a:prstGeom>
+          <a:solidFill>
+            <a:schemeClr val="accent4">
+              <a:lumMod val="60000"/>
+              <a:lumOff val="40000"/>
+            </a:schemeClr>
+          </a:solidFill>
+          <a:ln>
+            <a:solidFill>
+              <a:schemeClr val="accent4"/>
+            </a:solidFill>
+          </a:ln>
+        </p:spPr>
+        <p:style>
+          <a:lnRef idx="2">
+            <a:schemeClr val="accent1">
+              <a:shade val="50000"/>
+            </a:schemeClr>
+          </a:lnRef>
+          <a:fillRef idx="1">
+            <a:schemeClr val="accent1"/>
+          </a:fillRef>
+          <a:effectRef idx="0">
+            <a:schemeClr val="accent1"/>
+          </a:effectRef>
+          <a:fontRef idx="minor">
+            <a:schemeClr val="lt1"/>
+          </a:fontRef>
+        </p:style>
+        <p:txBody>
+          <a:bodyPr rtlCol="0" anchor="ctr"/>
+          <a:lstStyle/>
+          <a:p>
+            <a:pPr algn="ctr"/>
+            <a:endParaRPr lang="en-US"/>
+          </a:p>
+        </p:txBody>
+      </p:sp>
+      <p:sp>
+        <p:nvSpPr>
+          <p:cNvPr id="46" name="Rectangle 45">
+            <a:extLst>
+              <a:ext uri="{FF2B5EF4-FFF2-40B4-BE49-F238E27FC236}">
+                <a16:creationId xmlns:a16="http://schemas.microsoft.com/office/drawing/2014/main" id="{9DBEDB98-DCEA-3546-AD0D-8C3B13BB3EC9}"/>
+              </a:ext>
+            </a:extLst>
+          </p:cNvPr>
+          <p:cNvSpPr/>
+          <p:nvPr/>
+        </p:nvSpPr>
+        <p:spPr>
+          <a:xfrm>
+            <a:off x="5961529" y="2868796"/>
+            <a:ext cx="116541" cy="116541"/>
+          </a:xfrm>
+          <a:prstGeom prst="rect">
+            <a:avLst/>
+          </a:prstGeom>
+          <a:solidFill>
+            <a:schemeClr val="accent4">
+              <a:lumMod val="60000"/>
+              <a:lumOff val="40000"/>
+            </a:schemeClr>
+          </a:solidFill>
+          <a:ln>
+            <a:solidFill>
+              <a:schemeClr val="accent4"/>
+            </a:solidFill>
+          </a:ln>
+        </p:spPr>
+        <p:style>
+          <a:lnRef idx="2">
+            <a:schemeClr val="accent1">
+              <a:shade val="50000"/>
+            </a:schemeClr>
+          </a:lnRef>
+          <a:fillRef idx="1">
+            <a:schemeClr val="accent1"/>
+          </a:fillRef>
+          <a:effectRef idx="0">
+            <a:schemeClr val="accent1"/>
+          </a:effectRef>
+          <a:fontRef idx="minor">
+            <a:schemeClr val="lt1"/>
+          </a:fontRef>
+        </p:style>
+        <p:txBody>
+          <a:bodyPr rtlCol="0" anchor="ctr"/>
+          <a:lstStyle/>
+          <a:p>
+            <a:pPr algn="ctr"/>
+            <a:endParaRPr lang="en-US"/>
+          </a:p>
+        </p:txBody>
+      </p:sp>
+      <p:sp>
+        <p:nvSpPr>
+          <p:cNvPr id="47" name="Rectangle 46">
+            <a:extLst>
+              <a:ext uri="{FF2B5EF4-FFF2-40B4-BE49-F238E27FC236}">
+                <a16:creationId xmlns:a16="http://schemas.microsoft.com/office/drawing/2014/main" id="{9153B1E0-BFAC-284D-890F-A05DC7C0F36F}"/>
+              </a:ext>
+            </a:extLst>
+          </p:cNvPr>
+          <p:cNvSpPr/>
+          <p:nvPr/>
+        </p:nvSpPr>
+        <p:spPr>
+          <a:xfrm>
+            <a:off x="6113929" y="3021196"/>
+            <a:ext cx="116541" cy="116541"/>
+          </a:xfrm>
+          <a:prstGeom prst="rect">
+            <a:avLst/>
+          </a:prstGeom>
+          <a:solidFill>
+            <a:schemeClr val="accent4">
+              <a:lumMod val="60000"/>
+              <a:lumOff val="40000"/>
+            </a:schemeClr>
+          </a:solidFill>
+          <a:ln>
+            <a:solidFill>
+              <a:schemeClr val="accent4"/>
+            </a:solidFill>
+          </a:ln>
+        </p:spPr>
+        <p:style>
+          <a:lnRef idx="2">
+            <a:schemeClr val="accent1">
+              <a:shade val="50000"/>
+            </a:schemeClr>
+          </a:lnRef>
+          <a:fillRef idx="1">
+            <a:schemeClr val="accent1"/>
+          </a:fillRef>
+          <a:effectRef idx="0">
+            <a:schemeClr val="accent1"/>
+          </a:effectRef>
+          <a:fontRef idx="minor">
+            <a:schemeClr val="lt1"/>
+          </a:fontRef>
+        </p:style>
+        <p:txBody>
+          <a:bodyPr rtlCol="0" anchor="ctr"/>
+          <a:lstStyle/>
+          <a:p>
+            <a:pPr algn="ctr"/>
+            <a:endParaRPr lang="en-US"/>
+          </a:p>
+        </p:txBody>
+      </p:sp>
+      <p:sp>
+        <p:nvSpPr>
+          <p:cNvPr id="48" name="Rectangle 47">
+            <a:extLst>
+              <a:ext uri="{FF2B5EF4-FFF2-40B4-BE49-F238E27FC236}">
+                <a16:creationId xmlns:a16="http://schemas.microsoft.com/office/drawing/2014/main" id="{198FA2E2-3C45-4945-93CF-39D537F209B2}"/>
+              </a:ext>
+            </a:extLst>
+          </p:cNvPr>
+          <p:cNvSpPr/>
+          <p:nvPr/>
+        </p:nvSpPr>
+        <p:spPr>
+          <a:xfrm>
+            <a:off x="6266329" y="3173596"/>
+            <a:ext cx="116541" cy="116541"/>
+          </a:xfrm>
+          <a:prstGeom prst="rect">
+            <a:avLst/>
+          </a:prstGeom>
+          <a:solidFill>
+            <a:schemeClr val="accent4">
+              <a:lumMod val="60000"/>
+              <a:lumOff val="40000"/>
+            </a:schemeClr>
+          </a:solidFill>
+          <a:ln>
+            <a:solidFill>
+              <a:schemeClr val="accent4"/>
+            </a:solidFill>
+          </a:ln>
+        </p:spPr>
+        <p:style>
+          <a:lnRef idx="2">
+            <a:schemeClr val="accent1">
+              <a:shade val="50000"/>
+            </a:schemeClr>
+          </a:lnRef>
+          <a:fillRef idx="1">
+            <a:schemeClr val="accent1"/>
+          </a:fillRef>
+          <a:effectRef idx="0">
+            <a:schemeClr val="accent1"/>
+          </a:effectRef>
+          <a:fontRef idx="minor">
+            <a:schemeClr val="lt1"/>
+          </a:fontRef>
+        </p:style>
+        <p:txBody>
+          <a:bodyPr rtlCol="0" anchor="ctr"/>
+          <a:lstStyle/>
+          <a:p>
+            <a:pPr algn="ctr"/>
+            <a:endParaRPr lang="en-US"/>
+          </a:p>
+        </p:txBody>
+      </p:sp>
+      <p:sp>
+        <p:nvSpPr>
+          <p:cNvPr id="49" name="Rectangle 48">
+            <a:extLst>
+              <a:ext uri="{FF2B5EF4-FFF2-40B4-BE49-F238E27FC236}">
+                <a16:creationId xmlns:a16="http://schemas.microsoft.com/office/drawing/2014/main" id="{DF800A1E-CE4D-2E44-A66F-685CB0087FCA}"/>
+              </a:ext>
+            </a:extLst>
+          </p:cNvPr>
+          <p:cNvSpPr/>
+          <p:nvPr/>
+        </p:nvSpPr>
+        <p:spPr>
+          <a:xfrm>
+            <a:off x="6509322" y="3146423"/>
+            <a:ext cx="116541" cy="116541"/>
+          </a:xfrm>
+          <a:prstGeom prst="rect">
+            <a:avLst/>
+          </a:prstGeom>
+          <a:solidFill>
+            <a:schemeClr val="accent4">
+              <a:lumMod val="60000"/>
+              <a:lumOff val="40000"/>
+            </a:schemeClr>
+          </a:solidFill>
+          <a:ln>
+            <a:solidFill>
+              <a:schemeClr val="accent4"/>
+            </a:solidFill>
+          </a:ln>
+        </p:spPr>
+        <p:style>
+          <a:lnRef idx="2">
+            <a:schemeClr val="accent1">
+              <a:shade val="50000"/>
+            </a:schemeClr>
+          </a:lnRef>
+          <a:fillRef idx="1">
+            <a:schemeClr val="accent1"/>
+          </a:fillRef>
+          <a:effectRef idx="0">
+            <a:schemeClr val="accent1"/>
+          </a:effectRef>
+          <a:fontRef idx="minor">
+            <a:schemeClr val="lt1"/>
+          </a:fontRef>
+        </p:style>
+        <p:txBody>
+          <a:bodyPr rtlCol="0" anchor="ctr"/>
+          <a:lstStyle/>
+          <a:p>
+            <a:pPr algn="ctr"/>
+            <a:endParaRPr lang="en-US"/>
+          </a:p>
+        </p:txBody>
+      </p:sp>
+      <p:sp>
+        <p:nvSpPr>
+          <p:cNvPr id="50" name="Rectangle 49">
+            <a:extLst>
+              <a:ext uri="{FF2B5EF4-FFF2-40B4-BE49-F238E27FC236}">
+                <a16:creationId xmlns:a16="http://schemas.microsoft.com/office/drawing/2014/main" id="{D092E01E-1E59-FE42-86C9-8782BBCC45B0}"/>
+              </a:ext>
+            </a:extLst>
+          </p:cNvPr>
+          <p:cNvSpPr/>
+          <p:nvPr/>
+        </p:nvSpPr>
+        <p:spPr>
+          <a:xfrm>
+            <a:off x="6018839" y="3353832"/>
+            <a:ext cx="116541" cy="116541"/>
+          </a:xfrm>
+          <a:prstGeom prst="rect">
+            <a:avLst/>
+          </a:prstGeom>
+          <a:solidFill>
+            <a:schemeClr val="accent4">
+              <a:lumMod val="60000"/>
+              <a:lumOff val="40000"/>
+            </a:schemeClr>
+          </a:solidFill>
+          <a:ln>
+            <a:solidFill>
+              <a:schemeClr val="accent4"/>
+            </a:solidFill>
+          </a:ln>
+        </p:spPr>
+        <p:style>
+          <a:lnRef idx="2">
+            <a:schemeClr val="accent1">
+              <a:shade val="50000"/>
+            </a:schemeClr>
+          </a:lnRef>
+          <a:fillRef idx="1">
+            <a:schemeClr val="accent1"/>
+          </a:fillRef>
+          <a:effectRef idx="0">
+            <a:schemeClr val="accent1"/>
+          </a:effectRef>
+          <a:fontRef idx="minor">
+            <a:schemeClr val="lt1"/>
+          </a:fontRef>
+        </p:style>
+        <p:txBody>
+          <a:bodyPr rtlCol="0" anchor="ctr"/>
+          <a:lstStyle/>
+          <a:p>
+            <a:pPr algn="ctr"/>
+            <a:endParaRPr lang="en-US"/>
+          </a:p>
+        </p:txBody>
+      </p:sp>
+      <p:sp>
+        <p:nvSpPr>
+          <p:cNvPr id="51" name="Rectangle 50">
+            <a:extLst>
+              <a:ext uri="{FF2B5EF4-FFF2-40B4-BE49-F238E27FC236}">
+                <a16:creationId xmlns:a16="http://schemas.microsoft.com/office/drawing/2014/main" id="{A381E49F-73AE-BD4B-9321-89D3575BF04A}"/>
+              </a:ext>
+            </a:extLst>
+          </p:cNvPr>
+          <p:cNvSpPr/>
+          <p:nvPr/>
+        </p:nvSpPr>
+        <p:spPr>
+          <a:xfrm>
+            <a:off x="5979460" y="3693546"/>
+            <a:ext cx="116541" cy="116541"/>
+          </a:xfrm>
+          <a:prstGeom prst="rect">
+            <a:avLst/>
+          </a:prstGeom>
+          <a:solidFill>
+            <a:schemeClr val="accent4">
+              <a:lumMod val="60000"/>
+              <a:lumOff val="40000"/>
+            </a:schemeClr>
+          </a:solidFill>
+          <a:ln>
+            <a:solidFill>
+              <a:schemeClr val="accent4"/>
+            </a:solidFill>
+          </a:ln>
+        </p:spPr>
+        <p:style>
+          <a:lnRef idx="2">
+            <a:schemeClr val="accent1">
+              <a:shade val="50000"/>
+            </a:schemeClr>
+          </a:lnRef>
+          <a:fillRef idx="1">
+            <a:schemeClr val="accent1"/>
+          </a:fillRef>
+          <a:effectRef idx="0">
+            <a:schemeClr val="accent1"/>
+          </a:effectRef>
+          <a:fontRef idx="minor">
+            <a:schemeClr val="lt1"/>
+          </a:fontRef>
+        </p:style>
+        <p:txBody>
+          <a:bodyPr rtlCol="0" anchor="ctr"/>
+          <a:lstStyle/>
+          <a:p>
+            <a:pPr algn="ctr"/>
+            <a:endParaRPr lang="en-US"/>
+          </a:p>
+        </p:txBody>
+      </p:sp>
+      <p:sp>
+        <p:nvSpPr>
+          <p:cNvPr id="52" name="Rectangle 51">
+            <a:extLst>
+              <a:ext uri="{FF2B5EF4-FFF2-40B4-BE49-F238E27FC236}">
+                <a16:creationId xmlns:a16="http://schemas.microsoft.com/office/drawing/2014/main" id="{F721D8DC-48F6-9348-AEAC-2EAA00B4206A}"/>
+              </a:ext>
+            </a:extLst>
+          </p:cNvPr>
+          <p:cNvSpPr/>
+          <p:nvPr/>
+        </p:nvSpPr>
+        <p:spPr>
+          <a:xfrm>
+            <a:off x="6131860" y="3845946"/>
+            <a:ext cx="116541" cy="116541"/>
+          </a:xfrm>
+          <a:prstGeom prst="rect">
+            <a:avLst/>
+          </a:prstGeom>
+          <a:solidFill>
+            <a:schemeClr val="accent4">
+              <a:lumMod val="60000"/>
+              <a:lumOff val="40000"/>
+            </a:schemeClr>
+          </a:solidFill>
+          <a:ln>
+            <a:solidFill>
+              <a:schemeClr val="accent4"/>
+            </a:solidFill>
+          </a:ln>
+        </p:spPr>
+        <p:style>
+          <a:lnRef idx="2">
+            <a:schemeClr val="accent1">
+              <a:shade val="50000"/>
+            </a:schemeClr>
+          </a:lnRef>
+          <a:fillRef idx="1">
+            <a:schemeClr val="accent1"/>
+          </a:fillRef>
+          <a:effectRef idx="0">
+            <a:schemeClr val="accent1"/>
+          </a:effectRef>
+          <a:fontRef idx="minor">
+            <a:schemeClr val="lt1"/>
+          </a:fontRef>
+        </p:style>
+        <p:txBody>
+          <a:bodyPr rtlCol="0" anchor="ctr"/>
+          <a:lstStyle/>
+          <a:p>
+            <a:pPr algn="ctr"/>
+            <a:endParaRPr lang="en-US"/>
+          </a:p>
+        </p:txBody>
+      </p:sp>
+      <p:sp>
+        <p:nvSpPr>
+          <p:cNvPr id="53" name="Rectangle 52">
+            <a:extLst>
+              <a:ext uri="{FF2B5EF4-FFF2-40B4-BE49-F238E27FC236}">
+                <a16:creationId xmlns:a16="http://schemas.microsoft.com/office/drawing/2014/main" id="{0A837F8E-B2D9-BB43-82E9-95E428D4F98A}"/>
+              </a:ext>
+            </a:extLst>
+          </p:cNvPr>
+          <p:cNvSpPr/>
+          <p:nvPr/>
+        </p:nvSpPr>
+        <p:spPr>
+          <a:xfrm>
+            <a:off x="6284260" y="3998346"/>
+            <a:ext cx="116541" cy="116541"/>
+          </a:xfrm>
+          <a:prstGeom prst="rect">
+            <a:avLst/>
+          </a:prstGeom>
+          <a:solidFill>
+            <a:schemeClr val="accent4">
+              <a:lumMod val="60000"/>
+              <a:lumOff val="40000"/>
+            </a:schemeClr>
+          </a:solidFill>
+          <a:ln>
+            <a:solidFill>
+              <a:schemeClr val="accent4"/>
+            </a:solidFill>
+          </a:ln>
+        </p:spPr>
+        <p:style>
+          <a:lnRef idx="2">
+            <a:schemeClr val="accent1">
+              <a:shade val="50000"/>
+            </a:schemeClr>
+          </a:lnRef>
+          <a:fillRef idx="1">
+            <a:schemeClr val="accent1"/>
+          </a:fillRef>
+          <a:effectRef idx="0">
+            <a:schemeClr val="accent1"/>
+          </a:effectRef>
+          <a:fontRef idx="minor">
+            <a:schemeClr val="lt1"/>
+          </a:fontRef>
+        </p:style>
+        <p:txBody>
+          <a:bodyPr rtlCol="0" anchor="ctr"/>
+          <a:lstStyle/>
+          <a:p>
+            <a:pPr algn="ctr"/>
+            <a:endParaRPr lang="en-US"/>
+          </a:p>
+        </p:txBody>
+      </p:sp>
+      <p:sp>
+        <p:nvSpPr>
+          <p:cNvPr id="54" name="Rectangle 53">
+            <a:extLst>
+              <a:ext uri="{FF2B5EF4-FFF2-40B4-BE49-F238E27FC236}">
+                <a16:creationId xmlns:a16="http://schemas.microsoft.com/office/drawing/2014/main" id="{0EB40AE0-D766-E045-AC16-BB59344F6B91}"/>
+              </a:ext>
+            </a:extLst>
+          </p:cNvPr>
+          <p:cNvSpPr/>
+          <p:nvPr/>
+        </p:nvSpPr>
+        <p:spPr>
+          <a:xfrm>
+            <a:off x="6527253" y="3971173"/>
+            <a:ext cx="116541" cy="116541"/>
+          </a:xfrm>
+          <a:prstGeom prst="rect">
+            <a:avLst/>
+          </a:prstGeom>
+          <a:solidFill>
+            <a:schemeClr val="accent4">
+              <a:lumMod val="60000"/>
+              <a:lumOff val="40000"/>
+            </a:schemeClr>
+          </a:solidFill>
+          <a:ln>
+            <a:solidFill>
+              <a:schemeClr val="accent4"/>
+            </a:solidFill>
+          </a:ln>
+        </p:spPr>
+        <p:style>
+          <a:lnRef idx="2">
+            <a:schemeClr val="accent1">
+              <a:shade val="50000"/>
+            </a:schemeClr>
+          </a:lnRef>
+          <a:fillRef idx="1">
+            <a:schemeClr val="accent1"/>
+          </a:fillRef>
+          <a:effectRef idx="0">
+            <a:schemeClr val="accent1"/>
+          </a:effectRef>
+          <a:fontRef idx="minor">
+            <a:schemeClr val="lt1"/>
+          </a:fontRef>
+        </p:style>
+        <p:txBody>
+          <a:bodyPr rtlCol="0" anchor="ctr"/>
+          <a:lstStyle/>
+          <a:p>
+            <a:pPr algn="ctr"/>
+            <a:endParaRPr lang="en-US"/>
+          </a:p>
+        </p:txBody>
+      </p:sp>
+      <p:sp>
+        <p:nvSpPr>
+          <p:cNvPr id="55" name="Rectangle 54">
+            <a:extLst>
+              <a:ext uri="{FF2B5EF4-FFF2-40B4-BE49-F238E27FC236}">
+                <a16:creationId xmlns:a16="http://schemas.microsoft.com/office/drawing/2014/main" id="{0E0320A3-7DA8-6044-89A9-12F7F5C7B3B2}"/>
+              </a:ext>
+            </a:extLst>
+          </p:cNvPr>
+          <p:cNvSpPr/>
+          <p:nvPr/>
+        </p:nvSpPr>
+        <p:spPr>
+          <a:xfrm>
+            <a:off x="6036770" y="4178582"/>
+            <a:ext cx="116541" cy="116541"/>
+          </a:xfrm>
+          <a:prstGeom prst="rect">
+            <a:avLst/>
+          </a:prstGeom>
+          <a:solidFill>
+            <a:schemeClr val="accent4">
+              <a:lumMod val="60000"/>
+              <a:lumOff val="40000"/>
+            </a:schemeClr>
+          </a:solidFill>
+          <a:ln>
+            <a:solidFill>
+              <a:schemeClr val="accent4"/>
+            </a:solidFill>
+          </a:ln>
+        </p:spPr>
+        <p:style>
+          <a:lnRef idx="2">
+            <a:schemeClr val="accent1">
+              <a:shade val="50000"/>
+            </a:schemeClr>
+          </a:lnRef>
+          <a:fillRef idx="1">
+            <a:schemeClr val="accent1"/>
+          </a:fillRef>
+          <a:effectRef idx="0">
+            <a:schemeClr val="accent1"/>
+          </a:effectRef>
+          <a:fontRef idx="minor">
+            <a:schemeClr val="lt1"/>
+          </a:fontRef>
+        </p:style>
+        <p:txBody>
+          <a:bodyPr rtlCol="0" anchor="ctr"/>
+          <a:lstStyle/>
+          <a:p>
+            <a:pPr algn="ctr"/>
+            <a:endParaRPr lang="en-US"/>
+          </a:p>
+        </p:txBody>
+      </p:sp>
+      <p:sp>
+        <p:nvSpPr>
+          <p:cNvPr id="56" name="Rectangle 55">
+            <a:extLst>
+              <a:ext uri="{FF2B5EF4-FFF2-40B4-BE49-F238E27FC236}">
+                <a16:creationId xmlns:a16="http://schemas.microsoft.com/office/drawing/2014/main" id="{C884AEC8-117B-4B4A-BA27-5F750B0A3B80}"/>
+              </a:ext>
+            </a:extLst>
+          </p:cNvPr>
+          <p:cNvSpPr/>
+          <p:nvPr/>
+        </p:nvSpPr>
+        <p:spPr>
+          <a:xfrm>
+            <a:off x="6373906" y="3263245"/>
+            <a:ext cx="116541" cy="116541"/>
+          </a:xfrm>
+          <a:prstGeom prst="rect">
+            <a:avLst/>
+          </a:prstGeom>
+          <a:solidFill>
+            <a:schemeClr val="accent4">
+              <a:lumMod val="60000"/>
+              <a:lumOff val="40000"/>
+            </a:schemeClr>
+          </a:solidFill>
+          <a:ln>
+            <a:solidFill>
+              <a:schemeClr val="accent4"/>
+            </a:solidFill>
+          </a:ln>
+        </p:spPr>
+        <p:style>
+          <a:lnRef idx="2">
+            <a:schemeClr val="accent1">
+              <a:shade val="50000"/>
+            </a:schemeClr>
+          </a:lnRef>
+          <a:fillRef idx="1">
+            <a:schemeClr val="accent1"/>
+          </a:fillRef>
+          <a:effectRef idx="0">
+            <a:schemeClr val="accent1"/>
+          </a:effectRef>
+          <a:fontRef idx="minor">
+            <a:schemeClr val="lt1"/>
+          </a:fontRef>
+        </p:style>
+        <p:txBody>
+          <a:bodyPr rtlCol="0" anchor="ctr"/>
+          <a:lstStyle/>
+          <a:p>
+            <a:pPr algn="ctr"/>
+            <a:endParaRPr lang="en-US"/>
+          </a:p>
+        </p:txBody>
+      </p:sp>
+      <p:sp>
+        <p:nvSpPr>
+          <p:cNvPr id="57" name="Rectangle 56">
+            <a:extLst>
+              <a:ext uri="{FF2B5EF4-FFF2-40B4-BE49-F238E27FC236}">
+                <a16:creationId xmlns:a16="http://schemas.microsoft.com/office/drawing/2014/main" id="{ECC33526-2F96-0A42-84B8-5FC59EBA6EBC}"/>
+              </a:ext>
+            </a:extLst>
+          </p:cNvPr>
+          <p:cNvSpPr/>
+          <p:nvPr/>
+        </p:nvSpPr>
+        <p:spPr>
+          <a:xfrm>
+            <a:off x="6526306" y="3415645"/>
+            <a:ext cx="116541" cy="116541"/>
+          </a:xfrm>
+          <a:prstGeom prst="rect">
+            <a:avLst/>
+          </a:prstGeom>
+          <a:solidFill>
+            <a:schemeClr val="accent4">
+              <a:lumMod val="60000"/>
+              <a:lumOff val="40000"/>
+            </a:schemeClr>
+          </a:solidFill>
+          <a:ln>
+            <a:solidFill>
+              <a:schemeClr val="accent4"/>
+            </a:solidFill>
+          </a:ln>
+        </p:spPr>
+        <p:style>
+          <a:lnRef idx="2">
+            <a:schemeClr val="accent1">
+              <a:shade val="50000"/>
+            </a:schemeClr>
+          </a:lnRef>
+          <a:fillRef idx="1">
+            <a:schemeClr val="accent1"/>
+          </a:fillRef>
+          <a:effectRef idx="0">
+            <a:schemeClr val="accent1"/>
+          </a:effectRef>
+          <a:fontRef idx="minor">
+            <a:schemeClr val="lt1"/>
+          </a:fontRef>
+        </p:style>
+        <p:txBody>
+          <a:bodyPr rtlCol="0" anchor="ctr"/>
+          <a:lstStyle/>
+          <a:p>
+            <a:pPr algn="ctr"/>
+            <a:endParaRPr lang="en-US"/>
+          </a:p>
+        </p:txBody>
+      </p:sp>
+      <p:sp>
+        <p:nvSpPr>
+          <p:cNvPr id="58" name="Rectangle 57">
+            <a:extLst>
+              <a:ext uri="{FF2B5EF4-FFF2-40B4-BE49-F238E27FC236}">
+                <a16:creationId xmlns:a16="http://schemas.microsoft.com/office/drawing/2014/main" id="{2826E78B-331C-F042-A4B7-901FC44891F7}"/>
+              </a:ext>
+            </a:extLst>
+          </p:cNvPr>
+          <p:cNvSpPr/>
+          <p:nvPr/>
+        </p:nvSpPr>
+        <p:spPr>
+          <a:xfrm>
+            <a:off x="6678706" y="3568045"/>
+            <a:ext cx="116541" cy="116541"/>
+          </a:xfrm>
+          <a:prstGeom prst="rect">
+            <a:avLst/>
+          </a:prstGeom>
+          <a:solidFill>
+            <a:schemeClr val="accent4">
+              <a:lumMod val="60000"/>
+              <a:lumOff val="40000"/>
+            </a:schemeClr>
+          </a:solidFill>
+          <a:ln>
+            <a:solidFill>
+              <a:schemeClr val="accent4"/>
+            </a:solidFill>
+          </a:ln>
+        </p:spPr>
+        <p:style>
+          <a:lnRef idx="2">
+            <a:schemeClr val="accent1">
+              <a:shade val="50000"/>
+            </a:schemeClr>
+          </a:lnRef>
+          <a:fillRef idx="1">
+            <a:schemeClr val="accent1"/>
+          </a:fillRef>
+          <a:effectRef idx="0">
+            <a:schemeClr val="accent1"/>
+          </a:effectRef>
+          <a:fontRef idx="minor">
+            <a:schemeClr val="lt1"/>
+          </a:fontRef>
+        </p:style>
+        <p:txBody>
+          <a:bodyPr rtlCol="0" anchor="ctr"/>
+          <a:lstStyle/>
+          <a:p>
+            <a:pPr algn="ctr"/>
+            <a:endParaRPr lang="en-US"/>
+          </a:p>
+        </p:txBody>
+      </p:sp>
+      <p:sp>
+        <p:nvSpPr>
+          <p:cNvPr id="59" name="Rectangle 58">
+            <a:extLst>
+              <a:ext uri="{FF2B5EF4-FFF2-40B4-BE49-F238E27FC236}">
+                <a16:creationId xmlns:a16="http://schemas.microsoft.com/office/drawing/2014/main" id="{DCD28C4B-115C-804D-8784-8926177ADAB0}"/>
+              </a:ext>
+            </a:extLst>
+          </p:cNvPr>
+          <p:cNvSpPr/>
+          <p:nvPr/>
+        </p:nvSpPr>
+        <p:spPr>
+          <a:xfrm>
+            <a:off x="6921699" y="3540872"/>
+            <a:ext cx="116541" cy="116541"/>
+          </a:xfrm>
+          <a:prstGeom prst="rect">
+            <a:avLst/>
+          </a:prstGeom>
+          <a:solidFill>
+            <a:schemeClr val="accent4">
+              <a:lumMod val="60000"/>
+              <a:lumOff val="40000"/>
+            </a:schemeClr>
+          </a:solidFill>
+          <a:ln>
+            <a:solidFill>
+              <a:schemeClr val="accent4"/>
+            </a:solidFill>
+          </a:ln>
+        </p:spPr>
+        <p:style>
+          <a:lnRef idx="2">
+            <a:schemeClr val="accent1">
+              <a:shade val="50000"/>
+            </a:schemeClr>
+          </a:lnRef>
+          <a:fillRef idx="1">
+            <a:schemeClr val="accent1"/>
+          </a:fillRef>
+          <a:effectRef idx="0">
+            <a:schemeClr val="accent1"/>
+          </a:effectRef>
+          <a:fontRef idx="minor">
+            <a:schemeClr val="lt1"/>
+          </a:fontRef>
+        </p:style>
+        <p:txBody>
+          <a:bodyPr rtlCol="0" anchor="ctr"/>
+          <a:lstStyle/>
+          <a:p>
+            <a:pPr algn="ctr"/>
+            <a:endParaRPr lang="en-US"/>
+          </a:p>
+        </p:txBody>
+      </p:sp>
+      <p:sp>
+        <p:nvSpPr>
+          <p:cNvPr id="60" name="Rectangle 59">
+            <a:extLst>
+              <a:ext uri="{FF2B5EF4-FFF2-40B4-BE49-F238E27FC236}">
+                <a16:creationId xmlns:a16="http://schemas.microsoft.com/office/drawing/2014/main" id="{4C00BF01-8B5D-C446-BDD4-FD875701116F}"/>
+              </a:ext>
+            </a:extLst>
+          </p:cNvPr>
+          <p:cNvSpPr/>
+          <p:nvPr/>
+        </p:nvSpPr>
+        <p:spPr>
+          <a:xfrm>
+            <a:off x="6431216" y="3748281"/>
+            <a:ext cx="116541" cy="116541"/>
+          </a:xfrm>
+          <a:prstGeom prst="rect">
+            <a:avLst/>
+          </a:prstGeom>
+          <a:solidFill>
+            <a:schemeClr val="accent4">
+              <a:lumMod val="60000"/>
+              <a:lumOff val="40000"/>
+            </a:schemeClr>
+          </a:solidFill>
+          <a:ln>
+            <a:solidFill>
+              <a:schemeClr val="accent4"/>
+            </a:solidFill>
+          </a:ln>
+        </p:spPr>
+        <p:style>
+          <a:lnRef idx="2">
+            <a:schemeClr val="accent1">
+              <a:shade val="50000"/>
+            </a:schemeClr>
+          </a:lnRef>
+          <a:fillRef idx="1">
+            <a:schemeClr val="accent1"/>
+          </a:fillRef>
+          <a:effectRef idx="0">
+            <a:schemeClr val="accent1"/>
+          </a:effectRef>
+          <a:fontRef idx="minor">
+            <a:schemeClr val="lt1"/>
+          </a:fontRef>
+        </p:style>
+        <p:txBody>
+          <a:bodyPr rtlCol="0" anchor="ctr"/>
+          <a:lstStyle/>
+          <a:p>
+            <a:pPr algn="ctr"/>
+            <a:endParaRPr lang="en-US"/>
+          </a:p>
+        </p:txBody>
+      </p:sp>
+      <p:sp>
+        <p:nvSpPr>
+          <p:cNvPr id="61" name="Rectangle 60">
+            <a:extLst>
+              <a:ext uri="{FF2B5EF4-FFF2-40B4-BE49-F238E27FC236}">
+                <a16:creationId xmlns:a16="http://schemas.microsoft.com/office/drawing/2014/main" id="{51007772-B5B1-3D44-A554-71F9CC253706}"/>
+              </a:ext>
+            </a:extLst>
+          </p:cNvPr>
+          <p:cNvSpPr/>
+          <p:nvPr/>
+        </p:nvSpPr>
+        <p:spPr>
+          <a:xfrm>
+            <a:off x="5943603" y="2061979"/>
+            <a:ext cx="116541" cy="116541"/>
+          </a:xfrm>
+          <a:prstGeom prst="rect">
+            <a:avLst/>
+          </a:prstGeom>
+          <a:solidFill>
+            <a:schemeClr val="accent4">
+              <a:lumMod val="60000"/>
+              <a:lumOff val="40000"/>
+            </a:schemeClr>
+          </a:solidFill>
+          <a:ln>
+            <a:solidFill>
+              <a:schemeClr val="accent4"/>
+            </a:solidFill>
+          </a:ln>
+        </p:spPr>
+        <p:style>
+          <a:lnRef idx="2">
+            <a:schemeClr val="accent1">
+              <a:shade val="50000"/>
+            </a:schemeClr>
+          </a:lnRef>
+          <a:fillRef idx="1">
+            <a:schemeClr val="accent1"/>
+          </a:fillRef>
+          <a:effectRef idx="0">
+            <a:schemeClr val="accent1"/>
+          </a:effectRef>
+          <a:fontRef idx="minor">
+            <a:schemeClr val="lt1"/>
+          </a:fontRef>
+        </p:style>
+        <p:txBody>
+          <a:bodyPr rtlCol="0" anchor="ctr"/>
+          <a:lstStyle/>
+          <a:p>
+            <a:pPr algn="ctr"/>
+            <a:endParaRPr lang="en-US"/>
+          </a:p>
+        </p:txBody>
+      </p:sp>
+      <p:sp>
+        <p:nvSpPr>
+          <p:cNvPr id="62" name="Rectangle 61">
+            <a:extLst>
+              <a:ext uri="{FF2B5EF4-FFF2-40B4-BE49-F238E27FC236}">
+                <a16:creationId xmlns:a16="http://schemas.microsoft.com/office/drawing/2014/main" id="{E6C65626-1E3D-8B46-82AF-03D75859058C}"/>
+              </a:ext>
+            </a:extLst>
+          </p:cNvPr>
+          <p:cNvSpPr/>
+          <p:nvPr/>
+        </p:nvSpPr>
+        <p:spPr>
+          <a:xfrm>
+            <a:off x="6096003" y="2214379"/>
+            <a:ext cx="116541" cy="116541"/>
+          </a:xfrm>
+          <a:prstGeom prst="rect">
+            <a:avLst/>
+          </a:prstGeom>
+          <a:solidFill>
+            <a:schemeClr val="accent4">
+              <a:lumMod val="60000"/>
+              <a:lumOff val="40000"/>
+            </a:schemeClr>
+          </a:solidFill>
+          <a:ln>
+            <a:solidFill>
+              <a:schemeClr val="accent4"/>
+            </a:solidFill>
+          </a:ln>
+        </p:spPr>
+        <p:style>
+          <a:lnRef idx="2">
+            <a:schemeClr val="accent1">
+              <a:shade val="50000"/>
+            </a:schemeClr>
+          </a:lnRef>
+          <a:fillRef idx="1">
+            <a:schemeClr val="accent1"/>
+          </a:fillRef>
+          <a:effectRef idx="0">
+            <a:schemeClr val="accent1"/>
+          </a:effectRef>
+          <a:fontRef idx="minor">
+            <a:schemeClr val="lt1"/>
+          </a:fontRef>
+        </p:style>
+        <p:txBody>
+          <a:bodyPr rtlCol="0" anchor="ctr"/>
+          <a:lstStyle/>
+          <a:p>
+            <a:pPr algn="ctr"/>
+            <a:endParaRPr lang="en-US"/>
+          </a:p>
+        </p:txBody>
+      </p:sp>
+      <p:sp>
+        <p:nvSpPr>
+          <p:cNvPr id="63" name="Rectangle 62">
+            <a:extLst>
+              <a:ext uri="{FF2B5EF4-FFF2-40B4-BE49-F238E27FC236}">
+                <a16:creationId xmlns:a16="http://schemas.microsoft.com/office/drawing/2014/main" id="{F26CF888-64D6-964C-9289-ADEB7A8B5112}"/>
+              </a:ext>
+            </a:extLst>
+          </p:cNvPr>
+          <p:cNvSpPr/>
+          <p:nvPr/>
+        </p:nvSpPr>
+        <p:spPr>
+          <a:xfrm>
+            <a:off x="6248403" y="2366779"/>
+            <a:ext cx="116541" cy="116541"/>
+          </a:xfrm>
+          <a:prstGeom prst="rect">
+            <a:avLst/>
+          </a:prstGeom>
+          <a:solidFill>
+            <a:schemeClr val="accent4">
+              <a:lumMod val="60000"/>
+              <a:lumOff val="40000"/>
+            </a:schemeClr>
+          </a:solidFill>
+          <a:ln>
+            <a:solidFill>
+              <a:schemeClr val="accent4"/>
+            </a:solidFill>
+          </a:ln>
+        </p:spPr>
+        <p:style>
+          <a:lnRef idx="2">
+            <a:schemeClr val="accent1">
+              <a:shade val="50000"/>
+            </a:schemeClr>
+          </a:lnRef>
+          <a:fillRef idx="1">
+            <a:schemeClr val="accent1"/>
+          </a:fillRef>
+          <a:effectRef idx="0">
+            <a:schemeClr val="accent1"/>
+          </a:effectRef>
+          <a:fontRef idx="minor">
+            <a:schemeClr val="lt1"/>
+          </a:fontRef>
+        </p:style>
+        <p:txBody>
+          <a:bodyPr rtlCol="0" anchor="ctr"/>
+          <a:lstStyle/>
+          <a:p>
+            <a:pPr algn="ctr"/>
+            <a:endParaRPr lang="en-US"/>
+          </a:p>
+        </p:txBody>
+      </p:sp>
+      <p:sp>
+        <p:nvSpPr>
+          <p:cNvPr id="64" name="Rectangle 63">
+            <a:extLst>
+              <a:ext uri="{FF2B5EF4-FFF2-40B4-BE49-F238E27FC236}">
+                <a16:creationId xmlns:a16="http://schemas.microsoft.com/office/drawing/2014/main" id="{F0D5ABA4-D47C-1641-B69C-067B529B7DD7}"/>
+              </a:ext>
+            </a:extLst>
+          </p:cNvPr>
+          <p:cNvSpPr/>
+          <p:nvPr/>
+        </p:nvSpPr>
+        <p:spPr>
+          <a:xfrm>
+            <a:off x="6491396" y="2339606"/>
+            <a:ext cx="116541" cy="116541"/>
+          </a:xfrm>
+          <a:prstGeom prst="rect">
+            <a:avLst/>
+          </a:prstGeom>
+          <a:solidFill>
+            <a:schemeClr val="accent4">
+              <a:lumMod val="60000"/>
+              <a:lumOff val="40000"/>
+            </a:schemeClr>
+          </a:solidFill>
+          <a:ln>
+            <a:solidFill>
+              <a:schemeClr val="accent4"/>
+            </a:solidFill>
+          </a:ln>
+        </p:spPr>
+        <p:style>
+          <a:lnRef idx="2">
+            <a:schemeClr val="accent1">
+              <a:shade val="50000"/>
+            </a:schemeClr>
+          </a:lnRef>
+          <a:fillRef idx="1">
+            <a:schemeClr val="accent1"/>
+          </a:fillRef>
+          <a:effectRef idx="0">
+            <a:schemeClr val="accent1"/>
+          </a:effectRef>
+          <a:fontRef idx="minor">
+            <a:schemeClr val="lt1"/>
+          </a:fontRef>
+        </p:style>
+        <p:txBody>
+          <a:bodyPr rtlCol="0" anchor="ctr"/>
+          <a:lstStyle/>
+          <a:p>
+            <a:pPr algn="ctr"/>
+            <a:endParaRPr lang="en-US"/>
+          </a:p>
+        </p:txBody>
+      </p:sp>
+      <p:sp>
+        <p:nvSpPr>
+          <p:cNvPr id="65" name="Rectangle 64">
+            <a:extLst>
+              <a:ext uri="{FF2B5EF4-FFF2-40B4-BE49-F238E27FC236}">
+                <a16:creationId xmlns:a16="http://schemas.microsoft.com/office/drawing/2014/main" id="{7B349DC4-7C98-7E46-AD0D-7DD99FB9C444}"/>
+              </a:ext>
+            </a:extLst>
+          </p:cNvPr>
+          <p:cNvSpPr/>
+          <p:nvPr/>
+        </p:nvSpPr>
+        <p:spPr>
+          <a:xfrm>
+            <a:off x="6000913" y="2547015"/>
+            <a:ext cx="116541" cy="116541"/>
+          </a:xfrm>
+          <a:prstGeom prst="rect">
+            <a:avLst/>
+          </a:prstGeom>
+          <a:solidFill>
+            <a:schemeClr val="accent4">
+              <a:lumMod val="60000"/>
+              <a:lumOff val="40000"/>
+            </a:schemeClr>
+          </a:solidFill>
+          <a:ln>
+            <a:solidFill>
+              <a:schemeClr val="accent4"/>
+            </a:solidFill>
+          </a:ln>
+        </p:spPr>
+        <p:style>
+          <a:lnRef idx="2">
+            <a:schemeClr val="accent1">
+              <a:shade val="50000"/>
+            </a:schemeClr>
+          </a:lnRef>
+          <a:fillRef idx="1">
+            <a:schemeClr val="accent1"/>
+          </a:fillRef>
+          <a:effectRef idx="0">
+            <a:schemeClr val="accent1"/>
+          </a:effectRef>
+          <a:fontRef idx="minor">
+            <a:schemeClr val="lt1"/>
+          </a:fontRef>
+        </p:style>
+        <p:txBody>
+          <a:bodyPr rtlCol="0" anchor="ctr"/>
+          <a:lstStyle/>
+          <a:p>
+            <a:pPr algn="ctr"/>
+            <a:endParaRPr lang="en-US"/>
+          </a:p>
+        </p:txBody>
+      </p:sp>
+      <p:sp>
+        <p:nvSpPr>
+          <p:cNvPr id="70" name="TextBox 69">
+            <a:extLst>
+              <a:ext uri="{FF2B5EF4-FFF2-40B4-BE49-F238E27FC236}">
+                <a16:creationId xmlns:a16="http://schemas.microsoft.com/office/drawing/2014/main" id="{CF0E41A2-EE25-AE44-9CFE-F259A83E4D88}"/>
+              </a:ext>
+            </a:extLst>
+          </p:cNvPr>
+          <p:cNvSpPr txBox="1"/>
+          <p:nvPr/>
+        </p:nvSpPr>
+        <p:spPr>
+          <a:xfrm>
+            <a:off x="5078978" y="4466309"/>
+            <a:ext cx="362600" cy="369332"/>
+          </a:xfrm>
+          <a:prstGeom prst="rect">
+            <a:avLst/>
+          </a:prstGeom>
+          <a:noFill/>
+        </p:spPr>
+        <p:txBody>
+          <a:bodyPr wrap="none" rtlCol="0">
+            <a:spAutoFit/>
+          </a:bodyPr>
+          <a:lstStyle/>
+          <a:p>
+            <a:r>
+              <a:rPr lang="en-US" dirty="0"/>
+              <a:t>m</a:t>
+            </a:r>
+          </a:p>
+        </p:txBody>
+      </p:sp>
+      <p:sp>
+        <p:nvSpPr>
+          <p:cNvPr id="71" name="TextBox 70">
+            <a:extLst>
+              <a:ext uri="{FF2B5EF4-FFF2-40B4-BE49-F238E27FC236}">
+                <a16:creationId xmlns:a16="http://schemas.microsoft.com/office/drawing/2014/main" id="{82D016C9-2EC8-1047-9F9C-706B12445A74}"/>
+              </a:ext>
+            </a:extLst>
+          </p:cNvPr>
+          <p:cNvSpPr txBox="1"/>
+          <p:nvPr/>
+        </p:nvSpPr>
+        <p:spPr>
+          <a:xfrm>
+            <a:off x="6163706" y="4494547"/>
+            <a:ext cx="301686" cy="369332"/>
+          </a:xfrm>
+          <a:prstGeom prst="rect">
+            <a:avLst/>
+          </a:prstGeom>
+          <a:noFill/>
+        </p:spPr>
+        <p:txBody>
+          <a:bodyPr wrap="none" rtlCol="0">
+            <a:spAutoFit/>
+          </a:bodyPr>
+          <a:lstStyle/>
+          <a:p>
+            <a:r>
+              <a:rPr lang="en-US" dirty="0"/>
+              <a:t>n</a:t>
+            </a:r>
+          </a:p>
+        </p:txBody>
+      </p:sp>
+      <p:cxnSp>
+        <p:nvCxnSpPr>
+          <p:cNvPr id="3" name="Straight Connector 2">
+            <a:extLst>
+              <a:ext uri="{FF2B5EF4-FFF2-40B4-BE49-F238E27FC236}">
+                <a16:creationId xmlns:a16="http://schemas.microsoft.com/office/drawing/2014/main" id="{F12B32BB-C78D-EC42-BEDC-EFF29BD527B1}"/>
+              </a:ext>
+            </a:extLst>
+          </p:cNvPr>
+          <p:cNvCxnSpPr/>
+          <p:nvPr/>
+        </p:nvCxnSpPr>
+        <p:spPr>
+          <a:xfrm flipH="1" flipV="1">
+            <a:off x="5145741" y="2214379"/>
+            <a:ext cx="716001" cy="959217"/>
+          </a:xfrm>
+          <a:prstGeom prst="line">
+            <a:avLst/>
+          </a:prstGeom>
+        </p:spPr>
+        <p:style>
+          <a:lnRef idx="1">
+            <a:schemeClr val="accent1"/>
+          </a:lnRef>
+          <a:fillRef idx="0">
+            <a:schemeClr val="accent1"/>
+          </a:fillRef>
+          <a:effectRef idx="0">
+            <a:schemeClr val="accent1"/>
+          </a:effectRef>
+          <a:fontRef idx="minor">
+            <a:schemeClr val="tx1"/>
+          </a:fontRef>
+        </p:style>
+      </p:cxnSp>
+      <p:cxnSp>
+        <p:nvCxnSpPr>
+          <p:cNvPr id="7" name="Straight Connector 6">
+            <a:extLst>
+              <a:ext uri="{FF2B5EF4-FFF2-40B4-BE49-F238E27FC236}">
+                <a16:creationId xmlns:a16="http://schemas.microsoft.com/office/drawing/2014/main" id="{3FC8E0A6-2966-304E-A668-25DE006A4E5B}"/>
+              </a:ext>
+            </a:extLst>
+          </p:cNvPr>
+          <p:cNvCxnSpPr>
+            <a:cxnSpLocks/>
+          </p:cNvCxnSpPr>
+          <p:nvPr/>
+        </p:nvCxnSpPr>
+        <p:spPr>
+          <a:xfrm flipV="1">
+            <a:off x="5869237" y="2061979"/>
+            <a:ext cx="486739" cy="1111617"/>
+          </a:xfrm>
+          <a:prstGeom prst="line">
+            <a:avLst/>
+          </a:prstGeom>
+        </p:spPr>
+        <p:style>
+          <a:lnRef idx="1">
+            <a:schemeClr val="accent1"/>
+          </a:lnRef>
+          <a:fillRef idx="0">
+            <a:schemeClr val="accent1"/>
+          </a:fillRef>
+          <a:effectRef idx="0">
+            <a:schemeClr val="accent1"/>
+          </a:effectRef>
+          <a:fontRef idx="minor">
+            <a:schemeClr val="tx1"/>
+          </a:fontRef>
+        </p:style>
+      </p:cxnSp>
+      <p:sp>
+        <p:nvSpPr>
+          <p:cNvPr id="66" name="TextBox 65">
+            <a:extLst>
+              <a:ext uri="{FF2B5EF4-FFF2-40B4-BE49-F238E27FC236}">
+                <a16:creationId xmlns:a16="http://schemas.microsoft.com/office/drawing/2014/main" id="{384D6CEC-C58A-E44D-A1A3-9C794F08312C}"/>
+              </a:ext>
+            </a:extLst>
+          </p:cNvPr>
+          <p:cNvSpPr txBox="1"/>
+          <p:nvPr/>
+        </p:nvSpPr>
+        <p:spPr>
+          <a:xfrm>
+            <a:off x="3956204" y="1497328"/>
+            <a:ext cx="1500539" cy="369332"/>
+          </a:xfrm>
+          <a:prstGeom prst="rect">
+            <a:avLst/>
+          </a:prstGeom>
+          <a:noFill/>
+        </p:spPr>
+        <p:txBody>
+          <a:bodyPr wrap="none" rtlCol="0">
+            <a:spAutoFit/>
+          </a:bodyPr>
+          <a:lstStyle/>
+          <a:p>
+            <a:r>
+              <a:rPr lang="en-US" dirty="0"/>
+              <a:t>30% graduates</a:t>
+            </a:r>
+          </a:p>
+        </p:txBody>
+      </p:sp>
+      <p:sp>
+        <p:nvSpPr>
+          <p:cNvPr id="67" name="TextBox 66">
+            <a:extLst>
+              <a:ext uri="{FF2B5EF4-FFF2-40B4-BE49-F238E27FC236}">
+                <a16:creationId xmlns:a16="http://schemas.microsoft.com/office/drawing/2014/main" id="{CB72BCB7-0815-3348-B564-27862E958781}"/>
+              </a:ext>
+            </a:extLst>
+          </p:cNvPr>
+          <p:cNvSpPr txBox="1"/>
+          <p:nvPr/>
+        </p:nvSpPr>
+        <p:spPr>
+          <a:xfrm>
+            <a:off x="6158517" y="1545813"/>
+            <a:ext cx="1500539" cy="369332"/>
+          </a:xfrm>
+          <a:prstGeom prst="rect">
+            <a:avLst/>
+          </a:prstGeom>
+          <a:noFill/>
+        </p:spPr>
+        <p:txBody>
+          <a:bodyPr wrap="none" rtlCol="0">
+            <a:spAutoFit/>
+          </a:bodyPr>
+          <a:lstStyle/>
+          <a:p>
+            <a:r>
+              <a:rPr lang="en-US" dirty="0"/>
+              <a:t>15% graduates</a:t>
+            </a:r>
+          </a:p>
+        </p:txBody>
+      </p:sp>
+    </p:spTree>
+    <p:extLst>
+      <p:ext uri="{BB962C8B-B14F-4D97-AF65-F5344CB8AC3E}">
+        <p14:creationId xmlns:p14="http://schemas.microsoft.com/office/powerpoint/2010/main" val="2028820459"/>
+      </p:ext>
+    </p:extLst>
+  </p:cSld>
+  <p:clrMapOvr>
+    <a:masterClrMapping/>
+  </p:clrMapOvr>
+</p:sld>
+</file>
+
+<file path=ppt/slides/slide8.xml><?xml version="1.0" encoding="utf-8"?>
+<p:sld xmlns:a="http://schemas.openxmlformats.org/drawingml/2006/main" xmlns:r="http://schemas.openxmlformats.org/officeDocument/2006/relationships" xmlns:p="http://schemas.openxmlformats.org/presentationml/2006/main">
+  <p:cSld>
+    <p:spTree>
+      <p:nvGrpSpPr>
+        <p:cNvPr id="1" name=""/>
+        <p:cNvGrpSpPr/>
+        <p:nvPr/>
+      </p:nvGrpSpPr>
+      <p:grpSpPr>
+        <a:xfrm>
+          <a:off x="0" y="0"/>
+          <a:ext cx="0" cy="0"/>
+          <a:chOff x="0" y="0"/>
+          <a:chExt cx="0" cy="0"/>
+        </a:xfrm>
+      </p:grpSpPr>
+      <p:sp>
+        <p:nvSpPr>
+          <p:cNvPr id="4" name="Footer Placeholder 3">
+            <a:extLst>
+              <a:ext uri="{FF2B5EF4-FFF2-40B4-BE49-F238E27FC236}">
+                <a16:creationId xmlns:a16="http://schemas.microsoft.com/office/drawing/2014/main" id="{23F79836-748B-9B46-B254-A5DBAA28185C}"/>
+              </a:ext>
+            </a:extLst>
+          </p:cNvPr>
+          <p:cNvSpPr>
+            <a:spLocks noGrp="1"/>
+          </p:cNvSpPr>
+          <p:nvPr>
+            <p:ph type="ftr" sz="quarter" idx="11"/>
+          </p:nvPr>
+        </p:nvSpPr>
+        <p:spPr/>
+        <p:txBody>
+          <a:bodyPr/>
+          <a:lstStyle/>
+          <a:p>
+            <a:endParaRPr lang="en-US"/>
+          </a:p>
+        </p:txBody>
+      </p:sp>
+      <p:sp>
+        <p:nvSpPr>
+          <p:cNvPr id="6" name="Oval 5">
+            <a:extLst>
+              <a:ext uri="{FF2B5EF4-FFF2-40B4-BE49-F238E27FC236}">
+                <a16:creationId xmlns:a16="http://schemas.microsoft.com/office/drawing/2014/main" id="{90CD96CB-F149-8048-BAB9-9B965486FB56}"/>
+              </a:ext>
+            </a:extLst>
+          </p:cNvPr>
+          <p:cNvSpPr/>
+          <p:nvPr/>
+        </p:nvSpPr>
+        <p:spPr>
+          <a:xfrm>
+            <a:off x="4557598" y="1920505"/>
+            <a:ext cx="2623278" cy="2623278"/>
+          </a:xfrm>
+          <a:prstGeom prst="ellipse">
+            <a:avLst/>
+          </a:prstGeom>
+          <a:noFill/>
+          <a:ln>
+            <a:solidFill>
+              <a:schemeClr val="accent6">
+                <a:lumMod val="75000"/>
+              </a:schemeClr>
+            </a:solidFill>
+          </a:ln>
+        </p:spPr>
+        <p:style>
+          <a:lnRef idx="2">
+            <a:schemeClr val="accent6"/>
+          </a:lnRef>
+          <a:fillRef idx="1">
+            <a:schemeClr val="lt1"/>
+          </a:fillRef>
+          <a:effectRef idx="0">
+            <a:schemeClr val="accent6"/>
+          </a:effectRef>
+          <a:fontRef idx="minor">
+            <a:schemeClr val="dk1"/>
+          </a:fontRef>
+        </p:style>
+        <p:txBody>
+          <a:bodyPr rtlCol="0" anchor="ctr"/>
+          <a:lstStyle/>
+          <a:p>
+            <a:pPr algn="ctr"/>
+            <a:endParaRPr lang="en-US" dirty="0">
+              <a:ln>
+                <a:solidFill>
+                  <a:schemeClr val="accent6">
+                    <a:lumMod val="75000"/>
+                  </a:schemeClr>
+                </a:solidFill>
+              </a:ln>
+              <a:solidFill>
+                <a:sysClr val="windowText" lastClr="000000"/>
+              </a:solidFill>
+            </a:endParaRPr>
+          </a:p>
+        </p:txBody>
+      </p:sp>
       <p:sp>
         <p:nvSpPr>
           <p:cNvPr id="10" name="Oval 9">
@@ -13801,7 +13997,7 @@
 </p:sld>
 </file>
 
-<file path=ppt/slides/slide8.xml><?xml version="1.0" encoding="utf-8"?>
+<file path=ppt/slides/slide9.xml><?xml version="1.0" encoding="utf-8"?>
 <p:sld xmlns:a="http://schemas.openxmlformats.org/drawingml/2006/main" xmlns:r="http://schemas.openxmlformats.org/officeDocument/2006/relationships" xmlns:p="http://schemas.openxmlformats.org/presentationml/2006/main">
   <p:cSld>
     <p:spTree>

--- a/course slides/week_02.pptx
+++ b/course slides/week_02.pptx
@@ -5,7 +5,7 @@
     <p:sldMasterId id="2147483648" r:id="rId1"/>
   </p:sldMasterIdLst>
   <p:notesMasterIdLst>
-    <p:notesMasterId r:id="rId11"/>
+    <p:notesMasterId r:id="rId12"/>
   </p:notesMasterIdLst>
   <p:sldIdLst>
     <p:sldId id="256" r:id="rId2"/>
@@ -16,7 +16,8 @@
     <p:sldId id="274" r:id="rId7"/>
     <p:sldId id="276" r:id="rId8"/>
     <p:sldId id="277" r:id="rId9"/>
-    <p:sldId id="270" r:id="rId10"/>
+    <p:sldId id="279" r:id="rId10"/>
+    <p:sldId id="270" r:id="rId11"/>
   </p:sldIdLst>
   <p:sldSz cx="12192000" cy="6858000"/>
   <p:notesSz cx="6858000" cy="9144000"/>
@@ -205,7 +206,7 @@
           <a:p>
             <a:fld id="{E7BF058D-E663-3E48-99D5-AFD0BCA1823C}" type="datetimeFigureOut">
               <a:rPr lang="en-US" smtClean="0"/>
-              <a:t>8/29/20</a:t>
+              <a:t>9/5/21</a:t>
             </a:fld>
             <a:endParaRPr lang="en-US"/>
           </a:p>
@@ -881,15 +882,7 @@
           <a:p>
             <a:r>
               <a:rPr lang="en-US" dirty="0"/>
-              <a:t>So you can randomly give admission to circles and squares -&gt; what about merit-based? We can </a:t>
-            </a:r>
-            <a:r>
-              <a:rPr lang="en-US" dirty="0" err="1"/>
-              <a:t>accomodate</a:t>
-            </a:r>
-            <a:r>
-              <a:rPr lang="en-US" dirty="0"/>
-              <a:t>. The fact that this is a bad </a:t>
+              <a:t>So you can randomly give admission to circles and squares -&gt; what about merit-based? We can accommodate. The fact that this is a bad </a:t>
             </a:r>
             <a:r>
               <a:rPr lang="en-US" dirty="0" err="1"/>
@@ -1188,32 +1181,11 @@
           <a:p>
             <a:r>
               <a:rPr lang="en-US" dirty="0"/>
-              <a:t>SAT as a proxy </a:t>
+              <a:t>both populations are equally well prepared for success -&gt; % circles who pay back is equal to % of square who pay back if admitted</a:t>
             </a:r>
           </a:p>
           <a:p>
-            <a:r>
-              <a:rPr lang="en-US" dirty="0"/>
-              <a:t>Circles are wealthier -&gt; better prep, retakes</a:t>
-            </a:r>
-          </a:p>
-          <a:p>
             <a:endParaRPr lang="en-US" dirty="0"/>
-          </a:p>
-          <a:p>
-            <a:r>
-              <a:rPr lang="en-US" dirty="0"/>
-              <a:t>both populations are equally well prepared for success -&gt; % circles who graduate is equal to % of square who graduate if admitted</a:t>
-            </a:r>
-          </a:p>
-          <a:p>
-            <a:endParaRPr lang="en-US" dirty="0"/>
-          </a:p>
-          <a:p>
-            <a:r>
-              <a:rPr lang="en-US" dirty="0"/>
-              <a:t>Let’s say the simple rule of SAT cutoff for admission -&gt; Circles have inflated scores</a:t>
-            </a:r>
           </a:p>
           <a:p>
             <a:r>
@@ -1244,20 +1216,8 @@
           <a:p>
             <a:r>
               <a:rPr lang="en-US" dirty="0"/>
-              <a:t>Model doesn’t account for superficial difference in SAT scores -&gt; build separate model for each group? Then we need to explicitly use race as an input for our model</a:t>
+              <a:t>build separate model for each group? Then we need to explicitly use race as an input for our model</a:t>
             </a:r>
-          </a:p>
-          <a:p>
-            <a:endParaRPr lang="en-US" dirty="0"/>
-          </a:p>
-          <a:p>
-            <a:r>
-              <a:rPr lang="en-US" dirty="0"/>
-              <a:t>Assumption -&gt; SAT score is equally predictive for graduation for both groups</a:t>
-            </a:r>
-          </a:p>
-          <a:p>
-            <a:endParaRPr lang="en-US" dirty="0"/>
           </a:p>
           <a:p>
             <a:endParaRPr lang="en-US" dirty="0"/>
@@ -1317,6 +1277,90 @@
     <p:extLst>
       <p:ext uri="{BB962C8B-B14F-4D97-AF65-F5344CB8AC3E}">
         <p14:creationId xmlns:p14="http://schemas.microsoft.com/office/powerpoint/2010/main" val="554120976"/>
+      </p:ext>
+    </p:extLst>
+  </p:cSld>
+  <p:clrMapOvr>
+    <a:masterClrMapping/>
+  </p:clrMapOvr>
+</p:notes>
+</file>
+
+<file path=ppt/notesSlides/notesSlide8.xml><?xml version="1.0" encoding="utf-8"?>
+<p:notes xmlns:a="http://schemas.openxmlformats.org/drawingml/2006/main" xmlns:r="http://schemas.openxmlformats.org/officeDocument/2006/relationships" xmlns:p="http://schemas.openxmlformats.org/presentationml/2006/main">
+  <p:cSld>
+    <p:spTree>
+      <p:nvGrpSpPr>
+        <p:cNvPr id="1" name=""/>
+        <p:cNvGrpSpPr/>
+        <p:nvPr/>
+      </p:nvGrpSpPr>
+      <p:grpSpPr>
+        <a:xfrm>
+          <a:off x="0" y="0"/>
+          <a:ext cx="0" cy="0"/>
+          <a:chOff x="0" y="0"/>
+          <a:chExt cx="0" cy="0"/>
+        </a:xfrm>
+      </p:grpSpPr>
+      <p:sp>
+        <p:nvSpPr>
+          <p:cNvPr id="2" name="Slide Image Placeholder 1"/>
+          <p:cNvSpPr>
+            <a:spLocks noGrp="1" noRot="1" noChangeAspect="1"/>
+          </p:cNvSpPr>
+          <p:nvPr>
+            <p:ph type="sldImg"/>
+          </p:nvPr>
+        </p:nvSpPr>
+        <p:spPr/>
+      </p:sp>
+      <p:sp>
+        <p:nvSpPr>
+          <p:cNvPr id="3" name="Notes Placeholder 2"/>
+          <p:cNvSpPr>
+            <a:spLocks noGrp="1"/>
+          </p:cNvSpPr>
+          <p:nvPr>
+            <p:ph type="body" idx="1"/>
+          </p:nvPr>
+        </p:nvSpPr>
+        <p:spPr/>
+        <p:txBody>
+          <a:bodyPr/>
+          <a:lstStyle/>
+          <a:p>
+            <a:endParaRPr lang="en-US" dirty="0"/>
+          </a:p>
+        </p:txBody>
+      </p:sp>
+      <p:sp>
+        <p:nvSpPr>
+          <p:cNvPr id="4" name="Slide Number Placeholder 3"/>
+          <p:cNvSpPr>
+            <a:spLocks noGrp="1"/>
+          </p:cNvSpPr>
+          <p:nvPr>
+            <p:ph type="sldNum" sz="quarter" idx="5"/>
+          </p:nvPr>
+        </p:nvSpPr>
+        <p:spPr/>
+        <p:txBody>
+          <a:bodyPr/>
+          <a:lstStyle/>
+          <a:p>
+            <a:fld id="{80E982A1-5A81-7746-934C-61A23258E6B4}" type="slidenum">
+              <a:rPr lang="en-US" smtClean="0"/>
+              <a:t>9</a:t>
+            </a:fld>
+            <a:endParaRPr lang="en-US"/>
+          </a:p>
+        </p:txBody>
+      </p:sp>
+    </p:spTree>
+    <p:extLst>
+      <p:ext uri="{BB962C8B-B14F-4D97-AF65-F5344CB8AC3E}">
+        <p14:creationId xmlns:p14="http://schemas.microsoft.com/office/powerpoint/2010/main" val="1334319636"/>
       </p:ext>
     </p:extLst>
   </p:cSld>
@@ -1473,7 +1517,7 @@
           <a:p>
             <a:fld id="{78A61C02-5DDA-4742-BA9F-16C918E9CF6D}" type="datetime1">
               <a:rPr lang="en-US" smtClean="0"/>
-              <a:t>8/29/20</a:t>
+              <a:t>9/5/21</a:t>
             </a:fld>
             <a:endParaRPr lang="en-US"/>
           </a:p>
@@ -1671,7 +1715,7 @@
           <a:p>
             <a:fld id="{548886B6-90A8-3541-BA71-86E77F56DAB4}" type="datetime1">
               <a:rPr lang="en-US" smtClean="0"/>
-              <a:t>8/29/20</a:t>
+              <a:t>9/5/21</a:t>
             </a:fld>
             <a:endParaRPr lang="en-US"/>
           </a:p>
@@ -1879,7 +1923,7 @@
           <a:p>
             <a:fld id="{852FF3A3-1CCF-A84D-A287-5CAF30DE28F4}" type="datetime1">
               <a:rPr lang="en-US" smtClean="0"/>
-              <a:t>8/29/20</a:t>
+              <a:t>9/5/21</a:t>
             </a:fld>
             <a:endParaRPr lang="en-US"/>
           </a:p>
@@ -2077,7 +2121,7 @@
           <a:p>
             <a:fld id="{8C15019A-578B-EF42-A6FE-609BC777F59C}" type="datetime1">
               <a:rPr lang="en-US" smtClean="0"/>
-              <a:t>8/29/20</a:t>
+              <a:t>9/5/21</a:t>
             </a:fld>
             <a:endParaRPr lang="en-US"/>
           </a:p>
@@ -2352,7 +2396,7 @@
           <a:p>
             <a:fld id="{8CF19FEC-2E87-404D-A86C-ABD7A0A24F55}" type="datetime1">
               <a:rPr lang="en-US" smtClean="0"/>
-              <a:t>8/29/20</a:t>
+              <a:t>9/5/21</a:t>
             </a:fld>
             <a:endParaRPr lang="en-US"/>
           </a:p>
@@ -2617,7 +2661,7 @@
           <a:p>
             <a:fld id="{446EA608-0CB1-7045-BE57-7D86CEA40281}" type="datetime1">
               <a:rPr lang="en-US" smtClean="0"/>
-              <a:t>8/29/20</a:t>
+              <a:t>9/5/21</a:t>
             </a:fld>
             <a:endParaRPr lang="en-US"/>
           </a:p>
@@ -3029,7 +3073,7 @@
           <a:p>
             <a:fld id="{C727496E-E60B-0146-8488-196488F29A43}" type="datetime1">
               <a:rPr lang="en-US" smtClean="0"/>
-              <a:t>8/29/20</a:t>
+              <a:t>9/5/21</a:t>
             </a:fld>
             <a:endParaRPr lang="en-US"/>
           </a:p>
@@ -3170,7 +3214,7 @@
           <a:p>
             <a:fld id="{F546FB0E-EB75-9B48-A4BD-2C5B9A04751D}" type="datetime1">
               <a:rPr lang="en-US" smtClean="0"/>
-              <a:t>8/29/20</a:t>
+              <a:t>9/5/21</a:t>
             </a:fld>
             <a:endParaRPr lang="en-US"/>
           </a:p>
@@ -3283,7 +3327,7 @@
           <a:p>
             <a:fld id="{A456FF61-9A5E-1841-AE70-3D847B065C08}" type="datetime1">
               <a:rPr lang="en-US" smtClean="0"/>
-              <a:t>8/29/20</a:t>
+              <a:t>9/5/21</a:t>
             </a:fld>
             <a:endParaRPr lang="en-US"/>
           </a:p>
@@ -3594,7 +3638,7 @@
           <a:p>
             <a:fld id="{FE8A8F49-DF40-F949-8DE2-65B98C5FEDD7}" type="datetime1">
               <a:rPr lang="en-US" smtClean="0"/>
-              <a:t>8/29/20</a:t>
+              <a:t>9/5/21</a:t>
             </a:fld>
             <a:endParaRPr lang="en-US"/>
           </a:p>
@@ -3882,7 +3926,7 @@
           <a:p>
             <a:fld id="{A85EFE4E-DFE8-4C42-98CC-30B935E5C550}" type="datetime1">
               <a:rPr lang="en-US" smtClean="0"/>
-              <a:t>8/29/20</a:t>
+              <a:t>9/5/21</a:t>
             </a:fld>
             <a:endParaRPr lang="en-US"/>
           </a:p>
@@ -4123,7 +4167,7 @@
           <a:p>
             <a:fld id="{5A0C85FA-79DF-354D-A01A-3E5AA821AAF9}" type="datetime1">
               <a:rPr lang="en-US" smtClean="0"/>
-              <a:t>8/29/20</a:t>
+              <a:t>9/5/21</a:t>
             </a:fld>
             <a:endParaRPr lang="en-US"/>
           </a:p>
@@ -4670,6 +4714,114 @@
 </p:sld>
 </file>
 
+<file path=ppt/slides/slide10.xml><?xml version="1.0" encoding="utf-8"?>
+<p:sld xmlns:a="http://schemas.openxmlformats.org/drawingml/2006/main" xmlns:r="http://schemas.openxmlformats.org/officeDocument/2006/relationships" xmlns:p="http://schemas.openxmlformats.org/presentationml/2006/main">
+  <p:cSld>
+    <p:spTree>
+      <p:nvGrpSpPr>
+        <p:cNvPr id="1" name=""/>
+        <p:cNvGrpSpPr/>
+        <p:nvPr/>
+      </p:nvGrpSpPr>
+      <p:grpSpPr>
+        <a:xfrm>
+          <a:off x="0" y="0"/>
+          <a:ext cx="0" cy="0"/>
+          <a:chOff x="0" y="0"/>
+          <a:chExt cx="0" cy="0"/>
+        </a:xfrm>
+      </p:grpSpPr>
+      <p:sp>
+        <p:nvSpPr>
+          <p:cNvPr id="2" name="Title 1">
+            <a:extLst>
+              <a:ext uri="{FF2B5EF4-FFF2-40B4-BE49-F238E27FC236}">
+                <a16:creationId xmlns:a16="http://schemas.microsoft.com/office/drawing/2014/main" id="{7EAA43C6-519B-EC47-B390-E8149307ACE2}"/>
+              </a:ext>
+            </a:extLst>
+          </p:cNvPr>
+          <p:cNvSpPr>
+            <a:spLocks noGrp="1"/>
+          </p:cNvSpPr>
+          <p:nvPr>
+            <p:ph type="title"/>
+          </p:nvPr>
+        </p:nvSpPr>
+        <p:spPr/>
+        <p:txBody>
+          <a:bodyPr/>
+          <a:lstStyle/>
+          <a:p>
+            <a:r>
+              <a:rPr lang="en-US" dirty="0"/>
+              <a:t>Questions?</a:t>
+            </a:r>
+          </a:p>
+        </p:txBody>
+      </p:sp>
+      <p:sp>
+        <p:nvSpPr>
+          <p:cNvPr id="3" name="Content Placeholder 2">
+            <a:extLst>
+              <a:ext uri="{FF2B5EF4-FFF2-40B4-BE49-F238E27FC236}">
+                <a16:creationId xmlns:a16="http://schemas.microsoft.com/office/drawing/2014/main" id="{9F875A89-3404-B74D-BB84-B60CC22426E3}"/>
+              </a:ext>
+            </a:extLst>
+          </p:cNvPr>
+          <p:cNvSpPr>
+            <a:spLocks noGrp="1"/>
+          </p:cNvSpPr>
+          <p:nvPr>
+            <p:ph idx="1"/>
+          </p:nvPr>
+        </p:nvSpPr>
+        <p:spPr/>
+        <p:txBody>
+          <a:bodyPr/>
+          <a:lstStyle/>
+          <a:p>
+            <a:endParaRPr lang="en-US" dirty="0"/>
+          </a:p>
+        </p:txBody>
+      </p:sp>
+      <p:sp>
+        <p:nvSpPr>
+          <p:cNvPr id="4" name="Footer Placeholder 3">
+            <a:extLst>
+              <a:ext uri="{FF2B5EF4-FFF2-40B4-BE49-F238E27FC236}">
+                <a16:creationId xmlns:a16="http://schemas.microsoft.com/office/drawing/2014/main" id="{F0F1FACF-19A4-3245-9742-2501F583922D}"/>
+              </a:ext>
+            </a:extLst>
+          </p:cNvPr>
+          <p:cNvSpPr>
+            <a:spLocks noGrp="1"/>
+          </p:cNvSpPr>
+          <p:nvPr>
+            <p:ph type="ftr" sz="quarter" idx="11"/>
+          </p:nvPr>
+        </p:nvSpPr>
+        <p:spPr/>
+        <p:txBody>
+          <a:bodyPr/>
+          <a:lstStyle/>
+          <a:p>
+            <a:endParaRPr lang="en-US"/>
+          </a:p>
+        </p:txBody>
+      </p:sp>
+    </p:spTree>
+    <p:extLst>
+      <p:ext uri="{BB962C8B-B14F-4D97-AF65-F5344CB8AC3E}">
+        <p14:creationId xmlns:p14="http://schemas.microsoft.com/office/powerpoint/2010/main" val="839741423"/>
+      </p:ext>
+    </p:extLst>
+  </p:cSld>
+  <p:clrMapOvr>
+    <a:masterClrMapping/>
+  </p:clrMapOvr>
+</p:sld>
+</file>
+
 <file path=ppt/slides/slide2.xml><?xml version="1.0" encoding="utf-8"?>
 <p:sld xmlns:a="http://schemas.openxmlformats.org/drawingml/2006/main" xmlns:r="http://schemas.openxmlformats.org/officeDocument/2006/relationships" xmlns:p="http://schemas.openxmlformats.org/presentationml/2006/main">
   <p:cSld>
@@ -8126,7 +8278,7 @@
           <a:p>
             <a:r>
               <a:rPr lang="en-US" dirty="0"/>
-              <a:t>St. Fairness College Admission</a:t>
+              <a:t>Fairness Bank</a:t>
             </a:r>
           </a:p>
         </p:txBody>
@@ -11120,7 +11272,7 @@
         <p:spPr>
           <a:xfrm>
             <a:off x="3956204" y="1497328"/>
-            <a:ext cx="1500539" cy="369332"/>
+            <a:ext cx="1263487" cy="369332"/>
           </a:xfrm>
           <a:prstGeom prst="rect">
             <a:avLst/>
@@ -11135,7 +11287,7 @@
           <a:p>
             <a:r>
               <a:rPr lang="en-US" dirty="0"/>
-              <a:t>30% graduates</a:t>
+              <a:t>30% default</a:t>
             </a:r>
           </a:p>
         </p:txBody>
@@ -11155,7 +11307,7 @@
         <p:spPr>
           <a:xfrm>
             <a:off x="6158517" y="1545813"/>
-            <a:ext cx="1500539" cy="369332"/>
+            <a:ext cx="1263487" cy="369332"/>
           </a:xfrm>
           <a:prstGeom prst="rect">
             <a:avLst/>
@@ -11170,7 +11322,7 @@
           <a:p>
             <a:r>
               <a:rPr lang="en-US" dirty="0"/>
-              <a:t>15% graduates</a:t>
+              <a:t>15% default</a:t>
             </a:r>
           </a:p>
         </p:txBody>
@@ -14016,10 +14168,631 @@
       </p:grpSpPr>
       <p:sp>
         <p:nvSpPr>
-          <p:cNvPr id="2" name="Title 1">
-            <a:extLst>
-              <a:ext uri="{FF2B5EF4-FFF2-40B4-BE49-F238E27FC236}">
-                <a16:creationId xmlns:a16="http://schemas.microsoft.com/office/drawing/2014/main" id="{7EAA43C6-519B-EC47-B390-E8149307ACE2}"/>
+          <p:cNvPr id="4" name="Footer Placeholder 3">
+            <a:extLst>
+              <a:ext uri="{FF2B5EF4-FFF2-40B4-BE49-F238E27FC236}">
+                <a16:creationId xmlns:a16="http://schemas.microsoft.com/office/drawing/2014/main" id="{23F79836-748B-9B46-B254-A5DBAA28185C}"/>
+              </a:ext>
+            </a:extLst>
+          </p:cNvPr>
+          <p:cNvSpPr>
+            <a:spLocks noGrp="1"/>
+          </p:cNvSpPr>
+          <p:nvPr>
+            <p:ph type="ftr" sz="quarter" idx="11"/>
+          </p:nvPr>
+        </p:nvSpPr>
+        <p:spPr/>
+        <p:txBody>
+          <a:bodyPr/>
+          <a:lstStyle/>
+          <a:p>
+            <a:endParaRPr lang="en-US"/>
+          </a:p>
+        </p:txBody>
+      </p:sp>
+      <p:graphicFrame>
+        <p:nvGraphicFramePr>
+          <p:cNvPr id="3" name="Table 2">
+            <a:extLst>
+              <a:ext uri="{FF2B5EF4-FFF2-40B4-BE49-F238E27FC236}">
+                <a16:creationId xmlns:a16="http://schemas.microsoft.com/office/drawing/2014/main" id="{5A1ABC2E-DC58-B645-BF70-5B728D2D9F91}"/>
+              </a:ext>
+            </a:extLst>
+          </p:cNvPr>
+          <p:cNvGraphicFramePr>
+            <a:graphicFrameLocks noGrp="1"/>
+          </p:cNvGraphicFramePr>
+          <p:nvPr>
+            <p:extLst>
+              <p:ext uri="{D42A27DB-BD31-4B8C-83A1-F6EECF244321}">
+                <p14:modId xmlns:p14="http://schemas.microsoft.com/office/powerpoint/2010/main" val="1406079513"/>
+              </p:ext>
+            </p:extLst>
+          </p:nvPr>
+        </p:nvGraphicFramePr>
+        <p:xfrm>
+          <a:off x="116175" y="711335"/>
+          <a:ext cx="11935916" cy="6040120"/>
+        </p:xfrm>
+        <a:graphic>
+          <a:graphicData uri="http://schemas.openxmlformats.org/drawingml/2006/table">
+            <a:tbl>
+              <a:tblPr firstRow="1" bandRow="1">
+                <a:tableStyleId>{7E9639D4-E3E2-4D34-9284-5A2195B3D0D7}</a:tableStyleId>
+              </a:tblPr>
+              <a:tblGrid>
+                <a:gridCol w="3749903">
+                  <a:extLst>
+                    <a:ext uri="{9D8B030D-6E8A-4147-A177-3AD203B41FA5}">
+                      <a16:colId xmlns:a16="http://schemas.microsoft.com/office/drawing/2014/main" val="2034935638"/>
+                    </a:ext>
+                  </a:extLst>
+                </a:gridCol>
+                <a:gridCol w="3749903">
+                  <a:extLst>
+                    <a:ext uri="{9D8B030D-6E8A-4147-A177-3AD203B41FA5}">
+                      <a16:colId xmlns:a16="http://schemas.microsoft.com/office/drawing/2014/main" val="2201760778"/>
+                    </a:ext>
+                  </a:extLst>
+                </a:gridCol>
+                <a:gridCol w="4436110">
+                  <a:extLst>
+                    <a:ext uri="{9D8B030D-6E8A-4147-A177-3AD203B41FA5}">
+                      <a16:colId xmlns:a16="http://schemas.microsoft.com/office/drawing/2014/main" val="99886074"/>
+                    </a:ext>
+                  </a:extLst>
+                </a:gridCol>
+              </a:tblGrid>
+              <a:tr h="370840">
+                <a:tc>
+                  <a:txBody>
+                    <a:bodyPr/>
+                    <a:lstStyle/>
+                    <a:p>
+                      <a:r>
+                        <a:rPr lang="en-US" sz="1800" b="1" i="0" u="none" strike="noStrike" kern="1200" dirty="0">
+                          <a:solidFill>
+                            <a:schemeClr val="bg1"/>
+                          </a:solidFill>
+                          <a:effectLst/>
+                          <a:latin typeface="+mn-lt"/>
+                          <a:ea typeface="+mn-ea"/>
+                          <a:cs typeface="+mn-cs"/>
+                        </a:rPr>
+                        <a:t>Bias Metric</a:t>
+                      </a:r>
+                      <a:endParaRPr lang="en-US" dirty="0"/>
+                    </a:p>
+                  </a:txBody>
+                  <a:tcPr/>
+                </a:tc>
+                <a:tc>
+                  <a:txBody>
+                    <a:bodyPr/>
+                    <a:lstStyle/>
+                    <a:p>
+                      <a:r>
+                        <a:rPr lang="en-US" sz="1800" b="1" i="0" u="none" strike="noStrike" kern="1200" dirty="0">
+                          <a:solidFill>
+                            <a:schemeClr val="bg1"/>
+                          </a:solidFill>
+                          <a:effectLst/>
+                          <a:latin typeface="+mn-lt"/>
+                          <a:ea typeface="+mn-ea"/>
+                          <a:cs typeface="+mn-cs"/>
+                        </a:rPr>
+                        <a:t>Description</a:t>
+                      </a:r>
+                      <a:endParaRPr lang="en-US" dirty="0"/>
+                    </a:p>
+                  </a:txBody>
+                  <a:tcPr/>
+                </a:tc>
+                <a:tc>
+                  <a:txBody>
+                    <a:bodyPr/>
+                    <a:lstStyle/>
+                    <a:p>
+                      <a:pPr algn="l" fontAlgn="t" latinLnBrk="0"/>
+                      <a:r>
+                        <a:rPr lang="en-US" sz="1800" b="1" i="0" u="none" strike="noStrike" kern="1200" dirty="0">
+                          <a:solidFill>
+                            <a:schemeClr val="bg1"/>
+                          </a:solidFill>
+                          <a:effectLst/>
+                          <a:latin typeface="+mn-lt"/>
+                          <a:ea typeface="+mn-ea"/>
+                          <a:cs typeface="+mn-cs"/>
+                        </a:rPr>
+                        <a:t>Example Question</a:t>
+                      </a:r>
+                      <a:endParaRPr lang="en-US" b="1" dirty="0">
+                        <a:solidFill>
+                          <a:srgbClr val="545B64"/>
+                        </a:solidFill>
+                        <a:effectLst/>
+                      </a:endParaRPr>
+                    </a:p>
+                  </a:txBody>
+                  <a:tcPr/>
+                </a:tc>
+                <a:extLst>
+                  <a:ext uri="{0D108BD9-81ED-4DB2-BD59-A6C34878D82A}">
+                    <a16:rowId xmlns:a16="http://schemas.microsoft.com/office/drawing/2014/main" val="3015957843"/>
+                  </a:ext>
+                </a:extLst>
+              </a:tr>
+              <a:tr h="370840">
+                <a:tc>
+                  <a:txBody>
+                    <a:bodyPr/>
+                    <a:lstStyle/>
+                    <a:p>
+                      <a:r>
+                        <a:rPr lang="en-US" b="1" u="none" dirty="0">
+                          <a:solidFill>
+                            <a:schemeClr val="tx1"/>
+                          </a:solidFill>
+                        </a:rPr>
+                        <a:t>Difference in Positive Proportions in Predicted Label (DPPL)</a:t>
+                      </a:r>
+                    </a:p>
+                  </a:txBody>
+                  <a:tcPr/>
+                </a:tc>
+                <a:tc>
+                  <a:txBody>
+                    <a:bodyPr/>
+                    <a:lstStyle/>
+                    <a:p>
+                      <a:r>
+                        <a:rPr lang="en-US" sz="1800" b="0" i="0" u="none" strike="noStrike" kern="1200" dirty="0">
+                          <a:solidFill>
+                            <a:schemeClr val="tx1"/>
+                          </a:solidFill>
+                          <a:effectLst/>
+                          <a:latin typeface="+mn-lt"/>
+                          <a:ea typeface="+mn-ea"/>
+                          <a:cs typeface="+mn-cs"/>
+                        </a:rPr>
+                        <a:t>Measures the difference in the proportion of positive predictions between the favored facet </a:t>
+                      </a:r>
+                      <a:r>
+                        <a:rPr lang="en-US" sz="1800" b="0" i="1" u="none" strike="noStrike" kern="1200" dirty="0">
+                          <a:solidFill>
+                            <a:schemeClr val="tx1"/>
+                          </a:solidFill>
+                          <a:effectLst/>
+                          <a:latin typeface="+mn-lt"/>
+                          <a:ea typeface="+mn-ea"/>
+                          <a:cs typeface="+mn-cs"/>
+                        </a:rPr>
+                        <a:t>a</a:t>
+                      </a:r>
+                      <a:r>
+                        <a:rPr lang="en-US" sz="1800" b="0" i="0" u="none" strike="noStrike" kern="1200" dirty="0">
+                          <a:solidFill>
+                            <a:schemeClr val="tx1"/>
+                          </a:solidFill>
+                          <a:effectLst/>
+                          <a:latin typeface="+mn-lt"/>
+                          <a:ea typeface="+mn-ea"/>
+                          <a:cs typeface="+mn-cs"/>
+                        </a:rPr>
+                        <a:t> and the disfavored facet </a:t>
+                      </a:r>
+                      <a:r>
+                        <a:rPr lang="en-US" sz="1800" b="0" i="1" u="none" strike="noStrike" kern="1200" dirty="0">
+                          <a:solidFill>
+                            <a:schemeClr val="tx1"/>
+                          </a:solidFill>
+                          <a:effectLst/>
+                          <a:latin typeface="+mn-lt"/>
+                          <a:ea typeface="+mn-ea"/>
+                          <a:cs typeface="+mn-cs"/>
+                        </a:rPr>
+                        <a:t>d</a:t>
+                      </a:r>
+                      <a:r>
+                        <a:rPr lang="en-US" sz="1800" b="0" i="0" u="none" strike="noStrike" kern="1200" dirty="0">
+                          <a:solidFill>
+                            <a:schemeClr val="tx1"/>
+                          </a:solidFill>
+                          <a:effectLst/>
+                          <a:latin typeface="+mn-lt"/>
+                          <a:ea typeface="+mn-ea"/>
+                          <a:cs typeface="+mn-cs"/>
+                        </a:rPr>
+                        <a:t>.</a:t>
+                      </a:r>
+                      <a:endParaRPr lang="en-US" dirty="0"/>
+                    </a:p>
+                  </a:txBody>
+                  <a:tcPr/>
+                </a:tc>
+                <a:tc>
+                  <a:txBody>
+                    <a:bodyPr/>
+                    <a:lstStyle/>
+                    <a:p>
+                      <a:r>
+                        <a:rPr lang="en-US" sz="1800" b="0" i="0" u="none" strike="noStrike" kern="1200" dirty="0">
+                          <a:solidFill>
+                            <a:schemeClr val="tx1"/>
+                          </a:solidFill>
+                          <a:effectLst/>
+                          <a:latin typeface="+mn-lt"/>
+                          <a:ea typeface="+mn-ea"/>
+                          <a:cs typeface="+mn-cs"/>
+                        </a:rPr>
+                        <a:t>Has there been an imbalance across demographic groups in the predicted positive outcomes that might indicate bias?</a:t>
+                      </a:r>
+                      <a:endParaRPr lang="en-US" dirty="0"/>
+                    </a:p>
+                  </a:txBody>
+                  <a:tcPr/>
+                </a:tc>
+                <a:extLst>
+                  <a:ext uri="{0D108BD9-81ED-4DB2-BD59-A6C34878D82A}">
+                    <a16:rowId xmlns:a16="http://schemas.microsoft.com/office/drawing/2014/main" val="635027945"/>
+                  </a:ext>
+                </a:extLst>
+              </a:tr>
+              <a:tr h="500533">
+                <a:tc>
+                  <a:txBody>
+                    <a:bodyPr/>
+                    <a:lstStyle/>
+                    <a:p>
+                      <a:r>
+                        <a:rPr lang="en-US" b="1" dirty="0"/>
+                        <a:t>Disparate Impact</a:t>
+                      </a:r>
+                    </a:p>
+                  </a:txBody>
+                  <a:tcPr/>
+                </a:tc>
+                <a:tc>
+                  <a:txBody>
+                    <a:bodyPr/>
+                    <a:lstStyle/>
+                    <a:p>
+                      <a:pPr fontAlgn="t" latinLnBrk="0"/>
+                      <a:r>
+                        <a:rPr lang="en-US" b="0" dirty="0">
+                          <a:effectLst/>
+                        </a:rPr>
+                        <a:t>Measures the ratio of proportions of the predicted labels for the favored facet </a:t>
+                      </a:r>
+                      <a:r>
+                        <a:rPr lang="en-US" b="0" i="1" dirty="0">
+                          <a:effectLst/>
+                        </a:rPr>
+                        <a:t>a</a:t>
+                      </a:r>
+                      <a:r>
+                        <a:rPr lang="en-US" b="0" dirty="0">
+                          <a:effectLst/>
+                        </a:rPr>
+                        <a:t> and the disfavored facet </a:t>
+                      </a:r>
+                      <a:r>
+                        <a:rPr lang="en-US" b="0" i="1" dirty="0">
+                          <a:effectLst/>
+                        </a:rPr>
+                        <a:t>d</a:t>
+                      </a:r>
+                      <a:r>
+                        <a:rPr lang="en-US" b="0" dirty="0">
+                          <a:effectLst/>
+                        </a:rPr>
+                        <a:t>.</a:t>
+                      </a:r>
+                    </a:p>
+                  </a:txBody>
+                  <a:tcPr/>
+                </a:tc>
+                <a:tc>
+                  <a:txBody>
+                    <a:bodyPr/>
+                    <a:lstStyle/>
+                    <a:p>
+                      <a:r>
+                        <a:rPr lang="en-US" sz="1800" b="0" i="0" u="none" strike="noStrike" kern="1200" dirty="0">
+                          <a:solidFill>
+                            <a:schemeClr val="tx1"/>
+                          </a:solidFill>
+                          <a:effectLst/>
+                          <a:latin typeface="+mn-lt"/>
+                          <a:ea typeface="+mn-ea"/>
+                          <a:cs typeface="+mn-cs"/>
+                        </a:rPr>
+                        <a:t>Has there been an imbalance across demographic groups in the predicted positive outcomes that might indicate bias?</a:t>
+                      </a:r>
+                      <a:endParaRPr lang="en-US" dirty="0"/>
+                    </a:p>
+                  </a:txBody>
+                  <a:tcPr/>
+                </a:tc>
+                <a:extLst>
+                  <a:ext uri="{0D108BD9-81ED-4DB2-BD59-A6C34878D82A}">
+                    <a16:rowId xmlns:a16="http://schemas.microsoft.com/office/drawing/2014/main" val="1221067480"/>
+                  </a:ext>
+                </a:extLst>
+              </a:tr>
+              <a:tr h="370840">
+                <a:tc>
+                  <a:txBody>
+                    <a:bodyPr/>
+                    <a:lstStyle/>
+                    <a:p>
+                      <a:r>
+                        <a:rPr lang="en-US" b="1" dirty="0"/>
+                        <a:t>Difference in Conditional Acceptance (</a:t>
+                      </a:r>
+                      <a:r>
+                        <a:rPr lang="en-US" b="1" dirty="0" err="1"/>
+                        <a:t>DCAcc</a:t>
+                      </a:r>
+                      <a:r>
+                        <a:rPr lang="en-US" b="1" dirty="0"/>
+                        <a:t>)</a:t>
+                      </a:r>
+                    </a:p>
+                  </a:txBody>
+                  <a:tcPr/>
+                </a:tc>
+                <a:tc>
+                  <a:txBody>
+                    <a:bodyPr/>
+                    <a:lstStyle/>
+                    <a:p>
+                      <a:r>
+                        <a:rPr lang="en-US" sz="1800" b="0" i="0" u="none" strike="noStrike" kern="1200" dirty="0">
+                          <a:solidFill>
+                            <a:schemeClr val="tx1"/>
+                          </a:solidFill>
+                          <a:effectLst/>
+                          <a:latin typeface="+mn-lt"/>
+                          <a:ea typeface="+mn-ea"/>
+                          <a:cs typeface="+mn-cs"/>
+                        </a:rPr>
+                        <a:t>Compares the observed labels to the labels predicted by a model and assesses whether this is the same across facets for predicted positive outcomes (acceptances).</a:t>
+                      </a:r>
+                      <a:endParaRPr lang="en-US" dirty="0"/>
+                    </a:p>
+                  </a:txBody>
+                  <a:tcPr/>
+                </a:tc>
+                <a:tc>
+                  <a:txBody>
+                    <a:bodyPr/>
+                    <a:lstStyle/>
+                    <a:p>
+                      <a:r>
+                        <a:rPr lang="en-US" sz="1800" b="0" i="0" u="none" strike="noStrike" kern="1200" dirty="0">
+                          <a:solidFill>
+                            <a:schemeClr val="tx1"/>
+                          </a:solidFill>
+                          <a:effectLst/>
+                          <a:latin typeface="+mn-lt"/>
+                          <a:ea typeface="+mn-ea"/>
+                          <a:cs typeface="+mn-cs"/>
+                        </a:rPr>
+                        <a:t>Are there more or less acceptances for loan applications than predicted for one age group as compared to another based on qualifications?</a:t>
+                      </a:r>
+                      <a:endParaRPr lang="en-US" dirty="0"/>
+                    </a:p>
+                  </a:txBody>
+                  <a:tcPr/>
+                </a:tc>
+                <a:extLst>
+                  <a:ext uri="{0D108BD9-81ED-4DB2-BD59-A6C34878D82A}">
+                    <a16:rowId xmlns:a16="http://schemas.microsoft.com/office/drawing/2014/main" val="391211679"/>
+                  </a:ext>
+                </a:extLst>
+              </a:tr>
+              <a:tr h="370840">
+                <a:tc>
+                  <a:txBody>
+                    <a:bodyPr/>
+                    <a:lstStyle/>
+                    <a:p>
+                      <a:r>
+                        <a:rPr lang="en-US" b="1" dirty="0"/>
+                        <a:t>Accuracy Difference (AD)</a:t>
+                      </a:r>
+                    </a:p>
+                  </a:txBody>
+                  <a:tcPr/>
+                </a:tc>
+                <a:tc>
+                  <a:txBody>
+                    <a:bodyPr/>
+                    <a:lstStyle/>
+                    <a:p>
+                      <a:r>
+                        <a:rPr lang="en-US" sz="1800" b="0" i="0" u="none" strike="noStrike" kern="1200" dirty="0">
+                          <a:solidFill>
+                            <a:schemeClr val="tx1"/>
+                          </a:solidFill>
+                          <a:effectLst/>
+                          <a:latin typeface="+mn-lt"/>
+                          <a:ea typeface="+mn-ea"/>
+                          <a:cs typeface="+mn-cs"/>
+                        </a:rPr>
+                        <a:t>Measures the difference between the prediction accuracy for the favored and disfavored facets.</a:t>
+                      </a:r>
+                      <a:endParaRPr lang="en-US" dirty="0"/>
+                    </a:p>
+                  </a:txBody>
+                  <a:tcPr/>
+                </a:tc>
+                <a:tc>
+                  <a:txBody>
+                    <a:bodyPr/>
+                    <a:lstStyle/>
+                    <a:p>
+                      <a:r>
+                        <a:rPr lang="en-US" sz="1800" b="0" i="0" u="none" strike="noStrike" kern="1200" dirty="0">
+                          <a:solidFill>
+                            <a:schemeClr val="tx1"/>
+                          </a:solidFill>
+                          <a:effectLst/>
+                          <a:latin typeface="+mn-lt"/>
+                          <a:ea typeface="+mn-ea"/>
+                          <a:cs typeface="+mn-cs"/>
+                        </a:rPr>
+                        <a:t>Does the model predict labels as accurately for applications across all demographic groups?</a:t>
+                      </a:r>
+                      <a:endParaRPr lang="en-US" dirty="0"/>
+                    </a:p>
+                  </a:txBody>
+                  <a:tcPr/>
+                </a:tc>
+                <a:extLst>
+                  <a:ext uri="{0D108BD9-81ED-4DB2-BD59-A6C34878D82A}">
+                    <a16:rowId xmlns:a16="http://schemas.microsoft.com/office/drawing/2014/main" val="1405585904"/>
+                  </a:ext>
+                </a:extLst>
+              </a:tr>
+              <a:tr h="370840">
+                <a:tc>
+                  <a:txBody>
+                    <a:bodyPr/>
+                    <a:lstStyle/>
+                    <a:p>
+                      <a:r>
+                        <a:rPr lang="en-US" b="1" dirty="0"/>
+                        <a:t>Counterfactual </a:t>
+                      </a:r>
+                      <a:r>
+                        <a:rPr lang="en-US" b="1" dirty="0" err="1"/>
+                        <a:t>Fliptest</a:t>
+                      </a:r>
+                      <a:r>
+                        <a:rPr lang="en-US" b="1" dirty="0"/>
+                        <a:t> (FT)</a:t>
+                      </a:r>
+                    </a:p>
+                  </a:txBody>
+                  <a:tcPr/>
+                </a:tc>
+                <a:tc>
+                  <a:txBody>
+                    <a:bodyPr/>
+                    <a:lstStyle/>
+                    <a:p>
+                      <a:r>
+                        <a:rPr lang="en-US" sz="1800" b="0" i="0" u="none" strike="noStrike" kern="1200" dirty="0">
+                          <a:solidFill>
+                            <a:schemeClr val="tx1"/>
+                          </a:solidFill>
+                          <a:effectLst/>
+                          <a:latin typeface="+mn-lt"/>
+                          <a:ea typeface="+mn-ea"/>
+                          <a:cs typeface="+mn-cs"/>
+                        </a:rPr>
+                        <a:t>Examines each member of facet </a:t>
+                      </a:r>
+                      <a:r>
+                        <a:rPr lang="en-US" sz="1800" b="0" i="1" u="none" strike="noStrike" kern="1200" dirty="0">
+                          <a:solidFill>
+                            <a:schemeClr val="tx1"/>
+                          </a:solidFill>
+                          <a:effectLst/>
+                          <a:latin typeface="+mn-lt"/>
+                          <a:ea typeface="+mn-ea"/>
+                          <a:cs typeface="+mn-cs"/>
+                        </a:rPr>
+                        <a:t>d</a:t>
+                      </a:r>
+                      <a:r>
+                        <a:rPr lang="en-US" sz="1800" b="0" i="0" u="none" strike="noStrike" kern="1200" dirty="0">
+                          <a:solidFill>
+                            <a:schemeClr val="tx1"/>
+                          </a:solidFill>
+                          <a:effectLst/>
+                          <a:latin typeface="+mn-lt"/>
+                          <a:ea typeface="+mn-ea"/>
+                          <a:cs typeface="+mn-cs"/>
+                        </a:rPr>
+                        <a:t> and assesses whether similar members of facet </a:t>
+                      </a:r>
+                      <a:r>
+                        <a:rPr lang="en-US" sz="1800" b="0" i="1" u="none" strike="noStrike" kern="1200" dirty="0" err="1">
+                          <a:solidFill>
+                            <a:schemeClr val="tx1"/>
+                          </a:solidFill>
+                          <a:effectLst/>
+                          <a:latin typeface="+mn-lt"/>
+                          <a:ea typeface="+mn-ea"/>
+                          <a:cs typeface="+mn-cs"/>
+                        </a:rPr>
+                        <a:t>a</a:t>
+                      </a:r>
+                      <a:r>
+                        <a:rPr lang="en-US" sz="1800" b="0" i="0" u="none" strike="noStrike" kern="1200" dirty="0" err="1">
+                          <a:solidFill>
+                            <a:schemeClr val="tx1"/>
+                          </a:solidFill>
+                          <a:effectLst/>
+                          <a:latin typeface="+mn-lt"/>
+                          <a:ea typeface="+mn-ea"/>
+                          <a:cs typeface="+mn-cs"/>
+                        </a:rPr>
+                        <a:t>have</a:t>
+                      </a:r>
+                      <a:r>
+                        <a:rPr lang="en-US" sz="1800" b="0" i="0" u="none" strike="noStrike" kern="1200" dirty="0">
+                          <a:solidFill>
+                            <a:schemeClr val="tx1"/>
+                          </a:solidFill>
+                          <a:effectLst/>
+                          <a:latin typeface="+mn-lt"/>
+                          <a:ea typeface="+mn-ea"/>
+                          <a:cs typeface="+mn-cs"/>
+                        </a:rPr>
+                        <a:t> different model predictions.</a:t>
+                      </a:r>
+                      <a:endParaRPr lang="en-US" dirty="0"/>
+                    </a:p>
+                  </a:txBody>
+                  <a:tcPr/>
+                </a:tc>
+                <a:tc>
+                  <a:txBody>
+                    <a:bodyPr/>
+                    <a:lstStyle/>
+                    <a:p>
+                      <a:pPr fontAlgn="t" latinLnBrk="0"/>
+                      <a:r>
+                        <a:rPr lang="en-US" b="0" dirty="0">
+                          <a:effectLst/>
+                        </a:rPr>
+                        <a:t>Are a group of a specific age demographic, matched closely on all features with a another age group, paid on average more than that other age group?"</a:t>
+                      </a:r>
+                    </a:p>
+                  </a:txBody>
+                  <a:tcPr/>
+                </a:tc>
+                <a:extLst>
+                  <a:ext uri="{0D108BD9-81ED-4DB2-BD59-A6C34878D82A}">
+                    <a16:rowId xmlns:a16="http://schemas.microsoft.com/office/drawing/2014/main" val="1687580521"/>
+                  </a:ext>
+                </a:extLst>
+              </a:tr>
+            </a:tbl>
+          </a:graphicData>
+        </a:graphic>
+      </p:graphicFrame>
+      <p:sp>
+        <p:nvSpPr>
+          <p:cNvPr id="66" name="Title 1">
+            <a:extLst>
+              <a:ext uri="{FF2B5EF4-FFF2-40B4-BE49-F238E27FC236}">
+                <a16:creationId xmlns:a16="http://schemas.microsoft.com/office/drawing/2014/main" id="{E7BA8100-20A6-D842-A6A4-A3CBFA020787}"/>
               </a:ext>
             </a:extLst>
           </p:cNvPr>
@@ -14030,72 +14803,27 @@
             <p:ph type="title"/>
           </p:nvPr>
         </p:nvSpPr>
-        <p:spPr/>
+        <p:spPr>
+          <a:xfrm>
+            <a:off x="0" y="-204501"/>
+            <a:ext cx="10515600" cy="1325563"/>
+          </a:xfrm>
+        </p:spPr>
         <p:txBody>
           <a:bodyPr/>
           <a:lstStyle/>
           <a:p>
             <a:r>
               <a:rPr lang="en-US" dirty="0"/>
-              <a:t>Questions?</a:t>
+              <a:t>Few Fairness Metrics</a:t>
             </a:r>
-          </a:p>
-        </p:txBody>
-      </p:sp>
-      <p:sp>
-        <p:nvSpPr>
-          <p:cNvPr id="3" name="Content Placeholder 2">
-            <a:extLst>
-              <a:ext uri="{FF2B5EF4-FFF2-40B4-BE49-F238E27FC236}">
-                <a16:creationId xmlns:a16="http://schemas.microsoft.com/office/drawing/2014/main" id="{9F875A89-3404-B74D-BB84-B60CC22426E3}"/>
-              </a:ext>
-            </a:extLst>
-          </p:cNvPr>
-          <p:cNvSpPr>
-            <a:spLocks noGrp="1"/>
-          </p:cNvSpPr>
-          <p:nvPr>
-            <p:ph idx="1"/>
-          </p:nvPr>
-        </p:nvSpPr>
-        <p:spPr/>
-        <p:txBody>
-          <a:bodyPr/>
-          <a:lstStyle/>
-          <a:p>
-            <a:endParaRPr lang="en-US" dirty="0"/>
-          </a:p>
-        </p:txBody>
-      </p:sp>
-      <p:sp>
-        <p:nvSpPr>
-          <p:cNvPr id="4" name="Footer Placeholder 3">
-            <a:extLst>
-              <a:ext uri="{FF2B5EF4-FFF2-40B4-BE49-F238E27FC236}">
-                <a16:creationId xmlns:a16="http://schemas.microsoft.com/office/drawing/2014/main" id="{F0F1FACF-19A4-3245-9742-2501F583922D}"/>
-              </a:ext>
-            </a:extLst>
-          </p:cNvPr>
-          <p:cNvSpPr>
-            <a:spLocks noGrp="1"/>
-          </p:cNvSpPr>
-          <p:nvPr>
-            <p:ph type="ftr" sz="quarter" idx="11"/>
-          </p:nvPr>
-        </p:nvSpPr>
-        <p:spPr/>
-        <p:txBody>
-          <a:bodyPr/>
-          <a:lstStyle/>
-          <a:p>
-            <a:endParaRPr lang="en-US"/>
           </a:p>
         </p:txBody>
       </p:sp>
     </p:spTree>
     <p:extLst>
       <p:ext uri="{BB962C8B-B14F-4D97-AF65-F5344CB8AC3E}">
-        <p14:creationId xmlns:p14="http://schemas.microsoft.com/office/powerpoint/2010/main" val="839741423"/>
+        <p14:creationId xmlns:p14="http://schemas.microsoft.com/office/powerpoint/2010/main" val="3271768113"/>
       </p:ext>
     </p:extLst>
   </p:cSld>

--- a/course slides/week_02.pptx
+++ b/course slides/week_02.pptx
@@ -206,7 +206,7 @@
           <a:p>
             <a:fld id="{E7BF058D-E663-3E48-99D5-AFD0BCA1823C}" type="datetimeFigureOut">
               <a:rPr lang="en-US" smtClean="0"/>
-              <a:t>9/5/21</a:t>
+              <a:t>9/7/22</a:t>
             </a:fld>
             <a:endParaRPr lang="en-US"/>
           </a:p>
@@ -1517,7 +1517,7 @@
           <a:p>
             <a:fld id="{78A61C02-5DDA-4742-BA9F-16C918E9CF6D}" type="datetime1">
               <a:rPr lang="en-US" smtClean="0"/>
-              <a:t>9/5/21</a:t>
+              <a:t>9/7/22</a:t>
             </a:fld>
             <a:endParaRPr lang="en-US"/>
           </a:p>
@@ -1715,7 +1715,7 @@
           <a:p>
             <a:fld id="{548886B6-90A8-3541-BA71-86E77F56DAB4}" type="datetime1">
               <a:rPr lang="en-US" smtClean="0"/>
-              <a:t>9/5/21</a:t>
+              <a:t>9/7/22</a:t>
             </a:fld>
             <a:endParaRPr lang="en-US"/>
           </a:p>
@@ -1923,7 +1923,7 @@
           <a:p>
             <a:fld id="{852FF3A3-1CCF-A84D-A287-5CAF30DE28F4}" type="datetime1">
               <a:rPr lang="en-US" smtClean="0"/>
-              <a:t>9/5/21</a:t>
+              <a:t>9/7/22</a:t>
             </a:fld>
             <a:endParaRPr lang="en-US"/>
           </a:p>
@@ -2121,7 +2121,7 @@
           <a:p>
             <a:fld id="{8C15019A-578B-EF42-A6FE-609BC777F59C}" type="datetime1">
               <a:rPr lang="en-US" smtClean="0"/>
-              <a:t>9/5/21</a:t>
+              <a:t>9/7/22</a:t>
             </a:fld>
             <a:endParaRPr lang="en-US"/>
           </a:p>
@@ -2396,7 +2396,7 @@
           <a:p>
             <a:fld id="{8CF19FEC-2E87-404D-A86C-ABD7A0A24F55}" type="datetime1">
               <a:rPr lang="en-US" smtClean="0"/>
-              <a:t>9/5/21</a:t>
+              <a:t>9/7/22</a:t>
             </a:fld>
             <a:endParaRPr lang="en-US"/>
           </a:p>
@@ -2661,7 +2661,7 @@
           <a:p>
             <a:fld id="{446EA608-0CB1-7045-BE57-7D86CEA40281}" type="datetime1">
               <a:rPr lang="en-US" smtClean="0"/>
-              <a:t>9/5/21</a:t>
+              <a:t>9/7/22</a:t>
             </a:fld>
             <a:endParaRPr lang="en-US"/>
           </a:p>
@@ -3073,7 +3073,7 @@
           <a:p>
             <a:fld id="{C727496E-E60B-0146-8488-196488F29A43}" type="datetime1">
               <a:rPr lang="en-US" smtClean="0"/>
-              <a:t>9/5/21</a:t>
+              <a:t>9/7/22</a:t>
             </a:fld>
             <a:endParaRPr lang="en-US"/>
           </a:p>
@@ -3214,7 +3214,7 @@
           <a:p>
             <a:fld id="{F546FB0E-EB75-9B48-A4BD-2C5B9A04751D}" type="datetime1">
               <a:rPr lang="en-US" smtClean="0"/>
-              <a:t>9/5/21</a:t>
+              <a:t>9/7/22</a:t>
             </a:fld>
             <a:endParaRPr lang="en-US"/>
           </a:p>
@@ -3327,7 +3327,7 @@
           <a:p>
             <a:fld id="{A456FF61-9A5E-1841-AE70-3D847B065C08}" type="datetime1">
               <a:rPr lang="en-US" smtClean="0"/>
-              <a:t>9/5/21</a:t>
+              <a:t>9/7/22</a:t>
             </a:fld>
             <a:endParaRPr lang="en-US"/>
           </a:p>
@@ -3638,7 +3638,7 @@
           <a:p>
             <a:fld id="{FE8A8F49-DF40-F949-8DE2-65B98C5FEDD7}" type="datetime1">
               <a:rPr lang="en-US" smtClean="0"/>
-              <a:t>9/5/21</a:t>
+              <a:t>9/7/22</a:t>
             </a:fld>
             <a:endParaRPr lang="en-US"/>
           </a:p>
@@ -3926,7 +3926,7 @@
           <a:p>
             <a:fld id="{A85EFE4E-DFE8-4C42-98CC-30B935E5C550}" type="datetime1">
               <a:rPr lang="en-US" smtClean="0"/>
-              <a:t>9/5/21</a:t>
+              <a:t>9/7/22</a:t>
             </a:fld>
             <a:endParaRPr lang="en-US"/>
           </a:p>
@@ -4167,7 +4167,7 @@
           <a:p>
             <a:fld id="{5A0C85FA-79DF-354D-A01A-3E5AA821AAF9}" type="datetime1">
               <a:rPr lang="en-US" smtClean="0"/>
-              <a:t>9/5/21</a:t>
+              <a:t>9/7/22</a:t>
             </a:fld>
             <a:endParaRPr lang="en-US"/>
           </a:p>
@@ -4612,7 +4612,13 @@
               <a:rPr lang="en-US" sz="2800" dirty="0">
                 <a:latin typeface="Garamond" panose="02020404030301010803" pitchFamily="18" charset="0"/>
               </a:rPr>
-              <a:t>INFO 656-01 Fall 2020</a:t>
+              <a:t>INFO 656-01 </a:t>
+            </a:r>
+            <a:r>
+              <a:rPr lang="en-US" sz="2800">
+                <a:latin typeface="Garamond" panose="02020404030301010803" pitchFamily="18" charset="0"/>
+              </a:rPr>
+              <a:t>Fall 2022</a:t>
             </a:r>
             <a:br>
               <a:rPr lang="en-US" b="1" dirty="0">

--- a/course slides/week_02.pptx
+++ b/course slides/week_02.pptx
@@ -4612,13 +4612,7 @@
               <a:rPr lang="en-US" sz="2800" dirty="0">
                 <a:latin typeface="Garamond" panose="02020404030301010803" pitchFamily="18" charset="0"/>
               </a:rPr>
-              <a:t>INFO 656-01 </a:t>
-            </a:r>
-            <a:r>
-              <a:rPr lang="en-US" sz="2800">
-                <a:latin typeface="Garamond" panose="02020404030301010803" pitchFamily="18" charset="0"/>
-              </a:rPr>
-              <a:t>Fall 2022</a:t>
+              <a:t>INFO 656-01 Fall 2022</a:t>
             </a:r>
             <a:br>
               <a:rPr lang="en-US" b="1" dirty="0">
@@ -4975,7 +4969,7 @@
 </file>
 
 <file path=ppt/slides/slide3.xml><?xml version="1.0" encoding="utf-8"?>
-<p:sld xmlns:a="http://schemas.openxmlformats.org/drawingml/2006/main" xmlns:r="http://schemas.openxmlformats.org/officeDocument/2006/relationships" xmlns:p="http://schemas.openxmlformats.org/presentationml/2006/main">
+<p:sld xmlns:a="http://schemas.openxmlformats.org/drawingml/2006/main" xmlns:r="http://schemas.openxmlformats.org/officeDocument/2006/relationships" xmlns:p="http://schemas.openxmlformats.org/presentationml/2006/main" show="0">
   <p:cSld>
     <p:spTree>
       <p:nvGrpSpPr>
@@ -5313,7 +5307,7 @@
           <a:p>
             <a:r>
               <a:rPr lang="en-US" dirty="0"/>
-              <a:t>Imagine a planet just like Earth except that there are only  two races of people: </a:t>
+              <a:t>Imagine a planet where </a:t>
             </a:r>
             <a:r>
               <a:rPr lang="en-US" b="1" dirty="0"/>
@@ -5325,7 +5319,11 @@
             </a:r>
             <a:r>
               <a:rPr lang="en-US" b="1" dirty="0"/>
-              <a:t>Squares</a:t>
+              <a:t>Squares </a:t>
+            </a:r>
+            <a:r>
+              <a:rPr lang="en-US" dirty="0"/>
+              <a:t>live on</a:t>
             </a:r>
           </a:p>
           <a:p>
